--- a/notes/hashtable.pptx
+++ b/notes/hashtable.pptx
@@ -5,10 +5,10 @@
     <p:sldMasterId id="2147483672" r:id="rId1"/>
   </p:sldMasterIdLst>
   <p:notesMasterIdLst>
-    <p:notesMasterId r:id="rId10"/>
+    <p:notesMasterId r:id="rId30"/>
   </p:notesMasterIdLst>
   <p:handoutMasterIdLst>
-    <p:handoutMasterId r:id="rId11"/>
+    <p:handoutMasterId r:id="rId31"/>
   </p:handoutMasterIdLst>
   <p:sldIdLst>
     <p:sldId id="256" r:id="rId2"/>
@@ -16,9 +16,29 @@
     <p:sldId id="315" r:id="rId4"/>
     <p:sldId id="312" r:id="rId5"/>
     <p:sldId id="319" r:id="rId6"/>
-    <p:sldId id="320" r:id="rId7"/>
-    <p:sldId id="318" r:id="rId8"/>
-    <p:sldId id="316" r:id="rId9"/>
+    <p:sldId id="322" r:id="rId7"/>
+    <p:sldId id="323" r:id="rId8"/>
+    <p:sldId id="324" r:id="rId9"/>
+    <p:sldId id="325" r:id="rId10"/>
+    <p:sldId id="326" r:id="rId11"/>
+    <p:sldId id="320" r:id="rId12"/>
+    <p:sldId id="328" r:id="rId13"/>
+    <p:sldId id="327" r:id="rId14"/>
+    <p:sldId id="329" r:id="rId15"/>
+    <p:sldId id="330" r:id="rId16"/>
+    <p:sldId id="331" r:id="rId17"/>
+    <p:sldId id="332" r:id="rId18"/>
+    <p:sldId id="333" r:id="rId19"/>
+    <p:sldId id="334" r:id="rId20"/>
+    <p:sldId id="337" r:id="rId21"/>
+    <p:sldId id="335" r:id="rId22"/>
+    <p:sldId id="338" r:id="rId23"/>
+    <p:sldId id="336" r:id="rId24"/>
+    <p:sldId id="339" r:id="rId25"/>
+    <p:sldId id="316" r:id="rId26"/>
+    <p:sldId id="340" r:id="rId27"/>
+    <p:sldId id="341" r:id="rId28"/>
+    <p:sldId id="342" r:id="rId29"/>
   </p:sldIdLst>
   <p:sldSz cx="12192000" cy="6858000"/>
   <p:notesSz cx="9144000" cy="6858000"/>
@@ -3917,8 +3937,8 @@
           <a:p>
             <a:pPr algn="l"/>
             <a:r>
-              <a:rPr lang="en-US" b="1" dirty="0"/>
-              <a:t>Hash tables</a:t>
+              <a:rPr lang="en-US" b="1" dirty="0" err="1"/>
+              <a:t>Hashtables</a:t>
             </a:r>
             <a:endParaRPr lang="en-US" dirty="0"/>
           </a:p>
@@ -4009,6 +4029,68 @@
               <a:t>University of San Francisco</a:t>
             </a:r>
             <a:endParaRPr lang="en-US" dirty="0"/>
+          </a:p>
+        </p:txBody>
+      </p:sp>
+      <p:sp>
+        <p:nvSpPr>
+          <p:cNvPr id="4" name="TextBox 3">
+            <a:extLst>
+              <a:ext uri="{FF2B5EF4-FFF2-40B4-BE49-F238E27FC236}">
+                <a16:creationId xmlns:a16="http://schemas.microsoft.com/office/drawing/2014/main" id="{DAC2D81C-D353-0D43-B675-C67AD8C21D9F}"/>
+              </a:ext>
+            </a:extLst>
+          </p:cNvPr>
+          <p:cNvSpPr txBox="1"/>
+          <p:nvPr/>
+        </p:nvSpPr>
+        <p:spPr>
+          <a:xfrm>
+            <a:off x="0" y="5560541"/>
+            <a:ext cx="8921578" cy="707886"/>
+          </a:xfrm>
+          <a:prstGeom prst="rect">
+            <a:avLst/>
+          </a:prstGeom>
+          <a:noFill/>
+        </p:spPr>
+        <p:txBody>
+          <a:bodyPr wrap="square" rtlCol="0">
+            <a:spAutoFit/>
+          </a:bodyPr>
+          <a:lstStyle/>
+          <a:p>
+            <a:r>
+              <a:rPr lang="en-US" sz="2000" dirty="0"/>
+              <a:t>See </a:t>
+            </a:r>
+            <a:r>
+              <a:rPr lang="en-US" sz="2000" dirty="0">
+                <a:hlinkClick r:id="rId2"/>
+              </a:rPr>
+              <a:t>https://github.com/parrt/msds692/blob/master/notes/hashtable.ipynb</a:t>
+            </a:r>
+            <a:r>
+              <a:rPr lang="en-US" sz="2000" dirty="0"/>
+              <a:t> and</a:t>
+            </a:r>
+            <a:br>
+              <a:rPr lang="en-US" sz="2000" dirty="0"/>
+            </a:br>
+            <a:r>
+              <a:rPr lang="en-US" sz="2000" dirty="0"/>
+              <a:t>       </a:t>
+            </a:r>
+            <a:r>
+              <a:rPr lang="en-US" sz="2000" dirty="0">
+                <a:hlinkClick r:id="rId3"/>
+              </a:rPr>
+              <a:t>https://github.com/parrt/msds692/blob/master/notes/dict.ipynb</a:t>
+            </a:r>
+            <a:r>
+              <a:rPr lang="en-US" sz="2000" dirty="0"/>
+              <a:t> </a:t>
+            </a:r>
           </a:p>
         </p:txBody>
       </p:sp>
@@ -4022,6 +4104,2177 @@
   <p:clrMapOvr>
     <a:masterClrMapping/>
   </p:clrMapOvr>
+</p:sld>
+</file>
+
+<file path=ppt/slides/slide10.xml><?xml version="1.0" encoding="utf-8"?>
+<p:sld xmlns:a="http://schemas.openxmlformats.org/drawingml/2006/main" xmlns:r="http://schemas.openxmlformats.org/officeDocument/2006/relationships" xmlns:p="http://schemas.openxmlformats.org/presentationml/2006/main">
+  <p:cSld>
+    <p:spTree>
+      <p:nvGrpSpPr>
+        <p:cNvPr id="1" name=""/>
+        <p:cNvGrpSpPr/>
+        <p:nvPr/>
+      </p:nvGrpSpPr>
+      <p:grpSpPr>
+        <a:xfrm>
+          <a:off x="0" y="0"/>
+          <a:ext cx="0" cy="0"/>
+          <a:chOff x="0" y="0"/>
+          <a:chExt cx="0" cy="0"/>
+        </a:xfrm>
+      </p:grpSpPr>
+      <p:sp>
+        <p:nvSpPr>
+          <p:cNvPr id="2" name="Title 1">
+            <a:extLst>
+              <a:ext uri="{FF2B5EF4-FFF2-40B4-BE49-F238E27FC236}">
+                <a16:creationId xmlns:a16="http://schemas.microsoft.com/office/drawing/2014/main" id="{8F60B568-1702-F445-8C8A-59BB14BB94E3}"/>
+              </a:ext>
+            </a:extLst>
+          </p:cNvPr>
+          <p:cNvSpPr>
+            <a:spLocks noGrp="1"/>
+          </p:cNvSpPr>
+          <p:nvPr>
+            <p:ph type="title"/>
+          </p:nvPr>
+        </p:nvSpPr>
+        <p:spPr/>
+        <p:txBody>
+          <a:bodyPr/>
+          <a:lstStyle/>
+          <a:p>
+            <a:r>
+              <a:rPr lang="en-US" dirty="0"/>
+              <a:t>Searching </a:t>
+            </a:r>
+            <a:r>
+              <a:rPr lang="en-US" dirty="0" err="1"/>
+              <a:t>hashtable</a:t>
+            </a:r>
+            <a:r>
+              <a:rPr lang="en-US" dirty="0"/>
+              <a:t> set implementation</a:t>
+            </a:r>
+          </a:p>
+        </p:txBody>
+      </p:sp>
+      <p:sp>
+        <p:nvSpPr>
+          <p:cNvPr id="3" name="Content Placeholder 2">
+            <a:extLst>
+              <a:ext uri="{FF2B5EF4-FFF2-40B4-BE49-F238E27FC236}">
+                <a16:creationId xmlns:a16="http://schemas.microsoft.com/office/drawing/2014/main" id="{F0FB6C76-6633-3E4A-8091-0B48441D9F16}"/>
+              </a:ext>
+            </a:extLst>
+          </p:cNvPr>
+          <p:cNvSpPr>
+            <a:spLocks noGrp="1"/>
+          </p:cNvSpPr>
+          <p:nvPr>
+            <p:ph idx="1"/>
+          </p:nvPr>
+        </p:nvSpPr>
+        <p:spPr/>
+        <p:txBody>
+          <a:bodyPr/>
+          <a:lstStyle/>
+          <a:p>
+            <a:r>
+              <a:rPr lang="en-US" dirty="0"/>
+              <a:t>To find x, look in the bucket indicated by hash(x)</a:t>
+            </a:r>
+          </a:p>
+        </p:txBody>
+      </p:sp>
+      <p:pic>
+        <p:nvPicPr>
+          <p:cNvPr id="5" name="Picture 4" descr="Graphical user interface, text, application, chat or text message&#10;&#10;Description automatically generated">
+            <a:extLst>
+              <a:ext uri="{FF2B5EF4-FFF2-40B4-BE49-F238E27FC236}">
+                <a16:creationId xmlns:a16="http://schemas.microsoft.com/office/drawing/2014/main" id="{C5A75264-DC79-6645-A513-799E1DEC03AB}"/>
+              </a:ext>
+            </a:extLst>
+          </p:cNvPr>
+          <p:cNvPicPr>
+            <a:picLocks noChangeAspect="1"/>
+          </p:cNvPicPr>
+          <p:nvPr/>
+        </p:nvPicPr>
+        <p:blipFill>
+          <a:blip r:embed="rId2"/>
+          <a:stretch>
+            <a:fillRect/>
+          </a:stretch>
+        </p:blipFill>
+        <p:spPr>
+          <a:xfrm>
+            <a:off x="4653282" y="2505401"/>
+            <a:ext cx="3892709" cy="3767138"/>
+          </a:xfrm>
+          <a:prstGeom prst="rect">
+            <a:avLst/>
+          </a:prstGeom>
+        </p:spPr>
+      </p:pic>
+      <p:pic>
+        <p:nvPicPr>
+          <p:cNvPr id="7" name="Picture 6" descr="Graphical user interface, text&#10;&#10;Description automatically generated">
+            <a:extLst>
+              <a:ext uri="{FF2B5EF4-FFF2-40B4-BE49-F238E27FC236}">
+                <a16:creationId xmlns:a16="http://schemas.microsoft.com/office/drawing/2014/main" id="{DAEDBF71-0D03-C540-9951-A468AB69265D}"/>
+              </a:ext>
+            </a:extLst>
+          </p:cNvPr>
+          <p:cNvPicPr>
+            <a:picLocks noChangeAspect="1"/>
+          </p:cNvPicPr>
+          <p:nvPr/>
+        </p:nvPicPr>
+        <p:blipFill>
+          <a:blip r:embed="rId3"/>
+          <a:stretch>
+            <a:fillRect/>
+          </a:stretch>
+        </p:blipFill>
+        <p:spPr>
+          <a:xfrm>
+            <a:off x="287246" y="2544762"/>
+            <a:ext cx="3982082" cy="3163072"/>
+          </a:xfrm>
+          <a:prstGeom prst="rect">
+            <a:avLst/>
+          </a:prstGeom>
+        </p:spPr>
+      </p:pic>
+      <p:sp>
+        <p:nvSpPr>
+          <p:cNvPr id="8" name="Rectangle 7">
+            <a:extLst>
+              <a:ext uri="{FF2B5EF4-FFF2-40B4-BE49-F238E27FC236}">
+                <a16:creationId xmlns:a16="http://schemas.microsoft.com/office/drawing/2014/main" id="{890A8844-4C1D-154E-9B52-FEB3A2D654AD}"/>
+              </a:ext>
+            </a:extLst>
+          </p:cNvPr>
+          <p:cNvSpPr/>
+          <p:nvPr/>
+        </p:nvSpPr>
+        <p:spPr>
+          <a:xfrm>
+            <a:off x="1882812" y="5343683"/>
+            <a:ext cx="840378" cy="364151"/>
+          </a:xfrm>
+          <a:prstGeom prst="rect">
+            <a:avLst/>
+          </a:prstGeom>
+          <a:noFill/>
+          <a:ln>
+            <a:solidFill>
+              <a:srgbClr val="E4754F"/>
+            </a:solidFill>
+          </a:ln>
+        </p:spPr>
+        <p:style>
+          <a:lnRef idx="2">
+            <a:schemeClr val="accent1">
+              <a:shade val="50000"/>
+            </a:schemeClr>
+          </a:lnRef>
+          <a:fillRef idx="1">
+            <a:schemeClr val="accent1"/>
+          </a:fillRef>
+          <a:effectRef idx="0">
+            <a:schemeClr val="accent1"/>
+          </a:effectRef>
+          <a:fontRef idx="minor">
+            <a:schemeClr val="lt1"/>
+          </a:fontRef>
+        </p:style>
+        <p:txBody>
+          <a:bodyPr rtlCol="0" anchor="ctr"/>
+          <a:lstStyle/>
+          <a:p>
+            <a:pPr algn="ctr"/>
+            <a:endParaRPr lang="en-US"/>
+          </a:p>
+        </p:txBody>
+      </p:sp>
+      <p:sp>
+        <p:nvSpPr>
+          <p:cNvPr id="9" name="Rectangle 8">
+            <a:extLst>
+              <a:ext uri="{FF2B5EF4-FFF2-40B4-BE49-F238E27FC236}">
+                <a16:creationId xmlns:a16="http://schemas.microsoft.com/office/drawing/2014/main" id="{06C795E9-F881-6043-9D0C-2096A5A70CBB}"/>
+              </a:ext>
+            </a:extLst>
+          </p:cNvPr>
+          <p:cNvSpPr/>
+          <p:nvPr/>
+        </p:nvSpPr>
+        <p:spPr>
+          <a:xfrm>
+            <a:off x="6241232" y="5871317"/>
+            <a:ext cx="977108" cy="364151"/>
+          </a:xfrm>
+          <a:prstGeom prst="rect">
+            <a:avLst/>
+          </a:prstGeom>
+          <a:noFill/>
+          <a:ln>
+            <a:solidFill>
+              <a:srgbClr val="E4754F"/>
+            </a:solidFill>
+          </a:ln>
+        </p:spPr>
+        <p:style>
+          <a:lnRef idx="2">
+            <a:schemeClr val="accent1">
+              <a:shade val="50000"/>
+            </a:schemeClr>
+          </a:lnRef>
+          <a:fillRef idx="1">
+            <a:schemeClr val="accent1"/>
+          </a:fillRef>
+          <a:effectRef idx="0">
+            <a:schemeClr val="accent1"/>
+          </a:effectRef>
+          <a:fontRef idx="minor">
+            <a:schemeClr val="lt1"/>
+          </a:fontRef>
+        </p:style>
+        <p:txBody>
+          <a:bodyPr rtlCol="0" anchor="ctr"/>
+          <a:lstStyle/>
+          <a:p>
+            <a:pPr algn="ctr"/>
+            <a:endParaRPr lang="en-US"/>
+          </a:p>
+        </p:txBody>
+      </p:sp>
+      <p:sp>
+        <p:nvSpPr>
+          <p:cNvPr id="10" name="Rectangle 9">
+            <a:extLst>
+              <a:ext uri="{FF2B5EF4-FFF2-40B4-BE49-F238E27FC236}">
+                <a16:creationId xmlns:a16="http://schemas.microsoft.com/office/drawing/2014/main" id="{5FD92148-7722-4440-9D36-DF59B7705829}"/>
+              </a:ext>
+            </a:extLst>
+          </p:cNvPr>
+          <p:cNvSpPr/>
+          <p:nvPr/>
+        </p:nvSpPr>
+        <p:spPr>
+          <a:xfrm>
+            <a:off x="6500779" y="3246924"/>
+            <a:ext cx="1421895" cy="364151"/>
+          </a:xfrm>
+          <a:prstGeom prst="rect">
+            <a:avLst/>
+          </a:prstGeom>
+          <a:noFill/>
+          <a:ln>
+            <a:solidFill>
+              <a:srgbClr val="E4754F"/>
+            </a:solidFill>
+          </a:ln>
+        </p:spPr>
+        <p:style>
+          <a:lnRef idx="2">
+            <a:schemeClr val="accent1">
+              <a:shade val="50000"/>
+            </a:schemeClr>
+          </a:lnRef>
+          <a:fillRef idx="1">
+            <a:schemeClr val="accent1"/>
+          </a:fillRef>
+          <a:effectRef idx="0">
+            <a:schemeClr val="accent1"/>
+          </a:effectRef>
+          <a:fontRef idx="minor">
+            <a:schemeClr val="lt1"/>
+          </a:fontRef>
+        </p:style>
+        <p:txBody>
+          <a:bodyPr rtlCol="0" anchor="ctr"/>
+          <a:lstStyle/>
+          <a:p>
+            <a:pPr algn="ctr"/>
+            <a:endParaRPr lang="en-US"/>
+          </a:p>
+        </p:txBody>
+      </p:sp>
+      <p:sp>
+        <p:nvSpPr>
+          <p:cNvPr id="11" name="Rectangle 10">
+            <a:extLst>
+              <a:ext uri="{FF2B5EF4-FFF2-40B4-BE49-F238E27FC236}">
+                <a16:creationId xmlns:a16="http://schemas.microsoft.com/office/drawing/2014/main" id="{78D120F2-C064-4449-AA32-28C996CD07E1}"/>
+              </a:ext>
+            </a:extLst>
+          </p:cNvPr>
+          <p:cNvSpPr/>
+          <p:nvPr/>
+        </p:nvSpPr>
+        <p:spPr>
+          <a:xfrm>
+            <a:off x="2101298" y="2946848"/>
+            <a:ext cx="247254" cy="364151"/>
+          </a:xfrm>
+          <a:prstGeom prst="rect">
+            <a:avLst/>
+          </a:prstGeom>
+          <a:noFill/>
+          <a:ln>
+            <a:solidFill>
+              <a:srgbClr val="E4754F"/>
+            </a:solidFill>
+          </a:ln>
+        </p:spPr>
+        <p:style>
+          <a:lnRef idx="2">
+            <a:schemeClr val="accent1">
+              <a:shade val="50000"/>
+            </a:schemeClr>
+          </a:lnRef>
+          <a:fillRef idx="1">
+            <a:schemeClr val="accent1"/>
+          </a:fillRef>
+          <a:effectRef idx="0">
+            <a:schemeClr val="accent1"/>
+          </a:effectRef>
+          <a:fontRef idx="minor">
+            <a:schemeClr val="lt1"/>
+          </a:fontRef>
+        </p:style>
+        <p:txBody>
+          <a:bodyPr rtlCol="0" anchor="ctr"/>
+          <a:lstStyle/>
+          <a:p>
+            <a:pPr algn="ctr"/>
+            <a:endParaRPr lang="en-US"/>
+          </a:p>
+        </p:txBody>
+      </p:sp>
+      <p:pic>
+        <p:nvPicPr>
+          <p:cNvPr id="14" name="Picture 13" descr="Diagram&#10;&#10;Description automatically generated">
+            <a:extLst>
+              <a:ext uri="{FF2B5EF4-FFF2-40B4-BE49-F238E27FC236}">
+                <a16:creationId xmlns:a16="http://schemas.microsoft.com/office/drawing/2014/main" id="{2AFF6B11-C2F9-2B42-8DC7-74961D89D3E5}"/>
+              </a:ext>
+            </a:extLst>
+          </p:cNvPr>
+          <p:cNvPicPr>
+            <a:picLocks noChangeAspect="1"/>
+          </p:cNvPicPr>
+          <p:nvPr/>
+        </p:nvPicPr>
+        <p:blipFill>
+          <a:blip r:embed="rId4"/>
+          <a:stretch>
+            <a:fillRect/>
+          </a:stretch>
+        </p:blipFill>
+        <p:spPr>
+          <a:xfrm>
+            <a:off x="9220889" y="1524930"/>
+            <a:ext cx="2683865" cy="4652033"/>
+          </a:xfrm>
+          <a:prstGeom prst="rect">
+            <a:avLst/>
+          </a:prstGeom>
+        </p:spPr>
+      </p:pic>
+      <p:sp>
+        <p:nvSpPr>
+          <p:cNvPr id="15" name="TextBox 14">
+            <a:extLst>
+              <a:ext uri="{FF2B5EF4-FFF2-40B4-BE49-F238E27FC236}">
+                <a16:creationId xmlns:a16="http://schemas.microsoft.com/office/drawing/2014/main" id="{812ECD36-1410-B642-B488-C4F6C5A4C4ED}"/>
+              </a:ext>
+            </a:extLst>
+          </p:cNvPr>
+          <p:cNvSpPr txBox="1"/>
+          <p:nvPr/>
+        </p:nvSpPr>
+        <p:spPr>
+          <a:xfrm>
+            <a:off x="1522685" y="2264520"/>
+            <a:ext cx="877163" cy="369332"/>
+          </a:xfrm>
+          <a:prstGeom prst="rect">
+            <a:avLst/>
+          </a:prstGeom>
+          <a:noFill/>
+        </p:spPr>
+        <p:txBody>
+          <a:bodyPr wrap="none" rtlCol="0">
+            <a:spAutoFit/>
+          </a:bodyPr>
+          <a:lstStyle/>
+          <a:p>
+            <a:r>
+              <a:rPr lang="en-US" b="1" dirty="0"/>
+              <a:t>Linear</a:t>
+            </a:r>
+          </a:p>
+        </p:txBody>
+      </p:sp>
+      <p:sp>
+        <p:nvSpPr>
+          <p:cNvPr id="16" name="TextBox 15">
+            <a:extLst>
+              <a:ext uri="{FF2B5EF4-FFF2-40B4-BE49-F238E27FC236}">
+                <a16:creationId xmlns:a16="http://schemas.microsoft.com/office/drawing/2014/main" id="{6DABFA9B-8D1A-7845-9411-0D19FC43148A}"/>
+              </a:ext>
+            </a:extLst>
+          </p:cNvPr>
+          <p:cNvSpPr txBox="1"/>
+          <p:nvPr/>
+        </p:nvSpPr>
+        <p:spPr>
+          <a:xfrm>
+            <a:off x="6087845" y="2253039"/>
+            <a:ext cx="1287532" cy="369332"/>
+          </a:xfrm>
+          <a:prstGeom prst="rect">
+            <a:avLst/>
+          </a:prstGeom>
+          <a:noFill/>
+        </p:spPr>
+        <p:txBody>
+          <a:bodyPr wrap="none" rtlCol="0">
+            <a:spAutoFit/>
+          </a:bodyPr>
+          <a:lstStyle/>
+          <a:p>
+            <a:r>
+              <a:rPr lang="en-US" b="1" dirty="0" err="1"/>
+              <a:t>Hashtable</a:t>
+            </a:r>
+            <a:endParaRPr lang="en-US" b="1" dirty="0"/>
+          </a:p>
+        </p:txBody>
+      </p:sp>
+    </p:spTree>
+    <p:extLst>
+      <p:ext uri="{BB962C8B-B14F-4D97-AF65-F5344CB8AC3E}">
+        <p14:creationId xmlns:p14="http://schemas.microsoft.com/office/powerpoint/2010/main" val="2303795529"/>
+      </p:ext>
+    </p:extLst>
+  </p:cSld>
+  <p:clrMapOvr>
+    <a:masterClrMapping/>
+  </p:clrMapOvr>
+</p:sld>
+</file>
+
+<file path=ppt/slides/slide11.xml><?xml version="1.0" encoding="utf-8"?>
+<p:sld xmlns:a="http://schemas.openxmlformats.org/drawingml/2006/main" xmlns:r="http://schemas.openxmlformats.org/officeDocument/2006/relationships" xmlns:p="http://schemas.openxmlformats.org/presentationml/2006/main">
+  <p:cSld>
+    <p:spTree>
+      <p:nvGrpSpPr>
+        <p:cNvPr id="1" name=""/>
+        <p:cNvGrpSpPr/>
+        <p:nvPr/>
+      </p:nvGrpSpPr>
+      <p:grpSpPr>
+        <a:xfrm>
+          <a:off x="0" y="0"/>
+          <a:ext cx="0" cy="0"/>
+          <a:chOff x="0" y="0"/>
+          <a:chExt cx="0" cy="0"/>
+        </a:xfrm>
+      </p:grpSpPr>
+      <p:sp>
+        <p:nvSpPr>
+          <p:cNvPr id="2" name="Title 1">
+            <a:extLst>
+              <a:ext uri="{FF2B5EF4-FFF2-40B4-BE49-F238E27FC236}">
+                <a16:creationId xmlns:a16="http://schemas.microsoft.com/office/drawing/2014/main" id="{4001F33A-2A77-434F-8E4F-7FC4AD2D3775}"/>
+              </a:ext>
+            </a:extLst>
+          </p:cNvPr>
+          <p:cNvSpPr>
+            <a:spLocks noGrp="1"/>
+          </p:cNvSpPr>
+          <p:nvPr>
+            <p:ph type="title"/>
+          </p:nvPr>
+        </p:nvSpPr>
+        <p:spPr/>
+        <p:txBody>
+          <a:bodyPr/>
+          <a:lstStyle/>
+          <a:p>
+            <a:r>
+              <a:rPr lang="en-US" dirty="0"/>
+              <a:t>Speed difference is dramatic</a:t>
+            </a:r>
+          </a:p>
+        </p:txBody>
+      </p:sp>
+      <p:pic>
+        <p:nvPicPr>
+          <p:cNvPr id="9" name="Content Placeholder 8" descr="Graphical user interface&#10;&#10;Description automatically generated with low confidence">
+            <a:extLst>
+              <a:ext uri="{FF2B5EF4-FFF2-40B4-BE49-F238E27FC236}">
+                <a16:creationId xmlns:a16="http://schemas.microsoft.com/office/drawing/2014/main" id="{5E9EE94A-5A72-3D42-A9D6-DA80D8803DFB}"/>
+              </a:ext>
+            </a:extLst>
+          </p:cNvPr>
+          <p:cNvPicPr>
+            <a:picLocks noGrp="1" noChangeAspect="1"/>
+          </p:cNvPicPr>
+          <p:nvPr>
+            <p:ph idx="1"/>
+          </p:nvPr>
+        </p:nvPicPr>
+        <p:blipFill>
+          <a:blip r:embed="rId2"/>
+          <a:stretch>
+            <a:fillRect/>
+          </a:stretch>
+        </p:blipFill>
+        <p:spPr>
+          <a:xfrm>
+            <a:off x="850736" y="3762921"/>
+            <a:ext cx="8433105" cy="1488195"/>
+          </a:xfrm>
+        </p:spPr>
+      </p:pic>
+      <p:pic>
+        <p:nvPicPr>
+          <p:cNvPr id="11" name="Picture 10" descr="A picture containing table&#10;&#10;Description automatically generated">
+            <a:extLst>
+              <a:ext uri="{FF2B5EF4-FFF2-40B4-BE49-F238E27FC236}">
+                <a16:creationId xmlns:a16="http://schemas.microsoft.com/office/drawing/2014/main" id="{87208F27-0528-5D46-A050-E75180CC858E}"/>
+              </a:ext>
+            </a:extLst>
+          </p:cNvPr>
+          <p:cNvPicPr>
+            <a:picLocks noChangeAspect="1"/>
+          </p:cNvPicPr>
+          <p:nvPr/>
+        </p:nvPicPr>
+        <p:blipFill>
+          <a:blip r:embed="rId3"/>
+          <a:stretch>
+            <a:fillRect/>
+          </a:stretch>
+        </p:blipFill>
+        <p:spPr>
+          <a:xfrm>
+            <a:off x="838200" y="1690688"/>
+            <a:ext cx="8482712" cy="1455124"/>
+          </a:xfrm>
+          <a:prstGeom prst="rect">
+            <a:avLst/>
+          </a:prstGeom>
+        </p:spPr>
+      </p:pic>
+      <p:sp>
+        <p:nvSpPr>
+          <p:cNvPr id="12" name="Rectangle 11">
+            <a:extLst>
+              <a:ext uri="{FF2B5EF4-FFF2-40B4-BE49-F238E27FC236}">
+                <a16:creationId xmlns:a16="http://schemas.microsoft.com/office/drawing/2014/main" id="{E6CC60AB-434E-B440-A83A-4EDF57F0083A}"/>
+              </a:ext>
+            </a:extLst>
+          </p:cNvPr>
+          <p:cNvSpPr/>
+          <p:nvPr/>
+        </p:nvSpPr>
+        <p:spPr>
+          <a:xfrm>
+            <a:off x="2729920" y="2781661"/>
+            <a:ext cx="1088318" cy="364151"/>
+          </a:xfrm>
+          <a:prstGeom prst="rect">
+            <a:avLst/>
+          </a:prstGeom>
+          <a:noFill/>
+          <a:ln>
+            <a:solidFill>
+              <a:srgbClr val="E4754F"/>
+            </a:solidFill>
+          </a:ln>
+        </p:spPr>
+        <p:style>
+          <a:lnRef idx="2">
+            <a:schemeClr val="accent1">
+              <a:shade val="50000"/>
+            </a:schemeClr>
+          </a:lnRef>
+          <a:fillRef idx="1">
+            <a:schemeClr val="accent1"/>
+          </a:fillRef>
+          <a:effectRef idx="0">
+            <a:schemeClr val="accent1"/>
+          </a:effectRef>
+          <a:fontRef idx="minor">
+            <a:schemeClr val="lt1"/>
+          </a:fontRef>
+        </p:style>
+        <p:txBody>
+          <a:bodyPr rtlCol="0" anchor="ctr"/>
+          <a:lstStyle/>
+          <a:p>
+            <a:pPr algn="ctr"/>
+            <a:endParaRPr lang="en-US"/>
+          </a:p>
+        </p:txBody>
+      </p:sp>
+      <p:sp>
+        <p:nvSpPr>
+          <p:cNvPr id="13" name="Rectangle 12">
+            <a:extLst>
+              <a:ext uri="{FF2B5EF4-FFF2-40B4-BE49-F238E27FC236}">
+                <a16:creationId xmlns:a16="http://schemas.microsoft.com/office/drawing/2014/main" id="{14A8AE01-007A-9142-9322-B4AB40E6DB1A}"/>
+              </a:ext>
+            </a:extLst>
+          </p:cNvPr>
+          <p:cNvSpPr/>
+          <p:nvPr/>
+        </p:nvSpPr>
+        <p:spPr>
+          <a:xfrm>
+            <a:off x="2760810" y="4886965"/>
+            <a:ext cx="1032713" cy="364151"/>
+          </a:xfrm>
+          <a:prstGeom prst="rect">
+            <a:avLst/>
+          </a:prstGeom>
+          <a:noFill/>
+          <a:ln>
+            <a:solidFill>
+              <a:srgbClr val="E4754F"/>
+            </a:solidFill>
+          </a:ln>
+        </p:spPr>
+        <p:style>
+          <a:lnRef idx="2">
+            <a:schemeClr val="accent1">
+              <a:shade val="50000"/>
+            </a:schemeClr>
+          </a:lnRef>
+          <a:fillRef idx="1">
+            <a:schemeClr val="accent1"/>
+          </a:fillRef>
+          <a:effectRef idx="0">
+            <a:schemeClr val="accent1"/>
+          </a:effectRef>
+          <a:fontRef idx="minor">
+            <a:schemeClr val="lt1"/>
+          </a:fontRef>
+        </p:style>
+        <p:txBody>
+          <a:bodyPr rtlCol="0" anchor="ctr"/>
+          <a:lstStyle/>
+          <a:p>
+            <a:pPr algn="ctr"/>
+            <a:endParaRPr lang="en-US"/>
+          </a:p>
+        </p:txBody>
+      </p:sp>
+      <p:sp>
+        <p:nvSpPr>
+          <p:cNvPr id="14" name="TextBox 13">
+            <a:extLst>
+              <a:ext uri="{FF2B5EF4-FFF2-40B4-BE49-F238E27FC236}">
+                <a16:creationId xmlns:a16="http://schemas.microsoft.com/office/drawing/2014/main" id="{99555A83-3A39-214E-9755-EB8596DB63EA}"/>
+              </a:ext>
+            </a:extLst>
+          </p:cNvPr>
+          <p:cNvSpPr txBox="1"/>
+          <p:nvPr/>
+        </p:nvSpPr>
+        <p:spPr>
+          <a:xfrm>
+            <a:off x="776415" y="1422218"/>
+            <a:ext cx="877163" cy="369332"/>
+          </a:xfrm>
+          <a:prstGeom prst="rect">
+            <a:avLst/>
+          </a:prstGeom>
+          <a:noFill/>
+        </p:spPr>
+        <p:txBody>
+          <a:bodyPr wrap="none" rtlCol="0">
+            <a:spAutoFit/>
+          </a:bodyPr>
+          <a:lstStyle/>
+          <a:p>
+            <a:r>
+              <a:rPr lang="en-US" b="1" dirty="0"/>
+              <a:t>Linear</a:t>
+            </a:r>
+          </a:p>
+        </p:txBody>
+      </p:sp>
+      <p:sp>
+        <p:nvSpPr>
+          <p:cNvPr id="16" name="TextBox 15">
+            <a:extLst>
+              <a:ext uri="{FF2B5EF4-FFF2-40B4-BE49-F238E27FC236}">
+                <a16:creationId xmlns:a16="http://schemas.microsoft.com/office/drawing/2014/main" id="{3C6D02AC-066D-AF4A-9B39-3037D5668DF4}"/>
+              </a:ext>
+            </a:extLst>
+          </p:cNvPr>
+          <p:cNvSpPr txBox="1"/>
+          <p:nvPr/>
+        </p:nvSpPr>
+        <p:spPr>
+          <a:xfrm>
+            <a:off x="801129" y="3478247"/>
+            <a:ext cx="1287532" cy="369332"/>
+          </a:xfrm>
+          <a:prstGeom prst="rect">
+            <a:avLst/>
+          </a:prstGeom>
+          <a:noFill/>
+        </p:spPr>
+        <p:txBody>
+          <a:bodyPr wrap="none" rtlCol="0">
+            <a:spAutoFit/>
+          </a:bodyPr>
+          <a:lstStyle/>
+          <a:p>
+            <a:r>
+              <a:rPr lang="en-US" b="1" dirty="0" err="1"/>
+              <a:t>Hashtable</a:t>
+            </a:r>
+            <a:endParaRPr lang="en-US" b="1" dirty="0"/>
+          </a:p>
+        </p:txBody>
+      </p:sp>
+    </p:spTree>
+    <p:extLst>
+      <p:ext uri="{BB962C8B-B14F-4D97-AF65-F5344CB8AC3E}">
+        <p14:creationId xmlns:p14="http://schemas.microsoft.com/office/powerpoint/2010/main" val="1105624541"/>
+      </p:ext>
+    </p:extLst>
+  </p:cSld>
+  <p:clrMapOvr>
+    <a:masterClrMapping/>
+  </p:clrMapOvr>
+</p:sld>
+</file>
+
+<file path=ppt/slides/slide12.xml><?xml version="1.0" encoding="utf-8"?>
+<p:sld xmlns:a="http://schemas.openxmlformats.org/drawingml/2006/main" xmlns:r="http://schemas.openxmlformats.org/officeDocument/2006/relationships" xmlns:p="http://schemas.openxmlformats.org/presentationml/2006/main">
+  <p:cSld>
+    <p:spTree>
+      <p:nvGrpSpPr>
+        <p:cNvPr id="1" name=""/>
+        <p:cNvGrpSpPr/>
+        <p:nvPr/>
+      </p:nvGrpSpPr>
+      <p:grpSpPr>
+        <a:xfrm>
+          <a:off x="0" y="0"/>
+          <a:ext cx="0" cy="0"/>
+          <a:chOff x="0" y="0"/>
+          <a:chExt cx="0" cy="0"/>
+        </a:xfrm>
+      </p:grpSpPr>
+      <p:sp>
+        <p:nvSpPr>
+          <p:cNvPr id="2" name="Title 1">
+            <a:extLst>
+              <a:ext uri="{FF2B5EF4-FFF2-40B4-BE49-F238E27FC236}">
+                <a16:creationId xmlns:a16="http://schemas.microsoft.com/office/drawing/2014/main" id="{B7594FD9-C918-A147-BFBF-803D214199FC}"/>
+              </a:ext>
+            </a:extLst>
+          </p:cNvPr>
+          <p:cNvSpPr>
+            <a:spLocks noGrp="1"/>
+          </p:cNvSpPr>
+          <p:nvPr>
+            <p:ph type="title"/>
+          </p:nvPr>
+        </p:nvSpPr>
+        <p:spPr/>
+        <p:txBody>
+          <a:bodyPr/>
+          <a:lstStyle/>
+          <a:p>
+            <a:r>
+              <a:rPr lang="en-US" dirty="0"/>
+              <a:t>Exercise</a:t>
+            </a:r>
+          </a:p>
+        </p:txBody>
+      </p:sp>
+      <p:sp>
+        <p:nvSpPr>
+          <p:cNvPr id="3" name="Content Placeholder 2">
+            <a:extLst>
+              <a:ext uri="{FF2B5EF4-FFF2-40B4-BE49-F238E27FC236}">
+                <a16:creationId xmlns:a16="http://schemas.microsoft.com/office/drawing/2014/main" id="{9F0FE173-1820-7C40-B1A2-3D6B05CD74D8}"/>
+              </a:ext>
+            </a:extLst>
+          </p:cNvPr>
+          <p:cNvSpPr>
+            <a:spLocks noGrp="1"/>
+          </p:cNvSpPr>
+          <p:nvPr>
+            <p:ph idx="1"/>
+          </p:nvPr>
+        </p:nvSpPr>
+        <p:spPr/>
+        <p:txBody>
+          <a:bodyPr/>
+          <a:lstStyle/>
+          <a:p>
+            <a:r>
+              <a:rPr lang="en-US" dirty="0"/>
+              <a:t>What would happen if we used a hash function like these?</a:t>
+            </a:r>
+          </a:p>
+        </p:txBody>
+      </p:sp>
+      <p:pic>
+        <p:nvPicPr>
+          <p:cNvPr id="5" name="Picture 4" descr="A picture containing text&#10;&#10;Description automatically generated">
+            <a:extLst>
+              <a:ext uri="{FF2B5EF4-FFF2-40B4-BE49-F238E27FC236}">
+                <a16:creationId xmlns:a16="http://schemas.microsoft.com/office/drawing/2014/main" id="{32576E3D-82E0-DB47-9A31-39C952D75ACA}"/>
+              </a:ext>
+            </a:extLst>
+          </p:cNvPr>
+          <p:cNvPicPr>
+            <a:picLocks noChangeAspect="1"/>
+          </p:cNvPicPr>
+          <p:nvPr/>
+        </p:nvPicPr>
+        <p:blipFill>
+          <a:blip r:embed="rId2"/>
+          <a:stretch>
+            <a:fillRect/>
+          </a:stretch>
+        </p:blipFill>
+        <p:spPr>
+          <a:xfrm>
+            <a:off x="3923784" y="2512541"/>
+            <a:ext cx="3475131" cy="1010947"/>
+          </a:xfrm>
+          <a:prstGeom prst="rect">
+            <a:avLst/>
+          </a:prstGeom>
+        </p:spPr>
+      </p:pic>
+      <p:pic>
+        <p:nvPicPr>
+          <p:cNvPr id="7" name="Picture 6" descr="A picture containing graphical user interface&#10;&#10;Description automatically generated">
+            <a:extLst>
+              <a:ext uri="{FF2B5EF4-FFF2-40B4-BE49-F238E27FC236}">
+                <a16:creationId xmlns:a16="http://schemas.microsoft.com/office/drawing/2014/main" id="{02903646-6696-B148-80B4-789C30A2742C}"/>
+              </a:ext>
+            </a:extLst>
+          </p:cNvPr>
+          <p:cNvPicPr>
+            <a:picLocks noChangeAspect="1"/>
+          </p:cNvPicPr>
+          <p:nvPr/>
+        </p:nvPicPr>
+        <p:blipFill>
+          <a:blip r:embed="rId3"/>
+          <a:stretch>
+            <a:fillRect/>
+          </a:stretch>
+        </p:blipFill>
+        <p:spPr>
+          <a:xfrm>
+            <a:off x="3948499" y="3840656"/>
+            <a:ext cx="2688686" cy="1010946"/>
+          </a:xfrm>
+          <a:prstGeom prst="rect">
+            <a:avLst/>
+          </a:prstGeom>
+        </p:spPr>
+      </p:pic>
+    </p:spTree>
+    <p:extLst>
+      <p:ext uri="{BB962C8B-B14F-4D97-AF65-F5344CB8AC3E}">
+        <p14:creationId xmlns:p14="http://schemas.microsoft.com/office/powerpoint/2010/main" val="2948601064"/>
+      </p:ext>
+    </p:extLst>
+  </p:cSld>
+  <p:clrMapOvr>
+    <a:masterClrMapping/>
+  </p:clrMapOvr>
+</p:sld>
+</file>
+
+<file path=ppt/slides/slide13.xml><?xml version="1.0" encoding="utf-8"?>
+<p:sld xmlns:a="http://schemas.openxmlformats.org/drawingml/2006/main" xmlns:r="http://schemas.openxmlformats.org/officeDocument/2006/relationships" xmlns:p="http://schemas.openxmlformats.org/presentationml/2006/main">
+  <p:cSld>
+    <p:spTree>
+      <p:nvGrpSpPr>
+        <p:cNvPr id="1" name=""/>
+        <p:cNvGrpSpPr/>
+        <p:nvPr/>
+      </p:nvGrpSpPr>
+      <p:grpSpPr>
+        <a:xfrm>
+          <a:off x="0" y="0"/>
+          <a:ext cx="0" cy="0"/>
+          <a:chOff x="0" y="0"/>
+          <a:chExt cx="0" cy="0"/>
+        </a:xfrm>
+      </p:grpSpPr>
+      <p:sp>
+        <p:nvSpPr>
+          <p:cNvPr id="2" name="Title 1">
+            <a:extLst>
+              <a:ext uri="{FF2B5EF4-FFF2-40B4-BE49-F238E27FC236}">
+                <a16:creationId xmlns:a16="http://schemas.microsoft.com/office/drawing/2014/main" id="{4AFD5744-CDE1-1A48-883E-789C1B152359}"/>
+              </a:ext>
+            </a:extLst>
+          </p:cNvPr>
+          <p:cNvSpPr>
+            <a:spLocks noGrp="1"/>
+          </p:cNvSpPr>
+          <p:nvPr>
+            <p:ph type="title"/>
+          </p:nvPr>
+        </p:nvSpPr>
+        <p:spPr/>
+        <p:txBody>
+          <a:bodyPr/>
+          <a:lstStyle/>
+          <a:p>
+            <a:r>
+              <a:rPr lang="en-US" dirty="0"/>
+              <a:t>Sets of strings</a:t>
+            </a:r>
+          </a:p>
+        </p:txBody>
+      </p:sp>
+      <p:sp>
+        <p:nvSpPr>
+          <p:cNvPr id="3" name="Content Placeholder 2">
+            <a:extLst>
+              <a:ext uri="{FF2B5EF4-FFF2-40B4-BE49-F238E27FC236}">
+                <a16:creationId xmlns:a16="http://schemas.microsoft.com/office/drawing/2014/main" id="{527DAFF5-D018-5F47-8906-1EA4DAE83714}"/>
+              </a:ext>
+            </a:extLst>
+          </p:cNvPr>
+          <p:cNvSpPr>
+            <a:spLocks noGrp="1"/>
+          </p:cNvSpPr>
+          <p:nvPr>
+            <p:ph idx="1"/>
+          </p:nvPr>
+        </p:nvSpPr>
+        <p:spPr>
+          <a:xfrm>
+            <a:off x="838200" y="1825625"/>
+            <a:ext cx="7748815" cy="4351338"/>
+          </a:xfrm>
+        </p:spPr>
+        <p:txBody>
+          <a:bodyPr/>
+          <a:lstStyle/>
+          <a:p>
+            <a:r>
+              <a:rPr lang="en-US" dirty="0" err="1"/>
+              <a:t>Hashtables</a:t>
+            </a:r>
+            <a:r>
+              <a:rPr lang="en-US" dirty="0"/>
+              <a:t> work for any value for which we can define a good hash function, one that partitions the space evenly</a:t>
+            </a:r>
+          </a:p>
+          <a:p>
+            <a:r>
+              <a:rPr lang="en-US" dirty="0"/>
+              <a:t>What hash function am I using here?</a:t>
+            </a:r>
+          </a:p>
+        </p:txBody>
+      </p:sp>
+      <p:pic>
+        <p:nvPicPr>
+          <p:cNvPr id="11" name="Picture 10" descr="A picture containing scatter chart&#10;&#10;Description automatically generated">
+            <a:extLst>
+              <a:ext uri="{FF2B5EF4-FFF2-40B4-BE49-F238E27FC236}">
+                <a16:creationId xmlns:a16="http://schemas.microsoft.com/office/drawing/2014/main" id="{7F4D6D89-43A3-C945-B397-493DF6627473}"/>
+              </a:ext>
+            </a:extLst>
+          </p:cNvPr>
+          <p:cNvPicPr>
+            <a:picLocks noChangeAspect="1"/>
+          </p:cNvPicPr>
+          <p:nvPr/>
+        </p:nvPicPr>
+        <p:blipFill>
+          <a:blip r:embed="rId2"/>
+          <a:stretch>
+            <a:fillRect/>
+          </a:stretch>
+        </p:blipFill>
+        <p:spPr>
+          <a:xfrm>
+            <a:off x="0" y="5508538"/>
+            <a:ext cx="9808588" cy="1349462"/>
+          </a:xfrm>
+          <a:prstGeom prst="rect">
+            <a:avLst/>
+          </a:prstGeom>
+        </p:spPr>
+      </p:pic>
+      <p:pic>
+        <p:nvPicPr>
+          <p:cNvPr id="9" name="Picture 8" descr="Diagram&#10;&#10;Description automatically generated">
+            <a:extLst>
+              <a:ext uri="{FF2B5EF4-FFF2-40B4-BE49-F238E27FC236}">
+                <a16:creationId xmlns:a16="http://schemas.microsoft.com/office/drawing/2014/main" id="{28BE0690-8F0A-AF47-B3D0-AE060132A237}"/>
+              </a:ext>
+            </a:extLst>
+          </p:cNvPr>
+          <p:cNvPicPr>
+            <a:picLocks noChangeAspect="1"/>
+          </p:cNvPicPr>
+          <p:nvPr/>
+        </p:nvPicPr>
+        <p:blipFill>
+          <a:blip r:embed="rId3"/>
+          <a:stretch>
+            <a:fillRect/>
+          </a:stretch>
+        </p:blipFill>
+        <p:spPr>
+          <a:xfrm>
+            <a:off x="8433729" y="365125"/>
+            <a:ext cx="3530858" cy="6394021"/>
+          </a:xfrm>
+          <a:prstGeom prst="rect">
+            <a:avLst/>
+          </a:prstGeom>
+        </p:spPr>
+      </p:pic>
+      <p:sp>
+        <p:nvSpPr>
+          <p:cNvPr id="12" name="TextBox 11">
+            <a:extLst>
+              <a:ext uri="{FF2B5EF4-FFF2-40B4-BE49-F238E27FC236}">
+                <a16:creationId xmlns:a16="http://schemas.microsoft.com/office/drawing/2014/main" id="{B2B45B08-9B50-0642-A92E-D4DD2695BCF6}"/>
+              </a:ext>
+            </a:extLst>
+          </p:cNvPr>
+          <p:cNvSpPr txBox="1"/>
+          <p:nvPr/>
+        </p:nvSpPr>
+        <p:spPr>
+          <a:xfrm>
+            <a:off x="1087065" y="3670919"/>
+            <a:ext cx="6220806" cy="461665"/>
+          </a:xfrm>
+          <a:prstGeom prst="rect">
+            <a:avLst/>
+          </a:prstGeom>
+          <a:noFill/>
+        </p:spPr>
+        <p:txBody>
+          <a:bodyPr wrap="none" rtlCol="0">
+            <a:spAutoFit/>
+          </a:bodyPr>
+          <a:lstStyle/>
+          <a:p>
+            <a:r>
+              <a:rPr lang="en-US" sz="2400" dirty="0"/>
+              <a:t>Hash is distance of char code from ‘a’s code</a:t>
+            </a:r>
+          </a:p>
+        </p:txBody>
+      </p:sp>
+    </p:spTree>
+    <p:extLst>
+      <p:ext uri="{BB962C8B-B14F-4D97-AF65-F5344CB8AC3E}">
+        <p14:creationId xmlns:p14="http://schemas.microsoft.com/office/powerpoint/2010/main" val="2345433123"/>
+      </p:ext>
+    </p:extLst>
+  </p:cSld>
+  <p:clrMapOvr>
+    <a:masterClrMapping/>
+  </p:clrMapOvr>
+  <p:timing>
+    <p:tnLst>
+      <p:par>
+        <p:cTn id="1" dur="indefinite" restart="never" nodeType="tmRoot">
+          <p:childTnLst>
+            <p:seq concurrent="1" nextAc="seek">
+              <p:cTn id="2" dur="indefinite" nodeType="mainSeq">
+                <p:childTnLst>
+                  <p:par>
+                    <p:cTn id="3" fill="hold">
+                      <p:stCondLst>
+                        <p:cond delay="indefinite"/>
+                      </p:stCondLst>
+                      <p:childTnLst>
+                        <p:par>
+                          <p:cTn id="4" fill="hold">
+                            <p:stCondLst>
+                              <p:cond delay="0"/>
+                            </p:stCondLst>
+                            <p:childTnLst>
+                              <p:par>
+                                <p:cTn id="5" presetID="1" presetClass="entr" presetSubtype="0" fill="hold" grpId="0" nodeType="clickEffect">
+                                  <p:stCondLst>
+                                    <p:cond delay="0"/>
+                                  </p:stCondLst>
+                                  <p:childTnLst>
+                                    <p:set>
+                                      <p:cBhvr>
+                                        <p:cTn id="6" dur="1" fill="hold">
+                                          <p:stCondLst>
+                                            <p:cond delay="0"/>
+                                          </p:stCondLst>
+                                        </p:cTn>
+                                        <p:tgtEl>
+                                          <p:spTgt spid="12"/>
+                                        </p:tgtEl>
+                                        <p:attrNameLst>
+                                          <p:attrName>style.visibility</p:attrName>
+                                        </p:attrNameLst>
+                                      </p:cBhvr>
+                                      <p:to>
+                                        <p:strVal val="visible"/>
+                                      </p:to>
+                                    </p:set>
+                                  </p:childTnLst>
+                                </p:cTn>
+                              </p:par>
+                            </p:childTnLst>
+                          </p:cTn>
+                        </p:par>
+                      </p:childTnLst>
+                    </p:cTn>
+                  </p:par>
+                </p:childTnLst>
+              </p:cTn>
+              <p:prevCondLst>
+                <p:cond evt="onPrev" delay="0">
+                  <p:tgtEl>
+                    <p:sldTgt/>
+                  </p:tgtEl>
+                </p:cond>
+              </p:prevCondLst>
+              <p:nextCondLst>
+                <p:cond evt="onNext" delay="0">
+                  <p:tgtEl>
+                    <p:sldTgt/>
+                  </p:tgtEl>
+                </p:cond>
+              </p:nextCondLst>
+            </p:seq>
+          </p:childTnLst>
+        </p:cTn>
+      </p:par>
+    </p:tnLst>
+    <p:bldLst>
+      <p:bldP spid="12" grpId="0"/>
+    </p:bldLst>
+  </p:timing>
+</p:sld>
+</file>
+
+<file path=ppt/slides/slide14.xml><?xml version="1.0" encoding="utf-8"?>
+<p:sld xmlns:a="http://schemas.openxmlformats.org/drawingml/2006/main" xmlns:r="http://schemas.openxmlformats.org/officeDocument/2006/relationships" xmlns:p="http://schemas.openxmlformats.org/presentationml/2006/main">
+  <p:cSld>
+    <p:spTree>
+      <p:nvGrpSpPr>
+        <p:cNvPr id="1" name=""/>
+        <p:cNvGrpSpPr/>
+        <p:nvPr/>
+      </p:nvGrpSpPr>
+      <p:grpSpPr>
+        <a:xfrm>
+          <a:off x="0" y="0"/>
+          <a:ext cx="0" cy="0"/>
+          <a:chOff x="0" y="0"/>
+          <a:chExt cx="0" cy="0"/>
+        </a:xfrm>
+      </p:grpSpPr>
+      <p:sp>
+        <p:nvSpPr>
+          <p:cNvPr id="2" name="Title 1">
+            <a:extLst>
+              <a:ext uri="{FF2B5EF4-FFF2-40B4-BE49-F238E27FC236}">
+                <a16:creationId xmlns:a16="http://schemas.microsoft.com/office/drawing/2014/main" id="{C012A76B-906D-0E47-9547-FF0F1FB35DC1}"/>
+              </a:ext>
+            </a:extLst>
+          </p:cNvPr>
+          <p:cNvSpPr>
+            <a:spLocks noGrp="1"/>
+          </p:cNvSpPr>
+          <p:nvPr>
+            <p:ph type="title"/>
+          </p:nvPr>
+        </p:nvSpPr>
+        <p:spPr/>
+        <p:txBody>
+          <a:bodyPr/>
+          <a:lstStyle/>
+          <a:p>
+            <a:r>
+              <a:rPr lang="en-US" dirty="0"/>
+              <a:t>Hashing strings</a:t>
+            </a:r>
+          </a:p>
+        </p:txBody>
+      </p:sp>
+      <p:pic>
+        <p:nvPicPr>
+          <p:cNvPr id="5" name="Content Placeholder 4" descr="Text&#10;&#10;Description automatically generated">
+            <a:extLst>
+              <a:ext uri="{FF2B5EF4-FFF2-40B4-BE49-F238E27FC236}">
+                <a16:creationId xmlns:a16="http://schemas.microsoft.com/office/drawing/2014/main" id="{196D17AD-7F87-614A-B4AB-EDBE5498F94A}"/>
+              </a:ext>
+            </a:extLst>
+          </p:cNvPr>
+          <p:cNvPicPr>
+            <a:picLocks noGrp="1" noChangeAspect="1"/>
+          </p:cNvPicPr>
+          <p:nvPr>
+            <p:ph idx="1"/>
+          </p:nvPr>
+        </p:nvPicPr>
+        <p:blipFill>
+          <a:blip r:embed="rId2"/>
+          <a:stretch>
+            <a:fillRect/>
+          </a:stretch>
+        </p:blipFill>
+        <p:spPr>
+          <a:xfrm>
+            <a:off x="819855" y="1690688"/>
+            <a:ext cx="5533772" cy="4563808"/>
+          </a:xfrm>
+        </p:spPr>
+      </p:pic>
+      <p:pic>
+        <p:nvPicPr>
+          <p:cNvPr id="6" name="Picture 5" descr="Diagram&#10;&#10;Description automatically generated">
+            <a:extLst>
+              <a:ext uri="{FF2B5EF4-FFF2-40B4-BE49-F238E27FC236}">
+                <a16:creationId xmlns:a16="http://schemas.microsoft.com/office/drawing/2014/main" id="{70D59760-B2E6-154C-92DC-02211E54C31D}"/>
+              </a:ext>
+            </a:extLst>
+          </p:cNvPr>
+          <p:cNvPicPr>
+            <a:picLocks noChangeAspect="1"/>
+          </p:cNvPicPr>
+          <p:nvPr/>
+        </p:nvPicPr>
+        <p:blipFill>
+          <a:blip r:embed="rId3"/>
+          <a:stretch>
+            <a:fillRect/>
+          </a:stretch>
+        </p:blipFill>
+        <p:spPr>
+          <a:xfrm>
+            <a:off x="7973568" y="0"/>
+            <a:ext cx="3791712" cy="6866401"/>
+          </a:xfrm>
+          <a:prstGeom prst="rect">
+            <a:avLst/>
+          </a:prstGeom>
+        </p:spPr>
+      </p:pic>
+    </p:spTree>
+    <p:extLst>
+      <p:ext uri="{BB962C8B-B14F-4D97-AF65-F5344CB8AC3E}">
+        <p14:creationId xmlns:p14="http://schemas.microsoft.com/office/powerpoint/2010/main" val="738935494"/>
+      </p:ext>
+    </p:extLst>
+  </p:cSld>
+  <p:clrMapOvr>
+    <a:masterClrMapping/>
+  </p:clrMapOvr>
+</p:sld>
+</file>
+
+<file path=ppt/slides/slide15.xml><?xml version="1.0" encoding="utf-8"?>
+<p:sld xmlns:a="http://schemas.openxmlformats.org/drawingml/2006/main" xmlns:r="http://schemas.openxmlformats.org/officeDocument/2006/relationships" xmlns:p="http://schemas.openxmlformats.org/presentationml/2006/main">
+  <p:cSld>
+    <p:spTree>
+      <p:nvGrpSpPr>
+        <p:cNvPr id="1" name=""/>
+        <p:cNvGrpSpPr/>
+        <p:nvPr/>
+      </p:nvGrpSpPr>
+      <p:grpSpPr>
+        <a:xfrm>
+          <a:off x="0" y="0"/>
+          <a:ext cx="0" cy="0"/>
+          <a:chOff x="0" y="0"/>
+          <a:chExt cx="0" cy="0"/>
+        </a:xfrm>
+      </p:grpSpPr>
+      <p:sp>
+        <p:nvSpPr>
+          <p:cNvPr id="2" name="Title 1">
+            <a:extLst>
+              <a:ext uri="{FF2B5EF4-FFF2-40B4-BE49-F238E27FC236}">
+                <a16:creationId xmlns:a16="http://schemas.microsoft.com/office/drawing/2014/main" id="{4E09F26B-118C-C441-9F30-870D9186A979}"/>
+              </a:ext>
+            </a:extLst>
+          </p:cNvPr>
+          <p:cNvSpPr>
+            <a:spLocks noGrp="1"/>
+          </p:cNvSpPr>
+          <p:nvPr>
+            <p:ph type="title"/>
+          </p:nvPr>
+        </p:nvSpPr>
+        <p:spPr/>
+        <p:txBody>
+          <a:bodyPr/>
+          <a:lstStyle/>
+          <a:p>
+            <a:r>
+              <a:rPr lang="en-US" dirty="0" err="1"/>
+              <a:t>Hashtable</a:t>
+            </a:r>
+            <a:r>
+              <a:rPr lang="en-US" dirty="0"/>
+              <a:t> </a:t>
+            </a:r>
+            <a:r>
+              <a:rPr lang="en-US" dirty="0" err="1"/>
+              <a:t>impl</a:t>
+            </a:r>
+            <a:r>
+              <a:rPr lang="en-US" dirty="0"/>
+              <a:t>. differs only in buckets</a:t>
+            </a:r>
+          </a:p>
+        </p:txBody>
+      </p:sp>
+      <p:pic>
+        <p:nvPicPr>
+          <p:cNvPr id="7" name="Picture 6" descr="Graphical user interface, text, application&#10;&#10;Description automatically generated">
+            <a:extLst>
+              <a:ext uri="{FF2B5EF4-FFF2-40B4-BE49-F238E27FC236}">
+                <a16:creationId xmlns:a16="http://schemas.microsoft.com/office/drawing/2014/main" id="{6D572C7D-B5F1-1E48-B389-5EF3158A52B8}"/>
+              </a:ext>
+            </a:extLst>
+          </p:cNvPr>
+          <p:cNvPicPr>
+            <a:picLocks noChangeAspect="1"/>
+          </p:cNvPicPr>
+          <p:nvPr/>
+        </p:nvPicPr>
+        <p:blipFill>
+          <a:blip r:embed="rId2"/>
+          <a:stretch>
+            <a:fillRect/>
+          </a:stretch>
+        </p:blipFill>
+        <p:spPr>
+          <a:xfrm>
+            <a:off x="838200" y="1539908"/>
+            <a:ext cx="6019800" cy="5232400"/>
+          </a:xfrm>
+          <a:prstGeom prst="rect">
+            <a:avLst/>
+          </a:prstGeom>
+        </p:spPr>
+      </p:pic>
+      <p:pic>
+        <p:nvPicPr>
+          <p:cNvPr id="11" name="Content Placeholder 10" descr="Diagram&#10;&#10;Description automatically generated">
+            <a:extLst>
+              <a:ext uri="{FF2B5EF4-FFF2-40B4-BE49-F238E27FC236}">
+                <a16:creationId xmlns:a16="http://schemas.microsoft.com/office/drawing/2014/main" id="{38678652-E44C-8848-BAAC-25AEE7E58D05}"/>
+              </a:ext>
+            </a:extLst>
+          </p:cNvPr>
+          <p:cNvPicPr>
+            <a:picLocks noGrp="1" noChangeAspect="1"/>
+          </p:cNvPicPr>
+          <p:nvPr>
+            <p:ph idx="1"/>
+          </p:nvPr>
+        </p:nvPicPr>
+        <p:blipFill>
+          <a:blip r:embed="rId3"/>
+          <a:stretch>
+            <a:fillRect/>
+          </a:stretch>
+        </p:blipFill>
+        <p:spPr>
+          <a:xfrm>
+            <a:off x="10338816" y="51085"/>
+            <a:ext cx="1854583" cy="6721223"/>
+          </a:xfrm>
+        </p:spPr>
+      </p:pic>
+      <p:sp>
+        <p:nvSpPr>
+          <p:cNvPr id="12" name="Rectangle 11">
+            <a:extLst>
+              <a:ext uri="{FF2B5EF4-FFF2-40B4-BE49-F238E27FC236}">
+                <a16:creationId xmlns:a16="http://schemas.microsoft.com/office/drawing/2014/main" id="{1C9A1997-C430-764B-9589-08A3FC49AB16}"/>
+              </a:ext>
+            </a:extLst>
+          </p:cNvPr>
+          <p:cNvSpPr/>
+          <p:nvPr/>
+        </p:nvSpPr>
+        <p:spPr>
+          <a:xfrm>
+            <a:off x="4519219" y="1895804"/>
+            <a:ext cx="1186637" cy="364151"/>
+          </a:xfrm>
+          <a:prstGeom prst="rect">
+            <a:avLst/>
+          </a:prstGeom>
+          <a:noFill/>
+          <a:ln>
+            <a:solidFill>
+              <a:srgbClr val="E4754F"/>
+            </a:solidFill>
+          </a:ln>
+        </p:spPr>
+        <p:style>
+          <a:lnRef idx="2">
+            <a:schemeClr val="accent1">
+              <a:shade val="50000"/>
+            </a:schemeClr>
+          </a:lnRef>
+          <a:fillRef idx="1">
+            <a:schemeClr val="accent1"/>
+          </a:fillRef>
+          <a:effectRef idx="0">
+            <a:schemeClr val="accent1"/>
+          </a:effectRef>
+          <a:fontRef idx="minor">
+            <a:schemeClr val="lt1"/>
+          </a:fontRef>
+        </p:style>
+        <p:txBody>
+          <a:bodyPr rtlCol="0" anchor="ctr"/>
+          <a:lstStyle/>
+          <a:p>
+            <a:pPr algn="ctr"/>
+            <a:endParaRPr lang="en-US"/>
+          </a:p>
+        </p:txBody>
+      </p:sp>
+    </p:spTree>
+    <p:extLst>
+      <p:ext uri="{BB962C8B-B14F-4D97-AF65-F5344CB8AC3E}">
+        <p14:creationId xmlns:p14="http://schemas.microsoft.com/office/powerpoint/2010/main" val="2202882803"/>
+      </p:ext>
+    </p:extLst>
+  </p:cSld>
+  <p:clrMapOvr>
+    <a:masterClrMapping/>
+  </p:clrMapOvr>
+</p:sld>
+</file>
+
+<file path=ppt/slides/slide16.xml><?xml version="1.0" encoding="utf-8"?>
+<p:sld xmlns:a="http://schemas.openxmlformats.org/drawingml/2006/main" xmlns:r="http://schemas.openxmlformats.org/officeDocument/2006/relationships" xmlns:p="http://schemas.openxmlformats.org/presentationml/2006/main">
+  <p:cSld>
+    <p:spTree>
+      <p:nvGrpSpPr>
+        <p:cNvPr id="1" name=""/>
+        <p:cNvGrpSpPr/>
+        <p:nvPr/>
+      </p:nvGrpSpPr>
+      <p:grpSpPr>
+        <a:xfrm>
+          <a:off x="0" y="0"/>
+          <a:ext cx="0" cy="0"/>
+          <a:chOff x="0" y="0"/>
+          <a:chExt cx="0" cy="0"/>
+        </a:xfrm>
+      </p:grpSpPr>
+      <p:sp>
+        <p:nvSpPr>
+          <p:cNvPr id="2" name="Title 1">
+            <a:extLst>
+              <a:ext uri="{FF2B5EF4-FFF2-40B4-BE49-F238E27FC236}">
+                <a16:creationId xmlns:a16="http://schemas.microsoft.com/office/drawing/2014/main" id="{BB35A892-9501-BA48-8E97-06EAD944CFB7}"/>
+              </a:ext>
+            </a:extLst>
+          </p:cNvPr>
+          <p:cNvSpPr>
+            <a:spLocks noGrp="1"/>
+          </p:cNvSpPr>
+          <p:nvPr>
+            <p:ph type="title"/>
+          </p:nvPr>
+        </p:nvSpPr>
+        <p:spPr/>
+        <p:txBody>
+          <a:bodyPr/>
+          <a:lstStyle/>
+          <a:p>
+            <a:r>
+              <a:rPr lang="en-US" dirty="0"/>
+              <a:t>An important implementation detail</a:t>
+            </a:r>
+          </a:p>
+        </p:txBody>
+      </p:sp>
+      <p:sp>
+        <p:nvSpPr>
+          <p:cNvPr id="3" name="Content Placeholder 2">
+            <a:extLst>
+              <a:ext uri="{FF2B5EF4-FFF2-40B4-BE49-F238E27FC236}">
+                <a16:creationId xmlns:a16="http://schemas.microsoft.com/office/drawing/2014/main" id="{78F12B98-08DA-1745-A384-7154C66B8289}"/>
+              </a:ext>
+            </a:extLst>
+          </p:cNvPr>
+          <p:cNvSpPr>
+            <a:spLocks noGrp="1"/>
+          </p:cNvSpPr>
+          <p:nvPr>
+            <p:ph idx="1"/>
+          </p:nvPr>
+        </p:nvSpPr>
+        <p:spPr/>
+        <p:txBody>
+          <a:bodyPr/>
+          <a:lstStyle/>
+          <a:p>
+            <a:r>
+              <a:rPr lang="en-US" dirty="0"/>
+              <a:t>The hash function does not directly give the bucket index: it converts values to integers, then we make sure that the hash value fits into the table by doing modulo the number of buckets</a:t>
+            </a:r>
+          </a:p>
+          <a:p>
+            <a:r>
+              <a:rPr lang="en-US" dirty="0"/>
+              <a:t>For our int sets, the hash(x) is just x; the modulo 10 just puts it in one of 10 buckets</a:t>
+            </a:r>
+          </a:p>
+          <a:p>
+            <a:r>
+              <a:rPr lang="en-US" dirty="0"/>
+              <a:t>Same for strings; the hash(x) is in 0..25 but we could stick it into 10 buckets by taking modulo 10</a:t>
+            </a:r>
+          </a:p>
+        </p:txBody>
+      </p:sp>
+    </p:spTree>
+    <p:extLst>
+      <p:ext uri="{BB962C8B-B14F-4D97-AF65-F5344CB8AC3E}">
+        <p14:creationId xmlns:p14="http://schemas.microsoft.com/office/powerpoint/2010/main" val="1617867891"/>
+      </p:ext>
+    </p:extLst>
+  </p:cSld>
+  <p:clrMapOvr>
+    <a:masterClrMapping/>
+  </p:clrMapOvr>
+</p:sld>
+</file>
+
+<file path=ppt/slides/slide17.xml><?xml version="1.0" encoding="utf-8"?>
+<p:sld xmlns:a="http://schemas.openxmlformats.org/drawingml/2006/main" xmlns:r="http://schemas.openxmlformats.org/officeDocument/2006/relationships" xmlns:p="http://schemas.openxmlformats.org/presentationml/2006/main">
+  <p:cSld>
+    <p:spTree>
+      <p:nvGrpSpPr>
+        <p:cNvPr id="1" name=""/>
+        <p:cNvGrpSpPr/>
+        <p:nvPr/>
+      </p:nvGrpSpPr>
+      <p:grpSpPr>
+        <a:xfrm>
+          <a:off x="0" y="0"/>
+          <a:ext cx="0" cy="0"/>
+          <a:chOff x="0" y="0"/>
+          <a:chExt cx="0" cy="0"/>
+        </a:xfrm>
+      </p:grpSpPr>
+      <p:sp>
+        <p:nvSpPr>
+          <p:cNvPr id="2" name="Title 1">
+            <a:extLst>
+              <a:ext uri="{FF2B5EF4-FFF2-40B4-BE49-F238E27FC236}">
+                <a16:creationId xmlns:a16="http://schemas.microsoft.com/office/drawing/2014/main" id="{B1CD8883-F763-AF48-9A54-5ECC8959551C}"/>
+              </a:ext>
+            </a:extLst>
+          </p:cNvPr>
+          <p:cNvSpPr>
+            <a:spLocks noGrp="1"/>
+          </p:cNvSpPr>
+          <p:nvPr>
+            <p:ph type="title"/>
+          </p:nvPr>
+        </p:nvSpPr>
+        <p:spPr/>
+        <p:txBody>
+          <a:bodyPr/>
+          <a:lstStyle/>
+          <a:p>
+            <a:r>
+              <a:rPr lang="en-US" dirty="0"/>
+              <a:t>Hash vs bucket index</a:t>
+            </a:r>
+          </a:p>
+        </p:txBody>
+      </p:sp>
+      <p:sp>
+        <p:nvSpPr>
+          <p:cNvPr id="3" name="Content Placeholder 2">
+            <a:extLst>
+              <a:ext uri="{FF2B5EF4-FFF2-40B4-BE49-F238E27FC236}">
+                <a16:creationId xmlns:a16="http://schemas.microsoft.com/office/drawing/2014/main" id="{5E4951AD-7579-D549-BDB4-09344205DA0D}"/>
+              </a:ext>
+            </a:extLst>
+          </p:cNvPr>
+          <p:cNvSpPr>
+            <a:spLocks noGrp="1"/>
+          </p:cNvSpPr>
+          <p:nvPr>
+            <p:ph idx="1"/>
+          </p:nvPr>
+        </p:nvSpPr>
+        <p:spPr>
+          <a:xfrm>
+            <a:off x="838200" y="1690688"/>
+            <a:ext cx="5701758" cy="4486275"/>
+          </a:xfrm>
+        </p:spPr>
+        <p:txBody>
+          <a:bodyPr/>
+          <a:lstStyle/>
+          <a:p>
+            <a:r>
+              <a:rPr lang="en-US" dirty="0"/>
+              <a:t>Compute the hash and mod with the number of buckets we have</a:t>
+            </a:r>
+          </a:p>
+        </p:txBody>
+      </p:sp>
+      <p:pic>
+        <p:nvPicPr>
+          <p:cNvPr id="4" name="Picture 3" descr="Diagram&#10;&#10;Description automatically generated">
+            <a:extLst>
+              <a:ext uri="{FF2B5EF4-FFF2-40B4-BE49-F238E27FC236}">
+                <a16:creationId xmlns:a16="http://schemas.microsoft.com/office/drawing/2014/main" id="{39EEE41D-6B4A-D545-AF91-12E40F69474E}"/>
+              </a:ext>
+            </a:extLst>
+          </p:cNvPr>
+          <p:cNvPicPr>
+            <a:picLocks noChangeAspect="1"/>
+          </p:cNvPicPr>
+          <p:nvPr/>
+        </p:nvPicPr>
+        <p:blipFill>
+          <a:blip r:embed="rId2"/>
+          <a:stretch>
+            <a:fillRect/>
+          </a:stretch>
+        </p:blipFill>
+        <p:spPr>
+          <a:xfrm>
+            <a:off x="7270502" y="0"/>
+            <a:ext cx="4921498" cy="6858000"/>
+          </a:xfrm>
+          <a:prstGeom prst="rect">
+            <a:avLst/>
+          </a:prstGeom>
+        </p:spPr>
+      </p:pic>
+      <p:pic>
+        <p:nvPicPr>
+          <p:cNvPr id="6" name="Picture 5" descr="Text&#10;&#10;Description automatically generated">
+            <a:extLst>
+              <a:ext uri="{FF2B5EF4-FFF2-40B4-BE49-F238E27FC236}">
+                <a16:creationId xmlns:a16="http://schemas.microsoft.com/office/drawing/2014/main" id="{F8B5E3B4-1E97-AD49-88D8-B2DCC1CE263B}"/>
+              </a:ext>
+            </a:extLst>
+          </p:cNvPr>
+          <p:cNvPicPr>
+            <a:picLocks noChangeAspect="1"/>
+          </p:cNvPicPr>
+          <p:nvPr/>
+        </p:nvPicPr>
+        <p:blipFill>
+          <a:blip r:embed="rId3"/>
+          <a:stretch>
+            <a:fillRect/>
+          </a:stretch>
+        </p:blipFill>
+        <p:spPr>
+          <a:xfrm>
+            <a:off x="765555" y="2685765"/>
+            <a:ext cx="5847047" cy="3491198"/>
+          </a:xfrm>
+          <a:prstGeom prst="rect">
+            <a:avLst/>
+          </a:prstGeom>
+        </p:spPr>
+      </p:pic>
+      <p:pic>
+        <p:nvPicPr>
+          <p:cNvPr id="8" name="Picture 7">
+            <a:extLst>
+              <a:ext uri="{FF2B5EF4-FFF2-40B4-BE49-F238E27FC236}">
+                <a16:creationId xmlns:a16="http://schemas.microsoft.com/office/drawing/2014/main" id="{DFD5B87C-664B-E644-A0B5-6E4FF26915DB}"/>
+              </a:ext>
+            </a:extLst>
+          </p:cNvPr>
+          <p:cNvPicPr>
+            <a:picLocks noChangeAspect="1"/>
+          </p:cNvPicPr>
+          <p:nvPr/>
+        </p:nvPicPr>
+        <p:blipFill>
+          <a:blip r:embed="rId4"/>
+          <a:stretch>
+            <a:fillRect/>
+          </a:stretch>
+        </p:blipFill>
+        <p:spPr>
+          <a:xfrm>
+            <a:off x="2361183" y="6488668"/>
+            <a:ext cx="3939541" cy="369332"/>
+          </a:xfrm>
+          <a:prstGeom prst="rect">
+            <a:avLst/>
+          </a:prstGeom>
+        </p:spPr>
+      </p:pic>
+      <p:sp>
+        <p:nvSpPr>
+          <p:cNvPr id="9" name="TextBox 8">
+            <a:extLst>
+              <a:ext uri="{FF2B5EF4-FFF2-40B4-BE49-F238E27FC236}">
+                <a16:creationId xmlns:a16="http://schemas.microsoft.com/office/drawing/2014/main" id="{77B9345D-9215-B248-88A4-226F9EC38BF8}"/>
+              </a:ext>
+            </a:extLst>
+          </p:cNvPr>
+          <p:cNvSpPr txBox="1"/>
+          <p:nvPr/>
+        </p:nvSpPr>
+        <p:spPr>
+          <a:xfrm>
+            <a:off x="678682" y="6411206"/>
+            <a:ext cx="1691489" cy="461665"/>
+          </a:xfrm>
+          <a:prstGeom prst="rect">
+            <a:avLst/>
+          </a:prstGeom>
+          <a:noFill/>
+        </p:spPr>
+        <p:txBody>
+          <a:bodyPr wrap="none" rtlCol="0">
+            <a:spAutoFit/>
+          </a:bodyPr>
+          <a:lstStyle/>
+          <a:p>
+            <a:r>
+              <a:rPr lang="en-US" sz="2400" dirty="0"/>
+              <a:t>Previously:</a:t>
+            </a:r>
+          </a:p>
+        </p:txBody>
+      </p:sp>
+    </p:spTree>
+    <p:extLst>
+      <p:ext uri="{BB962C8B-B14F-4D97-AF65-F5344CB8AC3E}">
+        <p14:creationId xmlns:p14="http://schemas.microsoft.com/office/powerpoint/2010/main" val="3550157166"/>
+      </p:ext>
+    </p:extLst>
+  </p:cSld>
+  <p:clrMapOvr>
+    <a:masterClrMapping/>
+  </p:clrMapOvr>
+</p:sld>
+</file>
+
+<file path=ppt/slides/slide18.xml><?xml version="1.0" encoding="utf-8"?>
+<p:sld xmlns:a="http://schemas.openxmlformats.org/drawingml/2006/main" xmlns:r="http://schemas.openxmlformats.org/officeDocument/2006/relationships" xmlns:p="http://schemas.openxmlformats.org/presentationml/2006/main">
+  <p:cSld>
+    <p:spTree>
+      <p:nvGrpSpPr>
+        <p:cNvPr id="1" name=""/>
+        <p:cNvGrpSpPr/>
+        <p:nvPr/>
+      </p:nvGrpSpPr>
+      <p:grpSpPr>
+        <a:xfrm>
+          <a:off x="0" y="0"/>
+          <a:ext cx="0" cy="0"/>
+          <a:chOff x="0" y="0"/>
+          <a:chExt cx="0" cy="0"/>
+        </a:xfrm>
+      </p:grpSpPr>
+      <p:sp>
+        <p:nvSpPr>
+          <p:cNvPr id="2" name="Title 1">
+            <a:extLst>
+              <a:ext uri="{FF2B5EF4-FFF2-40B4-BE49-F238E27FC236}">
+                <a16:creationId xmlns:a16="http://schemas.microsoft.com/office/drawing/2014/main" id="{5C9B75B0-25FB-8B47-A57D-09838D520D69}"/>
+              </a:ext>
+            </a:extLst>
+          </p:cNvPr>
+          <p:cNvSpPr>
+            <a:spLocks noGrp="1"/>
+          </p:cNvSpPr>
+          <p:nvPr>
+            <p:ph type="title"/>
+          </p:nvPr>
+        </p:nvSpPr>
+        <p:spPr/>
+        <p:txBody>
+          <a:bodyPr/>
+          <a:lstStyle/>
+          <a:p>
+            <a:r>
+              <a:rPr lang="en-US" dirty="0"/>
+              <a:t>Dictionary implementations</a:t>
+            </a:r>
+          </a:p>
+        </p:txBody>
+      </p:sp>
+      <p:sp>
+        <p:nvSpPr>
+          <p:cNvPr id="3" name="Text Placeholder 2">
+            <a:extLst>
+              <a:ext uri="{FF2B5EF4-FFF2-40B4-BE49-F238E27FC236}">
+                <a16:creationId xmlns:a16="http://schemas.microsoft.com/office/drawing/2014/main" id="{B44393FA-9501-4D4F-AD7F-4E2BF7D671CD}"/>
+              </a:ext>
+            </a:extLst>
+          </p:cNvPr>
+          <p:cNvSpPr>
+            <a:spLocks noGrp="1"/>
+          </p:cNvSpPr>
+          <p:nvPr>
+            <p:ph type="body" idx="1"/>
+          </p:nvPr>
+        </p:nvSpPr>
+        <p:spPr/>
+        <p:txBody>
+          <a:bodyPr/>
+          <a:lstStyle/>
+          <a:p>
+            <a:endParaRPr lang="en-US"/>
+          </a:p>
+        </p:txBody>
+      </p:sp>
+    </p:spTree>
+    <p:extLst>
+      <p:ext uri="{BB962C8B-B14F-4D97-AF65-F5344CB8AC3E}">
+        <p14:creationId xmlns:p14="http://schemas.microsoft.com/office/powerpoint/2010/main" val="532260446"/>
+      </p:ext>
+    </p:extLst>
+  </p:cSld>
+  <p:clrMapOvr>
+    <a:masterClrMapping/>
+  </p:clrMapOvr>
+</p:sld>
+</file>
+
+<file path=ppt/slides/slide19.xml><?xml version="1.0" encoding="utf-8"?>
+<p:sld xmlns:a="http://schemas.openxmlformats.org/drawingml/2006/main" xmlns:r="http://schemas.openxmlformats.org/officeDocument/2006/relationships" xmlns:p="http://schemas.openxmlformats.org/presentationml/2006/main">
+  <p:cSld>
+    <p:spTree>
+      <p:nvGrpSpPr>
+        <p:cNvPr id="1" name=""/>
+        <p:cNvGrpSpPr/>
+        <p:nvPr/>
+      </p:nvGrpSpPr>
+      <p:grpSpPr>
+        <a:xfrm>
+          <a:off x="0" y="0"/>
+          <a:ext cx="0" cy="0"/>
+          <a:chOff x="0" y="0"/>
+          <a:chExt cx="0" cy="0"/>
+        </a:xfrm>
+      </p:grpSpPr>
+      <p:sp>
+        <p:nvSpPr>
+          <p:cNvPr id="2" name="Title 1">
+            <a:extLst>
+              <a:ext uri="{FF2B5EF4-FFF2-40B4-BE49-F238E27FC236}">
+                <a16:creationId xmlns:a16="http://schemas.microsoft.com/office/drawing/2014/main" id="{4FF29389-1160-BF4F-9F60-30417CD07426}"/>
+              </a:ext>
+            </a:extLst>
+          </p:cNvPr>
+          <p:cNvSpPr>
+            <a:spLocks noGrp="1"/>
+          </p:cNvSpPr>
+          <p:nvPr>
+            <p:ph type="title"/>
+          </p:nvPr>
+        </p:nvSpPr>
+        <p:spPr/>
+        <p:txBody>
+          <a:bodyPr/>
+          <a:lstStyle/>
+          <a:p>
+            <a:r>
+              <a:rPr lang="en-US" dirty="0"/>
+              <a:t>A simple dictionary implementation</a:t>
+            </a:r>
+          </a:p>
+        </p:txBody>
+      </p:sp>
+      <p:sp>
+        <p:nvSpPr>
+          <p:cNvPr id="3" name="Content Placeholder 2">
+            <a:extLst>
+              <a:ext uri="{FF2B5EF4-FFF2-40B4-BE49-F238E27FC236}">
+                <a16:creationId xmlns:a16="http://schemas.microsoft.com/office/drawing/2014/main" id="{D25DEC33-A090-B445-A9E2-204D733EB689}"/>
+              </a:ext>
+            </a:extLst>
+          </p:cNvPr>
+          <p:cNvSpPr>
+            <a:spLocks noGrp="1"/>
+          </p:cNvSpPr>
+          <p:nvPr>
+            <p:ph idx="1"/>
+          </p:nvPr>
+        </p:nvSpPr>
+        <p:spPr>
+          <a:xfrm>
+            <a:off x="838200" y="1438656"/>
+            <a:ext cx="7775575" cy="4738307"/>
+          </a:xfrm>
+        </p:spPr>
+        <p:txBody>
+          <a:bodyPr>
+            <a:normAutofit/>
+          </a:bodyPr>
+          <a:lstStyle/>
+          <a:p>
+            <a:r>
+              <a:rPr lang="en-US" dirty="0"/>
+              <a:t>Let’s represent the set of </a:t>
+            </a:r>
+            <a:r>
+              <a:rPr lang="en-US" dirty="0" err="1"/>
+              <a:t>key→value</a:t>
+            </a:r>
+            <a:r>
+              <a:rPr lang="en-US" dirty="0"/>
+              <a:t> pairs as a list of tuples:</a:t>
+            </a:r>
+          </a:p>
+          <a:p>
+            <a:endParaRPr lang="en-US" dirty="0"/>
+          </a:p>
+          <a:p>
+            <a:endParaRPr lang="en-US" dirty="0"/>
+          </a:p>
+          <a:p>
+            <a:endParaRPr lang="en-US" dirty="0"/>
+          </a:p>
+          <a:p>
+            <a:endParaRPr lang="en-US" dirty="0"/>
+          </a:p>
+          <a:p>
+            <a:r>
+              <a:rPr lang="en-US" dirty="0"/>
+              <a:t>The key operation is to look up a value by key</a:t>
+            </a:r>
+          </a:p>
+          <a:p>
+            <a:r>
+              <a:rPr lang="en-US" dirty="0"/>
+              <a:t>How would you implement this?</a:t>
+            </a:r>
+          </a:p>
+          <a:p>
+            <a:endParaRPr lang="en-US" dirty="0"/>
+          </a:p>
+        </p:txBody>
+      </p:sp>
+      <p:sp>
+        <p:nvSpPr>
+          <p:cNvPr id="8" name="TextBox 7">
+            <a:extLst>
+              <a:ext uri="{FF2B5EF4-FFF2-40B4-BE49-F238E27FC236}">
+                <a16:creationId xmlns:a16="http://schemas.microsoft.com/office/drawing/2014/main" id="{6B2C12D9-D8D1-9A45-92B5-3BF756D72782}"/>
+              </a:ext>
+            </a:extLst>
+          </p:cNvPr>
+          <p:cNvSpPr txBox="1"/>
+          <p:nvPr/>
+        </p:nvSpPr>
+        <p:spPr>
+          <a:xfrm>
+            <a:off x="1033268" y="5514098"/>
+            <a:ext cx="7050027" cy="1200329"/>
+          </a:xfrm>
+          <a:prstGeom prst="rect">
+            <a:avLst/>
+          </a:prstGeom>
+          <a:noFill/>
+        </p:spPr>
+        <p:txBody>
+          <a:bodyPr wrap="square" rtlCol="0">
+            <a:spAutoFit/>
+          </a:bodyPr>
+          <a:lstStyle/>
+          <a:p>
+            <a:r>
+              <a:rPr lang="en-US" sz="2400" dirty="0"/>
+              <a:t>Linearly search through the list of tuples and compare the first value and the tuple to the key of interest; return the associated value if key is found</a:t>
+            </a:r>
+          </a:p>
+        </p:txBody>
+      </p:sp>
+      <p:pic>
+        <p:nvPicPr>
+          <p:cNvPr id="10" name="Picture 9" descr="Diagram&#10;&#10;Description automatically generated">
+            <a:extLst>
+              <a:ext uri="{FF2B5EF4-FFF2-40B4-BE49-F238E27FC236}">
+                <a16:creationId xmlns:a16="http://schemas.microsoft.com/office/drawing/2014/main" id="{A25AFEBF-F8A6-1E4B-9FB3-44E86B052031}"/>
+              </a:ext>
+            </a:extLst>
+          </p:cNvPr>
+          <p:cNvPicPr>
+            <a:picLocks noChangeAspect="1"/>
+          </p:cNvPicPr>
+          <p:nvPr/>
+        </p:nvPicPr>
+        <p:blipFill>
+          <a:blip r:embed="rId2"/>
+          <a:stretch>
+            <a:fillRect/>
+          </a:stretch>
+        </p:blipFill>
+        <p:spPr>
+          <a:xfrm>
+            <a:off x="8808843" y="1538643"/>
+            <a:ext cx="3022600" cy="4127500"/>
+          </a:xfrm>
+          <a:prstGeom prst="rect">
+            <a:avLst/>
+          </a:prstGeom>
+        </p:spPr>
+      </p:pic>
+      <p:pic>
+        <p:nvPicPr>
+          <p:cNvPr id="12" name="Picture 11" descr="Text&#10;&#10;Description automatically generated">
+            <a:extLst>
+              <a:ext uri="{FF2B5EF4-FFF2-40B4-BE49-F238E27FC236}">
+                <a16:creationId xmlns:a16="http://schemas.microsoft.com/office/drawing/2014/main" id="{C1438B4E-DD5F-1A42-87BE-35E9D9D8C4B6}"/>
+              </a:ext>
+            </a:extLst>
+          </p:cNvPr>
+          <p:cNvPicPr>
+            <a:picLocks noChangeAspect="1"/>
+          </p:cNvPicPr>
+          <p:nvPr/>
+        </p:nvPicPr>
+        <p:blipFill>
+          <a:blip r:embed="rId3"/>
+          <a:stretch>
+            <a:fillRect/>
+          </a:stretch>
+        </p:blipFill>
+        <p:spPr>
+          <a:xfrm>
+            <a:off x="3957444" y="1965557"/>
+            <a:ext cx="3446966" cy="2275536"/>
+          </a:xfrm>
+          <a:prstGeom prst="rect">
+            <a:avLst/>
+          </a:prstGeom>
+        </p:spPr>
+      </p:pic>
+    </p:spTree>
+    <p:extLst>
+      <p:ext uri="{BB962C8B-B14F-4D97-AF65-F5344CB8AC3E}">
+        <p14:creationId xmlns:p14="http://schemas.microsoft.com/office/powerpoint/2010/main" val="223547389"/>
+      </p:ext>
+    </p:extLst>
+  </p:cSld>
+  <p:clrMapOvr>
+    <a:masterClrMapping/>
+  </p:clrMapOvr>
+  <p:timing>
+    <p:tnLst>
+      <p:par>
+        <p:cTn id="1" dur="indefinite" restart="never" nodeType="tmRoot">
+          <p:childTnLst>
+            <p:seq concurrent="1" nextAc="seek">
+              <p:cTn id="2" dur="indefinite" nodeType="mainSeq">
+                <p:childTnLst>
+                  <p:par>
+                    <p:cTn id="3" fill="hold">
+                      <p:stCondLst>
+                        <p:cond delay="indefinite"/>
+                      </p:stCondLst>
+                      <p:childTnLst>
+                        <p:par>
+                          <p:cTn id="4" fill="hold">
+                            <p:stCondLst>
+                              <p:cond delay="0"/>
+                            </p:stCondLst>
+                            <p:childTnLst>
+                              <p:par>
+                                <p:cTn id="5" presetID="1" presetClass="entr" presetSubtype="0" fill="hold" grpId="0" nodeType="clickEffect">
+                                  <p:stCondLst>
+                                    <p:cond delay="0"/>
+                                  </p:stCondLst>
+                                  <p:childTnLst>
+                                    <p:set>
+                                      <p:cBhvr>
+                                        <p:cTn id="6" dur="1" fill="hold">
+                                          <p:stCondLst>
+                                            <p:cond delay="0"/>
+                                          </p:stCondLst>
+                                        </p:cTn>
+                                        <p:tgtEl>
+                                          <p:spTgt spid="8"/>
+                                        </p:tgtEl>
+                                        <p:attrNameLst>
+                                          <p:attrName>style.visibility</p:attrName>
+                                        </p:attrNameLst>
+                                      </p:cBhvr>
+                                      <p:to>
+                                        <p:strVal val="visible"/>
+                                      </p:to>
+                                    </p:set>
+                                  </p:childTnLst>
+                                </p:cTn>
+                              </p:par>
+                            </p:childTnLst>
+                          </p:cTn>
+                        </p:par>
+                      </p:childTnLst>
+                    </p:cTn>
+                  </p:par>
+                </p:childTnLst>
+              </p:cTn>
+              <p:prevCondLst>
+                <p:cond evt="onPrev" delay="0">
+                  <p:tgtEl>
+                    <p:sldTgt/>
+                  </p:tgtEl>
+                </p:cond>
+              </p:prevCondLst>
+              <p:nextCondLst>
+                <p:cond evt="onNext" delay="0">
+                  <p:tgtEl>
+                    <p:sldTgt/>
+                  </p:tgtEl>
+                </p:cond>
+              </p:nextCondLst>
+            </p:seq>
+          </p:childTnLst>
+        </p:cTn>
+      </p:par>
+    </p:tnLst>
+    <p:bldLst>
+      <p:bldP spid="8" grpId="0"/>
+    </p:bldLst>
+  </p:timing>
 </p:sld>
 </file>
 
@@ -4106,7 +6359,7 @@
               <a:t>Sets and dictionaries are abstract data structures, </a:t>
             </a:r>
             <a:r>
-              <a:rPr lang="en-US"/>
+              <a:rPr lang="en-US" dirty="0" err="1"/>
               <a:t>hashtables</a:t>
             </a:r>
             <a:r>
@@ -4150,6 +6403,1462 @@
     <p:extLst>
       <p:ext uri="{BB962C8B-B14F-4D97-AF65-F5344CB8AC3E}">
         <p14:creationId xmlns:p14="http://schemas.microsoft.com/office/powerpoint/2010/main" val="107017084"/>
+      </p:ext>
+    </p:extLst>
+  </p:cSld>
+  <p:clrMapOvr>
+    <a:masterClrMapping/>
+  </p:clrMapOvr>
+</p:sld>
+</file>
+
+<file path=ppt/slides/slide20.xml><?xml version="1.0" encoding="utf-8"?>
+<p:sld xmlns:a="http://schemas.openxmlformats.org/drawingml/2006/main" xmlns:r="http://schemas.openxmlformats.org/officeDocument/2006/relationships" xmlns:p="http://schemas.openxmlformats.org/presentationml/2006/main">
+  <p:cSld>
+    <p:spTree>
+      <p:nvGrpSpPr>
+        <p:cNvPr id="1" name=""/>
+        <p:cNvGrpSpPr/>
+        <p:nvPr/>
+      </p:nvGrpSpPr>
+      <p:grpSpPr>
+        <a:xfrm>
+          <a:off x="0" y="0"/>
+          <a:ext cx="0" cy="0"/>
+          <a:chOff x="0" y="0"/>
+          <a:chExt cx="0" cy="0"/>
+        </a:xfrm>
+      </p:grpSpPr>
+      <p:sp>
+        <p:nvSpPr>
+          <p:cNvPr id="2" name="Title 1">
+            <a:extLst>
+              <a:ext uri="{FF2B5EF4-FFF2-40B4-BE49-F238E27FC236}">
+                <a16:creationId xmlns:a16="http://schemas.microsoft.com/office/drawing/2014/main" id="{C5612080-50CB-AC41-9E31-AF93A02403DD}"/>
+              </a:ext>
+            </a:extLst>
+          </p:cNvPr>
+          <p:cNvSpPr>
+            <a:spLocks noGrp="1"/>
+          </p:cNvSpPr>
+          <p:nvPr>
+            <p:ph type="title"/>
+          </p:nvPr>
+        </p:nvSpPr>
+        <p:spPr/>
+        <p:txBody>
+          <a:bodyPr/>
+          <a:lstStyle/>
+          <a:p>
+            <a:r>
+              <a:rPr lang="en-US" dirty="0"/>
+              <a:t>Linear lookup</a:t>
+            </a:r>
+          </a:p>
+        </p:txBody>
+      </p:sp>
+      <p:sp>
+        <p:nvSpPr>
+          <p:cNvPr id="3" name="Content Placeholder 2">
+            <a:extLst>
+              <a:ext uri="{FF2B5EF4-FFF2-40B4-BE49-F238E27FC236}">
+                <a16:creationId xmlns:a16="http://schemas.microsoft.com/office/drawing/2014/main" id="{55DCB7EB-90D3-3B42-A2B9-C290CFE0CEF0}"/>
+              </a:ext>
+            </a:extLst>
+          </p:cNvPr>
+          <p:cNvSpPr>
+            <a:spLocks noGrp="1"/>
+          </p:cNvSpPr>
+          <p:nvPr>
+            <p:ph idx="1"/>
+          </p:nvPr>
+        </p:nvSpPr>
+        <p:spPr>
+          <a:xfrm>
+            <a:off x="838200" y="1825625"/>
+            <a:ext cx="6443546" cy="4351338"/>
+          </a:xfrm>
+        </p:spPr>
+        <p:txBody>
+          <a:bodyPr/>
+          <a:lstStyle/>
+          <a:p>
+            <a:r>
+              <a:rPr lang="en-US" dirty="0"/>
+              <a:t>Looking for a key is a simple matter of examining the first element of every tuple stored in the list</a:t>
+            </a:r>
+          </a:p>
+          <a:p>
+            <a:r>
+              <a:rPr lang="en-US" dirty="0"/>
+              <a:t>Return None if the key is not found</a:t>
+            </a:r>
+          </a:p>
+        </p:txBody>
+      </p:sp>
+      <p:pic>
+        <p:nvPicPr>
+          <p:cNvPr id="5" name="Picture 4" descr="Graphical user interface, text, application, chat or text message&#10;&#10;Description automatically generated">
+            <a:extLst>
+              <a:ext uri="{FF2B5EF4-FFF2-40B4-BE49-F238E27FC236}">
+                <a16:creationId xmlns:a16="http://schemas.microsoft.com/office/drawing/2014/main" id="{22894007-B88C-AD40-9097-41DB5E7144F6}"/>
+              </a:ext>
+            </a:extLst>
+          </p:cNvPr>
+          <p:cNvPicPr>
+            <a:picLocks noChangeAspect="1"/>
+          </p:cNvPicPr>
+          <p:nvPr/>
+        </p:nvPicPr>
+        <p:blipFill>
+          <a:blip r:embed="rId2"/>
+          <a:stretch>
+            <a:fillRect/>
+          </a:stretch>
+        </p:blipFill>
+        <p:spPr>
+          <a:xfrm>
+            <a:off x="7689541" y="1825625"/>
+            <a:ext cx="3546382" cy="3961858"/>
+          </a:xfrm>
+          <a:prstGeom prst="rect">
+            <a:avLst/>
+          </a:prstGeom>
+        </p:spPr>
+      </p:pic>
+    </p:spTree>
+    <p:extLst>
+      <p:ext uri="{BB962C8B-B14F-4D97-AF65-F5344CB8AC3E}">
+        <p14:creationId xmlns:p14="http://schemas.microsoft.com/office/powerpoint/2010/main" val="3292952738"/>
+      </p:ext>
+    </p:extLst>
+  </p:cSld>
+  <p:clrMapOvr>
+    <a:masterClrMapping/>
+  </p:clrMapOvr>
+</p:sld>
+</file>
+
+<file path=ppt/slides/slide21.xml><?xml version="1.0" encoding="utf-8"?>
+<p:sld xmlns:a="http://schemas.openxmlformats.org/drawingml/2006/main" xmlns:r="http://schemas.openxmlformats.org/officeDocument/2006/relationships" xmlns:p="http://schemas.openxmlformats.org/presentationml/2006/main">
+  <p:cSld>
+    <p:spTree>
+      <p:nvGrpSpPr>
+        <p:cNvPr id="1" name=""/>
+        <p:cNvGrpSpPr/>
+        <p:nvPr/>
+      </p:nvGrpSpPr>
+      <p:grpSpPr>
+        <a:xfrm>
+          <a:off x="0" y="0"/>
+          <a:ext cx="0" cy="0"/>
+          <a:chOff x="0" y="0"/>
+          <a:chExt cx="0" cy="0"/>
+        </a:xfrm>
+      </p:grpSpPr>
+      <p:pic>
+        <p:nvPicPr>
+          <p:cNvPr id="22" name="Picture 21" descr="Diagram&#10;&#10;Description automatically generated">
+            <a:extLst>
+              <a:ext uri="{FF2B5EF4-FFF2-40B4-BE49-F238E27FC236}">
+                <a16:creationId xmlns:a16="http://schemas.microsoft.com/office/drawing/2014/main" id="{A8B9DD57-1122-E046-B914-7216C24B8474}"/>
+              </a:ext>
+            </a:extLst>
+          </p:cNvPr>
+          <p:cNvPicPr>
+            <a:picLocks noChangeAspect="1"/>
+          </p:cNvPicPr>
+          <p:nvPr/>
+        </p:nvPicPr>
+        <p:blipFill>
+          <a:blip r:embed="rId2"/>
+          <a:stretch>
+            <a:fillRect/>
+          </a:stretch>
+        </p:blipFill>
+        <p:spPr>
+          <a:xfrm>
+            <a:off x="7844418" y="2319455"/>
+            <a:ext cx="3977396" cy="3599263"/>
+          </a:xfrm>
+          <a:prstGeom prst="rect">
+            <a:avLst/>
+          </a:prstGeom>
+        </p:spPr>
+      </p:pic>
+      <p:sp>
+        <p:nvSpPr>
+          <p:cNvPr id="2" name="Title 1">
+            <a:extLst>
+              <a:ext uri="{FF2B5EF4-FFF2-40B4-BE49-F238E27FC236}">
+                <a16:creationId xmlns:a16="http://schemas.microsoft.com/office/drawing/2014/main" id="{954B6A11-109D-A045-9AEF-CCB9A59C42DD}"/>
+              </a:ext>
+            </a:extLst>
+          </p:cNvPr>
+          <p:cNvSpPr>
+            <a:spLocks noGrp="1"/>
+          </p:cNvSpPr>
+          <p:nvPr>
+            <p:ph type="title"/>
+          </p:nvPr>
+        </p:nvSpPr>
+        <p:spPr/>
+        <p:txBody>
+          <a:bodyPr/>
+          <a:lstStyle/>
+          <a:p>
+            <a:r>
+              <a:rPr lang="en-US" dirty="0" err="1"/>
+              <a:t>Hashtable</a:t>
+            </a:r>
+            <a:r>
+              <a:rPr lang="en-US" dirty="0"/>
+              <a:t> dictionary implementation</a:t>
+            </a:r>
+          </a:p>
+        </p:txBody>
+      </p:sp>
+      <p:sp>
+        <p:nvSpPr>
+          <p:cNvPr id="7" name="Content Placeholder 6">
+            <a:extLst>
+              <a:ext uri="{FF2B5EF4-FFF2-40B4-BE49-F238E27FC236}">
+                <a16:creationId xmlns:a16="http://schemas.microsoft.com/office/drawing/2014/main" id="{4E756F9D-39BD-CA48-A34B-9A1512ACD18C}"/>
+              </a:ext>
+            </a:extLst>
+          </p:cNvPr>
+          <p:cNvSpPr>
+            <a:spLocks noGrp="1"/>
+          </p:cNvSpPr>
+          <p:nvPr>
+            <p:ph idx="1"/>
+          </p:nvPr>
+        </p:nvSpPr>
+        <p:spPr/>
+        <p:txBody>
+          <a:bodyPr/>
+          <a:lstStyle/>
+          <a:p>
+            <a:r>
+              <a:rPr lang="en-US" dirty="0"/>
+              <a:t>Split pairs into, say, 5 buckets</a:t>
+            </a:r>
+            <a:br>
+              <a:rPr lang="en-US" dirty="0"/>
+            </a:br>
+            <a:r>
+              <a:rPr lang="en-US" dirty="0"/>
+              <a:t>(use our string hash function)</a:t>
+            </a:r>
+          </a:p>
+        </p:txBody>
+      </p:sp>
+      <p:pic>
+        <p:nvPicPr>
+          <p:cNvPr id="10" name="Picture 9" descr="Graphical user interface, text, application, chat or text message&#10;&#10;Description automatically generated">
+            <a:extLst>
+              <a:ext uri="{FF2B5EF4-FFF2-40B4-BE49-F238E27FC236}">
+                <a16:creationId xmlns:a16="http://schemas.microsoft.com/office/drawing/2014/main" id="{3A3AA9C4-946F-0142-BAEC-8BE46205B54D}"/>
+              </a:ext>
+            </a:extLst>
+          </p:cNvPr>
+          <p:cNvPicPr>
+            <a:picLocks noChangeAspect="1"/>
+          </p:cNvPicPr>
+          <p:nvPr/>
+        </p:nvPicPr>
+        <p:blipFill>
+          <a:blip r:embed="rId3"/>
+          <a:stretch>
+            <a:fillRect/>
+          </a:stretch>
+        </p:blipFill>
+        <p:spPr>
+          <a:xfrm>
+            <a:off x="1162360" y="3000375"/>
+            <a:ext cx="5473700" cy="3492500"/>
+          </a:xfrm>
+          <a:prstGeom prst="rect">
+            <a:avLst/>
+          </a:prstGeom>
+        </p:spPr>
+      </p:pic>
+      <p:sp>
+        <p:nvSpPr>
+          <p:cNvPr id="11" name="TextBox 10">
+            <a:extLst>
+              <a:ext uri="{FF2B5EF4-FFF2-40B4-BE49-F238E27FC236}">
+                <a16:creationId xmlns:a16="http://schemas.microsoft.com/office/drawing/2014/main" id="{CDC14D26-E554-4140-BC5F-6CB287C97705}"/>
+              </a:ext>
+            </a:extLst>
+          </p:cNvPr>
+          <p:cNvSpPr txBox="1"/>
+          <p:nvPr/>
+        </p:nvSpPr>
+        <p:spPr>
+          <a:xfrm>
+            <a:off x="7330652" y="1593760"/>
+            <a:ext cx="1413726" cy="646331"/>
+          </a:xfrm>
+          <a:prstGeom prst="rect">
+            <a:avLst/>
+          </a:prstGeom>
+          <a:noFill/>
+        </p:spPr>
+        <p:txBody>
+          <a:bodyPr wrap="square" rtlCol="0">
+            <a:spAutoFit/>
+          </a:bodyPr>
+          <a:lstStyle/>
+          <a:p>
+            <a:r>
+              <a:rPr lang="en-US" dirty="0"/>
+              <a:t>First bucket has 3 pairs</a:t>
+            </a:r>
+          </a:p>
+        </p:txBody>
+      </p:sp>
+      <p:cxnSp>
+        <p:nvCxnSpPr>
+          <p:cNvPr id="12" name="Straight Arrow Connector 11">
+            <a:extLst>
+              <a:ext uri="{FF2B5EF4-FFF2-40B4-BE49-F238E27FC236}">
+                <a16:creationId xmlns:a16="http://schemas.microsoft.com/office/drawing/2014/main" id="{95E5D43C-5842-4A4C-BF7E-3C1FA8E99B4E}"/>
+              </a:ext>
+            </a:extLst>
+          </p:cNvPr>
+          <p:cNvCxnSpPr>
+            <a:cxnSpLocks/>
+          </p:cNvCxnSpPr>
+          <p:nvPr/>
+        </p:nvCxnSpPr>
+        <p:spPr>
+          <a:xfrm>
+            <a:off x="8576956" y="2093217"/>
+            <a:ext cx="334845" cy="252328"/>
+          </a:xfrm>
+          <a:prstGeom prst="straightConnector1">
+            <a:avLst/>
+          </a:prstGeom>
+          <a:ln>
+            <a:tailEnd type="triangle"/>
+          </a:ln>
+        </p:spPr>
+        <p:style>
+          <a:lnRef idx="1">
+            <a:schemeClr val="accent1"/>
+          </a:lnRef>
+          <a:fillRef idx="0">
+            <a:schemeClr val="accent1"/>
+          </a:fillRef>
+          <a:effectRef idx="0">
+            <a:schemeClr val="accent1"/>
+          </a:effectRef>
+          <a:fontRef idx="minor">
+            <a:schemeClr val="tx1"/>
+          </a:fontRef>
+        </p:style>
+      </p:cxnSp>
+    </p:spTree>
+    <p:extLst>
+      <p:ext uri="{BB962C8B-B14F-4D97-AF65-F5344CB8AC3E}">
+        <p14:creationId xmlns:p14="http://schemas.microsoft.com/office/powerpoint/2010/main" val="1418204395"/>
+      </p:ext>
+    </p:extLst>
+  </p:cSld>
+  <p:clrMapOvr>
+    <a:masterClrMapping/>
+  </p:clrMapOvr>
+</p:sld>
+</file>
+
+<file path=ppt/slides/slide22.xml><?xml version="1.0" encoding="utf-8"?>
+<p:sld xmlns:a="http://schemas.openxmlformats.org/drawingml/2006/main" xmlns:r="http://schemas.openxmlformats.org/officeDocument/2006/relationships" xmlns:p="http://schemas.openxmlformats.org/presentationml/2006/main">
+  <p:cSld>
+    <p:spTree>
+      <p:nvGrpSpPr>
+        <p:cNvPr id="1" name=""/>
+        <p:cNvGrpSpPr/>
+        <p:nvPr/>
+      </p:nvGrpSpPr>
+      <p:grpSpPr>
+        <a:xfrm>
+          <a:off x="0" y="0"/>
+          <a:ext cx="0" cy="0"/>
+          <a:chOff x="0" y="0"/>
+          <a:chExt cx="0" cy="0"/>
+        </a:xfrm>
+      </p:grpSpPr>
+      <p:sp>
+        <p:nvSpPr>
+          <p:cNvPr id="2" name="Title 1">
+            <a:extLst>
+              <a:ext uri="{FF2B5EF4-FFF2-40B4-BE49-F238E27FC236}">
+                <a16:creationId xmlns:a16="http://schemas.microsoft.com/office/drawing/2014/main" id="{B485A2EF-F9D7-2C45-9C2F-14488D098E77}"/>
+              </a:ext>
+            </a:extLst>
+          </p:cNvPr>
+          <p:cNvSpPr>
+            <a:spLocks noGrp="1"/>
+          </p:cNvSpPr>
+          <p:nvPr>
+            <p:ph type="title"/>
+          </p:nvPr>
+        </p:nvSpPr>
+        <p:spPr/>
+        <p:txBody>
+          <a:bodyPr/>
+          <a:lstStyle/>
+          <a:p>
+            <a:r>
+              <a:rPr lang="en-US" dirty="0" err="1"/>
+              <a:t>Hashtable</a:t>
+            </a:r>
+            <a:r>
+              <a:rPr lang="en-US" dirty="0"/>
+              <a:t> key look up</a:t>
+            </a:r>
+          </a:p>
+        </p:txBody>
+      </p:sp>
+      <p:sp>
+        <p:nvSpPr>
+          <p:cNvPr id="3" name="Content Placeholder 2">
+            <a:extLst>
+              <a:ext uri="{FF2B5EF4-FFF2-40B4-BE49-F238E27FC236}">
+                <a16:creationId xmlns:a16="http://schemas.microsoft.com/office/drawing/2014/main" id="{4AFC896D-BAE7-BD45-B8F7-9A4611D00C09}"/>
+              </a:ext>
+            </a:extLst>
+          </p:cNvPr>
+          <p:cNvSpPr>
+            <a:spLocks noGrp="1"/>
+          </p:cNvSpPr>
+          <p:nvPr>
+            <p:ph idx="1"/>
+          </p:nvPr>
+        </p:nvSpPr>
+        <p:spPr>
+          <a:xfrm>
+            <a:off x="838200" y="1825625"/>
+            <a:ext cx="5919594" cy="4351338"/>
+          </a:xfrm>
+        </p:spPr>
+        <p:txBody>
+          <a:bodyPr/>
+          <a:lstStyle/>
+          <a:p>
+            <a:r>
+              <a:rPr lang="en-US" dirty="0"/>
+              <a:t>Compute the hash, modulo a number of buckets, to get the bucket index</a:t>
+            </a:r>
+          </a:p>
+          <a:p>
+            <a:r>
+              <a:rPr lang="en-US" dirty="0"/>
+              <a:t>Linear search within the bucket</a:t>
+            </a:r>
+          </a:p>
+          <a:p>
+            <a:r>
+              <a:rPr lang="en-US" dirty="0"/>
+              <a:t>If key found, return value</a:t>
+            </a:r>
+          </a:p>
+          <a:p>
+            <a:r>
+              <a:rPr lang="en-US" dirty="0"/>
+              <a:t>Else return None</a:t>
+            </a:r>
+          </a:p>
+        </p:txBody>
+      </p:sp>
+      <p:pic>
+        <p:nvPicPr>
+          <p:cNvPr id="5" name="Picture 4" descr="Graphical user interface, text, application&#10;&#10;Description automatically generated">
+            <a:extLst>
+              <a:ext uri="{FF2B5EF4-FFF2-40B4-BE49-F238E27FC236}">
+                <a16:creationId xmlns:a16="http://schemas.microsoft.com/office/drawing/2014/main" id="{30F4041A-D16F-6741-BF9B-9A41A6685DBF}"/>
+              </a:ext>
+            </a:extLst>
+          </p:cNvPr>
+          <p:cNvPicPr>
+            <a:picLocks noChangeAspect="1"/>
+          </p:cNvPicPr>
+          <p:nvPr/>
+        </p:nvPicPr>
+        <p:blipFill>
+          <a:blip r:embed="rId2"/>
+          <a:stretch>
+            <a:fillRect/>
+          </a:stretch>
+        </p:blipFill>
+        <p:spPr>
+          <a:xfrm>
+            <a:off x="6388100" y="1867694"/>
+            <a:ext cx="5807172" cy="4990306"/>
+          </a:xfrm>
+          <a:prstGeom prst="rect">
+            <a:avLst/>
+          </a:prstGeom>
+        </p:spPr>
+      </p:pic>
+    </p:spTree>
+    <p:extLst>
+      <p:ext uri="{BB962C8B-B14F-4D97-AF65-F5344CB8AC3E}">
+        <p14:creationId xmlns:p14="http://schemas.microsoft.com/office/powerpoint/2010/main" val="4236674167"/>
+      </p:ext>
+    </p:extLst>
+  </p:cSld>
+  <p:clrMapOvr>
+    <a:masterClrMapping/>
+  </p:clrMapOvr>
+</p:sld>
+</file>
+
+<file path=ppt/slides/slide23.xml><?xml version="1.0" encoding="utf-8"?>
+<p:sld xmlns:a="http://schemas.openxmlformats.org/drawingml/2006/main" xmlns:r="http://schemas.openxmlformats.org/officeDocument/2006/relationships" xmlns:p="http://schemas.openxmlformats.org/presentationml/2006/main">
+  <p:cSld>
+    <p:spTree>
+      <p:nvGrpSpPr>
+        <p:cNvPr id="1" name=""/>
+        <p:cNvGrpSpPr/>
+        <p:nvPr/>
+      </p:nvGrpSpPr>
+      <p:grpSpPr>
+        <a:xfrm>
+          <a:off x="0" y="0"/>
+          <a:ext cx="0" cy="0"/>
+          <a:chOff x="0" y="0"/>
+          <a:chExt cx="0" cy="0"/>
+        </a:xfrm>
+      </p:grpSpPr>
+      <p:pic>
+        <p:nvPicPr>
+          <p:cNvPr id="17" name="Picture 16" descr="A picture containing text&#10;&#10;Description automatically generated">
+            <a:extLst>
+              <a:ext uri="{FF2B5EF4-FFF2-40B4-BE49-F238E27FC236}">
+                <a16:creationId xmlns:a16="http://schemas.microsoft.com/office/drawing/2014/main" id="{5EF20D8B-B2EF-8F41-A9D0-26B89BDC88E9}"/>
+              </a:ext>
+            </a:extLst>
+          </p:cNvPr>
+          <p:cNvPicPr>
+            <a:picLocks noChangeAspect="1"/>
+          </p:cNvPicPr>
+          <p:nvPr/>
+        </p:nvPicPr>
+        <p:blipFill>
+          <a:blip r:embed="rId2"/>
+          <a:stretch>
+            <a:fillRect/>
+          </a:stretch>
+        </p:blipFill>
+        <p:spPr>
+          <a:xfrm>
+            <a:off x="7990231" y="2932236"/>
+            <a:ext cx="3556000" cy="1816100"/>
+          </a:xfrm>
+          <a:prstGeom prst="rect">
+            <a:avLst/>
+          </a:prstGeom>
+        </p:spPr>
+      </p:pic>
+      <p:sp>
+        <p:nvSpPr>
+          <p:cNvPr id="2" name="Title 1">
+            <a:extLst>
+              <a:ext uri="{FF2B5EF4-FFF2-40B4-BE49-F238E27FC236}">
+                <a16:creationId xmlns:a16="http://schemas.microsoft.com/office/drawing/2014/main" id="{6E70ECA7-AD83-AE46-9B42-97ADD2B871F5}"/>
+              </a:ext>
+            </a:extLst>
+          </p:cNvPr>
+          <p:cNvSpPr>
+            <a:spLocks noGrp="1"/>
+          </p:cNvSpPr>
+          <p:nvPr>
+            <p:ph type="title"/>
+          </p:nvPr>
+        </p:nvSpPr>
+        <p:spPr/>
+        <p:txBody>
+          <a:bodyPr/>
+          <a:lstStyle/>
+          <a:p>
+            <a:r>
+              <a:rPr lang="en-US" dirty="0"/>
+              <a:t>Degenerate case of one bucket</a:t>
+            </a:r>
+          </a:p>
+        </p:txBody>
+      </p:sp>
+      <p:sp>
+        <p:nvSpPr>
+          <p:cNvPr id="7" name="Content Placeholder 6">
+            <a:extLst>
+              <a:ext uri="{FF2B5EF4-FFF2-40B4-BE49-F238E27FC236}">
+                <a16:creationId xmlns:a16="http://schemas.microsoft.com/office/drawing/2014/main" id="{F7B6EBAD-942C-FD4B-90B2-9154B73E65D1}"/>
+              </a:ext>
+            </a:extLst>
+          </p:cNvPr>
+          <p:cNvSpPr>
+            <a:spLocks noGrp="1"/>
+          </p:cNvSpPr>
+          <p:nvPr>
+            <p:ph idx="1"/>
+          </p:nvPr>
+        </p:nvSpPr>
+        <p:spPr>
+          <a:xfrm>
+            <a:off x="838200" y="1825625"/>
+            <a:ext cx="7502912" cy="4351338"/>
+          </a:xfrm>
+        </p:spPr>
+        <p:txBody>
+          <a:bodyPr/>
+          <a:lstStyle/>
+          <a:p>
+            <a:r>
+              <a:rPr lang="en-US" dirty="0"/>
+              <a:t>With only one bucket, all pairs hash to the same bucket, which means doing a linear search of all elements to look up a key</a:t>
+            </a:r>
+          </a:p>
+        </p:txBody>
+      </p:sp>
+      <p:pic>
+        <p:nvPicPr>
+          <p:cNvPr id="8" name="Content Placeholder 4" descr="A picture containing shape&#10;&#10;Description automatically generated">
+            <a:extLst>
+              <a:ext uri="{FF2B5EF4-FFF2-40B4-BE49-F238E27FC236}">
+                <a16:creationId xmlns:a16="http://schemas.microsoft.com/office/drawing/2014/main" id="{5565B300-FF9E-8D4D-AF73-4C5BD9EB55C3}"/>
+              </a:ext>
+            </a:extLst>
+          </p:cNvPr>
+          <p:cNvPicPr>
+            <a:picLocks noChangeAspect="1"/>
+          </p:cNvPicPr>
+          <p:nvPr/>
+        </p:nvPicPr>
+        <p:blipFill>
+          <a:blip r:embed="rId3"/>
+          <a:stretch>
+            <a:fillRect/>
+          </a:stretch>
+        </p:blipFill>
+        <p:spPr>
+          <a:xfrm>
+            <a:off x="1114812" y="3245645"/>
+            <a:ext cx="4520964" cy="713038"/>
+          </a:xfrm>
+          <a:prstGeom prst="rect">
+            <a:avLst/>
+          </a:prstGeom>
+        </p:spPr>
+      </p:pic>
+      <p:sp>
+        <p:nvSpPr>
+          <p:cNvPr id="11" name="TextBox 10">
+            <a:extLst>
+              <a:ext uri="{FF2B5EF4-FFF2-40B4-BE49-F238E27FC236}">
+                <a16:creationId xmlns:a16="http://schemas.microsoft.com/office/drawing/2014/main" id="{3363D850-568F-8746-A0BC-E072FDAEC01E}"/>
+              </a:ext>
+            </a:extLst>
+          </p:cNvPr>
+          <p:cNvSpPr txBox="1"/>
+          <p:nvPr/>
+        </p:nvSpPr>
+        <p:spPr>
+          <a:xfrm>
+            <a:off x="5689601" y="4951142"/>
+            <a:ext cx="2300630" cy="369332"/>
+          </a:xfrm>
+          <a:prstGeom prst="rect">
+            <a:avLst/>
+          </a:prstGeom>
+          <a:noFill/>
+        </p:spPr>
+        <p:txBody>
+          <a:bodyPr wrap="none" rtlCol="0">
+            <a:spAutoFit/>
+          </a:bodyPr>
+          <a:lstStyle/>
+          <a:p>
+            <a:r>
+              <a:rPr lang="en-US" dirty="0"/>
+              <a:t>One and only bucket</a:t>
+            </a:r>
+          </a:p>
+        </p:txBody>
+      </p:sp>
+      <p:cxnSp>
+        <p:nvCxnSpPr>
+          <p:cNvPr id="13" name="Straight Arrow Connector 12">
+            <a:extLst>
+              <a:ext uri="{FF2B5EF4-FFF2-40B4-BE49-F238E27FC236}">
+                <a16:creationId xmlns:a16="http://schemas.microsoft.com/office/drawing/2014/main" id="{7680C0F0-5A3B-4C46-A8A9-BCFC164CE78E}"/>
+              </a:ext>
+            </a:extLst>
+          </p:cNvPr>
+          <p:cNvCxnSpPr>
+            <a:cxnSpLocks/>
+            <a:stCxn id="11" idx="3"/>
+          </p:cNvCxnSpPr>
+          <p:nvPr/>
+        </p:nvCxnSpPr>
+        <p:spPr>
+          <a:xfrm flipV="1">
+            <a:off x="7990231" y="4326674"/>
+            <a:ext cx="752325" cy="809134"/>
+          </a:xfrm>
+          <a:prstGeom prst="straightConnector1">
+            <a:avLst/>
+          </a:prstGeom>
+          <a:ln>
+            <a:tailEnd type="triangle"/>
+          </a:ln>
+        </p:spPr>
+        <p:style>
+          <a:lnRef idx="1">
+            <a:schemeClr val="accent1"/>
+          </a:lnRef>
+          <a:fillRef idx="0">
+            <a:schemeClr val="accent1"/>
+          </a:fillRef>
+          <a:effectRef idx="0">
+            <a:schemeClr val="accent1"/>
+          </a:effectRef>
+          <a:fontRef idx="minor">
+            <a:schemeClr val="tx1"/>
+          </a:fontRef>
+        </p:style>
+      </p:cxnSp>
+    </p:spTree>
+    <p:extLst>
+      <p:ext uri="{BB962C8B-B14F-4D97-AF65-F5344CB8AC3E}">
+        <p14:creationId xmlns:p14="http://schemas.microsoft.com/office/powerpoint/2010/main" val="14053084"/>
+      </p:ext>
+    </p:extLst>
+  </p:cSld>
+  <p:clrMapOvr>
+    <a:masterClrMapping/>
+  </p:clrMapOvr>
+</p:sld>
+</file>
+
+<file path=ppt/slides/slide24.xml><?xml version="1.0" encoding="utf-8"?>
+<p:sld xmlns:a="http://schemas.openxmlformats.org/drawingml/2006/main" xmlns:r="http://schemas.openxmlformats.org/officeDocument/2006/relationships" xmlns:p="http://schemas.openxmlformats.org/presentationml/2006/main">
+  <p:cSld>
+    <p:spTree>
+      <p:nvGrpSpPr>
+        <p:cNvPr id="1" name=""/>
+        <p:cNvGrpSpPr/>
+        <p:nvPr/>
+      </p:nvGrpSpPr>
+      <p:grpSpPr>
+        <a:xfrm>
+          <a:off x="0" y="0"/>
+          <a:ext cx="0" cy="0"/>
+          <a:chOff x="0" y="0"/>
+          <a:chExt cx="0" cy="0"/>
+        </a:xfrm>
+      </p:grpSpPr>
+      <p:sp>
+        <p:nvSpPr>
+          <p:cNvPr id="2" name="Title 1">
+            <a:extLst>
+              <a:ext uri="{FF2B5EF4-FFF2-40B4-BE49-F238E27FC236}">
+                <a16:creationId xmlns:a16="http://schemas.microsoft.com/office/drawing/2014/main" id="{BE871CBD-6821-D94E-BA30-4EE20461F19B}"/>
+              </a:ext>
+            </a:extLst>
+          </p:cNvPr>
+          <p:cNvSpPr>
+            <a:spLocks noGrp="1"/>
+          </p:cNvSpPr>
+          <p:nvPr>
+            <p:ph type="title"/>
+          </p:nvPr>
+        </p:nvSpPr>
+        <p:spPr/>
+        <p:txBody>
+          <a:bodyPr/>
+          <a:lstStyle/>
+          <a:p>
+            <a:r>
+              <a:rPr lang="en-US" dirty="0"/>
+              <a:t>Some details relevant to the search project</a:t>
+            </a:r>
+          </a:p>
+        </p:txBody>
+      </p:sp>
+      <p:sp>
+        <p:nvSpPr>
+          <p:cNvPr id="3" name="Text Placeholder 2">
+            <a:extLst>
+              <a:ext uri="{FF2B5EF4-FFF2-40B4-BE49-F238E27FC236}">
+                <a16:creationId xmlns:a16="http://schemas.microsoft.com/office/drawing/2014/main" id="{7E0D2C47-D3F9-4140-8910-A2A49FAE3D5F}"/>
+              </a:ext>
+            </a:extLst>
+          </p:cNvPr>
+          <p:cNvSpPr>
+            <a:spLocks noGrp="1"/>
+          </p:cNvSpPr>
+          <p:nvPr>
+            <p:ph type="body" idx="1"/>
+          </p:nvPr>
+        </p:nvSpPr>
+        <p:spPr/>
+        <p:txBody>
+          <a:bodyPr/>
+          <a:lstStyle/>
+          <a:p>
+            <a:endParaRPr lang="en-US"/>
+          </a:p>
+        </p:txBody>
+      </p:sp>
+    </p:spTree>
+    <p:extLst>
+      <p:ext uri="{BB962C8B-B14F-4D97-AF65-F5344CB8AC3E}">
+        <p14:creationId xmlns:p14="http://schemas.microsoft.com/office/powerpoint/2010/main" val="2915452464"/>
+      </p:ext>
+    </p:extLst>
+  </p:cSld>
+  <p:clrMapOvr>
+    <a:masterClrMapping/>
+  </p:clrMapOvr>
+</p:sld>
+</file>
+
+<file path=ppt/slides/slide25.xml><?xml version="1.0" encoding="utf-8"?>
+<p:sld xmlns:a="http://schemas.openxmlformats.org/drawingml/2006/main" xmlns:r="http://schemas.openxmlformats.org/officeDocument/2006/relationships" xmlns:p="http://schemas.openxmlformats.org/presentationml/2006/main">
+  <p:cSld>
+    <p:spTree>
+      <p:nvGrpSpPr>
+        <p:cNvPr id="1" name=""/>
+        <p:cNvGrpSpPr/>
+        <p:nvPr/>
+      </p:nvGrpSpPr>
+      <p:grpSpPr>
+        <a:xfrm>
+          <a:off x="0" y="0"/>
+          <a:ext cx="0" cy="0"/>
+          <a:chOff x="0" y="0"/>
+          <a:chExt cx="0" cy="0"/>
+        </a:xfrm>
+      </p:grpSpPr>
+      <p:sp>
+        <p:nvSpPr>
+          <p:cNvPr id="2" name="Title 1">
+            <a:extLst>
+              <a:ext uri="{FF2B5EF4-FFF2-40B4-BE49-F238E27FC236}">
+                <a16:creationId xmlns:a16="http://schemas.microsoft.com/office/drawing/2014/main" id="{3EB62973-3556-0E46-88DA-7DE099DCF64B}"/>
+              </a:ext>
+            </a:extLst>
+          </p:cNvPr>
+          <p:cNvSpPr>
+            <a:spLocks noGrp="1"/>
+          </p:cNvSpPr>
+          <p:nvPr>
+            <p:ph type="title"/>
+          </p:nvPr>
+        </p:nvSpPr>
+        <p:spPr/>
+        <p:txBody>
+          <a:bodyPr/>
+          <a:lstStyle/>
+          <a:p>
+            <a:r>
+              <a:rPr lang="en-US" dirty="0"/>
+              <a:t>Review: tuples</a:t>
+            </a:r>
+          </a:p>
+        </p:txBody>
+      </p:sp>
+      <p:sp>
+        <p:nvSpPr>
+          <p:cNvPr id="3" name="Content Placeholder 2">
+            <a:extLst>
+              <a:ext uri="{FF2B5EF4-FFF2-40B4-BE49-F238E27FC236}">
+                <a16:creationId xmlns:a16="http://schemas.microsoft.com/office/drawing/2014/main" id="{C69807BC-8F3C-064E-9422-53AB1DB5D359}"/>
+              </a:ext>
+            </a:extLst>
+          </p:cNvPr>
+          <p:cNvSpPr>
+            <a:spLocks noGrp="1"/>
+          </p:cNvSpPr>
+          <p:nvPr>
+            <p:ph idx="1"/>
+          </p:nvPr>
+        </p:nvSpPr>
+        <p:spPr>
+          <a:xfrm>
+            <a:off x="838200" y="1550504"/>
+            <a:ext cx="10515600" cy="4626459"/>
+          </a:xfrm>
+        </p:spPr>
+        <p:txBody>
+          <a:bodyPr/>
+          <a:lstStyle/>
+          <a:p>
+            <a:r>
+              <a:rPr lang="en-US" dirty="0"/>
+              <a:t>A tuple is an </a:t>
+            </a:r>
+            <a:r>
+              <a:rPr lang="en-US" i="1" dirty="0"/>
+              <a:t>immutable</a:t>
+            </a:r>
+            <a:r>
+              <a:rPr lang="en-US" dirty="0"/>
+              <a:t> list and uses parentheses rather than square brackets for notation</a:t>
+            </a:r>
+          </a:p>
+          <a:p>
+            <a:r>
+              <a:rPr lang="en-US" dirty="0"/>
+              <a:t>Tuples are often used to group related elements:</a:t>
+            </a:r>
+          </a:p>
+          <a:p>
+            <a:endParaRPr lang="en-US" dirty="0"/>
+          </a:p>
+        </p:txBody>
+      </p:sp>
+      <p:pic>
+        <p:nvPicPr>
+          <p:cNvPr id="7" name="Picture 6" descr="Text&#10;&#10;Description automatically generated">
+            <a:extLst>
+              <a:ext uri="{FF2B5EF4-FFF2-40B4-BE49-F238E27FC236}">
+                <a16:creationId xmlns:a16="http://schemas.microsoft.com/office/drawing/2014/main" id="{F352FAA3-3B4B-0A46-9E6C-1ECC4432EBB5}"/>
+              </a:ext>
+            </a:extLst>
+          </p:cNvPr>
+          <p:cNvPicPr>
+            <a:picLocks noChangeAspect="1"/>
+          </p:cNvPicPr>
+          <p:nvPr/>
+        </p:nvPicPr>
+        <p:blipFill>
+          <a:blip r:embed="rId2"/>
+          <a:stretch>
+            <a:fillRect/>
+          </a:stretch>
+        </p:blipFill>
+        <p:spPr>
+          <a:xfrm>
+            <a:off x="1181374" y="3062235"/>
+            <a:ext cx="3228286" cy="3114728"/>
+          </a:xfrm>
+          <a:prstGeom prst="rect">
+            <a:avLst/>
+          </a:prstGeom>
+        </p:spPr>
+      </p:pic>
+      <p:pic>
+        <p:nvPicPr>
+          <p:cNvPr id="5" name="Picture 4" descr="Graphical user interface, text&#10;&#10;Description automatically generated">
+            <a:extLst>
+              <a:ext uri="{FF2B5EF4-FFF2-40B4-BE49-F238E27FC236}">
+                <a16:creationId xmlns:a16="http://schemas.microsoft.com/office/drawing/2014/main" id="{A1C5FB3B-3EE7-8240-B86B-88A7DA6DDB1C}"/>
+              </a:ext>
+            </a:extLst>
+          </p:cNvPr>
+          <p:cNvPicPr>
+            <a:picLocks noChangeAspect="1"/>
+          </p:cNvPicPr>
+          <p:nvPr/>
+        </p:nvPicPr>
+        <p:blipFill>
+          <a:blip r:embed="rId3"/>
+          <a:stretch>
+            <a:fillRect/>
+          </a:stretch>
+        </p:blipFill>
+        <p:spPr>
+          <a:xfrm>
+            <a:off x="4752834" y="3032418"/>
+            <a:ext cx="7322273" cy="2205504"/>
+          </a:xfrm>
+          <a:prstGeom prst="rect">
+            <a:avLst/>
+          </a:prstGeom>
+        </p:spPr>
+      </p:pic>
+    </p:spTree>
+    <p:extLst>
+      <p:ext uri="{BB962C8B-B14F-4D97-AF65-F5344CB8AC3E}">
+        <p14:creationId xmlns:p14="http://schemas.microsoft.com/office/powerpoint/2010/main" val="4205717042"/>
+      </p:ext>
+    </p:extLst>
+  </p:cSld>
+  <p:clrMapOvr>
+    <a:masterClrMapping/>
+  </p:clrMapOvr>
+</p:sld>
+</file>
+
+<file path=ppt/slides/slide26.xml><?xml version="1.0" encoding="utf-8"?>
+<p:sld xmlns:a="http://schemas.openxmlformats.org/drawingml/2006/main" xmlns:r="http://schemas.openxmlformats.org/officeDocument/2006/relationships" xmlns:p="http://schemas.openxmlformats.org/presentationml/2006/main">
+  <p:cSld>
+    <p:spTree>
+      <p:nvGrpSpPr>
+        <p:cNvPr id="1" name=""/>
+        <p:cNvGrpSpPr/>
+        <p:nvPr/>
+      </p:nvGrpSpPr>
+      <p:grpSpPr>
+        <a:xfrm>
+          <a:off x="0" y="0"/>
+          <a:ext cx="0" cy="0"/>
+          <a:chOff x="0" y="0"/>
+          <a:chExt cx="0" cy="0"/>
+        </a:xfrm>
+      </p:grpSpPr>
+      <p:sp>
+        <p:nvSpPr>
+          <p:cNvPr id="2" name="Title 1">
+            <a:extLst>
+              <a:ext uri="{FF2B5EF4-FFF2-40B4-BE49-F238E27FC236}">
+                <a16:creationId xmlns:a16="http://schemas.microsoft.com/office/drawing/2014/main" id="{8408865A-9DA4-5242-94A1-38A7304C7B14}"/>
+              </a:ext>
+            </a:extLst>
+          </p:cNvPr>
+          <p:cNvSpPr>
+            <a:spLocks noGrp="1"/>
+          </p:cNvSpPr>
+          <p:nvPr>
+            <p:ph type="title"/>
+          </p:nvPr>
+        </p:nvSpPr>
+        <p:spPr/>
+        <p:txBody>
+          <a:bodyPr/>
+          <a:lstStyle/>
+          <a:p>
+            <a:r>
+              <a:rPr lang="en-US" dirty="0"/>
+              <a:t>Values can be anything including sets</a:t>
+            </a:r>
+          </a:p>
+        </p:txBody>
+      </p:sp>
+      <p:sp>
+        <p:nvSpPr>
+          <p:cNvPr id="3" name="Content Placeholder 2">
+            <a:extLst>
+              <a:ext uri="{FF2B5EF4-FFF2-40B4-BE49-F238E27FC236}">
+                <a16:creationId xmlns:a16="http://schemas.microsoft.com/office/drawing/2014/main" id="{D1F88D8E-1C70-794E-9475-C935916A58EC}"/>
+              </a:ext>
+            </a:extLst>
+          </p:cNvPr>
+          <p:cNvSpPr>
+            <a:spLocks noGrp="1"/>
+          </p:cNvSpPr>
+          <p:nvPr>
+            <p:ph idx="1"/>
+          </p:nvPr>
+        </p:nvSpPr>
+        <p:spPr>
+          <a:xfrm>
+            <a:off x="838200" y="1825625"/>
+            <a:ext cx="8233162" cy="4351338"/>
+          </a:xfrm>
+        </p:spPr>
+        <p:txBody>
+          <a:bodyPr/>
+          <a:lstStyle/>
+          <a:p>
+            <a:r>
+              <a:rPr lang="en-US" dirty="0"/>
+              <a:t>The tuples used to represent key and value pairs are immutable, but the pair’s value can point at a mutable data structures such as a set</a:t>
+            </a:r>
+          </a:p>
+          <a:p>
+            <a:r>
+              <a:rPr lang="en-US" dirty="0"/>
+              <a:t>Consider a simple list of tuples implementation that maps words to sets of integers</a:t>
+            </a:r>
+          </a:p>
+        </p:txBody>
+      </p:sp>
+      <p:pic>
+        <p:nvPicPr>
+          <p:cNvPr id="5" name="Picture 4">
+            <a:extLst>
+              <a:ext uri="{FF2B5EF4-FFF2-40B4-BE49-F238E27FC236}">
+                <a16:creationId xmlns:a16="http://schemas.microsoft.com/office/drawing/2014/main" id="{022E1820-1FE7-6149-8A3D-388878460DCC}"/>
+              </a:ext>
+            </a:extLst>
+          </p:cNvPr>
+          <p:cNvPicPr>
+            <a:picLocks noChangeAspect="1"/>
+          </p:cNvPicPr>
+          <p:nvPr/>
+        </p:nvPicPr>
+        <p:blipFill>
+          <a:blip r:embed="rId2"/>
+          <a:stretch>
+            <a:fillRect/>
+          </a:stretch>
+        </p:blipFill>
+        <p:spPr>
+          <a:xfrm>
+            <a:off x="1164452" y="4189025"/>
+            <a:ext cx="6832600" cy="546100"/>
+          </a:xfrm>
+          <a:prstGeom prst="rect">
+            <a:avLst/>
+          </a:prstGeom>
+        </p:spPr>
+      </p:pic>
+      <p:pic>
+        <p:nvPicPr>
+          <p:cNvPr id="7" name="Picture 6" descr="Diagram&#10;&#10;Description automatically generated">
+            <a:extLst>
+              <a:ext uri="{FF2B5EF4-FFF2-40B4-BE49-F238E27FC236}">
+                <a16:creationId xmlns:a16="http://schemas.microsoft.com/office/drawing/2014/main" id="{A840A4C0-7449-E24E-92F1-0E920C22C610}"/>
+              </a:ext>
+            </a:extLst>
+          </p:cNvPr>
+          <p:cNvPicPr>
+            <a:picLocks noChangeAspect="1"/>
+          </p:cNvPicPr>
+          <p:nvPr/>
+        </p:nvPicPr>
+        <p:blipFill>
+          <a:blip r:embed="rId3"/>
+          <a:stretch>
+            <a:fillRect/>
+          </a:stretch>
+        </p:blipFill>
+        <p:spPr>
+          <a:xfrm>
+            <a:off x="9071362" y="3092469"/>
+            <a:ext cx="2501900" cy="2286000"/>
+          </a:xfrm>
+          <a:prstGeom prst="rect">
+            <a:avLst/>
+          </a:prstGeom>
+        </p:spPr>
+      </p:pic>
+    </p:spTree>
+    <p:extLst>
+      <p:ext uri="{BB962C8B-B14F-4D97-AF65-F5344CB8AC3E}">
+        <p14:creationId xmlns:p14="http://schemas.microsoft.com/office/powerpoint/2010/main" val="524294227"/>
+      </p:ext>
+    </p:extLst>
+  </p:cSld>
+  <p:clrMapOvr>
+    <a:masterClrMapping/>
+  </p:clrMapOvr>
+</p:sld>
+</file>
+
+<file path=ppt/slides/slide27.xml><?xml version="1.0" encoding="utf-8"?>
+<p:sld xmlns:a="http://schemas.openxmlformats.org/drawingml/2006/main" xmlns:r="http://schemas.openxmlformats.org/officeDocument/2006/relationships" xmlns:p="http://schemas.openxmlformats.org/presentationml/2006/main">
+  <p:cSld>
+    <p:spTree>
+      <p:nvGrpSpPr>
+        <p:cNvPr id="1" name=""/>
+        <p:cNvGrpSpPr/>
+        <p:nvPr/>
+      </p:nvGrpSpPr>
+      <p:grpSpPr>
+        <a:xfrm>
+          <a:off x="0" y="0"/>
+          <a:ext cx="0" cy="0"/>
+          <a:chOff x="0" y="0"/>
+          <a:chExt cx="0" cy="0"/>
+        </a:xfrm>
+      </p:grpSpPr>
+      <p:sp>
+        <p:nvSpPr>
+          <p:cNvPr id="2" name="Title 1">
+            <a:extLst>
+              <a:ext uri="{FF2B5EF4-FFF2-40B4-BE49-F238E27FC236}">
+                <a16:creationId xmlns:a16="http://schemas.microsoft.com/office/drawing/2014/main" id="{867175FB-B23E-264F-A7A0-2289FF6D2013}"/>
+              </a:ext>
+            </a:extLst>
+          </p:cNvPr>
+          <p:cNvSpPr>
+            <a:spLocks noGrp="1"/>
+          </p:cNvSpPr>
+          <p:nvPr>
+            <p:ph type="title"/>
+          </p:nvPr>
+        </p:nvSpPr>
+        <p:spPr/>
+        <p:txBody>
+          <a:bodyPr/>
+          <a:lstStyle/>
+          <a:p>
+            <a:r>
+              <a:rPr lang="en-US" dirty="0"/>
+              <a:t>Modifying dictionary set values</a:t>
+            </a:r>
+          </a:p>
+        </p:txBody>
+      </p:sp>
+      <p:sp>
+        <p:nvSpPr>
+          <p:cNvPr id="3" name="Content Placeholder 2">
+            <a:extLst>
+              <a:ext uri="{FF2B5EF4-FFF2-40B4-BE49-F238E27FC236}">
+                <a16:creationId xmlns:a16="http://schemas.microsoft.com/office/drawing/2014/main" id="{B1CEC23F-7DB3-914F-B531-822124B650D0}"/>
+              </a:ext>
+            </a:extLst>
+          </p:cNvPr>
+          <p:cNvSpPr>
+            <a:spLocks noGrp="1"/>
+          </p:cNvSpPr>
+          <p:nvPr>
+            <p:ph idx="1"/>
+          </p:nvPr>
+        </p:nvSpPr>
+        <p:spPr/>
+        <p:txBody>
+          <a:bodyPr/>
+          <a:lstStyle/>
+          <a:p>
+            <a:r>
+              <a:rPr lang="en-US" dirty="0"/>
+              <a:t>If you extract a mutable value from a data structure, you can modify it without having to delete and add an updated version</a:t>
+            </a:r>
+          </a:p>
+        </p:txBody>
+      </p:sp>
+      <p:pic>
+        <p:nvPicPr>
+          <p:cNvPr id="5" name="Picture 4" descr="Graphical user interface, text, application, chat or text message&#10;&#10;Description automatically generated">
+            <a:extLst>
+              <a:ext uri="{FF2B5EF4-FFF2-40B4-BE49-F238E27FC236}">
+                <a16:creationId xmlns:a16="http://schemas.microsoft.com/office/drawing/2014/main" id="{B76B1B64-B8A2-1A40-ACEF-1970F99F5AAB}"/>
+              </a:ext>
+            </a:extLst>
+          </p:cNvPr>
+          <p:cNvPicPr>
+            <a:picLocks noChangeAspect="1"/>
+          </p:cNvPicPr>
+          <p:nvPr/>
+        </p:nvPicPr>
+        <p:blipFill>
+          <a:blip r:embed="rId2"/>
+          <a:stretch>
+            <a:fillRect/>
+          </a:stretch>
+        </p:blipFill>
+        <p:spPr>
+          <a:xfrm>
+            <a:off x="4029387" y="3122830"/>
+            <a:ext cx="3556000" cy="1981200"/>
+          </a:xfrm>
+          <a:prstGeom prst="rect">
+            <a:avLst/>
+          </a:prstGeom>
+        </p:spPr>
+      </p:pic>
+      <p:pic>
+        <p:nvPicPr>
+          <p:cNvPr id="6" name="Picture 5" descr="Diagram&#10;&#10;Description automatically generated">
+            <a:extLst>
+              <a:ext uri="{FF2B5EF4-FFF2-40B4-BE49-F238E27FC236}">
+                <a16:creationId xmlns:a16="http://schemas.microsoft.com/office/drawing/2014/main" id="{B88A2A9B-CA7B-FF4E-9E34-57A295F9CB90}"/>
+              </a:ext>
+            </a:extLst>
+          </p:cNvPr>
+          <p:cNvPicPr>
+            <a:picLocks noChangeAspect="1"/>
+          </p:cNvPicPr>
+          <p:nvPr/>
+        </p:nvPicPr>
+        <p:blipFill>
+          <a:blip r:embed="rId3"/>
+          <a:stretch>
+            <a:fillRect/>
+          </a:stretch>
+        </p:blipFill>
+        <p:spPr>
+          <a:xfrm>
+            <a:off x="777955" y="3137695"/>
+            <a:ext cx="2501900" cy="2286000"/>
+          </a:xfrm>
+          <a:prstGeom prst="rect">
+            <a:avLst/>
+          </a:prstGeom>
+        </p:spPr>
+      </p:pic>
+      <p:pic>
+        <p:nvPicPr>
+          <p:cNvPr id="8" name="Picture 7" descr="Diagram&#10;&#10;Description automatically generated">
+            <a:extLst>
+              <a:ext uri="{FF2B5EF4-FFF2-40B4-BE49-F238E27FC236}">
+                <a16:creationId xmlns:a16="http://schemas.microsoft.com/office/drawing/2014/main" id="{DFDBFC81-9E67-1444-B802-95C907257C6E}"/>
+              </a:ext>
+            </a:extLst>
+          </p:cNvPr>
+          <p:cNvPicPr>
+            <a:picLocks noChangeAspect="1"/>
+          </p:cNvPicPr>
+          <p:nvPr/>
+        </p:nvPicPr>
+        <p:blipFill>
+          <a:blip r:embed="rId4"/>
+          <a:stretch>
+            <a:fillRect/>
+          </a:stretch>
+        </p:blipFill>
+        <p:spPr>
+          <a:xfrm>
+            <a:off x="8334919" y="3137695"/>
+            <a:ext cx="3124200" cy="2336800"/>
+          </a:xfrm>
+          <a:prstGeom prst="rect">
+            <a:avLst/>
+          </a:prstGeom>
+        </p:spPr>
+      </p:pic>
+      <p:pic>
+        <p:nvPicPr>
+          <p:cNvPr id="10" name="Picture 9" descr="Graphical user interface, text, application, chat or text message&#10;&#10;Description automatically generated">
+            <a:extLst>
+              <a:ext uri="{FF2B5EF4-FFF2-40B4-BE49-F238E27FC236}">
+                <a16:creationId xmlns:a16="http://schemas.microsoft.com/office/drawing/2014/main" id="{D26CC8F3-983F-044E-9209-AD9E210F2215}"/>
+              </a:ext>
+            </a:extLst>
+          </p:cNvPr>
+          <p:cNvPicPr>
+            <a:picLocks noChangeAspect="1"/>
+          </p:cNvPicPr>
+          <p:nvPr/>
+        </p:nvPicPr>
+        <p:blipFill>
+          <a:blip r:embed="rId5"/>
+          <a:stretch>
+            <a:fillRect/>
+          </a:stretch>
+        </p:blipFill>
+        <p:spPr>
+          <a:xfrm>
+            <a:off x="4029387" y="5249481"/>
+            <a:ext cx="2743200" cy="1028700"/>
+          </a:xfrm>
+          <a:prstGeom prst="rect">
+            <a:avLst/>
+          </a:prstGeom>
+        </p:spPr>
+      </p:pic>
+    </p:spTree>
+    <p:extLst>
+      <p:ext uri="{BB962C8B-B14F-4D97-AF65-F5344CB8AC3E}">
+        <p14:creationId xmlns:p14="http://schemas.microsoft.com/office/powerpoint/2010/main" val="1906689198"/>
+      </p:ext>
+    </p:extLst>
+  </p:cSld>
+  <p:clrMapOvr>
+    <a:masterClrMapping/>
+  </p:clrMapOvr>
+</p:sld>
+</file>
+
+<file path=ppt/slides/slide28.xml><?xml version="1.0" encoding="utf-8"?>
+<p:sld xmlns:a="http://schemas.openxmlformats.org/drawingml/2006/main" xmlns:r="http://schemas.openxmlformats.org/officeDocument/2006/relationships" xmlns:p="http://schemas.openxmlformats.org/presentationml/2006/main">
+  <p:cSld>
+    <p:spTree>
+      <p:nvGrpSpPr>
+        <p:cNvPr id="1" name=""/>
+        <p:cNvGrpSpPr/>
+        <p:nvPr/>
+      </p:nvGrpSpPr>
+      <p:grpSpPr>
+        <a:xfrm>
+          <a:off x="0" y="0"/>
+          <a:ext cx="0" cy="0"/>
+          <a:chOff x="0" y="0"/>
+          <a:chExt cx="0" cy="0"/>
+        </a:xfrm>
+      </p:grpSpPr>
+      <p:sp>
+        <p:nvSpPr>
+          <p:cNvPr id="2" name="Title 1">
+            <a:extLst>
+              <a:ext uri="{FF2B5EF4-FFF2-40B4-BE49-F238E27FC236}">
+                <a16:creationId xmlns:a16="http://schemas.microsoft.com/office/drawing/2014/main" id="{583A80DD-8A14-3B44-AFCB-A655D3F6200B}"/>
+              </a:ext>
+            </a:extLst>
+          </p:cNvPr>
+          <p:cNvSpPr>
+            <a:spLocks noGrp="1"/>
+          </p:cNvSpPr>
+          <p:nvPr>
+            <p:ph type="title"/>
+          </p:nvPr>
+        </p:nvSpPr>
+        <p:spPr/>
+        <p:txBody>
+          <a:bodyPr/>
+          <a:lstStyle/>
+          <a:p>
+            <a:r>
+              <a:rPr lang="en-US" dirty="0"/>
+              <a:t>Summary</a:t>
+            </a:r>
+          </a:p>
+        </p:txBody>
+      </p:sp>
+      <p:sp>
+        <p:nvSpPr>
+          <p:cNvPr id="3" name="Content Placeholder 2">
+            <a:extLst>
+              <a:ext uri="{FF2B5EF4-FFF2-40B4-BE49-F238E27FC236}">
+                <a16:creationId xmlns:a16="http://schemas.microsoft.com/office/drawing/2014/main" id="{AD0EF75D-BA75-FC4C-9FA5-9ED72046EDAD}"/>
+              </a:ext>
+            </a:extLst>
+          </p:cNvPr>
+          <p:cNvSpPr>
+            <a:spLocks noGrp="1"/>
+          </p:cNvSpPr>
+          <p:nvPr>
+            <p:ph idx="1"/>
+          </p:nvPr>
+        </p:nvSpPr>
+        <p:spPr/>
+        <p:txBody>
+          <a:bodyPr/>
+          <a:lstStyle/>
+          <a:p>
+            <a:r>
+              <a:rPr lang="en-US" dirty="0"/>
+              <a:t>Dictionaries and sets are typically implemented with a form of </a:t>
+            </a:r>
+            <a:r>
+              <a:rPr lang="en-US" dirty="0" err="1"/>
+              <a:t>hashtable</a:t>
+            </a:r>
+            <a:r>
+              <a:rPr lang="en-US" dirty="0"/>
+              <a:t> because the key lookup operation is so much faster</a:t>
+            </a:r>
+          </a:p>
+          <a:p>
+            <a:r>
+              <a:rPr lang="en-US" dirty="0"/>
+              <a:t>The speed comes from a partitioning of the search space into a large number of small regions, which are searched linearly</a:t>
+            </a:r>
+          </a:p>
+          <a:p>
+            <a:r>
+              <a:rPr lang="en-US" dirty="0"/>
+              <a:t>If we make enough buckets so that at most there are </a:t>
+            </a:r>
+            <a:r>
+              <a:rPr lang="en-US"/>
+              <a:t>three keys in each bucket, lookup takes three operations no matter how many keys have been added to the dictionary</a:t>
+            </a:r>
+            <a:endParaRPr lang="en-US" dirty="0"/>
+          </a:p>
+        </p:txBody>
+      </p:sp>
+    </p:spTree>
+    <p:extLst>
+      <p:ext uri="{BB962C8B-B14F-4D97-AF65-F5344CB8AC3E}">
+        <p14:creationId xmlns:p14="http://schemas.microsoft.com/office/powerpoint/2010/main" val="1811907074"/>
       </p:ext>
     </p:extLst>
   </p:cSld>
@@ -4206,7 +7915,7 @@
           <a:p>
             <a:r>
               <a:rPr lang="en-US" dirty="0"/>
-              <a:t>Review: Sets (default Python implementation)</a:t>
+              <a:t>Review: Sets</a:t>
             </a:r>
           </a:p>
         </p:txBody>
@@ -4829,35 +8538,242 @@
           <a:bodyPr/>
           <a:lstStyle/>
           <a:p>
-            <a:endParaRPr lang="en-US" dirty="0"/>
-          </a:p>
-        </p:txBody>
-      </p:sp>
-      <p:sp>
-        <p:nvSpPr>
-          <p:cNvPr id="3" name="Content Placeholder 2">
-            <a:extLst>
-              <a:ext uri="{FF2B5EF4-FFF2-40B4-BE49-F238E27FC236}">
-                <a16:creationId xmlns:a16="http://schemas.microsoft.com/office/drawing/2014/main" id="{699350E4-83C0-F24D-A009-ACB04FE51FB7}"/>
-              </a:ext>
-            </a:extLst>
-          </p:cNvPr>
-          <p:cNvSpPr>
-            <a:spLocks noGrp="1"/>
-          </p:cNvSpPr>
-          <p:nvPr>
-            <p:ph idx="1"/>
-          </p:nvPr>
-        </p:nvSpPr>
-        <p:spPr/>
-        <p:txBody>
-          <a:bodyPr/>
-          <a:lstStyle/>
-          <a:p>
+            <a:r>
+              <a:rPr lang="en-US" dirty="0"/>
+              <a:t>List implementation for sets</a:t>
+            </a:r>
+          </a:p>
+        </p:txBody>
+      </p:sp>
+      <p:pic>
+        <p:nvPicPr>
+          <p:cNvPr id="7" name="Picture 6" descr="Text&#10;&#10;Description automatically generated with medium confidence">
+            <a:extLst>
+              <a:ext uri="{FF2B5EF4-FFF2-40B4-BE49-F238E27FC236}">
+                <a16:creationId xmlns:a16="http://schemas.microsoft.com/office/drawing/2014/main" id="{447678FC-733A-EB40-AC0D-C598323DF2C7}"/>
+              </a:ext>
+            </a:extLst>
+          </p:cNvPr>
+          <p:cNvPicPr>
+            <a:picLocks noChangeAspect="1"/>
+          </p:cNvPicPr>
+          <p:nvPr/>
+        </p:nvPicPr>
+        <p:blipFill>
+          <a:blip r:embed="rId2"/>
+          <a:stretch>
+            <a:fillRect/>
+          </a:stretch>
+        </p:blipFill>
+        <p:spPr>
+          <a:xfrm>
+            <a:off x="838199" y="3768811"/>
+            <a:ext cx="3349175" cy="1729946"/>
+          </a:xfrm>
+          <a:prstGeom prst="rect">
+            <a:avLst/>
+          </a:prstGeom>
+        </p:spPr>
+      </p:pic>
+      <p:pic>
+        <p:nvPicPr>
+          <p:cNvPr id="9" name="Picture 8" descr="Graphical user interface, text, application&#10;&#10;Description automatically generated">
+            <a:extLst>
+              <a:ext uri="{FF2B5EF4-FFF2-40B4-BE49-F238E27FC236}">
+                <a16:creationId xmlns:a16="http://schemas.microsoft.com/office/drawing/2014/main" id="{8F261558-D260-454F-93CD-D5BCD27624DE}"/>
+              </a:ext>
+            </a:extLst>
+          </p:cNvPr>
+          <p:cNvPicPr>
+            <a:picLocks noChangeAspect="1"/>
+          </p:cNvPicPr>
+          <p:nvPr/>
+        </p:nvPicPr>
+        <p:blipFill>
+          <a:blip r:embed="rId3"/>
+          <a:stretch>
+            <a:fillRect/>
+          </a:stretch>
+        </p:blipFill>
+        <p:spPr>
+          <a:xfrm>
+            <a:off x="4854210" y="3768811"/>
+            <a:ext cx="6971378" cy="2966544"/>
+          </a:xfrm>
+          <a:prstGeom prst="rect">
+            <a:avLst/>
+          </a:prstGeom>
+        </p:spPr>
+      </p:pic>
+      <p:sp>
+        <p:nvSpPr>
+          <p:cNvPr id="10" name="Rectangle 9">
+            <a:extLst>
+              <a:ext uri="{FF2B5EF4-FFF2-40B4-BE49-F238E27FC236}">
+                <a16:creationId xmlns:a16="http://schemas.microsoft.com/office/drawing/2014/main" id="{44BDC25C-B6B8-754C-AD9A-9CCB7EA134FF}"/>
+              </a:ext>
+            </a:extLst>
+          </p:cNvPr>
+          <p:cNvSpPr/>
+          <p:nvPr/>
+        </p:nvSpPr>
+        <p:spPr>
+          <a:xfrm>
+            <a:off x="6413038" y="4610056"/>
+            <a:ext cx="840378" cy="364151"/>
+          </a:xfrm>
+          <a:prstGeom prst="rect">
+            <a:avLst/>
+          </a:prstGeom>
+          <a:noFill/>
+          <a:ln>
+            <a:solidFill>
+              <a:srgbClr val="E4754F"/>
+            </a:solidFill>
+          </a:ln>
+        </p:spPr>
+        <p:style>
+          <a:lnRef idx="2">
+            <a:schemeClr val="accent1">
+              <a:shade val="50000"/>
+            </a:schemeClr>
+          </a:lnRef>
+          <a:fillRef idx="1">
+            <a:schemeClr val="accent1"/>
+          </a:fillRef>
+          <a:effectRef idx="0">
+            <a:schemeClr val="accent1"/>
+          </a:effectRef>
+          <a:fontRef idx="minor">
+            <a:schemeClr val="lt1"/>
+          </a:fontRef>
+        </p:style>
+        <p:txBody>
+          <a:bodyPr rtlCol="0" anchor="ctr"/>
+          <a:lstStyle/>
+          <a:p>
+            <a:pPr algn="ctr"/>
             <a:endParaRPr lang="en-US"/>
           </a:p>
         </p:txBody>
       </p:sp>
+      <p:sp>
+        <p:nvSpPr>
+          <p:cNvPr id="11" name="Rectangle 10">
+            <a:extLst>
+              <a:ext uri="{FF2B5EF4-FFF2-40B4-BE49-F238E27FC236}">
+                <a16:creationId xmlns:a16="http://schemas.microsoft.com/office/drawing/2014/main" id="{DAE8EDAA-872E-3D41-BE32-E6EAAF8B0E41}"/>
+              </a:ext>
+            </a:extLst>
+          </p:cNvPr>
+          <p:cNvSpPr/>
+          <p:nvPr/>
+        </p:nvSpPr>
+        <p:spPr>
+          <a:xfrm>
+            <a:off x="6413038" y="6401228"/>
+            <a:ext cx="729167" cy="364151"/>
+          </a:xfrm>
+          <a:prstGeom prst="rect">
+            <a:avLst/>
+          </a:prstGeom>
+          <a:noFill/>
+          <a:ln>
+            <a:solidFill>
+              <a:srgbClr val="E4754F"/>
+            </a:solidFill>
+          </a:ln>
+        </p:spPr>
+        <p:style>
+          <a:lnRef idx="2">
+            <a:schemeClr val="accent1">
+              <a:shade val="50000"/>
+            </a:schemeClr>
+          </a:lnRef>
+          <a:fillRef idx="1">
+            <a:schemeClr val="accent1"/>
+          </a:fillRef>
+          <a:effectRef idx="0">
+            <a:schemeClr val="accent1"/>
+          </a:effectRef>
+          <a:fontRef idx="minor">
+            <a:schemeClr val="lt1"/>
+          </a:fontRef>
+        </p:style>
+        <p:txBody>
+          <a:bodyPr rtlCol="0" anchor="ctr"/>
+          <a:lstStyle/>
+          <a:p>
+            <a:pPr algn="ctr"/>
+            <a:endParaRPr lang="en-US"/>
+          </a:p>
+        </p:txBody>
+      </p:sp>
+      <p:sp>
+        <p:nvSpPr>
+          <p:cNvPr id="12" name="TextBox 11">
+            <a:extLst>
+              <a:ext uri="{FF2B5EF4-FFF2-40B4-BE49-F238E27FC236}">
+                <a16:creationId xmlns:a16="http://schemas.microsoft.com/office/drawing/2014/main" id="{FA2E8DCD-27AF-2949-95AB-7F21C71E7866}"/>
+              </a:ext>
+            </a:extLst>
+          </p:cNvPr>
+          <p:cNvSpPr txBox="1"/>
+          <p:nvPr/>
+        </p:nvSpPr>
+        <p:spPr>
+          <a:xfrm>
+            <a:off x="838199" y="6031896"/>
+            <a:ext cx="3416320" cy="369332"/>
+          </a:xfrm>
+          <a:prstGeom prst="rect">
+            <a:avLst/>
+          </a:prstGeom>
+          <a:noFill/>
+        </p:spPr>
+        <p:txBody>
+          <a:bodyPr wrap="none" rtlCol="0">
+            <a:spAutoFit/>
+          </a:bodyPr>
+          <a:lstStyle/>
+          <a:p>
+            <a:r>
+              <a:rPr lang="en-US" dirty="0"/>
+              <a:t>Searching linearly is pretty slow</a:t>
+            </a:r>
+          </a:p>
+        </p:txBody>
+      </p:sp>
+      <p:pic>
+        <p:nvPicPr>
+          <p:cNvPr id="20" name="Picture 19" descr="A picture containing text&#10;&#10;Description automatically generated">
+            <a:extLst>
+              <a:ext uri="{FF2B5EF4-FFF2-40B4-BE49-F238E27FC236}">
+                <a16:creationId xmlns:a16="http://schemas.microsoft.com/office/drawing/2014/main" id="{7BE6605A-8C79-3B41-85D0-C811F314649B}"/>
+              </a:ext>
+            </a:extLst>
+          </p:cNvPr>
+          <p:cNvPicPr>
+            <a:picLocks noChangeAspect="1"/>
+          </p:cNvPicPr>
+          <p:nvPr/>
+        </p:nvPicPr>
+        <p:blipFill>
+          <a:blip r:embed="rId4"/>
+          <a:stretch>
+            <a:fillRect/>
+          </a:stretch>
+        </p:blipFill>
+        <p:spPr>
+          <a:xfrm>
+            <a:off x="838198" y="1445741"/>
+            <a:ext cx="10556601" cy="1876429"/>
+          </a:xfrm>
+          <a:prstGeom prst="rect">
+            <a:avLst/>
+          </a:prstGeom>
+        </p:spPr>
+      </p:pic>
     </p:spTree>
     <p:extLst>
       <p:ext uri="{BB962C8B-B14F-4D97-AF65-F5344CB8AC3E}">
@@ -4893,7 +8809,7 @@
           <p:cNvPr id="2" name="Title 1">
             <a:extLst>
               <a:ext uri="{FF2B5EF4-FFF2-40B4-BE49-F238E27FC236}">
-                <a16:creationId xmlns:a16="http://schemas.microsoft.com/office/drawing/2014/main" id="{4001F33A-2A77-434F-8E4F-7FC4AD2D3775}"/>
+                <a16:creationId xmlns:a16="http://schemas.microsoft.com/office/drawing/2014/main" id="{F665FB1A-6B71-4443-8AD5-119B61158BAB}"/>
               </a:ext>
             </a:extLst>
           </p:cNvPr>
@@ -4909,7 +8825,10 @@
           <a:bodyPr/>
           <a:lstStyle/>
           <a:p>
-            <a:endParaRPr lang="en-US"/>
+            <a:r>
+              <a:rPr lang="en-US" dirty="0"/>
+              <a:t>Can we do better than linear search?</a:t>
+            </a:r>
           </a:p>
         </p:txBody>
       </p:sp>
@@ -4918,7 +8837,7 @@
           <p:cNvPr id="3" name="Content Placeholder 2">
             <a:extLst>
               <a:ext uri="{FF2B5EF4-FFF2-40B4-BE49-F238E27FC236}">
-                <a16:creationId xmlns:a16="http://schemas.microsoft.com/office/drawing/2014/main" id="{157953A9-4DF7-0D46-87A5-AA4433D87C13}"/>
+                <a16:creationId xmlns:a16="http://schemas.microsoft.com/office/drawing/2014/main" id="{1DA73F58-B641-1146-938A-E5B45C7BE2CA}"/>
               </a:ext>
             </a:extLst>
           </p:cNvPr>
@@ -4929,19 +8848,59 @@
             <p:ph idx="1"/>
           </p:nvPr>
         </p:nvSpPr>
-        <p:spPr/>
+        <p:spPr>
+          <a:xfrm>
+            <a:off x="838199" y="1825625"/>
+            <a:ext cx="10641227" cy="4351338"/>
+          </a:xfrm>
+        </p:spPr>
         <p:txBody>
           <a:bodyPr/>
           <a:lstStyle/>
           <a:p>
-            <a:endParaRPr lang="en-US"/>
+            <a:r>
+              <a:rPr lang="en-US" dirty="0"/>
+              <a:t>Rather than search through every element, let’s partition the set of numbers into 10 buckets so that, on average, we only need to search 1/10 of the elements</a:t>
+            </a:r>
+          </a:p>
+          <a:p>
+            <a:r>
+              <a:rPr lang="en-US" dirty="0"/>
+              <a:t>We partition with a </a:t>
+            </a:r>
+            <a:r>
+              <a:rPr lang="en-US" i="1" dirty="0"/>
+              <a:t>hash</a:t>
+            </a:r>
+            <a:r>
+              <a:rPr lang="en-US" dirty="0"/>
+              <a:t> function that operates on set values</a:t>
+            </a:r>
+          </a:p>
+          <a:p>
+            <a:r>
+              <a:rPr lang="en-US" dirty="0"/>
+              <a:t>We are effectively using something about the value to hint at the location</a:t>
+            </a:r>
+          </a:p>
+          <a:p>
+            <a:r>
+              <a:rPr lang="en-US" dirty="0"/>
+              <a:t>E.g., where does Eric Erickson live in US?</a:t>
+            </a:r>
+          </a:p>
+          <a:p>
+            <a:r>
+              <a:rPr lang="en-US" dirty="0"/>
+              <a:t>Imagine a hash function that gave the postal code given a name (set value)</a:t>
+            </a:r>
           </a:p>
         </p:txBody>
       </p:sp>
     </p:spTree>
     <p:extLst>
       <p:ext uri="{BB962C8B-B14F-4D97-AF65-F5344CB8AC3E}">
-        <p14:creationId xmlns:p14="http://schemas.microsoft.com/office/powerpoint/2010/main" val="1105624541"/>
+        <p14:creationId xmlns:p14="http://schemas.microsoft.com/office/powerpoint/2010/main" val="479238733"/>
       </p:ext>
     </p:extLst>
   </p:cSld>
@@ -4973,7 +8932,7 @@
           <p:cNvPr id="2" name="Title 1">
             <a:extLst>
               <a:ext uri="{FF2B5EF4-FFF2-40B4-BE49-F238E27FC236}">
-                <a16:creationId xmlns:a16="http://schemas.microsoft.com/office/drawing/2014/main" id="{F0EB2642-C6B8-2F43-82DB-8B8D9AA1D3D3}"/>
+                <a16:creationId xmlns:a16="http://schemas.microsoft.com/office/drawing/2014/main" id="{B1F70BD5-63BE-874D-A1BB-45A658B6DEBB}"/>
               </a:ext>
             </a:extLst>
           </p:cNvPr>
@@ -4991,7 +8950,7 @@
           <a:p>
             <a:r>
               <a:rPr lang="en-US" dirty="0"/>
-              <a:t>A simple implementation</a:t>
+              <a:t>Partitioning requires a new data structure</a:t>
             </a:r>
           </a:p>
         </p:txBody>
@@ -5001,7 +8960,7 @@
           <p:cNvPr id="3" name="Content Placeholder 2">
             <a:extLst>
               <a:ext uri="{FF2B5EF4-FFF2-40B4-BE49-F238E27FC236}">
-                <a16:creationId xmlns:a16="http://schemas.microsoft.com/office/drawing/2014/main" id="{88C7DB50-56E4-A84A-815E-57C8A29C941B}"/>
+                <a16:creationId xmlns:a16="http://schemas.microsoft.com/office/drawing/2014/main" id="{1B930871-66E0-FC43-A766-4CB811C7E5EE}"/>
               </a:ext>
             </a:extLst>
           </p:cNvPr>
@@ -5014,8 +8973,8 @@
         </p:nvSpPr>
         <p:spPr>
           <a:xfrm>
-            <a:off x="626165" y="1825625"/>
-            <a:ext cx="9654485" cy="4351338"/>
+            <a:off x="838200" y="1825625"/>
+            <a:ext cx="8429368" cy="4351338"/>
           </a:xfrm>
         </p:spPr>
         <p:txBody>
@@ -5024,68 +8983,29 @@
           <a:p>
             <a:r>
               <a:rPr lang="en-US" dirty="0"/>
-              <a:t>To track a collection of </a:t>
-            </a:r>
-            <a:r>
-              <a:rPr lang="en-US" dirty="0" err="1"/>
-              <a:t>key→value</a:t>
-            </a:r>
+              <a:t>Rather than a list of set values, we need a list of regions called buckets where each bucket is a list of values</a:t>
+            </a:r>
+          </a:p>
+          <a:p>
             <a:r>
               <a:rPr lang="en-US" dirty="0"/>
-              <a:t> pairs, we can use a list of tuples such as:</a:t>
-            </a:r>
-            <a:br>
+              <a:t>The hash of a value leads to the bucket index</a:t>
+            </a:r>
+          </a:p>
+          <a:p>
+            <a:r>
               <a:rPr lang="en-US" dirty="0"/>
-            </a:br>
-            <a:br>
-              <a:rPr lang="en-US" dirty="0"/>
-            </a:br>
-            <a:r>
-              <a:rPr lang="en-US" sz="2000" dirty="0">
-                <a:latin typeface="Consolas" panose="020B0609020204030204" pitchFamily="49" charset="0"/>
-                <a:cs typeface="Consolas" panose="020B0609020204030204" pitchFamily="49" charset="0"/>
-              </a:rPr>
-              <a:t>d = [('the', 3), ('cat', 1), ('sat', 1), ('on', 2), ('hat', 1)]</a:t>
-            </a:r>
-            <a:br>
-              <a:rPr lang="en-US" sz="2000" dirty="0">
-                <a:latin typeface="Consolas" panose="020B0609020204030204" pitchFamily="49" charset="0"/>
-                <a:cs typeface="Consolas" panose="020B0609020204030204" pitchFamily="49" charset="0"/>
-              </a:rPr>
-            </a:br>
-            <a:endParaRPr lang="en-US" dirty="0">
-              <a:latin typeface="Consolas" panose="020B0609020204030204" pitchFamily="49" charset="0"/>
-              <a:cs typeface="Consolas" panose="020B0609020204030204" pitchFamily="49" charset="0"/>
-            </a:endParaRPr>
-          </a:p>
-          <a:p>
-            <a:r>
-              <a:rPr lang="en-US" dirty="0"/>
-              <a:t>The key operation for a </a:t>
-            </a:r>
-            <a:r>
-              <a:rPr lang="en-US" dirty="0" err="1"/>
-              <a:t>dict</a:t>
-            </a:r>
-            <a:r>
-              <a:rPr lang="en-US" dirty="0"/>
-              <a:t> is to look up a value by its key</a:t>
-            </a:r>
-          </a:p>
-          <a:p>
-            <a:r>
-              <a:rPr lang="en-US" dirty="0"/>
-              <a:t>How would you implement this?</a:t>
+              <a:t>For sets of integers, let’s use the value modulo 10 to uniquely place values into one of 10 buckets, indexed 0..9</a:t>
             </a:r>
           </a:p>
         </p:txBody>
       </p:sp>
       <p:pic>
         <p:nvPicPr>
-          <p:cNvPr id="5" name="Picture 4" descr="A picture containing text, clock&#10;&#10;Description automatically generated">
-            <a:extLst>
-              <a:ext uri="{FF2B5EF4-FFF2-40B4-BE49-F238E27FC236}">
-                <a16:creationId xmlns:a16="http://schemas.microsoft.com/office/drawing/2014/main" id="{FBD5BB8D-B62A-0B48-B5A9-4B4F7DF18E4D}"/>
+          <p:cNvPr id="5" name="Picture 4" descr="Diagram&#10;&#10;Description automatically generated">
+            <a:extLst>
+              <a:ext uri="{FF2B5EF4-FFF2-40B4-BE49-F238E27FC236}">
+                <a16:creationId xmlns:a16="http://schemas.microsoft.com/office/drawing/2014/main" id="{E508AD8E-260B-4241-8905-98400855951F}"/>
               </a:ext>
             </a:extLst>
           </p:cNvPr>
@@ -5102,53 +9022,18 @@
         </p:blipFill>
         <p:spPr>
           <a:xfrm>
-            <a:off x="10494803" y="1690688"/>
-            <a:ext cx="1574337" cy="3823391"/>
+            <a:off x="9947189" y="1486757"/>
+            <a:ext cx="1936407" cy="4833846"/>
           </a:xfrm>
           <a:prstGeom prst="rect">
             <a:avLst/>
           </a:prstGeom>
         </p:spPr>
       </p:pic>
-      <p:sp>
-        <p:nvSpPr>
-          <p:cNvPr id="6" name="TextBox 5">
-            <a:extLst>
-              <a:ext uri="{FF2B5EF4-FFF2-40B4-BE49-F238E27FC236}">
-                <a16:creationId xmlns:a16="http://schemas.microsoft.com/office/drawing/2014/main" id="{B6DB0BE9-3B11-C94A-AACD-6060081B0546}"/>
-              </a:ext>
-            </a:extLst>
-          </p:cNvPr>
-          <p:cNvSpPr txBox="1"/>
-          <p:nvPr/>
-        </p:nvSpPr>
-        <p:spPr>
-          <a:xfrm>
-            <a:off x="858078" y="4741129"/>
-            <a:ext cx="6897756" cy="1815882"/>
-          </a:xfrm>
-          <a:prstGeom prst="rect">
-            <a:avLst/>
-          </a:prstGeom>
-          <a:noFill/>
-        </p:spPr>
-        <p:txBody>
-          <a:bodyPr wrap="square" rtlCol="0">
-            <a:spAutoFit/>
-          </a:bodyPr>
-          <a:lstStyle/>
-          <a:p>
-            <a:r>
-              <a:rPr lang="en-US" sz="2800" dirty="0"/>
-              <a:t>Linearly search through the list of tuples and compare the first value and the tuple to the key of interest; return the associated value if key is found</a:t>
-            </a:r>
-          </a:p>
-        </p:txBody>
-      </p:sp>
     </p:spTree>
     <p:extLst>
       <p:ext uri="{BB962C8B-B14F-4D97-AF65-F5344CB8AC3E}">
-        <p14:creationId xmlns:p14="http://schemas.microsoft.com/office/powerpoint/2010/main" val="3788590394"/>
+        <p14:creationId xmlns:p14="http://schemas.microsoft.com/office/powerpoint/2010/main" val="3950362222"/>
       </p:ext>
     </p:extLst>
   </p:cSld>
@@ -5180,7 +9065,7 @@
           <p:cNvPr id="2" name="Title 1">
             <a:extLst>
               <a:ext uri="{FF2B5EF4-FFF2-40B4-BE49-F238E27FC236}">
-                <a16:creationId xmlns:a16="http://schemas.microsoft.com/office/drawing/2014/main" id="{3EB62973-3556-0E46-88DA-7DE099DCF64B}"/>
+                <a16:creationId xmlns:a16="http://schemas.microsoft.com/office/drawing/2014/main" id="{4DF7526D-9A78-2D4D-AC91-8371077147C1}"/>
               </a:ext>
             </a:extLst>
           </p:cNvPr>
@@ -5198,67 +9083,17 @@
           <a:p>
             <a:r>
               <a:rPr lang="en-US" dirty="0"/>
-              <a:t>Review: tuples</a:t>
-            </a:r>
-          </a:p>
-        </p:txBody>
-      </p:sp>
-      <p:sp>
-        <p:nvSpPr>
-          <p:cNvPr id="3" name="Content Placeholder 2">
-            <a:extLst>
-              <a:ext uri="{FF2B5EF4-FFF2-40B4-BE49-F238E27FC236}">
-                <a16:creationId xmlns:a16="http://schemas.microsoft.com/office/drawing/2014/main" id="{C69807BC-8F3C-064E-9422-53AB1DB5D359}"/>
-              </a:ext>
-            </a:extLst>
-          </p:cNvPr>
-          <p:cNvSpPr>
-            <a:spLocks noGrp="1"/>
-          </p:cNvSpPr>
-          <p:nvPr>
-            <p:ph idx="1"/>
-          </p:nvPr>
-        </p:nvSpPr>
-        <p:spPr>
-          <a:xfrm>
-            <a:off x="838200" y="1550504"/>
-            <a:ext cx="10515600" cy="4626459"/>
-          </a:xfrm>
-        </p:spPr>
-        <p:txBody>
-          <a:bodyPr/>
-          <a:lstStyle/>
-          <a:p>
-            <a:r>
-              <a:rPr lang="en-US" dirty="0"/>
-              <a:t>A tuple is an </a:t>
-            </a:r>
-            <a:r>
-              <a:rPr lang="en-US" i="1" dirty="0"/>
-              <a:t>immutable</a:t>
-            </a:r>
-            <a:r>
-              <a:rPr lang="en-US" dirty="0"/>
-              <a:t> list and uses parentheses rather than square brackets for notation</a:t>
-            </a:r>
-          </a:p>
-          <a:p>
-            <a:r>
-              <a:rPr lang="en-US" dirty="0"/>
-              <a:t>Tuples are often used to group related elements:</a:t>
-            </a:r>
-          </a:p>
-          <a:p>
-            <a:endParaRPr lang="en-US" dirty="0"/>
+              <a:t>Partitioning with modulo hash</a:t>
+            </a:r>
           </a:p>
         </p:txBody>
       </p:sp>
       <p:pic>
         <p:nvPicPr>
-          <p:cNvPr id="7" name="Picture 6" descr="Text&#10;&#10;Description automatically generated">
-            <a:extLst>
-              <a:ext uri="{FF2B5EF4-FFF2-40B4-BE49-F238E27FC236}">
-                <a16:creationId xmlns:a16="http://schemas.microsoft.com/office/drawing/2014/main" id="{F352FAA3-3B4B-0A46-9E6C-1ECC4432EBB5}"/>
+          <p:cNvPr id="10" name="Picture 9" descr="Diagram&#10;&#10;Description automatically generated">
+            <a:extLst>
+              <a:ext uri="{FF2B5EF4-FFF2-40B4-BE49-F238E27FC236}">
+                <a16:creationId xmlns:a16="http://schemas.microsoft.com/office/drawing/2014/main" id="{ED648B6B-37B7-AB4E-B212-219795B999E6}"/>
               </a:ext>
             </a:extLst>
           </p:cNvPr>
@@ -5275,8 +9110,8 @@
         </p:blipFill>
         <p:spPr>
           <a:xfrm>
-            <a:off x="1181374" y="3062235"/>
-            <a:ext cx="3228286" cy="3114728"/>
+            <a:off x="8431942" y="94392"/>
+            <a:ext cx="3619500" cy="6273800"/>
           </a:xfrm>
           <a:prstGeom prst="rect">
             <a:avLst/>
@@ -5285,10 +9120,10 @@
       </p:pic>
       <p:pic>
         <p:nvPicPr>
-          <p:cNvPr id="5" name="Picture 4" descr="Graphical user interface, text&#10;&#10;Description automatically generated">
-            <a:extLst>
-              <a:ext uri="{FF2B5EF4-FFF2-40B4-BE49-F238E27FC236}">
-                <a16:creationId xmlns:a16="http://schemas.microsoft.com/office/drawing/2014/main" id="{A1C5FB3B-3EE7-8240-B86B-88A7DA6DDB1C}"/>
+          <p:cNvPr id="12" name="Picture 11" descr="Graphical user interface, text, application&#10;&#10;Description automatically generated">
+            <a:extLst>
+              <a:ext uri="{FF2B5EF4-FFF2-40B4-BE49-F238E27FC236}">
+                <a16:creationId xmlns:a16="http://schemas.microsoft.com/office/drawing/2014/main" id="{F2993C4C-C455-E347-B841-CD4408646AF8}"/>
               </a:ext>
             </a:extLst>
           </p:cNvPr>
@@ -5305,8 +9140,8 @@
         </p:blipFill>
         <p:spPr>
           <a:xfrm>
-            <a:off x="4752834" y="3032418"/>
-            <a:ext cx="7322273" cy="2205504"/>
+            <a:off x="934136" y="1590845"/>
+            <a:ext cx="4584149" cy="5020019"/>
           </a:xfrm>
           <a:prstGeom prst="rect">
             <a:avLst/>
@@ -5316,7 +9151,244 @@
     </p:spTree>
     <p:extLst>
       <p:ext uri="{BB962C8B-B14F-4D97-AF65-F5344CB8AC3E}">
-        <p14:creationId xmlns:p14="http://schemas.microsoft.com/office/powerpoint/2010/main" val="4205717042"/>
+        <p14:creationId xmlns:p14="http://schemas.microsoft.com/office/powerpoint/2010/main" val="3872337958"/>
+      </p:ext>
+    </p:extLst>
+  </p:cSld>
+  <p:clrMapOvr>
+    <a:masterClrMapping/>
+  </p:clrMapOvr>
+</p:sld>
+</file>
+
+<file path=ppt/slides/slide9.xml><?xml version="1.0" encoding="utf-8"?>
+<p:sld xmlns:a="http://schemas.openxmlformats.org/drawingml/2006/main" xmlns:r="http://schemas.openxmlformats.org/officeDocument/2006/relationships" xmlns:p="http://schemas.openxmlformats.org/presentationml/2006/main">
+  <p:cSld>
+    <p:spTree>
+      <p:nvGrpSpPr>
+        <p:cNvPr id="1" name=""/>
+        <p:cNvGrpSpPr/>
+        <p:nvPr/>
+      </p:nvGrpSpPr>
+      <p:grpSpPr>
+        <a:xfrm>
+          <a:off x="0" y="0"/>
+          <a:ext cx="0" cy="0"/>
+          <a:chOff x="0" y="0"/>
+          <a:chExt cx="0" cy="0"/>
+        </a:xfrm>
+      </p:grpSpPr>
+      <p:sp>
+        <p:nvSpPr>
+          <p:cNvPr id="2" name="Title 1">
+            <a:extLst>
+              <a:ext uri="{FF2B5EF4-FFF2-40B4-BE49-F238E27FC236}">
+                <a16:creationId xmlns:a16="http://schemas.microsoft.com/office/drawing/2014/main" id="{16F910CD-AD12-164F-95B7-22CB2F40709A}"/>
+              </a:ext>
+            </a:extLst>
+          </p:cNvPr>
+          <p:cNvSpPr>
+            <a:spLocks noGrp="1"/>
+          </p:cNvSpPr>
+          <p:nvPr>
+            <p:ph type="title"/>
+          </p:nvPr>
+        </p:nvSpPr>
+        <p:spPr/>
+        <p:txBody>
+          <a:bodyPr/>
+          <a:lstStyle/>
+          <a:p>
+            <a:r>
+              <a:rPr lang="en-US" dirty="0" err="1"/>
+              <a:t>Hashtable</a:t>
+            </a:r>
+            <a:r>
+              <a:rPr lang="en-US" dirty="0"/>
+              <a:t> construction</a:t>
+            </a:r>
+          </a:p>
+        </p:txBody>
+      </p:sp>
+      <p:sp>
+        <p:nvSpPr>
+          <p:cNvPr id="3" name="Content Placeholder 2">
+            <a:extLst>
+              <a:ext uri="{FF2B5EF4-FFF2-40B4-BE49-F238E27FC236}">
+                <a16:creationId xmlns:a16="http://schemas.microsoft.com/office/drawing/2014/main" id="{E2FFDA02-8B54-264C-8999-0B81C29585C0}"/>
+              </a:ext>
+            </a:extLst>
+          </p:cNvPr>
+          <p:cNvSpPr>
+            <a:spLocks noGrp="1"/>
+          </p:cNvSpPr>
+          <p:nvPr>
+            <p:ph idx="1"/>
+          </p:nvPr>
+        </p:nvSpPr>
+        <p:spPr>
+          <a:xfrm>
+            <a:off x="838200" y="1825625"/>
+            <a:ext cx="6958914" cy="4351338"/>
+          </a:xfrm>
+        </p:spPr>
+        <p:txBody>
+          <a:bodyPr/>
+          <a:lstStyle/>
+          <a:p>
+            <a:r>
+              <a:rPr lang="en-US" dirty="0"/>
+              <a:t>Make 10 empty buckets (lists)</a:t>
+            </a:r>
+          </a:p>
+          <a:p>
+            <a:r>
+              <a:rPr lang="en-US" dirty="0"/>
+              <a:t>Add each set element to correct bucket</a:t>
+            </a:r>
+          </a:p>
+          <a:p>
+            <a:r>
+              <a:rPr lang="en-US" dirty="0"/>
+              <a:t>Amounts to appending element to one of 10 lists</a:t>
+            </a:r>
+          </a:p>
+          <a:p>
+            <a:endParaRPr lang="en-US" dirty="0"/>
+          </a:p>
+        </p:txBody>
+      </p:sp>
+      <p:pic>
+        <p:nvPicPr>
+          <p:cNvPr id="5" name="Picture 4" descr="Graphical user interface, text, application&#10;&#10;Description automatically generated">
+            <a:extLst>
+              <a:ext uri="{FF2B5EF4-FFF2-40B4-BE49-F238E27FC236}">
+                <a16:creationId xmlns:a16="http://schemas.microsoft.com/office/drawing/2014/main" id="{CAC632FE-E1FE-D64F-BA31-34C34F0DC654}"/>
+              </a:ext>
+            </a:extLst>
+          </p:cNvPr>
+          <p:cNvPicPr>
+            <a:picLocks noChangeAspect="1"/>
+          </p:cNvPicPr>
+          <p:nvPr/>
+        </p:nvPicPr>
+        <p:blipFill>
+          <a:blip r:embed="rId2"/>
+          <a:stretch>
+            <a:fillRect/>
+          </a:stretch>
+        </p:blipFill>
+        <p:spPr>
+          <a:xfrm>
+            <a:off x="1107819" y="4031048"/>
+            <a:ext cx="6173506" cy="2280852"/>
+          </a:xfrm>
+          <a:prstGeom prst="rect">
+            <a:avLst/>
+          </a:prstGeom>
+        </p:spPr>
+      </p:pic>
+      <p:pic>
+        <p:nvPicPr>
+          <p:cNvPr id="6" name="Picture 5" descr="Diagram&#10;&#10;Description automatically generated">
+            <a:extLst>
+              <a:ext uri="{FF2B5EF4-FFF2-40B4-BE49-F238E27FC236}">
+                <a16:creationId xmlns:a16="http://schemas.microsoft.com/office/drawing/2014/main" id="{6C2EDD53-6A9F-DF42-80AA-242E57136BE2}"/>
+              </a:ext>
+            </a:extLst>
+          </p:cNvPr>
+          <p:cNvPicPr>
+            <a:picLocks noChangeAspect="1"/>
+          </p:cNvPicPr>
+          <p:nvPr/>
+        </p:nvPicPr>
+        <p:blipFill>
+          <a:blip r:embed="rId3"/>
+          <a:stretch>
+            <a:fillRect/>
+          </a:stretch>
+        </p:blipFill>
+        <p:spPr>
+          <a:xfrm>
+            <a:off x="8431943" y="94391"/>
+            <a:ext cx="3619500" cy="6273800"/>
+          </a:xfrm>
+          <a:prstGeom prst="rect">
+            <a:avLst/>
+          </a:prstGeom>
+        </p:spPr>
+      </p:pic>
+      <p:pic>
+        <p:nvPicPr>
+          <p:cNvPr id="8" name="Picture 7" descr="A picture containing text&#10;&#10;Description automatically generated">
+            <a:extLst>
+              <a:ext uri="{FF2B5EF4-FFF2-40B4-BE49-F238E27FC236}">
+                <a16:creationId xmlns:a16="http://schemas.microsoft.com/office/drawing/2014/main" id="{9E6CF9DD-2719-1C45-8E8D-9CA617755B92}"/>
+              </a:ext>
+            </a:extLst>
+          </p:cNvPr>
+          <p:cNvPicPr>
+            <a:picLocks noChangeAspect="1"/>
+          </p:cNvPicPr>
+          <p:nvPr/>
+        </p:nvPicPr>
+        <p:blipFill>
+          <a:blip r:embed="rId4"/>
+          <a:stretch>
+            <a:fillRect/>
+          </a:stretch>
+        </p:blipFill>
+        <p:spPr>
+          <a:xfrm>
+            <a:off x="4966665" y="3630204"/>
+            <a:ext cx="2830449" cy="801688"/>
+          </a:xfrm>
+          <a:prstGeom prst="rect">
+            <a:avLst/>
+          </a:prstGeom>
+          <a:ln>
+            <a:solidFill>
+              <a:schemeClr val="accent1">
+                <a:lumMod val="75000"/>
+              </a:schemeClr>
+            </a:solidFill>
+          </a:ln>
+        </p:spPr>
+      </p:pic>
+      <p:pic>
+        <p:nvPicPr>
+          <p:cNvPr id="10" name="Picture 9" descr="Icon&#10;&#10;Description automatically generated">
+            <a:extLst>
+              <a:ext uri="{FF2B5EF4-FFF2-40B4-BE49-F238E27FC236}">
+                <a16:creationId xmlns:a16="http://schemas.microsoft.com/office/drawing/2014/main" id="{9C7B73B5-7E02-0D43-AAD0-257E93F48047}"/>
+              </a:ext>
+            </a:extLst>
+          </p:cNvPr>
+          <p:cNvPicPr>
+            <a:picLocks noChangeAspect="1"/>
+          </p:cNvPicPr>
+          <p:nvPr/>
+        </p:nvPicPr>
+        <p:blipFill>
+          <a:blip r:embed="rId5"/>
+          <a:stretch>
+            <a:fillRect/>
+          </a:stretch>
+        </p:blipFill>
+        <p:spPr>
+          <a:xfrm>
+            <a:off x="1107819" y="6368191"/>
+            <a:ext cx="2652240" cy="350825"/>
+          </a:xfrm>
+          <a:prstGeom prst="rect">
+            <a:avLst/>
+          </a:prstGeom>
+        </p:spPr>
+      </p:pic>
+    </p:spTree>
+    <p:extLst>
+      <p:ext uri="{BB962C8B-B14F-4D97-AF65-F5344CB8AC3E}">
+        <p14:creationId xmlns:p14="http://schemas.microsoft.com/office/powerpoint/2010/main" val="2307960667"/>
       </p:ext>
     </p:extLst>
   </p:cSld>

--- a/notes/hashtable.pptx
+++ b/notes/hashtable.pptx
@@ -5,10 +5,10 @@
     <p:sldMasterId id="2147483672" r:id="rId1"/>
   </p:sldMasterIdLst>
   <p:notesMasterIdLst>
-    <p:notesMasterId r:id="rId30"/>
+    <p:notesMasterId r:id="rId31"/>
   </p:notesMasterIdLst>
   <p:handoutMasterIdLst>
-    <p:handoutMasterId r:id="rId31"/>
+    <p:handoutMasterId r:id="rId32"/>
   </p:handoutMasterIdLst>
   <p:sldIdLst>
     <p:sldId id="256" r:id="rId2"/>
@@ -28,17 +28,18 @@
     <p:sldId id="330" r:id="rId16"/>
     <p:sldId id="331" r:id="rId17"/>
     <p:sldId id="332" r:id="rId18"/>
-    <p:sldId id="333" r:id="rId19"/>
-    <p:sldId id="334" r:id="rId20"/>
-    <p:sldId id="337" r:id="rId21"/>
-    <p:sldId id="335" r:id="rId22"/>
-    <p:sldId id="338" r:id="rId23"/>
-    <p:sldId id="336" r:id="rId24"/>
-    <p:sldId id="339" r:id="rId25"/>
-    <p:sldId id="316" r:id="rId26"/>
-    <p:sldId id="340" r:id="rId27"/>
-    <p:sldId id="341" r:id="rId28"/>
-    <p:sldId id="342" r:id="rId29"/>
+    <p:sldId id="343" r:id="rId19"/>
+    <p:sldId id="333" r:id="rId20"/>
+    <p:sldId id="334" r:id="rId21"/>
+    <p:sldId id="337" r:id="rId22"/>
+    <p:sldId id="335" r:id="rId23"/>
+    <p:sldId id="338" r:id="rId24"/>
+    <p:sldId id="336" r:id="rId25"/>
+    <p:sldId id="339" r:id="rId26"/>
+    <p:sldId id="316" r:id="rId27"/>
+    <p:sldId id="340" r:id="rId28"/>
+    <p:sldId id="341" r:id="rId29"/>
+    <p:sldId id="342" r:id="rId30"/>
   </p:sldIdLst>
   <p:sldSz cx="12192000" cy="6858000"/>
   <p:notesSz cx="9144000" cy="6858000"/>
@@ -5916,6 +5917,199 @@
           <p:cNvPr id="2" name="Title 1">
             <a:extLst>
               <a:ext uri="{FF2B5EF4-FFF2-40B4-BE49-F238E27FC236}">
+                <a16:creationId xmlns:a16="http://schemas.microsoft.com/office/drawing/2014/main" id="{B464B41D-85F5-324B-83D1-D4CEB4F27FAA}"/>
+              </a:ext>
+            </a:extLst>
+          </p:cNvPr>
+          <p:cNvSpPr>
+            <a:spLocks noGrp="1"/>
+          </p:cNvSpPr>
+          <p:nvPr>
+            <p:ph type="title"/>
+          </p:nvPr>
+        </p:nvSpPr>
+        <p:spPr/>
+        <p:txBody>
+          <a:bodyPr/>
+          <a:lstStyle/>
+          <a:p>
+            <a:r>
+              <a:rPr lang="en-US" dirty="0"/>
+              <a:t>How much faster are hash tables?</a:t>
+            </a:r>
+          </a:p>
+        </p:txBody>
+      </p:sp>
+      <p:sp>
+        <p:nvSpPr>
+          <p:cNvPr id="3" name="Content Placeholder 2">
+            <a:extLst>
+              <a:ext uri="{FF2B5EF4-FFF2-40B4-BE49-F238E27FC236}">
+                <a16:creationId xmlns:a16="http://schemas.microsoft.com/office/drawing/2014/main" id="{5434B85F-F81D-FA4B-9305-D67B49BFCD46}"/>
+              </a:ext>
+            </a:extLst>
+          </p:cNvPr>
+          <p:cNvSpPr>
+            <a:spLocks noGrp="1"/>
+          </p:cNvSpPr>
+          <p:nvPr>
+            <p:ph idx="1"/>
+          </p:nvPr>
+        </p:nvSpPr>
+        <p:spPr/>
+        <p:txBody>
+          <a:bodyPr/>
+          <a:lstStyle/>
+          <a:p>
+            <a:r>
+              <a:rPr lang="en-US" dirty="0"/>
+              <a:t>With a uniform distribution, we would expect roughly </a:t>
+            </a:r>
+            <a:r>
+              <a:rPr lang="en-US" i="1" dirty="0"/>
+              <a:t>N</a:t>
+            </a:r>
+            <a:r>
+              <a:rPr lang="en-US" dirty="0"/>
+              <a:t>/</a:t>
+            </a:r>
+            <a:r>
+              <a:rPr lang="en-US" i="1" dirty="0"/>
+              <a:t>B</a:t>
+            </a:r>
+            <a:r>
+              <a:rPr lang="en-US" dirty="0"/>
+              <a:t> associations in each bucket for </a:t>
+            </a:r>
+            <a:r>
+              <a:rPr lang="en-US" i="1" dirty="0"/>
+              <a:t>B</a:t>
+            </a:r>
+            <a:r>
+              <a:rPr lang="en-US" dirty="0"/>
+              <a:t> buckets and </a:t>
+            </a:r>
+            <a:r>
+              <a:rPr lang="en-US" i="1" dirty="0"/>
+              <a:t>N</a:t>
+            </a:r>
+            <a:r>
+              <a:rPr lang="en-US" dirty="0"/>
+              <a:t> total elements in the dictionary</a:t>
+            </a:r>
+          </a:p>
+          <a:p>
+            <a:r>
+              <a:rPr lang="en-US"/>
+              <a:t>A </a:t>
+            </a:r>
+            <a:r>
+              <a:rPr lang="en-US" dirty="0"/>
+              <a:t>complexity of </a:t>
+            </a:r>
+            <a:r>
+              <a:rPr lang="en-US" i="1" dirty="0"/>
+              <a:t>N</a:t>
+            </a:r>
+            <a:r>
+              <a:rPr lang="en-US" dirty="0"/>
+              <a:t>/</a:t>
+            </a:r>
+            <a:r>
+              <a:rPr lang="en-US" i="1" dirty="0"/>
+              <a:t>B</a:t>
+            </a:r>
+            <a:r>
+              <a:rPr lang="en-US" dirty="0"/>
+              <a:t> is much better than </a:t>
+            </a:r>
+            <a:r>
+              <a:rPr lang="en-US" i="1" dirty="0"/>
+              <a:t>N</a:t>
+            </a:r>
+            <a:r>
+              <a:rPr lang="en-US" dirty="0"/>
+              <a:t> and, with sufficiently large </a:t>
+            </a:r>
+            <a:r>
+              <a:rPr lang="en-US" i="1" dirty="0"/>
+              <a:t>B</a:t>
+            </a:r>
+            <a:r>
+              <a:rPr lang="en-US" dirty="0"/>
+              <a:t>, we would say that </a:t>
+            </a:r>
+            <a:r>
+              <a:rPr lang="en-US" i="1" dirty="0"/>
+              <a:t>N</a:t>
+            </a:r>
+            <a:r>
+              <a:rPr lang="en-US" dirty="0"/>
+              <a:t>/</a:t>
+            </a:r>
+            <a:r>
+              <a:rPr lang="en-US" i="1" dirty="0"/>
+              <a:t>B</a:t>
+            </a:r>
+            <a:r>
+              <a:rPr lang="en-US" dirty="0"/>
+              <a:t> approaches 1, giving complexity </a:t>
+            </a:r>
+            <a:r>
+              <a:rPr lang="en-US" i="1" dirty="0"/>
+              <a:t>O(1)</a:t>
+            </a:r>
+            <a:r>
+              <a:rPr lang="en-US" dirty="0"/>
+              <a:t> versus </a:t>
+            </a:r>
+            <a:r>
+              <a:rPr lang="en-US" i="1" dirty="0"/>
+              <a:t>O(</a:t>
+            </a:r>
+            <a:r>
+              <a:rPr lang="en-US" i="1"/>
+              <a:t>n)</a:t>
+            </a:r>
+            <a:endParaRPr lang="en-US" dirty="0"/>
+          </a:p>
+        </p:txBody>
+      </p:sp>
+    </p:spTree>
+    <p:extLst>
+      <p:ext uri="{BB962C8B-B14F-4D97-AF65-F5344CB8AC3E}">
+        <p14:creationId xmlns:p14="http://schemas.microsoft.com/office/powerpoint/2010/main" val="1528358259"/>
+      </p:ext>
+    </p:extLst>
+  </p:cSld>
+  <p:clrMapOvr>
+    <a:masterClrMapping/>
+  </p:clrMapOvr>
+</p:sld>
+</file>
+
+<file path=ppt/slides/slide19.xml><?xml version="1.0" encoding="utf-8"?>
+<p:sld xmlns:a="http://schemas.openxmlformats.org/drawingml/2006/main" xmlns:r="http://schemas.openxmlformats.org/officeDocument/2006/relationships" xmlns:p="http://schemas.openxmlformats.org/presentationml/2006/main">
+  <p:cSld>
+    <p:spTree>
+      <p:nvGrpSpPr>
+        <p:cNvPr id="1" name=""/>
+        <p:cNvGrpSpPr/>
+        <p:nvPr/>
+      </p:nvGrpSpPr>
+      <p:grpSpPr>
+        <a:xfrm>
+          <a:off x="0" y="0"/>
+          <a:ext cx="0" cy="0"/>
+          <a:chOff x="0" y="0"/>
+          <a:chExt cx="0" cy="0"/>
+        </a:xfrm>
+      </p:grpSpPr>
+      <p:sp>
+        <p:nvSpPr>
+          <p:cNvPr id="2" name="Title 1">
+            <a:extLst>
+              <a:ext uri="{FF2B5EF4-FFF2-40B4-BE49-F238E27FC236}">
                 <a16:creationId xmlns:a16="http://schemas.microsoft.com/office/drawing/2014/main" id="{5C9B75B0-25FB-8B47-A57D-09838D520D69}"/>
               </a:ext>
             </a:extLst>
@@ -5977,7 +6171,141 @@
 </p:sld>
 </file>
 
-<file path=ppt/slides/slide19.xml><?xml version="1.0" encoding="utf-8"?>
+<file path=ppt/slides/slide2.xml><?xml version="1.0" encoding="utf-8"?>
+<p:sld xmlns:a="http://schemas.openxmlformats.org/drawingml/2006/main" xmlns:r="http://schemas.openxmlformats.org/officeDocument/2006/relationships" xmlns:p="http://schemas.openxmlformats.org/presentationml/2006/main">
+  <p:cSld>
+    <p:spTree>
+      <p:nvGrpSpPr>
+        <p:cNvPr id="1" name=""/>
+        <p:cNvGrpSpPr/>
+        <p:nvPr/>
+      </p:nvGrpSpPr>
+      <p:grpSpPr>
+        <a:xfrm>
+          <a:off x="0" y="0"/>
+          <a:ext cx="0" cy="0"/>
+          <a:chOff x="0" y="0"/>
+          <a:chExt cx="0" cy="0"/>
+        </a:xfrm>
+      </p:grpSpPr>
+      <p:sp>
+        <p:nvSpPr>
+          <p:cNvPr id="2" name="Title 1">
+            <a:extLst>
+              <a:ext uri="{FF2B5EF4-FFF2-40B4-BE49-F238E27FC236}">
+                <a16:creationId xmlns:a16="http://schemas.microsoft.com/office/drawing/2014/main" id="{221D08A9-AE0C-E84A-AEC4-0385B0C3EC50}"/>
+              </a:ext>
+            </a:extLst>
+          </p:cNvPr>
+          <p:cNvSpPr>
+            <a:spLocks noGrp="1"/>
+          </p:cNvSpPr>
+          <p:nvPr>
+            <p:ph type="title"/>
+          </p:nvPr>
+        </p:nvSpPr>
+        <p:spPr/>
+        <p:txBody>
+          <a:bodyPr/>
+          <a:lstStyle/>
+          <a:p>
+            <a:r>
+              <a:rPr lang="en-US" dirty="0"/>
+              <a:t>How to search big collections quickly</a:t>
+            </a:r>
+          </a:p>
+        </p:txBody>
+      </p:sp>
+      <p:sp>
+        <p:nvSpPr>
+          <p:cNvPr id="3" name="Content Placeholder 2">
+            <a:extLst>
+              <a:ext uri="{FF2B5EF4-FFF2-40B4-BE49-F238E27FC236}">
+                <a16:creationId xmlns:a16="http://schemas.microsoft.com/office/drawing/2014/main" id="{7CD78354-1156-E142-A724-EABF531052BD}"/>
+              </a:ext>
+            </a:extLst>
+          </p:cNvPr>
+          <p:cNvSpPr>
+            <a:spLocks noGrp="1"/>
+          </p:cNvSpPr>
+          <p:nvPr>
+            <p:ph idx="1"/>
+          </p:nvPr>
+        </p:nvSpPr>
+        <p:spPr/>
+        <p:txBody>
+          <a:bodyPr/>
+          <a:lstStyle/>
+          <a:p>
+            <a:r>
+              <a:rPr lang="en-US" i="1" dirty="0" err="1"/>
+              <a:t>Hashtables</a:t>
+            </a:r>
+            <a:r>
+              <a:rPr lang="en-US" dirty="0"/>
+              <a:t> are data structures that efficiently implement search/lookup operations for sets and dictionaries</a:t>
+            </a:r>
+          </a:p>
+          <a:p>
+            <a:r>
+              <a:rPr lang="en-US" dirty="0"/>
+              <a:t>Sets and dictionaries are abstract data structures, </a:t>
+            </a:r>
+            <a:r>
+              <a:rPr lang="en-US" dirty="0" err="1"/>
+              <a:t>hashtables</a:t>
+            </a:r>
+            <a:r>
+              <a:rPr lang="en-US" dirty="0"/>
+              <a:t> are concrete implementations of those structures</a:t>
+            </a:r>
+          </a:p>
+          <a:p>
+            <a:r>
+              <a:rPr lang="en-US" dirty="0"/>
+              <a:t>Simple lists of elements and lists of tuples work but are slow</a:t>
+            </a:r>
+          </a:p>
+          <a:p>
+            <a:r>
+              <a:rPr lang="en-US" dirty="0" err="1"/>
+              <a:t>Hashtable’s</a:t>
+            </a:r>
+            <a:r>
+              <a:rPr lang="en-US" dirty="0"/>
+              <a:t> </a:t>
+            </a:r>
+            <a:r>
+              <a:rPr lang="en-US" b="1" dirty="0"/>
+              <a:t>key idea</a:t>
+            </a:r>
+            <a:r>
+              <a:rPr lang="en-US" dirty="0"/>
+              <a:t>: partition the search space into well-defined regions so we don’t have to search linearly through the entire collection to find an element</a:t>
+            </a:r>
+          </a:p>
+          <a:p>
+            <a:r>
+              <a:rPr lang="en-US" dirty="0"/>
+              <a:t>We use a (hash) function of the values to partition into buckets</a:t>
+            </a:r>
+          </a:p>
+        </p:txBody>
+      </p:sp>
+    </p:spTree>
+    <p:extLst>
+      <p:ext uri="{BB962C8B-B14F-4D97-AF65-F5344CB8AC3E}">
+        <p14:creationId xmlns:p14="http://schemas.microsoft.com/office/powerpoint/2010/main" val="107017084"/>
+      </p:ext>
+    </p:extLst>
+  </p:cSld>
+  <p:clrMapOvr>
+    <a:masterClrMapping/>
+  </p:clrMapOvr>
+</p:sld>
+</file>
+
+<file path=ppt/slides/slide20.xml><?xml version="1.0" encoding="utf-8"?>
 <p:sld xmlns:a="http://schemas.openxmlformats.org/drawingml/2006/main" xmlns:r="http://schemas.openxmlformats.org/officeDocument/2006/relationships" xmlns:p="http://schemas.openxmlformats.org/presentationml/2006/main">
   <p:cSld>
     <p:spTree>
@@ -6278,7 +6606,7 @@
 </p:sld>
 </file>
 
-<file path=ppt/slides/slide2.xml><?xml version="1.0" encoding="utf-8"?>
+<file path=ppt/slides/slide21.xml><?xml version="1.0" encoding="utf-8"?>
 <p:sld xmlns:a="http://schemas.openxmlformats.org/drawingml/2006/main" xmlns:r="http://schemas.openxmlformats.org/officeDocument/2006/relationships" xmlns:p="http://schemas.openxmlformats.org/presentationml/2006/main">
   <p:cSld>
     <p:spTree>
@@ -6300,140 +6628,6 @@
           <p:cNvPr id="2" name="Title 1">
             <a:extLst>
               <a:ext uri="{FF2B5EF4-FFF2-40B4-BE49-F238E27FC236}">
-                <a16:creationId xmlns:a16="http://schemas.microsoft.com/office/drawing/2014/main" id="{221D08A9-AE0C-E84A-AEC4-0385B0C3EC50}"/>
-              </a:ext>
-            </a:extLst>
-          </p:cNvPr>
-          <p:cNvSpPr>
-            <a:spLocks noGrp="1"/>
-          </p:cNvSpPr>
-          <p:nvPr>
-            <p:ph type="title"/>
-          </p:nvPr>
-        </p:nvSpPr>
-        <p:spPr/>
-        <p:txBody>
-          <a:bodyPr/>
-          <a:lstStyle/>
-          <a:p>
-            <a:r>
-              <a:rPr lang="en-US" dirty="0"/>
-              <a:t>How to search big collections quickly</a:t>
-            </a:r>
-          </a:p>
-        </p:txBody>
-      </p:sp>
-      <p:sp>
-        <p:nvSpPr>
-          <p:cNvPr id="3" name="Content Placeholder 2">
-            <a:extLst>
-              <a:ext uri="{FF2B5EF4-FFF2-40B4-BE49-F238E27FC236}">
-                <a16:creationId xmlns:a16="http://schemas.microsoft.com/office/drawing/2014/main" id="{7CD78354-1156-E142-A724-EABF531052BD}"/>
-              </a:ext>
-            </a:extLst>
-          </p:cNvPr>
-          <p:cNvSpPr>
-            <a:spLocks noGrp="1"/>
-          </p:cNvSpPr>
-          <p:nvPr>
-            <p:ph idx="1"/>
-          </p:nvPr>
-        </p:nvSpPr>
-        <p:spPr/>
-        <p:txBody>
-          <a:bodyPr/>
-          <a:lstStyle/>
-          <a:p>
-            <a:r>
-              <a:rPr lang="en-US" i="1" dirty="0" err="1"/>
-              <a:t>Hashtables</a:t>
-            </a:r>
-            <a:r>
-              <a:rPr lang="en-US" dirty="0"/>
-              <a:t> are data structures that efficiently implement search/lookup operations for sets and dictionaries</a:t>
-            </a:r>
-          </a:p>
-          <a:p>
-            <a:r>
-              <a:rPr lang="en-US" dirty="0"/>
-              <a:t>Sets and dictionaries are abstract data structures, </a:t>
-            </a:r>
-            <a:r>
-              <a:rPr lang="en-US" dirty="0" err="1"/>
-              <a:t>hashtables</a:t>
-            </a:r>
-            <a:r>
-              <a:rPr lang="en-US" dirty="0"/>
-              <a:t> are concrete implementations of those structures</a:t>
-            </a:r>
-          </a:p>
-          <a:p>
-            <a:r>
-              <a:rPr lang="en-US" dirty="0"/>
-              <a:t>Simple lists of elements and lists of tuples work but are slow</a:t>
-            </a:r>
-          </a:p>
-          <a:p>
-            <a:r>
-              <a:rPr lang="en-US" dirty="0" err="1"/>
-              <a:t>Hashtable’s</a:t>
-            </a:r>
-            <a:r>
-              <a:rPr lang="en-US" dirty="0"/>
-              <a:t> </a:t>
-            </a:r>
-            <a:r>
-              <a:rPr lang="en-US" b="1" dirty="0"/>
-              <a:t>key idea</a:t>
-            </a:r>
-            <a:r>
-              <a:rPr lang="en-US" dirty="0"/>
-              <a:t>: partition the search space into well-defined regions so we don’t have to search linearly through the entire collection to find an element</a:t>
-            </a:r>
-          </a:p>
-          <a:p>
-            <a:r>
-              <a:rPr lang="en-US" dirty="0"/>
-              <a:t>We use a (hash) function of the values to partition into buckets</a:t>
-            </a:r>
-          </a:p>
-        </p:txBody>
-      </p:sp>
-    </p:spTree>
-    <p:extLst>
-      <p:ext uri="{BB962C8B-B14F-4D97-AF65-F5344CB8AC3E}">
-        <p14:creationId xmlns:p14="http://schemas.microsoft.com/office/powerpoint/2010/main" val="107017084"/>
-      </p:ext>
-    </p:extLst>
-  </p:cSld>
-  <p:clrMapOvr>
-    <a:masterClrMapping/>
-  </p:clrMapOvr>
-</p:sld>
-</file>
-
-<file path=ppt/slides/slide20.xml><?xml version="1.0" encoding="utf-8"?>
-<p:sld xmlns:a="http://schemas.openxmlformats.org/drawingml/2006/main" xmlns:r="http://schemas.openxmlformats.org/officeDocument/2006/relationships" xmlns:p="http://schemas.openxmlformats.org/presentationml/2006/main">
-  <p:cSld>
-    <p:spTree>
-      <p:nvGrpSpPr>
-        <p:cNvPr id="1" name=""/>
-        <p:cNvGrpSpPr/>
-        <p:nvPr/>
-      </p:nvGrpSpPr>
-      <p:grpSpPr>
-        <a:xfrm>
-          <a:off x="0" y="0"/>
-          <a:ext cx="0" cy="0"/>
-          <a:chOff x="0" y="0"/>
-          <a:chExt cx="0" cy="0"/>
-        </a:xfrm>
-      </p:grpSpPr>
-      <p:sp>
-        <p:nvSpPr>
-          <p:cNvPr id="2" name="Title 1">
-            <a:extLst>
-              <a:ext uri="{FF2B5EF4-FFF2-40B4-BE49-F238E27FC236}">
                 <a16:creationId xmlns:a16="http://schemas.microsoft.com/office/drawing/2014/main" id="{C5612080-50CB-AC41-9E31-AF93A02403DD}"/>
               </a:ext>
             </a:extLst>
@@ -6539,7 +6733,7 @@
 </p:sld>
 </file>
 
-<file path=ppt/slides/slide21.xml><?xml version="1.0" encoding="utf-8"?>
+<file path=ppt/slides/slide22.xml><?xml version="1.0" encoding="utf-8"?>
 <p:sld xmlns:a="http://schemas.openxmlformats.org/drawingml/2006/main" xmlns:r="http://schemas.openxmlformats.org/officeDocument/2006/relationships" xmlns:p="http://schemas.openxmlformats.org/presentationml/2006/main">
   <p:cSld>
     <p:spTree>
@@ -6772,7 +6966,7 @@
 </p:sld>
 </file>
 
-<file path=ppt/slides/slide22.xml><?xml version="1.0" encoding="utf-8"?>
+<file path=ppt/slides/slide23.xml><?xml version="1.0" encoding="utf-8"?>
 <p:sld xmlns:a="http://schemas.openxmlformats.org/drawingml/2006/main" xmlns:r="http://schemas.openxmlformats.org/officeDocument/2006/relationships" xmlns:p="http://schemas.openxmlformats.org/presentationml/2006/main">
   <p:cSld>
     <p:spTree>
@@ -6915,7 +7109,7 @@
 </p:sld>
 </file>
 
-<file path=ppt/slides/slide23.xml><?xml version="1.0" encoding="utf-8"?>
+<file path=ppt/slides/slide24.xml><?xml version="1.0" encoding="utf-8"?>
 <p:sld xmlns:a="http://schemas.openxmlformats.org/drawingml/2006/main" xmlns:r="http://schemas.openxmlformats.org/officeDocument/2006/relationships" xmlns:p="http://schemas.openxmlformats.org/presentationml/2006/main">
   <p:cSld>
     <p:spTree>
@@ -7143,89 +7337,6 @@
 </p:sld>
 </file>
 
-<file path=ppt/slides/slide24.xml><?xml version="1.0" encoding="utf-8"?>
-<p:sld xmlns:a="http://schemas.openxmlformats.org/drawingml/2006/main" xmlns:r="http://schemas.openxmlformats.org/officeDocument/2006/relationships" xmlns:p="http://schemas.openxmlformats.org/presentationml/2006/main">
-  <p:cSld>
-    <p:spTree>
-      <p:nvGrpSpPr>
-        <p:cNvPr id="1" name=""/>
-        <p:cNvGrpSpPr/>
-        <p:nvPr/>
-      </p:nvGrpSpPr>
-      <p:grpSpPr>
-        <a:xfrm>
-          <a:off x="0" y="0"/>
-          <a:ext cx="0" cy="0"/>
-          <a:chOff x="0" y="0"/>
-          <a:chExt cx="0" cy="0"/>
-        </a:xfrm>
-      </p:grpSpPr>
-      <p:sp>
-        <p:nvSpPr>
-          <p:cNvPr id="2" name="Title 1">
-            <a:extLst>
-              <a:ext uri="{FF2B5EF4-FFF2-40B4-BE49-F238E27FC236}">
-                <a16:creationId xmlns:a16="http://schemas.microsoft.com/office/drawing/2014/main" id="{BE871CBD-6821-D94E-BA30-4EE20461F19B}"/>
-              </a:ext>
-            </a:extLst>
-          </p:cNvPr>
-          <p:cNvSpPr>
-            <a:spLocks noGrp="1"/>
-          </p:cNvSpPr>
-          <p:nvPr>
-            <p:ph type="title"/>
-          </p:nvPr>
-        </p:nvSpPr>
-        <p:spPr/>
-        <p:txBody>
-          <a:bodyPr/>
-          <a:lstStyle/>
-          <a:p>
-            <a:r>
-              <a:rPr lang="en-US" dirty="0"/>
-              <a:t>Some details relevant to the search project</a:t>
-            </a:r>
-          </a:p>
-        </p:txBody>
-      </p:sp>
-      <p:sp>
-        <p:nvSpPr>
-          <p:cNvPr id="3" name="Text Placeholder 2">
-            <a:extLst>
-              <a:ext uri="{FF2B5EF4-FFF2-40B4-BE49-F238E27FC236}">
-                <a16:creationId xmlns:a16="http://schemas.microsoft.com/office/drawing/2014/main" id="{7E0D2C47-D3F9-4140-8910-A2A49FAE3D5F}"/>
-              </a:ext>
-            </a:extLst>
-          </p:cNvPr>
-          <p:cNvSpPr>
-            <a:spLocks noGrp="1"/>
-          </p:cNvSpPr>
-          <p:nvPr>
-            <p:ph type="body" idx="1"/>
-          </p:nvPr>
-        </p:nvSpPr>
-        <p:spPr/>
-        <p:txBody>
-          <a:bodyPr/>
-          <a:lstStyle/>
-          <a:p>
-            <a:endParaRPr lang="en-US"/>
-          </a:p>
-        </p:txBody>
-      </p:sp>
-    </p:spTree>
-    <p:extLst>
-      <p:ext uri="{BB962C8B-B14F-4D97-AF65-F5344CB8AC3E}">
-        <p14:creationId xmlns:p14="http://schemas.microsoft.com/office/powerpoint/2010/main" val="2915452464"/>
-      </p:ext>
-    </p:extLst>
-  </p:cSld>
-  <p:clrMapOvr>
-    <a:masterClrMapping/>
-  </p:clrMapOvr>
-</p:sld>
-</file>
-
 <file path=ppt/slides/slide25.xml><?xml version="1.0" encoding="utf-8"?>
 <p:sld xmlns:a="http://schemas.openxmlformats.org/drawingml/2006/main" xmlns:r="http://schemas.openxmlformats.org/officeDocument/2006/relationships" xmlns:p="http://schemas.openxmlformats.org/presentationml/2006/main">
   <p:cSld>
@@ -7248,7 +7359,7 @@
           <p:cNvPr id="2" name="Title 1">
             <a:extLst>
               <a:ext uri="{FF2B5EF4-FFF2-40B4-BE49-F238E27FC236}">
-                <a16:creationId xmlns:a16="http://schemas.microsoft.com/office/drawing/2014/main" id="{3EB62973-3556-0E46-88DA-7DE099DCF64B}"/>
+                <a16:creationId xmlns:a16="http://schemas.microsoft.com/office/drawing/2014/main" id="{BE871CBD-6821-D94E-BA30-4EE20461F19B}"/>
               </a:ext>
             </a:extLst>
           </p:cNvPr>
@@ -7266,125 +7377,40 @@
           <a:p>
             <a:r>
               <a:rPr lang="en-US" dirty="0"/>
-              <a:t>Review: tuples</a:t>
-            </a:r>
-          </a:p>
-        </p:txBody>
-      </p:sp>
-      <p:sp>
-        <p:nvSpPr>
-          <p:cNvPr id="3" name="Content Placeholder 2">
-            <a:extLst>
-              <a:ext uri="{FF2B5EF4-FFF2-40B4-BE49-F238E27FC236}">
-                <a16:creationId xmlns:a16="http://schemas.microsoft.com/office/drawing/2014/main" id="{C69807BC-8F3C-064E-9422-53AB1DB5D359}"/>
-              </a:ext>
-            </a:extLst>
-          </p:cNvPr>
-          <p:cNvSpPr>
-            <a:spLocks noGrp="1"/>
-          </p:cNvSpPr>
-          <p:nvPr>
-            <p:ph idx="1"/>
-          </p:nvPr>
-        </p:nvSpPr>
-        <p:spPr>
-          <a:xfrm>
-            <a:off x="838200" y="1550504"/>
-            <a:ext cx="10515600" cy="4626459"/>
-          </a:xfrm>
-        </p:spPr>
+              <a:t>Some details relevant to the search project</a:t>
+            </a:r>
+          </a:p>
+        </p:txBody>
+      </p:sp>
+      <p:sp>
+        <p:nvSpPr>
+          <p:cNvPr id="3" name="Text Placeholder 2">
+            <a:extLst>
+              <a:ext uri="{FF2B5EF4-FFF2-40B4-BE49-F238E27FC236}">
+                <a16:creationId xmlns:a16="http://schemas.microsoft.com/office/drawing/2014/main" id="{7E0D2C47-D3F9-4140-8910-A2A49FAE3D5F}"/>
+              </a:ext>
+            </a:extLst>
+          </p:cNvPr>
+          <p:cNvSpPr>
+            <a:spLocks noGrp="1"/>
+          </p:cNvSpPr>
+          <p:nvPr>
+            <p:ph type="body" idx="1"/>
+          </p:nvPr>
+        </p:nvSpPr>
+        <p:spPr/>
         <p:txBody>
           <a:bodyPr/>
           <a:lstStyle/>
           <a:p>
-            <a:r>
-              <a:rPr lang="en-US" dirty="0"/>
-              <a:t>A tuple is an </a:t>
-            </a:r>
-            <a:r>
-              <a:rPr lang="en-US" i="1" dirty="0"/>
-              <a:t>immutable</a:t>
-            </a:r>
-            <a:r>
-              <a:rPr lang="en-US" dirty="0"/>
-              <a:t> list and uses parentheses rather than square brackets for notation</a:t>
-            </a:r>
-          </a:p>
-          <a:p>
-            <a:r>
-              <a:rPr lang="en-US" dirty="0"/>
-              <a:t>Tuples are often used to group related elements:</a:t>
-            </a:r>
-          </a:p>
-          <a:p>
-            <a:endParaRPr lang="en-US" dirty="0"/>
-          </a:p>
-        </p:txBody>
-      </p:sp>
-      <p:pic>
-        <p:nvPicPr>
-          <p:cNvPr id="7" name="Picture 6" descr="Text&#10;&#10;Description automatically generated">
-            <a:extLst>
-              <a:ext uri="{FF2B5EF4-FFF2-40B4-BE49-F238E27FC236}">
-                <a16:creationId xmlns:a16="http://schemas.microsoft.com/office/drawing/2014/main" id="{F352FAA3-3B4B-0A46-9E6C-1ECC4432EBB5}"/>
-              </a:ext>
-            </a:extLst>
-          </p:cNvPr>
-          <p:cNvPicPr>
-            <a:picLocks noChangeAspect="1"/>
-          </p:cNvPicPr>
-          <p:nvPr/>
-        </p:nvPicPr>
-        <p:blipFill>
-          <a:blip r:embed="rId2"/>
-          <a:stretch>
-            <a:fillRect/>
-          </a:stretch>
-        </p:blipFill>
-        <p:spPr>
-          <a:xfrm>
-            <a:off x="1181374" y="3062235"/>
-            <a:ext cx="3228286" cy="3114728"/>
-          </a:xfrm>
-          <a:prstGeom prst="rect">
-            <a:avLst/>
-          </a:prstGeom>
-        </p:spPr>
-      </p:pic>
-      <p:pic>
-        <p:nvPicPr>
-          <p:cNvPr id="5" name="Picture 4" descr="Graphical user interface, text&#10;&#10;Description automatically generated">
-            <a:extLst>
-              <a:ext uri="{FF2B5EF4-FFF2-40B4-BE49-F238E27FC236}">
-                <a16:creationId xmlns:a16="http://schemas.microsoft.com/office/drawing/2014/main" id="{A1C5FB3B-3EE7-8240-B86B-88A7DA6DDB1C}"/>
-              </a:ext>
-            </a:extLst>
-          </p:cNvPr>
-          <p:cNvPicPr>
-            <a:picLocks noChangeAspect="1"/>
-          </p:cNvPicPr>
-          <p:nvPr/>
-        </p:nvPicPr>
-        <p:blipFill>
-          <a:blip r:embed="rId3"/>
-          <a:stretch>
-            <a:fillRect/>
-          </a:stretch>
-        </p:blipFill>
-        <p:spPr>
-          <a:xfrm>
-            <a:off x="4752834" y="3032418"/>
-            <a:ext cx="7322273" cy="2205504"/>
-          </a:xfrm>
-          <a:prstGeom prst="rect">
-            <a:avLst/>
-          </a:prstGeom>
-        </p:spPr>
-      </p:pic>
+            <a:endParaRPr lang="en-US"/>
+          </a:p>
+        </p:txBody>
+      </p:sp>
     </p:spTree>
     <p:extLst>
       <p:ext uri="{BB962C8B-B14F-4D97-AF65-F5344CB8AC3E}">
-        <p14:creationId xmlns:p14="http://schemas.microsoft.com/office/powerpoint/2010/main" val="4205717042"/>
+        <p14:creationId xmlns:p14="http://schemas.microsoft.com/office/powerpoint/2010/main" val="2915452464"/>
       </p:ext>
     </p:extLst>
   </p:cSld>
@@ -7416,7 +7442,7 @@
           <p:cNvPr id="2" name="Title 1">
             <a:extLst>
               <a:ext uri="{FF2B5EF4-FFF2-40B4-BE49-F238E27FC236}">
-                <a16:creationId xmlns:a16="http://schemas.microsoft.com/office/drawing/2014/main" id="{8408865A-9DA4-5242-94A1-38A7304C7B14}"/>
+                <a16:creationId xmlns:a16="http://schemas.microsoft.com/office/drawing/2014/main" id="{3EB62973-3556-0E46-88DA-7DE099DCF64B}"/>
               </a:ext>
             </a:extLst>
           </p:cNvPr>
@@ -7434,7 +7460,7 @@
           <a:p>
             <a:r>
               <a:rPr lang="en-US" dirty="0"/>
-              <a:t>Values can be anything including sets</a:t>
+              <a:t>Review: tuples</a:t>
             </a:r>
           </a:p>
         </p:txBody>
@@ -7444,7 +7470,7 @@
           <p:cNvPr id="3" name="Content Placeholder 2">
             <a:extLst>
               <a:ext uri="{FF2B5EF4-FFF2-40B4-BE49-F238E27FC236}">
-                <a16:creationId xmlns:a16="http://schemas.microsoft.com/office/drawing/2014/main" id="{D1F88D8E-1C70-794E-9475-C935916A58EC}"/>
+                <a16:creationId xmlns:a16="http://schemas.microsoft.com/office/drawing/2014/main" id="{C69807BC-8F3C-064E-9422-53AB1DB5D359}"/>
               </a:ext>
             </a:extLst>
           </p:cNvPr>
@@ -7457,8 +7483,8 @@
         </p:nvSpPr>
         <p:spPr>
           <a:xfrm>
-            <a:off x="838200" y="1825625"/>
-            <a:ext cx="8233162" cy="4351338"/>
+            <a:off x="838200" y="1550504"/>
+            <a:ext cx="10515600" cy="4626459"/>
           </a:xfrm>
         </p:spPr>
         <p:txBody>
@@ -7467,23 +7493,34 @@
           <a:p>
             <a:r>
               <a:rPr lang="en-US" dirty="0"/>
-              <a:t>The tuples used to represent key and value pairs are immutable, but the pair’s value can point at a mutable data structures such as a set</a:t>
-            </a:r>
-          </a:p>
-          <a:p>
-            <a:r>
-              <a:rPr lang="en-US" dirty="0"/>
-              <a:t>Consider a simple list of tuples implementation that maps words to sets of integers</a:t>
-            </a:r>
+              <a:t>A tuple is an </a:t>
+            </a:r>
+            <a:r>
+              <a:rPr lang="en-US" i="1" dirty="0"/>
+              <a:t>immutable</a:t>
+            </a:r>
+            <a:r>
+              <a:rPr lang="en-US" dirty="0"/>
+              <a:t> list and uses parentheses rather than square brackets for notation</a:t>
+            </a:r>
+          </a:p>
+          <a:p>
+            <a:r>
+              <a:rPr lang="en-US" dirty="0"/>
+              <a:t>Tuples are often used to group related elements:</a:t>
+            </a:r>
+          </a:p>
+          <a:p>
+            <a:endParaRPr lang="en-US" dirty="0"/>
           </a:p>
         </p:txBody>
       </p:sp>
       <p:pic>
         <p:nvPicPr>
-          <p:cNvPr id="5" name="Picture 4">
-            <a:extLst>
-              <a:ext uri="{FF2B5EF4-FFF2-40B4-BE49-F238E27FC236}">
-                <a16:creationId xmlns:a16="http://schemas.microsoft.com/office/drawing/2014/main" id="{022E1820-1FE7-6149-8A3D-388878460DCC}"/>
+          <p:cNvPr id="7" name="Picture 6" descr="Text&#10;&#10;Description automatically generated">
+            <a:extLst>
+              <a:ext uri="{FF2B5EF4-FFF2-40B4-BE49-F238E27FC236}">
+                <a16:creationId xmlns:a16="http://schemas.microsoft.com/office/drawing/2014/main" id="{F352FAA3-3B4B-0A46-9E6C-1ECC4432EBB5}"/>
               </a:ext>
             </a:extLst>
           </p:cNvPr>
@@ -7500,8 +7537,8 @@
         </p:blipFill>
         <p:spPr>
           <a:xfrm>
-            <a:off x="1164452" y="4189025"/>
-            <a:ext cx="6832600" cy="546100"/>
+            <a:off x="1181374" y="3062235"/>
+            <a:ext cx="3228286" cy="3114728"/>
           </a:xfrm>
           <a:prstGeom prst="rect">
             <a:avLst/>
@@ -7510,10 +7547,10 @@
       </p:pic>
       <p:pic>
         <p:nvPicPr>
-          <p:cNvPr id="7" name="Picture 6" descr="Diagram&#10;&#10;Description automatically generated">
-            <a:extLst>
-              <a:ext uri="{FF2B5EF4-FFF2-40B4-BE49-F238E27FC236}">
-                <a16:creationId xmlns:a16="http://schemas.microsoft.com/office/drawing/2014/main" id="{A840A4C0-7449-E24E-92F1-0E920C22C610}"/>
+          <p:cNvPr id="5" name="Picture 4" descr="Graphical user interface, text&#10;&#10;Description automatically generated">
+            <a:extLst>
+              <a:ext uri="{FF2B5EF4-FFF2-40B4-BE49-F238E27FC236}">
+                <a16:creationId xmlns:a16="http://schemas.microsoft.com/office/drawing/2014/main" id="{A1C5FB3B-3EE7-8240-B86B-88A7DA6DDB1C}"/>
               </a:ext>
             </a:extLst>
           </p:cNvPr>
@@ -7530,8 +7567,8 @@
         </p:blipFill>
         <p:spPr>
           <a:xfrm>
-            <a:off x="9071362" y="3092469"/>
-            <a:ext cx="2501900" cy="2286000"/>
+            <a:off x="4752834" y="3032418"/>
+            <a:ext cx="7322273" cy="2205504"/>
           </a:xfrm>
           <a:prstGeom prst="rect">
             <a:avLst/>
@@ -7541,7 +7578,7 @@
     </p:spTree>
     <p:extLst>
       <p:ext uri="{BB962C8B-B14F-4D97-AF65-F5344CB8AC3E}">
-        <p14:creationId xmlns:p14="http://schemas.microsoft.com/office/powerpoint/2010/main" val="524294227"/>
+        <p14:creationId xmlns:p14="http://schemas.microsoft.com/office/powerpoint/2010/main" val="4205717042"/>
       </p:ext>
     </p:extLst>
   </p:cSld>
@@ -7573,7 +7610,7 @@
           <p:cNvPr id="2" name="Title 1">
             <a:extLst>
               <a:ext uri="{FF2B5EF4-FFF2-40B4-BE49-F238E27FC236}">
-                <a16:creationId xmlns:a16="http://schemas.microsoft.com/office/drawing/2014/main" id="{867175FB-B23E-264F-A7A0-2289FF6D2013}"/>
+                <a16:creationId xmlns:a16="http://schemas.microsoft.com/office/drawing/2014/main" id="{8408865A-9DA4-5242-94A1-38A7304C7B14}"/>
               </a:ext>
             </a:extLst>
           </p:cNvPr>
@@ -7591,7 +7628,7 @@
           <a:p>
             <a:r>
               <a:rPr lang="en-US" dirty="0"/>
-              <a:t>Modifying dictionary set values</a:t>
+              <a:t>Values can be anything including sets</a:t>
             </a:r>
           </a:p>
         </p:txBody>
@@ -7601,7 +7638,7 @@
           <p:cNvPr id="3" name="Content Placeholder 2">
             <a:extLst>
               <a:ext uri="{FF2B5EF4-FFF2-40B4-BE49-F238E27FC236}">
-                <a16:creationId xmlns:a16="http://schemas.microsoft.com/office/drawing/2014/main" id="{B1CEC23F-7DB3-914F-B531-822124B650D0}"/>
+                <a16:creationId xmlns:a16="http://schemas.microsoft.com/office/drawing/2014/main" id="{D1F88D8E-1C70-794E-9475-C935916A58EC}"/>
               </a:ext>
             </a:extLst>
           </p:cNvPr>
@@ -7612,24 +7649,35 @@
             <p:ph idx="1"/>
           </p:nvPr>
         </p:nvSpPr>
-        <p:spPr/>
+        <p:spPr>
+          <a:xfrm>
+            <a:off x="838200" y="1825625"/>
+            <a:ext cx="8233162" cy="4351338"/>
+          </a:xfrm>
+        </p:spPr>
         <p:txBody>
           <a:bodyPr/>
           <a:lstStyle/>
           <a:p>
             <a:r>
               <a:rPr lang="en-US" dirty="0"/>
-              <a:t>If you extract a mutable value from a data structure, you can modify it without having to delete and add an updated version</a:t>
+              <a:t>The tuples used to represent key and value pairs are immutable, but the pair’s value can point at a mutable data structures such as a set</a:t>
+            </a:r>
+          </a:p>
+          <a:p>
+            <a:r>
+              <a:rPr lang="en-US" dirty="0"/>
+              <a:t>Consider a simple list of tuples implementation that maps words to sets of integers</a:t>
             </a:r>
           </a:p>
         </p:txBody>
       </p:sp>
       <p:pic>
         <p:nvPicPr>
-          <p:cNvPr id="5" name="Picture 4" descr="Graphical user interface, text, application, chat or text message&#10;&#10;Description automatically generated">
-            <a:extLst>
-              <a:ext uri="{FF2B5EF4-FFF2-40B4-BE49-F238E27FC236}">
-                <a16:creationId xmlns:a16="http://schemas.microsoft.com/office/drawing/2014/main" id="{B76B1B64-B8A2-1A40-ACEF-1970F99F5AAB}"/>
+          <p:cNvPr id="5" name="Picture 4">
+            <a:extLst>
+              <a:ext uri="{FF2B5EF4-FFF2-40B4-BE49-F238E27FC236}">
+                <a16:creationId xmlns:a16="http://schemas.microsoft.com/office/drawing/2014/main" id="{022E1820-1FE7-6149-8A3D-388878460DCC}"/>
               </a:ext>
             </a:extLst>
           </p:cNvPr>
@@ -7646,8 +7694,8 @@
         </p:blipFill>
         <p:spPr>
           <a:xfrm>
-            <a:off x="4029387" y="3122830"/>
-            <a:ext cx="3556000" cy="1981200"/>
+            <a:off x="1164452" y="4189025"/>
+            <a:ext cx="6832600" cy="546100"/>
           </a:xfrm>
           <a:prstGeom prst="rect">
             <a:avLst/>
@@ -7656,10 +7704,10 @@
       </p:pic>
       <p:pic>
         <p:nvPicPr>
-          <p:cNvPr id="6" name="Picture 5" descr="Diagram&#10;&#10;Description automatically generated">
-            <a:extLst>
-              <a:ext uri="{FF2B5EF4-FFF2-40B4-BE49-F238E27FC236}">
-                <a16:creationId xmlns:a16="http://schemas.microsoft.com/office/drawing/2014/main" id="{B88A2A9B-CA7B-FF4E-9E34-57A295F9CB90}"/>
+          <p:cNvPr id="7" name="Picture 6" descr="Diagram&#10;&#10;Description automatically generated">
+            <a:extLst>
+              <a:ext uri="{FF2B5EF4-FFF2-40B4-BE49-F238E27FC236}">
+                <a16:creationId xmlns:a16="http://schemas.microsoft.com/office/drawing/2014/main" id="{A840A4C0-7449-E24E-92F1-0E920C22C610}"/>
               </a:ext>
             </a:extLst>
           </p:cNvPr>
@@ -7676,68 +7724,8 @@
         </p:blipFill>
         <p:spPr>
           <a:xfrm>
-            <a:off x="777955" y="3137695"/>
+            <a:off x="9071362" y="3092469"/>
             <a:ext cx="2501900" cy="2286000"/>
-          </a:xfrm>
-          <a:prstGeom prst="rect">
-            <a:avLst/>
-          </a:prstGeom>
-        </p:spPr>
-      </p:pic>
-      <p:pic>
-        <p:nvPicPr>
-          <p:cNvPr id="8" name="Picture 7" descr="Diagram&#10;&#10;Description automatically generated">
-            <a:extLst>
-              <a:ext uri="{FF2B5EF4-FFF2-40B4-BE49-F238E27FC236}">
-                <a16:creationId xmlns:a16="http://schemas.microsoft.com/office/drawing/2014/main" id="{DFDBFC81-9E67-1444-B802-95C907257C6E}"/>
-              </a:ext>
-            </a:extLst>
-          </p:cNvPr>
-          <p:cNvPicPr>
-            <a:picLocks noChangeAspect="1"/>
-          </p:cNvPicPr>
-          <p:nvPr/>
-        </p:nvPicPr>
-        <p:blipFill>
-          <a:blip r:embed="rId4"/>
-          <a:stretch>
-            <a:fillRect/>
-          </a:stretch>
-        </p:blipFill>
-        <p:spPr>
-          <a:xfrm>
-            <a:off x="8334919" y="3137695"/>
-            <a:ext cx="3124200" cy="2336800"/>
-          </a:xfrm>
-          <a:prstGeom prst="rect">
-            <a:avLst/>
-          </a:prstGeom>
-        </p:spPr>
-      </p:pic>
-      <p:pic>
-        <p:nvPicPr>
-          <p:cNvPr id="10" name="Picture 9" descr="Graphical user interface, text, application, chat or text message&#10;&#10;Description automatically generated">
-            <a:extLst>
-              <a:ext uri="{FF2B5EF4-FFF2-40B4-BE49-F238E27FC236}">
-                <a16:creationId xmlns:a16="http://schemas.microsoft.com/office/drawing/2014/main" id="{D26CC8F3-983F-044E-9209-AD9E210F2215}"/>
-              </a:ext>
-            </a:extLst>
-          </p:cNvPr>
-          <p:cNvPicPr>
-            <a:picLocks noChangeAspect="1"/>
-          </p:cNvPicPr>
-          <p:nvPr/>
-        </p:nvPicPr>
-        <p:blipFill>
-          <a:blip r:embed="rId5"/>
-          <a:stretch>
-            <a:fillRect/>
-          </a:stretch>
-        </p:blipFill>
-        <p:spPr>
-          <a:xfrm>
-            <a:off x="4029387" y="5249481"/>
-            <a:ext cx="2743200" cy="1028700"/>
           </a:xfrm>
           <a:prstGeom prst="rect">
             <a:avLst/>
@@ -7747,7 +7735,7 @@
     </p:spTree>
     <p:extLst>
       <p:ext uri="{BB962C8B-B14F-4D97-AF65-F5344CB8AC3E}">
-        <p14:creationId xmlns:p14="http://schemas.microsoft.com/office/powerpoint/2010/main" val="1906689198"/>
+        <p14:creationId xmlns:p14="http://schemas.microsoft.com/office/powerpoint/2010/main" val="524294227"/>
       </p:ext>
     </p:extLst>
   </p:cSld>
@@ -7779,6 +7767,212 @@
           <p:cNvPr id="2" name="Title 1">
             <a:extLst>
               <a:ext uri="{FF2B5EF4-FFF2-40B4-BE49-F238E27FC236}">
+                <a16:creationId xmlns:a16="http://schemas.microsoft.com/office/drawing/2014/main" id="{867175FB-B23E-264F-A7A0-2289FF6D2013}"/>
+              </a:ext>
+            </a:extLst>
+          </p:cNvPr>
+          <p:cNvSpPr>
+            <a:spLocks noGrp="1"/>
+          </p:cNvSpPr>
+          <p:nvPr>
+            <p:ph type="title"/>
+          </p:nvPr>
+        </p:nvSpPr>
+        <p:spPr/>
+        <p:txBody>
+          <a:bodyPr/>
+          <a:lstStyle/>
+          <a:p>
+            <a:r>
+              <a:rPr lang="en-US" dirty="0"/>
+              <a:t>Modifying dictionary set values</a:t>
+            </a:r>
+          </a:p>
+        </p:txBody>
+      </p:sp>
+      <p:sp>
+        <p:nvSpPr>
+          <p:cNvPr id="3" name="Content Placeholder 2">
+            <a:extLst>
+              <a:ext uri="{FF2B5EF4-FFF2-40B4-BE49-F238E27FC236}">
+                <a16:creationId xmlns:a16="http://schemas.microsoft.com/office/drawing/2014/main" id="{B1CEC23F-7DB3-914F-B531-822124B650D0}"/>
+              </a:ext>
+            </a:extLst>
+          </p:cNvPr>
+          <p:cNvSpPr>
+            <a:spLocks noGrp="1"/>
+          </p:cNvSpPr>
+          <p:nvPr>
+            <p:ph idx="1"/>
+          </p:nvPr>
+        </p:nvSpPr>
+        <p:spPr/>
+        <p:txBody>
+          <a:bodyPr/>
+          <a:lstStyle/>
+          <a:p>
+            <a:r>
+              <a:rPr lang="en-US" dirty="0"/>
+              <a:t>If you extract a mutable value from a data structure, you can modify it without having to delete and add an updated version</a:t>
+            </a:r>
+          </a:p>
+        </p:txBody>
+      </p:sp>
+      <p:pic>
+        <p:nvPicPr>
+          <p:cNvPr id="5" name="Picture 4" descr="Graphical user interface, text, application, chat or text message&#10;&#10;Description automatically generated">
+            <a:extLst>
+              <a:ext uri="{FF2B5EF4-FFF2-40B4-BE49-F238E27FC236}">
+                <a16:creationId xmlns:a16="http://schemas.microsoft.com/office/drawing/2014/main" id="{B76B1B64-B8A2-1A40-ACEF-1970F99F5AAB}"/>
+              </a:ext>
+            </a:extLst>
+          </p:cNvPr>
+          <p:cNvPicPr>
+            <a:picLocks noChangeAspect="1"/>
+          </p:cNvPicPr>
+          <p:nvPr/>
+        </p:nvPicPr>
+        <p:blipFill>
+          <a:blip r:embed="rId2"/>
+          <a:stretch>
+            <a:fillRect/>
+          </a:stretch>
+        </p:blipFill>
+        <p:spPr>
+          <a:xfrm>
+            <a:off x="4029387" y="3122830"/>
+            <a:ext cx="3556000" cy="1981200"/>
+          </a:xfrm>
+          <a:prstGeom prst="rect">
+            <a:avLst/>
+          </a:prstGeom>
+        </p:spPr>
+      </p:pic>
+      <p:pic>
+        <p:nvPicPr>
+          <p:cNvPr id="6" name="Picture 5" descr="Diagram&#10;&#10;Description automatically generated">
+            <a:extLst>
+              <a:ext uri="{FF2B5EF4-FFF2-40B4-BE49-F238E27FC236}">
+                <a16:creationId xmlns:a16="http://schemas.microsoft.com/office/drawing/2014/main" id="{B88A2A9B-CA7B-FF4E-9E34-57A295F9CB90}"/>
+              </a:ext>
+            </a:extLst>
+          </p:cNvPr>
+          <p:cNvPicPr>
+            <a:picLocks noChangeAspect="1"/>
+          </p:cNvPicPr>
+          <p:nvPr/>
+        </p:nvPicPr>
+        <p:blipFill>
+          <a:blip r:embed="rId3"/>
+          <a:stretch>
+            <a:fillRect/>
+          </a:stretch>
+        </p:blipFill>
+        <p:spPr>
+          <a:xfrm>
+            <a:off x="777955" y="3137695"/>
+            <a:ext cx="2501900" cy="2286000"/>
+          </a:xfrm>
+          <a:prstGeom prst="rect">
+            <a:avLst/>
+          </a:prstGeom>
+        </p:spPr>
+      </p:pic>
+      <p:pic>
+        <p:nvPicPr>
+          <p:cNvPr id="8" name="Picture 7" descr="Diagram&#10;&#10;Description automatically generated">
+            <a:extLst>
+              <a:ext uri="{FF2B5EF4-FFF2-40B4-BE49-F238E27FC236}">
+                <a16:creationId xmlns:a16="http://schemas.microsoft.com/office/drawing/2014/main" id="{DFDBFC81-9E67-1444-B802-95C907257C6E}"/>
+              </a:ext>
+            </a:extLst>
+          </p:cNvPr>
+          <p:cNvPicPr>
+            <a:picLocks noChangeAspect="1"/>
+          </p:cNvPicPr>
+          <p:nvPr/>
+        </p:nvPicPr>
+        <p:blipFill>
+          <a:blip r:embed="rId4"/>
+          <a:stretch>
+            <a:fillRect/>
+          </a:stretch>
+        </p:blipFill>
+        <p:spPr>
+          <a:xfrm>
+            <a:off x="8334919" y="3137695"/>
+            <a:ext cx="3124200" cy="2336800"/>
+          </a:xfrm>
+          <a:prstGeom prst="rect">
+            <a:avLst/>
+          </a:prstGeom>
+        </p:spPr>
+      </p:pic>
+      <p:pic>
+        <p:nvPicPr>
+          <p:cNvPr id="10" name="Picture 9" descr="Graphical user interface, text, application, chat or text message&#10;&#10;Description automatically generated">
+            <a:extLst>
+              <a:ext uri="{FF2B5EF4-FFF2-40B4-BE49-F238E27FC236}">
+                <a16:creationId xmlns:a16="http://schemas.microsoft.com/office/drawing/2014/main" id="{D26CC8F3-983F-044E-9209-AD9E210F2215}"/>
+              </a:ext>
+            </a:extLst>
+          </p:cNvPr>
+          <p:cNvPicPr>
+            <a:picLocks noChangeAspect="1"/>
+          </p:cNvPicPr>
+          <p:nvPr/>
+        </p:nvPicPr>
+        <p:blipFill>
+          <a:blip r:embed="rId5"/>
+          <a:stretch>
+            <a:fillRect/>
+          </a:stretch>
+        </p:blipFill>
+        <p:spPr>
+          <a:xfrm>
+            <a:off x="4029387" y="5249481"/>
+            <a:ext cx="2743200" cy="1028700"/>
+          </a:xfrm>
+          <a:prstGeom prst="rect">
+            <a:avLst/>
+          </a:prstGeom>
+        </p:spPr>
+      </p:pic>
+    </p:spTree>
+    <p:extLst>
+      <p:ext uri="{BB962C8B-B14F-4D97-AF65-F5344CB8AC3E}">
+        <p14:creationId xmlns:p14="http://schemas.microsoft.com/office/powerpoint/2010/main" val="1906689198"/>
+      </p:ext>
+    </p:extLst>
+  </p:cSld>
+  <p:clrMapOvr>
+    <a:masterClrMapping/>
+  </p:clrMapOvr>
+</p:sld>
+</file>
+
+<file path=ppt/slides/slide29.xml><?xml version="1.0" encoding="utf-8"?>
+<p:sld xmlns:a="http://schemas.openxmlformats.org/drawingml/2006/main" xmlns:r="http://schemas.openxmlformats.org/officeDocument/2006/relationships" xmlns:p="http://schemas.openxmlformats.org/presentationml/2006/main">
+  <p:cSld>
+    <p:spTree>
+      <p:nvGrpSpPr>
+        <p:cNvPr id="1" name=""/>
+        <p:cNvGrpSpPr/>
+        <p:nvPr/>
+      </p:nvGrpSpPr>
+      <p:grpSpPr>
+        <a:xfrm>
+          <a:off x="0" y="0"/>
+          <a:ext cx="0" cy="0"/>
+          <a:chOff x="0" y="0"/>
+          <a:chExt cx="0" cy="0"/>
+        </a:xfrm>
+      </p:grpSpPr>
+      <p:sp>
+        <p:nvSpPr>
+          <p:cNvPr id="2" name="Title 1">
+            <a:extLst>
+              <a:ext uri="{FF2B5EF4-FFF2-40B4-BE49-F238E27FC236}">
                 <a16:creationId xmlns:a16="http://schemas.microsoft.com/office/drawing/2014/main" id="{583A80DD-8A14-3B44-AFCB-A655D3F6200B}"/>
               </a:ext>
             </a:extLst>
@@ -7845,13 +8039,8 @@
           <a:p>
             <a:r>
               <a:rPr lang="en-US" dirty="0"/>
-              <a:t>If we make enough buckets so that at most there are </a:t>
-            </a:r>
-            <a:r>
-              <a:rPr lang="en-US"/>
-              <a:t>three keys in each bucket, lookup takes three operations no matter how many keys have been added to the dictionary</a:t>
-            </a:r>
-            <a:endParaRPr lang="en-US" dirty="0"/>
+              <a:t>If we make enough buckets so that at most there are three keys in each bucket, lookup takes three operations no matter how many keys have been added to the dictionary</a:t>
+            </a:r>
           </a:p>
         </p:txBody>
       </p:sp>

--- a/notes/hashtable.pptx
+++ b/notes/hashtable.pptx
@@ -5,41 +5,42 @@
     <p:sldMasterId id="2147483672" r:id="rId1"/>
   </p:sldMasterIdLst>
   <p:notesMasterIdLst>
-    <p:notesMasterId r:id="rId31"/>
+    <p:notesMasterId r:id="rId32"/>
   </p:notesMasterIdLst>
   <p:handoutMasterIdLst>
-    <p:handoutMasterId r:id="rId32"/>
+    <p:handoutMasterId r:id="rId33"/>
   </p:handoutMasterIdLst>
   <p:sldIdLst>
     <p:sldId id="256" r:id="rId2"/>
-    <p:sldId id="321" r:id="rId3"/>
-    <p:sldId id="315" r:id="rId4"/>
-    <p:sldId id="312" r:id="rId5"/>
-    <p:sldId id="319" r:id="rId6"/>
-    <p:sldId id="322" r:id="rId7"/>
-    <p:sldId id="323" r:id="rId8"/>
-    <p:sldId id="324" r:id="rId9"/>
-    <p:sldId id="325" r:id="rId10"/>
-    <p:sldId id="326" r:id="rId11"/>
-    <p:sldId id="320" r:id="rId12"/>
-    <p:sldId id="328" r:id="rId13"/>
-    <p:sldId id="327" r:id="rId14"/>
-    <p:sldId id="329" r:id="rId15"/>
-    <p:sldId id="330" r:id="rId16"/>
-    <p:sldId id="331" r:id="rId17"/>
-    <p:sldId id="332" r:id="rId18"/>
-    <p:sldId id="343" r:id="rId19"/>
-    <p:sldId id="333" r:id="rId20"/>
-    <p:sldId id="334" r:id="rId21"/>
-    <p:sldId id="337" r:id="rId22"/>
-    <p:sldId id="335" r:id="rId23"/>
-    <p:sldId id="338" r:id="rId24"/>
-    <p:sldId id="336" r:id="rId25"/>
-    <p:sldId id="339" r:id="rId26"/>
-    <p:sldId id="316" r:id="rId27"/>
-    <p:sldId id="340" r:id="rId28"/>
-    <p:sldId id="341" r:id="rId29"/>
-    <p:sldId id="342" r:id="rId30"/>
+    <p:sldId id="344" r:id="rId3"/>
+    <p:sldId id="321" r:id="rId4"/>
+    <p:sldId id="315" r:id="rId5"/>
+    <p:sldId id="312" r:id="rId6"/>
+    <p:sldId id="319" r:id="rId7"/>
+    <p:sldId id="322" r:id="rId8"/>
+    <p:sldId id="323" r:id="rId9"/>
+    <p:sldId id="324" r:id="rId10"/>
+    <p:sldId id="325" r:id="rId11"/>
+    <p:sldId id="326" r:id="rId12"/>
+    <p:sldId id="320" r:id="rId13"/>
+    <p:sldId id="328" r:id="rId14"/>
+    <p:sldId id="327" r:id="rId15"/>
+    <p:sldId id="329" r:id="rId16"/>
+    <p:sldId id="330" r:id="rId17"/>
+    <p:sldId id="331" r:id="rId18"/>
+    <p:sldId id="332" r:id="rId19"/>
+    <p:sldId id="343" r:id="rId20"/>
+    <p:sldId id="333" r:id="rId21"/>
+    <p:sldId id="334" r:id="rId22"/>
+    <p:sldId id="337" r:id="rId23"/>
+    <p:sldId id="335" r:id="rId24"/>
+    <p:sldId id="338" r:id="rId25"/>
+    <p:sldId id="336" r:id="rId26"/>
+    <p:sldId id="339" r:id="rId27"/>
+    <p:sldId id="316" r:id="rId28"/>
+    <p:sldId id="340" r:id="rId29"/>
+    <p:sldId id="341" r:id="rId30"/>
+    <p:sldId id="342" r:id="rId31"/>
   </p:sldIdLst>
   <p:sldSz cx="12192000" cy="6858000"/>
   <p:notesSz cx="9144000" cy="6858000"/>
@@ -234,7 +235,7 @@
           <a:p>
             <a:fld id="{8A1B613A-EFF1-404F-BEE8-EFAE84A4E5E2}" type="datetimeFigureOut">
               <a:rPr lang="en-US" smtClean="0"/>
-              <a:t>8/29/21</a:t>
+              <a:t>8/30/21</a:t>
             </a:fld>
             <a:endParaRPr lang="en-US"/>
           </a:p>
@@ -399,7 +400,7 @@
           <a:p>
             <a:fld id="{690847EA-AC25-3D4E-89E1-FD3F6A9702B6}" type="datetimeFigureOut">
               <a:rPr lang="en-US" smtClean="0"/>
-              <a:t>8/29/21</a:t>
+              <a:t>8/30/21</a:t>
             </a:fld>
             <a:endParaRPr lang="en-US"/>
           </a:p>
@@ -813,7 +814,7 @@
           <a:p>
             <a:fld id="{BE5295ED-3BAF-1140-8495-3D368771D6B1}" type="datetimeFigureOut">
               <a:rPr lang="en-US" smtClean="0"/>
-              <a:t>8/29/21</a:t>
+              <a:t>8/30/21</a:t>
             </a:fld>
             <a:endParaRPr lang="en-US"/>
           </a:p>
@@ -1011,7 +1012,7 @@
           <a:p>
             <a:fld id="{BE5295ED-3BAF-1140-8495-3D368771D6B1}" type="datetimeFigureOut">
               <a:rPr lang="en-US" smtClean="0"/>
-              <a:t>8/29/21</a:t>
+              <a:t>8/30/21</a:t>
             </a:fld>
             <a:endParaRPr lang="en-US"/>
           </a:p>
@@ -1219,7 +1220,7 @@
           <a:p>
             <a:fld id="{BE5295ED-3BAF-1140-8495-3D368771D6B1}" type="datetimeFigureOut">
               <a:rPr lang="en-US" smtClean="0"/>
-              <a:t>8/29/21</a:t>
+              <a:t>8/30/21</a:t>
             </a:fld>
             <a:endParaRPr lang="en-US"/>
           </a:p>
@@ -1417,7 +1418,7 @@
           <a:p>
             <a:fld id="{BE5295ED-3BAF-1140-8495-3D368771D6B1}" type="datetimeFigureOut">
               <a:rPr lang="en-US" smtClean="0"/>
-              <a:t>8/29/21</a:t>
+              <a:t>8/30/21</a:t>
             </a:fld>
             <a:endParaRPr lang="en-US"/>
           </a:p>
@@ -1692,7 +1693,7 @@
           <a:p>
             <a:fld id="{BE5295ED-3BAF-1140-8495-3D368771D6B1}" type="datetimeFigureOut">
               <a:rPr lang="en-US" smtClean="0"/>
-              <a:t>8/29/21</a:t>
+              <a:t>8/30/21</a:t>
             </a:fld>
             <a:endParaRPr lang="en-US"/>
           </a:p>
@@ -1957,7 +1958,7 @@
           <a:p>
             <a:fld id="{BE5295ED-3BAF-1140-8495-3D368771D6B1}" type="datetimeFigureOut">
               <a:rPr lang="en-US" smtClean="0"/>
-              <a:t>8/29/21</a:t>
+              <a:t>8/30/21</a:t>
             </a:fld>
             <a:endParaRPr lang="en-US"/>
           </a:p>
@@ -2369,7 +2370,7 @@
           <a:p>
             <a:fld id="{BE5295ED-3BAF-1140-8495-3D368771D6B1}" type="datetimeFigureOut">
               <a:rPr lang="en-US" smtClean="0"/>
-              <a:t>8/29/21</a:t>
+              <a:t>8/30/21</a:t>
             </a:fld>
             <a:endParaRPr lang="en-US"/>
           </a:p>
@@ -2510,7 +2511,7 @@
           <a:p>
             <a:fld id="{BE5295ED-3BAF-1140-8495-3D368771D6B1}" type="datetimeFigureOut">
               <a:rPr lang="en-US" smtClean="0"/>
-              <a:t>8/29/21</a:t>
+              <a:t>8/30/21</a:t>
             </a:fld>
             <a:endParaRPr lang="en-US"/>
           </a:p>
@@ -2623,7 +2624,7 @@
           <a:p>
             <a:fld id="{BE5295ED-3BAF-1140-8495-3D368771D6B1}" type="datetimeFigureOut">
               <a:rPr lang="en-US" smtClean="0"/>
-              <a:t>8/29/21</a:t>
+              <a:t>8/30/21</a:t>
             </a:fld>
             <a:endParaRPr lang="en-US"/>
           </a:p>
@@ -2934,7 +2935,7 @@
           <a:p>
             <a:fld id="{BE5295ED-3BAF-1140-8495-3D368771D6B1}" type="datetimeFigureOut">
               <a:rPr lang="en-US" smtClean="0"/>
-              <a:t>8/29/21</a:t>
+              <a:t>8/30/21</a:t>
             </a:fld>
             <a:endParaRPr lang="en-US"/>
           </a:p>
@@ -3225,7 +3226,7 @@
           <a:p>
             <a:fld id="{BE5295ED-3BAF-1140-8495-3D368771D6B1}" type="datetimeFigureOut">
               <a:rPr lang="en-US" smtClean="0"/>
-              <a:t>8/29/21</a:t>
+              <a:t>8/30/21</a:t>
             </a:fld>
             <a:endParaRPr lang="en-US"/>
           </a:p>
@@ -3466,7 +3467,7 @@
           <a:p>
             <a:fld id="{BE5295ED-3BAF-1140-8495-3D368771D6B1}" type="datetimeFigureOut">
               <a:rPr lang="en-US" smtClean="0"/>
-              <a:t>8/29/21</a:t>
+              <a:t>8/30/21</a:t>
             </a:fld>
             <a:endParaRPr lang="en-US"/>
           </a:p>
@@ -4130,7 +4131,7 @@
           <p:cNvPr id="2" name="Title 1">
             <a:extLst>
               <a:ext uri="{FF2B5EF4-FFF2-40B4-BE49-F238E27FC236}">
-                <a16:creationId xmlns:a16="http://schemas.microsoft.com/office/drawing/2014/main" id="{8F60B568-1702-F445-8C8A-59BB14BB94E3}"/>
+                <a16:creationId xmlns:a16="http://schemas.microsoft.com/office/drawing/2014/main" id="{16F910CD-AD12-164F-95B7-22CB2F40709A}"/>
               </a:ext>
             </a:extLst>
           </p:cNvPr>
@@ -4147,16 +4148,12 @@
           <a:lstStyle/>
           <a:p>
             <a:r>
-              <a:rPr lang="en-US" dirty="0"/>
-              <a:t>Searching </a:t>
-            </a:r>
-            <a:r>
               <a:rPr lang="en-US" dirty="0" err="1"/>
-              <a:t>hashtable</a:t>
-            </a:r>
-            <a:r>
-              <a:rPr lang="en-US" dirty="0"/>
-              <a:t> set implementation</a:t>
+              <a:t>Hashtable</a:t>
+            </a:r>
+            <a:r>
+              <a:rPr lang="en-US" dirty="0"/>
+              <a:t> construction</a:t>
             </a:r>
           </a:p>
         </p:txBody>
@@ -4166,7 +4163,7 @@
           <p:cNvPr id="3" name="Content Placeholder 2">
             <a:extLst>
               <a:ext uri="{FF2B5EF4-FFF2-40B4-BE49-F238E27FC236}">
-                <a16:creationId xmlns:a16="http://schemas.microsoft.com/office/drawing/2014/main" id="{F0FB6C76-6633-3E4A-8091-0B48441D9F16}"/>
+                <a16:creationId xmlns:a16="http://schemas.microsoft.com/office/drawing/2014/main" id="{E2FFDA02-8B54-264C-8999-0B81C29585C0}"/>
               </a:ext>
             </a:extLst>
           </p:cNvPr>
@@ -4177,24 +4174,44 @@
             <p:ph idx="1"/>
           </p:nvPr>
         </p:nvSpPr>
-        <p:spPr/>
+        <p:spPr>
+          <a:xfrm>
+            <a:off x="838200" y="1825625"/>
+            <a:ext cx="6958914" cy="4351338"/>
+          </a:xfrm>
+        </p:spPr>
         <p:txBody>
           <a:bodyPr/>
           <a:lstStyle/>
           <a:p>
             <a:r>
               <a:rPr lang="en-US" dirty="0"/>
-              <a:t>To find x, look in the bucket indicated by hash(x)</a:t>
-            </a:r>
+              <a:t>Make 10 empty buckets (lists)</a:t>
+            </a:r>
+          </a:p>
+          <a:p>
+            <a:r>
+              <a:rPr lang="en-US" dirty="0"/>
+              <a:t>Add each set element to correct bucket</a:t>
+            </a:r>
+          </a:p>
+          <a:p>
+            <a:r>
+              <a:rPr lang="en-US" dirty="0"/>
+              <a:t>Amounts to appending element to one of 10 lists</a:t>
+            </a:r>
+          </a:p>
+          <a:p>
+            <a:endParaRPr lang="en-US" dirty="0"/>
           </a:p>
         </p:txBody>
       </p:sp>
       <p:pic>
         <p:nvPicPr>
-          <p:cNvPr id="5" name="Picture 4" descr="Graphical user interface, text, application, chat or text message&#10;&#10;Description automatically generated">
-            <a:extLst>
-              <a:ext uri="{FF2B5EF4-FFF2-40B4-BE49-F238E27FC236}">
-                <a16:creationId xmlns:a16="http://schemas.microsoft.com/office/drawing/2014/main" id="{C5A75264-DC79-6645-A513-799E1DEC03AB}"/>
+          <p:cNvPr id="5" name="Picture 4" descr="Graphical user interface, text, application&#10;&#10;Description automatically generated">
+            <a:extLst>
+              <a:ext uri="{FF2B5EF4-FFF2-40B4-BE49-F238E27FC236}">
+                <a16:creationId xmlns:a16="http://schemas.microsoft.com/office/drawing/2014/main" id="{CAC632FE-E1FE-D64F-BA31-34C34F0DC654}"/>
               </a:ext>
             </a:extLst>
           </p:cNvPr>
@@ -4211,8 +4228,8 @@
         </p:blipFill>
         <p:spPr>
           <a:xfrm>
-            <a:off x="4653282" y="2505401"/>
-            <a:ext cx="3892709" cy="3767138"/>
+            <a:off x="1107819" y="4031048"/>
+            <a:ext cx="6173506" cy="2280852"/>
           </a:xfrm>
           <a:prstGeom prst="rect">
             <a:avLst/>
@@ -4221,10 +4238,10 @@
       </p:pic>
       <p:pic>
         <p:nvPicPr>
-          <p:cNvPr id="7" name="Picture 6" descr="Graphical user interface, text&#10;&#10;Description automatically generated">
-            <a:extLst>
-              <a:ext uri="{FF2B5EF4-FFF2-40B4-BE49-F238E27FC236}">
-                <a16:creationId xmlns:a16="http://schemas.microsoft.com/office/drawing/2014/main" id="{DAEDBF71-0D03-C540-9951-A468AB69265D}"/>
+          <p:cNvPr id="6" name="Picture 5" descr="Diagram&#10;&#10;Description automatically generated">
+            <a:extLst>
+              <a:ext uri="{FF2B5EF4-FFF2-40B4-BE49-F238E27FC236}">
+                <a16:creationId xmlns:a16="http://schemas.microsoft.com/office/drawing/2014/main" id="{6C2EDD53-6A9F-DF42-80AA-242E57136BE2}"/>
               </a:ext>
             </a:extLst>
           </p:cNvPr>
@@ -4241,228 +4258,20 @@
         </p:blipFill>
         <p:spPr>
           <a:xfrm>
-            <a:off x="287246" y="2544762"/>
-            <a:ext cx="3982082" cy="3163072"/>
+            <a:off x="8431943" y="94391"/>
+            <a:ext cx="3619500" cy="6273800"/>
           </a:xfrm>
           <a:prstGeom prst="rect">
             <a:avLst/>
           </a:prstGeom>
         </p:spPr>
       </p:pic>
-      <p:sp>
-        <p:nvSpPr>
-          <p:cNvPr id="8" name="Rectangle 7">
-            <a:extLst>
-              <a:ext uri="{FF2B5EF4-FFF2-40B4-BE49-F238E27FC236}">
-                <a16:creationId xmlns:a16="http://schemas.microsoft.com/office/drawing/2014/main" id="{890A8844-4C1D-154E-9B52-FEB3A2D654AD}"/>
-              </a:ext>
-            </a:extLst>
-          </p:cNvPr>
-          <p:cNvSpPr/>
-          <p:nvPr/>
-        </p:nvSpPr>
-        <p:spPr>
-          <a:xfrm>
-            <a:off x="1882812" y="5343683"/>
-            <a:ext cx="840378" cy="364151"/>
-          </a:xfrm>
-          <a:prstGeom prst="rect">
-            <a:avLst/>
-          </a:prstGeom>
-          <a:noFill/>
-          <a:ln>
-            <a:solidFill>
-              <a:srgbClr val="E4754F"/>
-            </a:solidFill>
-          </a:ln>
-        </p:spPr>
-        <p:style>
-          <a:lnRef idx="2">
-            <a:schemeClr val="accent1">
-              <a:shade val="50000"/>
-            </a:schemeClr>
-          </a:lnRef>
-          <a:fillRef idx="1">
-            <a:schemeClr val="accent1"/>
-          </a:fillRef>
-          <a:effectRef idx="0">
-            <a:schemeClr val="accent1"/>
-          </a:effectRef>
-          <a:fontRef idx="minor">
-            <a:schemeClr val="lt1"/>
-          </a:fontRef>
-        </p:style>
-        <p:txBody>
-          <a:bodyPr rtlCol="0" anchor="ctr"/>
-          <a:lstStyle/>
-          <a:p>
-            <a:pPr algn="ctr"/>
-            <a:endParaRPr lang="en-US"/>
-          </a:p>
-        </p:txBody>
-      </p:sp>
-      <p:sp>
-        <p:nvSpPr>
-          <p:cNvPr id="9" name="Rectangle 8">
-            <a:extLst>
-              <a:ext uri="{FF2B5EF4-FFF2-40B4-BE49-F238E27FC236}">
-                <a16:creationId xmlns:a16="http://schemas.microsoft.com/office/drawing/2014/main" id="{06C795E9-F881-6043-9D0C-2096A5A70CBB}"/>
-              </a:ext>
-            </a:extLst>
-          </p:cNvPr>
-          <p:cNvSpPr/>
-          <p:nvPr/>
-        </p:nvSpPr>
-        <p:spPr>
-          <a:xfrm>
-            <a:off x="6241232" y="5871317"/>
-            <a:ext cx="977108" cy="364151"/>
-          </a:xfrm>
-          <a:prstGeom prst="rect">
-            <a:avLst/>
-          </a:prstGeom>
-          <a:noFill/>
-          <a:ln>
-            <a:solidFill>
-              <a:srgbClr val="E4754F"/>
-            </a:solidFill>
-          </a:ln>
-        </p:spPr>
-        <p:style>
-          <a:lnRef idx="2">
-            <a:schemeClr val="accent1">
-              <a:shade val="50000"/>
-            </a:schemeClr>
-          </a:lnRef>
-          <a:fillRef idx="1">
-            <a:schemeClr val="accent1"/>
-          </a:fillRef>
-          <a:effectRef idx="0">
-            <a:schemeClr val="accent1"/>
-          </a:effectRef>
-          <a:fontRef idx="minor">
-            <a:schemeClr val="lt1"/>
-          </a:fontRef>
-        </p:style>
-        <p:txBody>
-          <a:bodyPr rtlCol="0" anchor="ctr"/>
-          <a:lstStyle/>
-          <a:p>
-            <a:pPr algn="ctr"/>
-            <a:endParaRPr lang="en-US"/>
-          </a:p>
-        </p:txBody>
-      </p:sp>
-      <p:sp>
-        <p:nvSpPr>
-          <p:cNvPr id="10" name="Rectangle 9">
-            <a:extLst>
-              <a:ext uri="{FF2B5EF4-FFF2-40B4-BE49-F238E27FC236}">
-                <a16:creationId xmlns:a16="http://schemas.microsoft.com/office/drawing/2014/main" id="{5FD92148-7722-4440-9D36-DF59B7705829}"/>
-              </a:ext>
-            </a:extLst>
-          </p:cNvPr>
-          <p:cNvSpPr/>
-          <p:nvPr/>
-        </p:nvSpPr>
-        <p:spPr>
-          <a:xfrm>
-            <a:off x="6500779" y="3246924"/>
-            <a:ext cx="1421895" cy="364151"/>
-          </a:xfrm>
-          <a:prstGeom prst="rect">
-            <a:avLst/>
-          </a:prstGeom>
-          <a:noFill/>
-          <a:ln>
-            <a:solidFill>
-              <a:srgbClr val="E4754F"/>
-            </a:solidFill>
-          </a:ln>
-        </p:spPr>
-        <p:style>
-          <a:lnRef idx="2">
-            <a:schemeClr val="accent1">
-              <a:shade val="50000"/>
-            </a:schemeClr>
-          </a:lnRef>
-          <a:fillRef idx="1">
-            <a:schemeClr val="accent1"/>
-          </a:fillRef>
-          <a:effectRef idx="0">
-            <a:schemeClr val="accent1"/>
-          </a:effectRef>
-          <a:fontRef idx="minor">
-            <a:schemeClr val="lt1"/>
-          </a:fontRef>
-        </p:style>
-        <p:txBody>
-          <a:bodyPr rtlCol="0" anchor="ctr"/>
-          <a:lstStyle/>
-          <a:p>
-            <a:pPr algn="ctr"/>
-            <a:endParaRPr lang="en-US"/>
-          </a:p>
-        </p:txBody>
-      </p:sp>
-      <p:sp>
-        <p:nvSpPr>
-          <p:cNvPr id="11" name="Rectangle 10">
-            <a:extLst>
-              <a:ext uri="{FF2B5EF4-FFF2-40B4-BE49-F238E27FC236}">
-                <a16:creationId xmlns:a16="http://schemas.microsoft.com/office/drawing/2014/main" id="{78D120F2-C064-4449-AA32-28C996CD07E1}"/>
-              </a:ext>
-            </a:extLst>
-          </p:cNvPr>
-          <p:cNvSpPr/>
-          <p:nvPr/>
-        </p:nvSpPr>
-        <p:spPr>
-          <a:xfrm>
-            <a:off x="2101298" y="2946848"/>
-            <a:ext cx="247254" cy="364151"/>
-          </a:xfrm>
-          <a:prstGeom prst="rect">
-            <a:avLst/>
-          </a:prstGeom>
-          <a:noFill/>
-          <a:ln>
-            <a:solidFill>
-              <a:srgbClr val="E4754F"/>
-            </a:solidFill>
-          </a:ln>
-        </p:spPr>
-        <p:style>
-          <a:lnRef idx="2">
-            <a:schemeClr val="accent1">
-              <a:shade val="50000"/>
-            </a:schemeClr>
-          </a:lnRef>
-          <a:fillRef idx="1">
-            <a:schemeClr val="accent1"/>
-          </a:fillRef>
-          <a:effectRef idx="0">
-            <a:schemeClr val="accent1"/>
-          </a:effectRef>
-          <a:fontRef idx="minor">
-            <a:schemeClr val="lt1"/>
-          </a:fontRef>
-        </p:style>
-        <p:txBody>
-          <a:bodyPr rtlCol="0" anchor="ctr"/>
-          <a:lstStyle/>
-          <a:p>
-            <a:pPr algn="ctr"/>
-            <a:endParaRPr lang="en-US"/>
-          </a:p>
-        </p:txBody>
-      </p:sp>
       <p:pic>
         <p:nvPicPr>
-          <p:cNvPr id="14" name="Picture 13" descr="Diagram&#10;&#10;Description automatically generated">
-            <a:extLst>
-              <a:ext uri="{FF2B5EF4-FFF2-40B4-BE49-F238E27FC236}">
-                <a16:creationId xmlns:a16="http://schemas.microsoft.com/office/drawing/2014/main" id="{2AFF6B11-C2F9-2B42-8DC7-74961D89D3E5}"/>
+          <p:cNvPr id="8" name="Picture 7" descr="A picture containing text&#10;&#10;Description automatically generated">
+            <a:extLst>
+              <a:ext uri="{FF2B5EF4-FFF2-40B4-BE49-F238E27FC236}">
+                <a16:creationId xmlns:a16="http://schemas.microsoft.com/office/drawing/2014/main" id="{9E6CF9DD-2719-1C45-8E8D-9CA617755B92}"/>
               </a:ext>
             </a:extLst>
           </p:cNvPr>
@@ -4479,89 +4288,55 @@
         </p:blipFill>
         <p:spPr>
           <a:xfrm>
-            <a:off x="9220889" y="1524930"/>
-            <a:ext cx="2683865" cy="4652033"/>
+            <a:off x="4966665" y="3630204"/>
+            <a:ext cx="2830449" cy="801688"/>
           </a:xfrm>
           <a:prstGeom prst="rect">
             <a:avLst/>
           </a:prstGeom>
+          <a:ln>
+            <a:solidFill>
+              <a:schemeClr val="accent1">
+                <a:lumMod val="75000"/>
+              </a:schemeClr>
+            </a:solidFill>
+          </a:ln>
         </p:spPr>
       </p:pic>
-      <p:sp>
-        <p:nvSpPr>
-          <p:cNvPr id="15" name="TextBox 14">
-            <a:extLst>
-              <a:ext uri="{FF2B5EF4-FFF2-40B4-BE49-F238E27FC236}">
-                <a16:creationId xmlns:a16="http://schemas.microsoft.com/office/drawing/2014/main" id="{812ECD36-1410-B642-B488-C4F6C5A4C4ED}"/>
-              </a:ext>
-            </a:extLst>
-          </p:cNvPr>
-          <p:cNvSpPr txBox="1"/>
+      <p:pic>
+        <p:nvPicPr>
+          <p:cNvPr id="10" name="Picture 9" descr="Icon&#10;&#10;Description automatically generated">
+            <a:extLst>
+              <a:ext uri="{FF2B5EF4-FFF2-40B4-BE49-F238E27FC236}">
+                <a16:creationId xmlns:a16="http://schemas.microsoft.com/office/drawing/2014/main" id="{9C7B73B5-7E02-0D43-AAD0-257E93F48047}"/>
+              </a:ext>
+            </a:extLst>
+          </p:cNvPr>
+          <p:cNvPicPr>
+            <a:picLocks noChangeAspect="1"/>
+          </p:cNvPicPr>
           <p:nvPr/>
-        </p:nvSpPr>
-        <p:spPr>
-          <a:xfrm>
-            <a:off x="1522685" y="2264520"/>
-            <a:ext cx="877163" cy="369332"/>
+        </p:nvPicPr>
+        <p:blipFill>
+          <a:blip r:embed="rId5"/>
+          <a:stretch>
+            <a:fillRect/>
+          </a:stretch>
+        </p:blipFill>
+        <p:spPr>
+          <a:xfrm>
+            <a:off x="1107819" y="6368191"/>
+            <a:ext cx="2652240" cy="350825"/>
           </a:xfrm>
           <a:prstGeom prst="rect">
             <a:avLst/>
           </a:prstGeom>
-          <a:noFill/>
-        </p:spPr>
-        <p:txBody>
-          <a:bodyPr wrap="none" rtlCol="0">
-            <a:spAutoFit/>
-          </a:bodyPr>
-          <a:lstStyle/>
-          <a:p>
-            <a:r>
-              <a:rPr lang="en-US" b="1" dirty="0"/>
-              <a:t>Linear</a:t>
-            </a:r>
-          </a:p>
-        </p:txBody>
-      </p:sp>
-      <p:sp>
-        <p:nvSpPr>
-          <p:cNvPr id="16" name="TextBox 15">
-            <a:extLst>
-              <a:ext uri="{FF2B5EF4-FFF2-40B4-BE49-F238E27FC236}">
-                <a16:creationId xmlns:a16="http://schemas.microsoft.com/office/drawing/2014/main" id="{6DABFA9B-8D1A-7845-9411-0D19FC43148A}"/>
-              </a:ext>
-            </a:extLst>
-          </p:cNvPr>
-          <p:cNvSpPr txBox="1"/>
-          <p:nvPr/>
-        </p:nvSpPr>
-        <p:spPr>
-          <a:xfrm>
-            <a:off x="6087845" y="2253039"/>
-            <a:ext cx="1287532" cy="369332"/>
-          </a:xfrm>
-          <a:prstGeom prst="rect">
-            <a:avLst/>
-          </a:prstGeom>
-          <a:noFill/>
-        </p:spPr>
-        <p:txBody>
-          <a:bodyPr wrap="none" rtlCol="0">
-            <a:spAutoFit/>
-          </a:bodyPr>
-          <a:lstStyle/>
-          <a:p>
-            <a:r>
-              <a:rPr lang="en-US" b="1" dirty="0" err="1"/>
-              <a:t>Hashtable</a:t>
-            </a:r>
-            <a:endParaRPr lang="en-US" b="1" dirty="0"/>
-          </a:p>
-        </p:txBody>
-      </p:sp>
+        </p:spPr>
+      </p:pic>
     </p:spTree>
     <p:extLst>
       <p:ext uri="{BB962C8B-B14F-4D97-AF65-F5344CB8AC3E}">
-        <p14:creationId xmlns:p14="http://schemas.microsoft.com/office/powerpoint/2010/main" val="2303795529"/>
+        <p14:creationId xmlns:p14="http://schemas.microsoft.com/office/powerpoint/2010/main" val="2307960667"/>
       </p:ext>
     </p:extLst>
   </p:cSld>
@@ -4593,7 +4368,7 @@
           <p:cNvPr id="2" name="Title 1">
             <a:extLst>
               <a:ext uri="{FF2B5EF4-FFF2-40B4-BE49-F238E27FC236}">
-                <a16:creationId xmlns:a16="http://schemas.microsoft.com/office/drawing/2014/main" id="{4001F33A-2A77-434F-8E4F-7FC4AD2D3775}"/>
+                <a16:creationId xmlns:a16="http://schemas.microsoft.com/office/drawing/2014/main" id="{8F60B568-1702-F445-8C8A-59BB14BB94E3}"/>
               </a:ext>
             </a:extLst>
           </p:cNvPr>
@@ -4611,26 +4386,60 @@
           <a:p>
             <a:r>
               <a:rPr lang="en-US" dirty="0"/>
-              <a:t>Speed difference is dramatic</a:t>
+              <a:t>Searching </a:t>
+            </a:r>
+            <a:r>
+              <a:rPr lang="en-US" dirty="0" err="1"/>
+              <a:t>hashtable</a:t>
+            </a:r>
+            <a:r>
+              <a:rPr lang="en-US" dirty="0"/>
+              <a:t> set implementation</a:t>
+            </a:r>
+          </a:p>
+        </p:txBody>
+      </p:sp>
+      <p:sp>
+        <p:nvSpPr>
+          <p:cNvPr id="3" name="Content Placeholder 2">
+            <a:extLst>
+              <a:ext uri="{FF2B5EF4-FFF2-40B4-BE49-F238E27FC236}">
+                <a16:creationId xmlns:a16="http://schemas.microsoft.com/office/drawing/2014/main" id="{F0FB6C76-6633-3E4A-8091-0B48441D9F16}"/>
+              </a:ext>
+            </a:extLst>
+          </p:cNvPr>
+          <p:cNvSpPr>
+            <a:spLocks noGrp="1"/>
+          </p:cNvSpPr>
+          <p:nvPr>
+            <p:ph idx="1"/>
+          </p:nvPr>
+        </p:nvSpPr>
+        <p:spPr/>
+        <p:txBody>
+          <a:bodyPr/>
+          <a:lstStyle/>
+          <a:p>
+            <a:r>
+              <a:rPr lang="en-US" dirty="0"/>
+              <a:t>To find x, look in the bucket indicated by hash(x)</a:t>
             </a:r>
           </a:p>
         </p:txBody>
       </p:sp>
       <p:pic>
         <p:nvPicPr>
-          <p:cNvPr id="9" name="Content Placeholder 8" descr="Graphical user interface&#10;&#10;Description automatically generated with low confidence">
-            <a:extLst>
-              <a:ext uri="{FF2B5EF4-FFF2-40B4-BE49-F238E27FC236}">
-                <a16:creationId xmlns:a16="http://schemas.microsoft.com/office/drawing/2014/main" id="{5E9EE94A-5A72-3D42-A9D6-DA80D8803DFB}"/>
+          <p:cNvPr id="5" name="Picture 4" descr="Graphical user interface, text, application, chat or text message&#10;&#10;Description automatically generated">
+            <a:extLst>
+              <a:ext uri="{FF2B5EF4-FFF2-40B4-BE49-F238E27FC236}">
+                <a16:creationId xmlns:a16="http://schemas.microsoft.com/office/drawing/2014/main" id="{C5A75264-DC79-6645-A513-799E1DEC03AB}"/>
               </a:ext>
             </a:extLst>
           </p:cNvPr>
           <p:cNvPicPr>
-            <a:picLocks noGrp="1" noChangeAspect="1"/>
+            <a:picLocks noChangeAspect="1"/>
           </p:cNvPicPr>
-          <p:nvPr>
-            <p:ph idx="1"/>
-          </p:nvPr>
+          <p:nvPr/>
         </p:nvPicPr>
         <p:blipFill>
           <a:blip r:embed="rId2"/>
@@ -4640,17 +4449,20 @@
         </p:blipFill>
         <p:spPr>
           <a:xfrm>
-            <a:off x="850736" y="3762921"/>
-            <a:ext cx="8433105" cy="1488195"/>
-          </a:xfrm>
+            <a:off x="4653282" y="2505401"/>
+            <a:ext cx="3892709" cy="3767138"/>
+          </a:xfrm>
+          <a:prstGeom prst="rect">
+            <a:avLst/>
+          </a:prstGeom>
         </p:spPr>
       </p:pic>
       <p:pic>
         <p:nvPicPr>
-          <p:cNvPr id="11" name="Picture 10" descr="A picture containing table&#10;&#10;Description automatically generated">
-            <a:extLst>
-              <a:ext uri="{FF2B5EF4-FFF2-40B4-BE49-F238E27FC236}">
-                <a16:creationId xmlns:a16="http://schemas.microsoft.com/office/drawing/2014/main" id="{87208F27-0528-5D46-A050-E75180CC858E}"/>
+          <p:cNvPr id="7" name="Picture 6" descr="Graphical user interface, text&#10;&#10;Description automatically generated">
+            <a:extLst>
+              <a:ext uri="{FF2B5EF4-FFF2-40B4-BE49-F238E27FC236}">
+                <a16:creationId xmlns:a16="http://schemas.microsoft.com/office/drawing/2014/main" id="{DAEDBF71-0D03-C540-9951-A468AB69265D}"/>
               </a:ext>
             </a:extLst>
           </p:cNvPr>
@@ -4667,8 +4479,8 @@
         </p:blipFill>
         <p:spPr>
           <a:xfrm>
-            <a:off x="838200" y="1690688"/>
-            <a:ext cx="8482712" cy="1455124"/>
+            <a:off x="287246" y="2544762"/>
+            <a:ext cx="3982082" cy="3163072"/>
           </a:xfrm>
           <a:prstGeom prst="rect">
             <a:avLst/>
@@ -4677,10 +4489,10 @@
       </p:pic>
       <p:sp>
         <p:nvSpPr>
-          <p:cNvPr id="12" name="Rectangle 11">
-            <a:extLst>
-              <a:ext uri="{FF2B5EF4-FFF2-40B4-BE49-F238E27FC236}">
-                <a16:creationId xmlns:a16="http://schemas.microsoft.com/office/drawing/2014/main" id="{E6CC60AB-434E-B440-A83A-4EDF57F0083A}"/>
+          <p:cNvPr id="8" name="Rectangle 7">
+            <a:extLst>
+              <a:ext uri="{FF2B5EF4-FFF2-40B4-BE49-F238E27FC236}">
+                <a16:creationId xmlns:a16="http://schemas.microsoft.com/office/drawing/2014/main" id="{890A8844-4C1D-154E-9B52-FEB3A2D654AD}"/>
               </a:ext>
             </a:extLst>
           </p:cNvPr>
@@ -4689,8 +4501,8 @@
         </p:nvSpPr>
         <p:spPr>
           <a:xfrm>
-            <a:off x="2729920" y="2781661"/>
-            <a:ext cx="1088318" cy="364151"/>
+            <a:off x="1882812" y="5343683"/>
+            <a:ext cx="840378" cy="364151"/>
           </a:xfrm>
           <a:prstGeom prst="rect">
             <a:avLst/>
@@ -4729,10 +4541,10 @@
       </p:sp>
       <p:sp>
         <p:nvSpPr>
-          <p:cNvPr id="13" name="Rectangle 12">
-            <a:extLst>
-              <a:ext uri="{FF2B5EF4-FFF2-40B4-BE49-F238E27FC236}">
-                <a16:creationId xmlns:a16="http://schemas.microsoft.com/office/drawing/2014/main" id="{14A8AE01-007A-9142-9322-B4AB40E6DB1A}"/>
+          <p:cNvPr id="9" name="Rectangle 8">
+            <a:extLst>
+              <a:ext uri="{FF2B5EF4-FFF2-40B4-BE49-F238E27FC236}">
+                <a16:creationId xmlns:a16="http://schemas.microsoft.com/office/drawing/2014/main" id="{06C795E9-F881-6043-9D0C-2096A5A70CBB}"/>
               </a:ext>
             </a:extLst>
           </p:cNvPr>
@@ -4741,8 +4553,8 @@
         </p:nvSpPr>
         <p:spPr>
           <a:xfrm>
-            <a:off x="2760810" y="4886965"/>
-            <a:ext cx="1032713" cy="364151"/>
+            <a:off x="6241232" y="5871317"/>
+            <a:ext cx="977108" cy="364151"/>
           </a:xfrm>
           <a:prstGeom prst="rect">
             <a:avLst/>
@@ -4781,60 +4593,159 @@
       </p:sp>
       <p:sp>
         <p:nvSpPr>
-          <p:cNvPr id="14" name="TextBox 13">
-            <a:extLst>
-              <a:ext uri="{FF2B5EF4-FFF2-40B4-BE49-F238E27FC236}">
-                <a16:creationId xmlns:a16="http://schemas.microsoft.com/office/drawing/2014/main" id="{99555A83-3A39-214E-9755-EB8596DB63EA}"/>
-              </a:ext>
-            </a:extLst>
-          </p:cNvPr>
-          <p:cNvSpPr txBox="1"/>
+          <p:cNvPr id="10" name="Rectangle 9">
+            <a:extLst>
+              <a:ext uri="{FF2B5EF4-FFF2-40B4-BE49-F238E27FC236}">
+                <a16:creationId xmlns:a16="http://schemas.microsoft.com/office/drawing/2014/main" id="{5FD92148-7722-4440-9D36-DF59B7705829}"/>
+              </a:ext>
+            </a:extLst>
+          </p:cNvPr>
+          <p:cNvSpPr/>
           <p:nvPr/>
         </p:nvSpPr>
         <p:spPr>
           <a:xfrm>
-            <a:off x="776415" y="1422218"/>
-            <a:ext cx="877163" cy="369332"/>
+            <a:off x="6500779" y="3246924"/>
+            <a:ext cx="1421895" cy="364151"/>
           </a:xfrm>
           <a:prstGeom prst="rect">
             <a:avLst/>
           </a:prstGeom>
           <a:noFill/>
-        </p:spPr>
-        <p:txBody>
-          <a:bodyPr wrap="none" rtlCol="0">
-            <a:spAutoFit/>
-          </a:bodyPr>
-          <a:lstStyle/>
-          <a:p>
-            <a:r>
-              <a:rPr lang="en-US" b="1" dirty="0"/>
-              <a:t>Linear</a:t>
-            </a:r>
-          </a:p>
-        </p:txBody>
-      </p:sp>
-      <p:sp>
-        <p:nvSpPr>
-          <p:cNvPr id="16" name="TextBox 15">
-            <a:extLst>
-              <a:ext uri="{FF2B5EF4-FFF2-40B4-BE49-F238E27FC236}">
-                <a16:creationId xmlns:a16="http://schemas.microsoft.com/office/drawing/2014/main" id="{3C6D02AC-066D-AF4A-9B39-3037D5668DF4}"/>
-              </a:ext>
-            </a:extLst>
-          </p:cNvPr>
-          <p:cNvSpPr txBox="1"/>
+          <a:ln>
+            <a:solidFill>
+              <a:srgbClr val="E4754F"/>
+            </a:solidFill>
+          </a:ln>
+        </p:spPr>
+        <p:style>
+          <a:lnRef idx="2">
+            <a:schemeClr val="accent1">
+              <a:shade val="50000"/>
+            </a:schemeClr>
+          </a:lnRef>
+          <a:fillRef idx="1">
+            <a:schemeClr val="accent1"/>
+          </a:fillRef>
+          <a:effectRef idx="0">
+            <a:schemeClr val="accent1"/>
+          </a:effectRef>
+          <a:fontRef idx="minor">
+            <a:schemeClr val="lt1"/>
+          </a:fontRef>
+        </p:style>
+        <p:txBody>
+          <a:bodyPr rtlCol="0" anchor="ctr"/>
+          <a:lstStyle/>
+          <a:p>
+            <a:pPr algn="ctr"/>
+            <a:endParaRPr lang="en-US"/>
+          </a:p>
+        </p:txBody>
+      </p:sp>
+      <p:sp>
+        <p:nvSpPr>
+          <p:cNvPr id="11" name="Rectangle 10">
+            <a:extLst>
+              <a:ext uri="{FF2B5EF4-FFF2-40B4-BE49-F238E27FC236}">
+                <a16:creationId xmlns:a16="http://schemas.microsoft.com/office/drawing/2014/main" id="{78D120F2-C064-4449-AA32-28C996CD07E1}"/>
+              </a:ext>
+            </a:extLst>
+          </p:cNvPr>
+          <p:cNvSpPr/>
           <p:nvPr/>
         </p:nvSpPr>
         <p:spPr>
           <a:xfrm>
-            <a:off x="801129" y="3478247"/>
-            <a:ext cx="1287532" cy="369332"/>
+            <a:off x="2101298" y="2946848"/>
+            <a:ext cx="247254" cy="364151"/>
           </a:xfrm>
           <a:prstGeom prst="rect">
             <a:avLst/>
           </a:prstGeom>
           <a:noFill/>
+          <a:ln>
+            <a:solidFill>
+              <a:srgbClr val="E4754F"/>
+            </a:solidFill>
+          </a:ln>
+        </p:spPr>
+        <p:style>
+          <a:lnRef idx="2">
+            <a:schemeClr val="accent1">
+              <a:shade val="50000"/>
+            </a:schemeClr>
+          </a:lnRef>
+          <a:fillRef idx="1">
+            <a:schemeClr val="accent1"/>
+          </a:fillRef>
+          <a:effectRef idx="0">
+            <a:schemeClr val="accent1"/>
+          </a:effectRef>
+          <a:fontRef idx="minor">
+            <a:schemeClr val="lt1"/>
+          </a:fontRef>
+        </p:style>
+        <p:txBody>
+          <a:bodyPr rtlCol="0" anchor="ctr"/>
+          <a:lstStyle/>
+          <a:p>
+            <a:pPr algn="ctr"/>
+            <a:endParaRPr lang="en-US"/>
+          </a:p>
+        </p:txBody>
+      </p:sp>
+      <p:pic>
+        <p:nvPicPr>
+          <p:cNvPr id="14" name="Picture 13" descr="Diagram&#10;&#10;Description automatically generated">
+            <a:extLst>
+              <a:ext uri="{FF2B5EF4-FFF2-40B4-BE49-F238E27FC236}">
+                <a16:creationId xmlns:a16="http://schemas.microsoft.com/office/drawing/2014/main" id="{2AFF6B11-C2F9-2B42-8DC7-74961D89D3E5}"/>
+              </a:ext>
+            </a:extLst>
+          </p:cNvPr>
+          <p:cNvPicPr>
+            <a:picLocks noChangeAspect="1"/>
+          </p:cNvPicPr>
+          <p:nvPr/>
+        </p:nvPicPr>
+        <p:blipFill>
+          <a:blip r:embed="rId4"/>
+          <a:stretch>
+            <a:fillRect/>
+          </a:stretch>
+        </p:blipFill>
+        <p:spPr>
+          <a:xfrm>
+            <a:off x="9220889" y="1524930"/>
+            <a:ext cx="2683865" cy="4652033"/>
+          </a:xfrm>
+          <a:prstGeom prst="rect">
+            <a:avLst/>
+          </a:prstGeom>
+        </p:spPr>
+      </p:pic>
+      <p:sp>
+        <p:nvSpPr>
+          <p:cNvPr id="15" name="TextBox 14">
+            <a:extLst>
+              <a:ext uri="{FF2B5EF4-FFF2-40B4-BE49-F238E27FC236}">
+                <a16:creationId xmlns:a16="http://schemas.microsoft.com/office/drawing/2014/main" id="{812ECD36-1410-B642-B488-C4F6C5A4C4ED}"/>
+              </a:ext>
+            </a:extLst>
+          </p:cNvPr>
+          <p:cNvSpPr txBox="1"/>
+          <p:nvPr/>
+        </p:nvSpPr>
+        <p:spPr>
+          <a:xfrm>
+            <a:off x="1522685" y="2264520"/>
+            <a:ext cx="877163" cy="369332"/>
+          </a:xfrm>
+          <a:prstGeom prst="rect">
+            <a:avLst/>
+          </a:prstGeom>
+          <a:noFill/>
         </p:spPr>
         <p:txBody>
           <a:bodyPr wrap="none" rtlCol="0">
@@ -4843,6 +4754,41 @@
           <a:lstStyle/>
           <a:p>
             <a:r>
+              <a:rPr lang="en-US" b="1" dirty="0"/>
+              <a:t>Linear</a:t>
+            </a:r>
+          </a:p>
+        </p:txBody>
+      </p:sp>
+      <p:sp>
+        <p:nvSpPr>
+          <p:cNvPr id="16" name="TextBox 15">
+            <a:extLst>
+              <a:ext uri="{FF2B5EF4-FFF2-40B4-BE49-F238E27FC236}">
+                <a16:creationId xmlns:a16="http://schemas.microsoft.com/office/drawing/2014/main" id="{6DABFA9B-8D1A-7845-9411-0D19FC43148A}"/>
+              </a:ext>
+            </a:extLst>
+          </p:cNvPr>
+          <p:cNvSpPr txBox="1"/>
+          <p:nvPr/>
+        </p:nvSpPr>
+        <p:spPr>
+          <a:xfrm>
+            <a:off x="6087845" y="2253039"/>
+            <a:ext cx="1287532" cy="369332"/>
+          </a:xfrm>
+          <a:prstGeom prst="rect">
+            <a:avLst/>
+          </a:prstGeom>
+          <a:noFill/>
+        </p:spPr>
+        <p:txBody>
+          <a:bodyPr wrap="none" rtlCol="0">
+            <a:spAutoFit/>
+          </a:bodyPr>
+          <a:lstStyle/>
+          <a:p>
+            <a:r>
               <a:rPr lang="en-US" b="1" dirty="0" err="1"/>
               <a:t>Hashtable</a:t>
             </a:r>
@@ -4853,7 +4799,7 @@
     </p:spTree>
     <p:extLst>
       <p:ext uri="{BB962C8B-B14F-4D97-AF65-F5344CB8AC3E}">
-        <p14:creationId xmlns:p14="http://schemas.microsoft.com/office/powerpoint/2010/main" val="1105624541"/>
+        <p14:creationId xmlns:p14="http://schemas.microsoft.com/office/powerpoint/2010/main" val="2303795529"/>
       </p:ext>
     </p:extLst>
   </p:cSld>
@@ -4885,6 +4831,298 @@
           <p:cNvPr id="2" name="Title 1">
             <a:extLst>
               <a:ext uri="{FF2B5EF4-FFF2-40B4-BE49-F238E27FC236}">
+                <a16:creationId xmlns:a16="http://schemas.microsoft.com/office/drawing/2014/main" id="{4001F33A-2A77-434F-8E4F-7FC4AD2D3775}"/>
+              </a:ext>
+            </a:extLst>
+          </p:cNvPr>
+          <p:cNvSpPr>
+            <a:spLocks noGrp="1"/>
+          </p:cNvSpPr>
+          <p:nvPr>
+            <p:ph type="title"/>
+          </p:nvPr>
+        </p:nvSpPr>
+        <p:spPr/>
+        <p:txBody>
+          <a:bodyPr/>
+          <a:lstStyle/>
+          <a:p>
+            <a:r>
+              <a:rPr lang="en-US" dirty="0"/>
+              <a:t>Speed difference is dramatic</a:t>
+            </a:r>
+          </a:p>
+        </p:txBody>
+      </p:sp>
+      <p:pic>
+        <p:nvPicPr>
+          <p:cNvPr id="9" name="Content Placeholder 8" descr="Graphical user interface&#10;&#10;Description automatically generated with low confidence">
+            <a:extLst>
+              <a:ext uri="{FF2B5EF4-FFF2-40B4-BE49-F238E27FC236}">
+                <a16:creationId xmlns:a16="http://schemas.microsoft.com/office/drawing/2014/main" id="{5E9EE94A-5A72-3D42-A9D6-DA80D8803DFB}"/>
+              </a:ext>
+            </a:extLst>
+          </p:cNvPr>
+          <p:cNvPicPr>
+            <a:picLocks noGrp="1" noChangeAspect="1"/>
+          </p:cNvPicPr>
+          <p:nvPr>
+            <p:ph idx="1"/>
+          </p:nvPr>
+        </p:nvPicPr>
+        <p:blipFill>
+          <a:blip r:embed="rId2"/>
+          <a:stretch>
+            <a:fillRect/>
+          </a:stretch>
+        </p:blipFill>
+        <p:spPr>
+          <a:xfrm>
+            <a:off x="850736" y="3762921"/>
+            <a:ext cx="8433105" cy="1488195"/>
+          </a:xfrm>
+        </p:spPr>
+      </p:pic>
+      <p:pic>
+        <p:nvPicPr>
+          <p:cNvPr id="11" name="Picture 10" descr="A picture containing table&#10;&#10;Description automatically generated">
+            <a:extLst>
+              <a:ext uri="{FF2B5EF4-FFF2-40B4-BE49-F238E27FC236}">
+                <a16:creationId xmlns:a16="http://schemas.microsoft.com/office/drawing/2014/main" id="{87208F27-0528-5D46-A050-E75180CC858E}"/>
+              </a:ext>
+            </a:extLst>
+          </p:cNvPr>
+          <p:cNvPicPr>
+            <a:picLocks noChangeAspect="1"/>
+          </p:cNvPicPr>
+          <p:nvPr/>
+        </p:nvPicPr>
+        <p:blipFill>
+          <a:blip r:embed="rId3"/>
+          <a:stretch>
+            <a:fillRect/>
+          </a:stretch>
+        </p:blipFill>
+        <p:spPr>
+          <a:xfrm>
+            <a:off x="838200" y="1690688"/>
+            <a:ext cx="8482712" cy="1455124"/>
+          </a:xfrm>
+          <a:prstGeom prst="rect">
+            <a:avLst/>
+          </a:prstGeom>
+        </p:spPr>
+      </p:pic>
+      <p:sp>
+        <p:nvSpPr>
+          <p:cNvPr id="12" name="Rectangle 11">
+            <a:extLst>
+              <a:ext uri="{FF2B5EF4-FFF2-40B4-BE49-F238E27FC236}">
+                <a16:creationId xmlns:a16="http://schemas.microsoft.com/office/drawing/2014/main" id="{E6CC60AB-434E-B440-A83A-4EDF57F0083A}"/>
+              </a:ext>
+            </a:extLst>
+          </p:cNvPr>
+          <p:cNvSpPr/>
+          <p:nvPr/>
+        </p:nvSpPr>
+        <p:spPr>
+          <a:xfrm>
+            <a:off x="2729920" y="2781661"/>
+            <a:ext cx="1088318" cy="364151"/>
+          </a:xfrm>
+          <a:prstGeom prst="rect">
+            <a:avLst/>
+          </a:prstGeom>
+          <a:noFill/>
+          <a:ln>
+            <a:solidFill>
+              <a:srgbClr val="E4754F"/>
+            </a:solidFill>
+          </a:ln>
+        </p:spPr>
+        <p:style>
+          <a:lnRef idx="2">
+            <a:schemeClr val="accent1">
+              <a:shade val="50000"/>
+            </a:schemeClr>
+          </a:lnRef>
+          <a:fillRef idx="1">
+            <a:schemeClr val="accent1"/>
+          </a:fillRef>
+          <a:effectRef idx="0">
+            <a:schemeClr val="accent1"/>
+          </a:effectRef>
+          <a:fontRef idx="minor">
+            <a:schemeClr val="lt1"/>
+          </a:fontRef>
+        </p:style>
+        <p:txBody>
+          <a:bodyPr rtlCol="0" anchor="ctr"/>
+          <a:lstStyle/>
+          <a:p>
+            <a:pPr algn="ctr"/>
+            <a:endParaRPr lang="en-US"/>
+          </a:p>
+        </p:txBody>
+      </p:sp>
+      <p:sp>
+        <p:nvSpPr>
+          <p:cNvPr id="13" name="Rectangle 12">
+            <a:extLst>
+              <a:ext uri="{FF2B5EF4-FFF2-40B4-BE49-F238E27FC236}">
+                <a16:creationId xmlns:a16="http://schemas.microsoft.com/office/drawing/2014/main" id="{14A8AE01-007A-9142-9322-B4AB40E6DB1A}"/>
+              </a:ext>
+            </a:extLst>
+          </p:cNvPr>
+          <p:cNvSpPr/>
+          <p:nvPr/>
+        </p:nvSpPr>
+        <p:spPr>
+          <a:xfrm>
+            <a:off x="2760810" y="4886965"/>
+            <a:ext cx="1032713" cy="364151"/>
+          </a:xfrm>
+          <a:prstGeom prst="rect">
+            <a:avLst/>
+          </a:prstGeom>
+          <a:noFill/>
+          <a:ln>
+            <a:solidFill>
+              <a:srgbClr val="E4754F"/>
+            </a:solidFill>
+          </a:ln>
+        </p:spPr>
+        <p:style>
+          <a:lnRef idx="2">
+            <a:schemeClr val="accent1">
+              <a:shade val="50000"/>
+            </a:schemeClr>
+          </a:lnRef>
+          <a:fillRef idx="1">
+            <a:schemeClr val="accent1"/>
+          </a:fillRef>
+          <a:effectRef idx="0">
+            <a:schemeClr val="accent1"/>
+          </a:effectRef>
+          <a:fontRef idx="minor">
+            <a:schemeClr val="lt1"/>
+          </a:fontRef>
+        </p:style>
+        <p:txBody>
+          <a:bodyPr rtlCol="0" anchor="ctr"/>
+          <a:lstStyle/>
+          <a:p>
+            <a:pPr algn="ctr"/>
+            <a:endParaRPr lang="en-US"/>
+          </a:p>
+        </p:txBody>
+      </p:sp>
+      <p:sp>
+        <p:nvSpPr>
+          <p:cNvPr id="14" name="TextBox 13">
+            <a:extLst>
+              <a:ext uri="{FF2B5EF4-FFF2-40B4-BE49-F238E27FC236}">
+                <a16:creationId xmlns:a16="http://schemas.microsoft.com/office/drawing/2014/main" id="{99555A83-3A39-214E-9755-EB8596DB63EA}"/>
+              </a:ext>
+            </a:extLst>
+          </p:cNvPr>
+          <p:cNvSpPr txBox="1"/>
+          <p:nvPr/>
+        </p:nvSpPr>
+        <p:spPr>
+          <a:xfrm>
+            <a:off x="776415" y="1422218"/>
+            <a:ext cx="877163" cy="369332"/>
+          </a:xfrm>
+          <a:prstGeom prst="rect">
+            <a:avLst/>
+          </a:prstGeom>
+          <a:noFill/>
+        </p:spPr>
+        <p:txBody>
+          <a:bodyPr wrap="none" rtlCol="0">
+            <a:spAutoFit/>
+          </a:bodyPr>
+          <a:lstStyle/>
+          <a:p>
+            <a:r>
+              <a:rPr lang="en-US" b="1" dirty="0"/>
+              <a:t>Linear</a:t>
+            </a:r>
+          </a:p>
+        </p:txBody>
+      </p:sp>
+      <p:sp>
+        <p:nvSpPr>
+          <p:cNvPr id="16" name="TextBox 15">
+            <a:extLst>
+              <a:ext uri="{FF2B5EF4-FFF2-40B4-BE49-F238E27FC236}">
+                <a16:creationId xmlns:a16="http://schemas.microsoft.com/office/drawing/2014/main" id="{3C6D02AC-066D-AF4A-9B39-3037D5668DF4}"/>
+              </a:ext>
+            </a:extLst>
+          </p:cNvPr>
+          <p:cNvSpPr txBox="1"/>
+          <p:nvPr/>
+        </p:nvSpPr>
+        <p:spPr>
+          <a:xfrm>
+            <a:off x="801129" y="3478247"/>
+            <a:ext cx="1287532" cy="369332"/>
+          </a:xfrm>
+          <a:prstGeom prst="rect">
+            <a:avLst/>
+          </a:prstGeom>
+          <a:noFill/>
+        </p:spPr>
+        <p:txBody>
+          <a:bodyPr wrap="none" rtlCol="0">
+            <a:spAutoFit/>
+          </a:bodyPr>
+          <a:lstStyle/>
+          <a:p>
+            <a:r>
+              <a:rPr lang="en-US" b="1" dirty="0" err="1"/>
+              <a:t>Hashtable</a:t>
+            </a:r>
+            <a:endParaRPr lang="en-US" b="1" dirty="0"/>
+          </a:p>
+        </p:txBody>
+      </p:sp>
+    </p:spTree>
+    <p:extLst>
+      <p:ext uri="{BB962C8B-B14F-4D97-AF65-F5344CB8AC3E}">
+        <p14:creationId xmlns:p14="http://schemas.microsoft.com/office/powerpoint/2010/main" val="1105624541"/>
+      </p:ext>
+    </p:extLst>
+  </p:cSld>
+  <p:clrMapOvr>
+    <a:masterClrMapping/>
+  </p:clrMapOvr>
+</p:sld>
+</file>
+
+<file path=ppt/slides/slide13.xml><?xml version="1.0" encoding="utf-8"?>
+<p:sld xmlns:a="http://schemas.openxmlformats.org/drawingml/2006/main" xmlns:r="http://schemas.openxmlformats.org/officeDocument/2006/relationships" xmlns:p="http://schemas.openxmlformats.org/presentationml/2006/main">
+  <p:cSld>
+    <p:spTree>
+      <p:nvGrpSpPr>
+        <p:cNvPr id="1" name=""/>
+        <p:cNvGrpSpPr/>
+        <p:nvPr/>
+      </p:nvGrpSpPr>
+      <p:grpSpPr>
+        <a:xfrm>
+          <a:off x="0" y="0"/>
+          <a:ext cx="0" cy="0"/>
+          <a:chOff x="0" y="0"/>
+          <a:chExt cx="0" cy="0"/>
+        </a:xfrm>
+      </p:grpSpPr>
+      <p:sp>
+        <p:nvSpPr>
+          <p:cNvPr id="2" name="Title 1">
+            <a:extLst>
+              <a:ext uri="{FF2B5EF4-FFF2-40B4-BE49-F238E27FC236}">
                 <a16:creationId xmlns:a16="http://schemas.microsoft.com/office/drawing/2014/main" id="{B7594FD9-C918-A147-BFBF-803D214199FC}"/>
               </a:ext>
             </a:extLst>
@@ -5009,7 +5247,7 @@
 </p:sld>
 </file>
 
-<file path=ppt/slides/slide13.xml><?xml version="1.0" encoding="utf-8"?>
+<file path=ppt/slides/slide14.xml><?xml version="1.0" encoding="utf-8"?>
 <p:sld xmlns:a="http://schemas.openxmlformats.org/drawingml/2006/main" xmlns:r="http://schemas.openxmlformats.org/officeDocument/2006/relationships" xmlns:p="http://schemas.openxmlformats.org/presentationml/2006/main">
   <p:cSld>
     <p:spTree>
@@ -5283,123 +5521,6 @@
 </p:sld>
 </file>
 
-<file path=ppt/slides/slide14.xml><?xml version="1.0" encoding="utf-8"?>
-<p:sld xmlns:a="http://schemas.openxmlformats.org/drawingml/2006/main" xmlns:r="http://schemas.openxmlformats.org/officeDocument/2006/relationships" xmlns:p="http://schemas.openxmlformats.org/presentationml/2006/main">
-  <p:cSld>
-    <p:spTree>
-      <p:nvGrpSpPr>
-        <p:cNvPr id="1" name=""/>
-        <p:cNvGrpSpPr/>
-        <p:nvPr/>
-      </p:nvGrpSpPr>
-      <p:grpSpPr>
-        <a:xfrm>
-          <a:off x="0" y="0"/>
-          <a:ext cx="0" cy="0"/>
-          <a:chOff x="0" y="0"/>
-          <a:chExt cx="0" cy="0"/>
-        </a:xfrm>
-      </p:grpSpPr>
-      <p:sp>
-        <p:nvSpPr>
-          <p:cNvPr id="2" name="Title 1">
-            <a:extLst>
-              <a:ext uri="{FF2B5EF4-FFF2-40B4-BE49-F238E27FC236}">
-                <a16:creationId xmlns:a16="http://schemas.microsoft.com/office/drawing/2014/main" id="{C012A76B-906D-0E47-9547-FF0F1FB35DC1}"/>
-              </a:ext>
-            </a:extLst>
-          </p:cNvPr>
-          <p:cNvSpPr>
-            <a:spLocks noGrp="1"/>
-          </p:cNvSpPr>
-          <p:nvPr>
-            <p:ph type="title"/>
-          </p:nvPr>
-        </p:nvSpPr>
-        <p:spPr/>
-        <p:txBody>
-          <a:bodyPr/>
-          <a:lstStyle/>
-          <a:p>
-            <a:r>
-              <a:rPr lang="en-US" dirty="0"/>
-              <a:t>Hashing strings</a:t>
-            </a:r>
-          </a:p>
-        </p:txBody>
-      </p:sp>
-      <p:pic>
-        <p:nvPicPr>
-          <p:cNvPr id="5" name="Content Placeholder 4" descr="Text&#10;&#10;Description automatically generated">
-            <a:extLst>
-              <a:ext uri="{FF2B5EF4-FFF2-40B4-BE49-F238E27FC236}">
-                <a16:creationId xmlns:a16="http://schemas.microsoft.com/office/drawing/2014/main" id="{196D17AD-7F87-614A-B4AB-EDBE5498F94A}"/>
-              </a:ext>
-            </a:extLst>
-          </p:cNvPr>
-          <p:cNvPicPr>
-            <a:picLocks noGrp="1" noChangeAspect="1"/>
-          </p:cNvPicPr>
-          <p:nvPr>
-            <p:ph idx="1"/>
-          </p:nvPr>
-        </p:nvPicPr>
-        <p:blipFill>
-          <a:blip r:embed="rId2"/>
-          <a:stretch>
-            <a:fillRect/>
-          </a:stretch>
-        </p:blipFill>
-        <p:spPr>
-          <a:xfrm>
-            <a:off x="819855" y="1690688"/>
-            <a:ext cx="5533772" cy="4563808"/>
-          </a:xfrm>
-        </p:spPr>
-      </p:pic>
-      <p:pic>
-        <p:nvPicPr>
-          <p:cNvPr id="6" name="Picture 5" descr="Diagram&#10;&#10;Description automatically generated">
-            <a:extLst>
-              <a:ext uri="{FF2B5EF4-FFF2-40B4-BE49-F238E27FC236}">
-                <a16:creationId xmlns:a16="http://schemas.microsoft.com/office/drawing/2014/main" id="{70D59760-B2E6-154C-92DC-02211E54C31D}"/>
-              </a:ext>
-            </a:extLst>
-          </p:cNvPr>
-          <p:cNvPicPr>
-            <a:picLocks noChangeAspect="1"/>
-          </p:cNvPicPr>
-          <p:nvPr/>
-        </p:nvPicPr>
-        <p:blipFill>
-          <a:blip r:embed="rId3"/>
-          <a:stretch>
-            <a:fillRect/>
-          </a:stretch>
-        </p:blipFill>
-        <p:spPr>
-          <a:xfrm>
-            <a:off x="7973568" y="0"/>
-            <a:ext cx="3791712" cy="6866401"/>
-          </a:xfrm>
-          <a:prstGeom prst="rect">
-            <a:avLst/>
-          </a:prstGeom>
-        </p:spPr>
-      </p:pic>
-    </p:spTree>
-    <p:extLst>
-      <p:ext uri="{BB962C8B-B14F-4D97-AF65-F5344CB8AC3E}">
-        <p14:creationId xmlns:p14="http://schemas.microsoft.com/office/powerpoint/2010/main" val="738935494"/>
-      </p:ext>
-    </p:extLst>
-  </p:cSld>
-  <p:clrMapOvr>
-    <a:masterClrMapping/>
-  </p:clrMapOvr>
-</p:sld>
-</file>
-
 <file path=ppt/slides/slide15.xml><?xml version="1.0" encoding="utf-8"?>
 <p:sld xmlns:a="http://schemas.openxmlformats.org/drawingml/2006/main" xmlns:r="http://schemas.openxmlformats.org/officeDocument/2006/relationships" xmlns:p="http://schemas.openxmlformats.org/presentationml/2006/main">
   <p:cSld>
@@ -5422,7 +5543,7 @@
           <p:cNvPr id="2" name="Title 1">
             <a:extLst>
               <a:ext uri="{FF2B5EF4-FFF2-40B4-BE49-F238E27FC236}">
-                <a16:creationId xmlns:a16="http://schemas.microsoft.com/office/drawing/2014/main" id="{4E09F26B-118C-C441-9F30-870D9186A979}"/>
+                <a16:creationId xmlns:a16="http://schemas.microsoft.com/office/drawing/2014/main" id="{C012A76B-906D-0E47-9547-FF0F1FB35DC1}"/>
               </a:ext>
             </a:extLst>
           </p:cNvPr>
@@ -5439,37 +5560,27 @@
           <a:lstStyle/>
           <a:p>
             <a:r>
-              <a:rPr lang="en-US" dirty="0" err="1"/>
-              <a:t>Hashtable</a:t>
-            </a:r>
-            <a:r>
-              <a:rPr lang="en-US" dirty="0"/>
-              <a:t> </a:t>
-            </a:r>
-            <a:r>
-              <a:rPr lang="en-US" dirty="0" err="1"/>
-              <a:t>impl</a:t>
-            </a:r>
-            <a:r>
-              <a:rPr lang="en-US" dirty="0"/>
-              <a:t>. differs only in buckets</a:t>
+              <a:rPr lang="en-US" dirty="0"/>
+              <a:t>Hashing strings</a:t>
             </a:r>
           </a:p>
         </p:txBody>
       </p:sp>
       <p:pic>
         <p:nvPicPr>
-          <p:cNvPr id="7" name="Picture 6" descr="Graphical user interface, text, application&#10;&#10;Description automatically generated">
-            <a:extLst>
-              <a:ext uri="{FF2B5EF4-FFF2-40B4-BE49-F238E27FC236}">
-                <a16:creationId xmlns:a16="http://schemas.microsoft.com/office/drawing/2014/main" id="{6D572C7D-B5F1-1E48-B389-5EF3158A52B8}"/>
+          <p:cNvPr id="5" name="Content Placeholder 4" descr="Text&#10;&#10;Description automatically generated">
+            <a:extLst>
+              <a:ext uri="{FF2B5EF4-FFF2-40B4-BE49-F238E27FC236}">
+                <a16:creationId xmlns:a16="http://schemas.microsoft.com/office/drawing/2014/main" id="{196D17AD-7F87-614A-B4AB-EDBE5498F94A}"/>
               </a:ext>
             </a:extLst>
           </p:cNvPr>
           <p:cNvPicPr>
-            <a:picLocks noChangeAspect="1"/>
+            <a:picLocks noGrp="1" noChangeAspect="1"/>
           </p:cNvPicPr>
-          <p:nvPr/>
+          <p:nvPr>
+            <p:ph idx="1"/>
+          </p:nvPr>
         </p:nvPicPr>
         <p:blipFill>
           <a:blip r:embed="rId2"/>
@@ -5479,29 +5590,24 @@
         </p:blipFill>
         <p:spPr>
           <a:xfrm>
-            <a:off x="838200" y="1539908"/>
-            <a:ext cx="6019800" cy="5232400"/>
-          </a:xfrm>
-          <a:prstGeom prst="rect">
-            <a:avLst/>
-          </a:prstGeom>
+            <a:off x="819855" y="1690688"/>
+            <a:ext cx="5533772" cy="4563808"/>
+          </a:xfrm>
         </p:spPr>
       </p:pic>
       <p:pic>
         <p:nvPicPr>
-          <p:cNvPr id="11" name="Content Placeholder 10" descr="Diagram&#10;&#10;Description automatically generated">
-            <a:extLst>
-              <a:ext uri="{FF2B5EF4-FFF2-40B4-BE49-F238E27FC236}">
-                <a16:creationId xmlns:a16="http://schemas.microsoft.com/office/drawing/2014/main" id="{38678652-E44C-8848-BAAC-25AEE7E58D05}"/>
+          <p:cNvPr id="6" name="Picture 5" descr="Diagram&#10;&#10;Description automatically generated">
+            <a:extLst>
+              <a:ext uri="{FF2B5EF4-FFF2-40B4-BE49-F238E27FC236}">
+                <a16:creationId xmlns:a16="http://schemas.microsoft.com/office/drawing/2014/main" id="{70D59760-B2E6-154C-92DC-02211E54C31D}"/>
               </a:ext>
             </a:extLst>
           </p:cNvPr>
           <p:cNvPicPr>
-            <a:picLocks noGrp="1" noChangeAspect="1"/>
+            <a:picLocks noChangeAspect="1"/>
           </p:cNvPicPr>
-          <p:nvPr>
-            <p:ph idx="1"/>
-          </p:nvPr>
+          <p:nvPr/>
         </p:nvPicPr>
         <p:blipFill>
           <a:blip r:embed="rId3"/>
@@ -5511,67 +5617,18 @@
         </p:blipFill>
         <p:spPr>
           <a:xfrm>
-            <a:off x="10338816" y="51085"/>
-            <a:ext cx="1854583" cy="6721223"/>
-          </a:xfrm>
-        </p:spPr>
-      </p:pic>
-      <p:sp>
-        <p:nvSpPr>
-          <p:cNvPr id="12" name="Rectangle 11">
-            <a:extLst>
-              <a:ext uri="{FF2B5EF4-FFF2-40B4-BE49-F238E27FC236}">
-                <a16:creationId xmlns:a16="http://schemas.microsoft.com/office/drawing/2014/main" id="{1C9A1997-C430-764B-9589-08A3FC49AB16}"/>
-              </a:ext>
-            </a:extLst>
-          </p:cNvPr>
-          <p:cNvSpPr/>
-          <p:nvPr/>
-        </p:nvSpPr>
-        <p:spPr>
-          <a:xfrm>
-            <a:off x="4519219" y="1895804"/>
-            <a:ext cx="1186637" cy="364151"/>
+            <a:off x="7973568" y="0"/>
+            <a:ext cx="3791712" cy="6866401"/>
           </a:xfrm>
           <a:prstGeom prst="rect">
             <a:avLst/>
           </a:prstGeom>
-          <a:noFill/>
-          <a:ln>
-            <a:solidFill>
-              <a:srgbClr val="E4754F"/>
-            </a:solidFill>
-          </a:ln>
-        </p:spPr>
-        <p:style>
-          <a:lnRef idx="2">
-            <a:schemeClr val="accent1">
-              <a:shade val="50000"/>
-            </a:schemeClr>
-          </a:lnRef>
-          <a:fillRef idx="1">
-            <a:schemeClr val="accent1"/>
-          </a:fillRef>
-          <a:effectRef idx="0">
-            <a:schemeClr val="accent1"/>
-          </a:effectRef>
-          <a:fontRef idx="minor">
-            <a:schemeClr val="lt1"/>
-          </a:fontRef>
-        </p:style>
-        <p:txBody>
-          <a:bodyPr rtlCol="0" anchor="ctr"/>
-          <a:lstStyle/>
-          <a:p>
-            <a:pPr algn="ctr"/>
-            <a:endParaRPr lang="en-US"/>
-          </a:p>
-        </p:txBody>
-      </p:sp>
+        </p:spPr>
+      </p:pic>
     </p:spTree>
     <p:extLst>
       <p:ext uri="{BB962C8B-B14F-4D97-AF65-F5344CB8AC3E}">
-        <p14:creationId xmlns:p14="http://schemas.microsoft.com/office/powerpoint/2010/main" val="2202882803"/>
+        <p14:creationId xmlns:p14="http://schemas.microsoft.com/office/powerpoint/2010/main" val="738935494"/>
       </p:ext>
     </p:extLst>
   </p:cSld>
@@ -5603,7 +5660,7 @@
           <p:cNvPr id="2" name="Title 1">
             <a:extLst>
               <a:ext uri="{FF2B5EF4-FFF2-40B4-BE49-F238E27FC236}">
-                <a16:creationId xmlns:a16="http://schemas.microsoft.com/office/drawing/2014/main" id="{BB35A892-9501-BA48-8E97-06EAD944CFB7}"/>
+                <a16:creationId xmlns:a16="http://schemas.microsoft.com/office/drawing/2014/main" id="{4E09F26B-118C-C441-9F30-870D9186A979}"/>
               </a:ext>
             </a:extLst>
           </p:cNvPr>
@@ -5620,56 +5677,139 @@
           <a:lstStyle/>
           <a:p>
             <a:r>
-              <a:rPr lang="en-US" dirty="0"/>
-              <a:t>An important implementation detail</a:t>
-            </a:r>
-          </a:p>
-        </p:txBody>
-      </p:sp>
-      <p:sp>
-        <p:nvSpPr>
-          <p:cNvPr id="3" name="Content Placeholder 2">
-            <a:extLst>
-              <a:ext uri="{FF2B5EF4-FFF2-40B4-BE49-F238E27FC236}">
-                <a16:creationId xmlns:a16="http://schemas.microsoft.com/office/drawing/2014/main" id="{78F12B98-08DA-1745-A384-7154C66B8289}"/>
-              </a:ext>
-            </a:extLst>
-          </p:cNvPr>
-          <p:cNvSpPr>
-            <a:spLocks noGrp="1"/>
-          </p:cNvSpPr>
+              <a:rPr lang="en-US" dirty="0" err="1"/>
+              <a:t>Hashtable</a:t>
+            </a:r>
+            <a:r>
+              <a:rPr lang="en-US" dirty="0"/>
+              <a:t> </a:t>
+            </a:r>
+            <a:r>
+              <a:rPr lang="en-US" dirty="0" err="1"/>
+              <a:t>impl</a:t>
+            </a:r>
+            <a:r>
+              <a:rPr lang="en-US" dirty="0"/>
+              <a:t>. differs only in buckets</a:t>
+            </a:r>
+          </a:p>
+        </p:txBody>
+      </p:sp>
+      <p:pic>
+        <p:nvPicPr>
+          <p:cNvPr id="7" name="Picture 6" descr="Graphical user interface, text, application&#10;&#10;Description automatically generated">
+            <a:extLst>
+              <a:ext uri="{FF2B5EF4-FFF2-40B4-BE49-F238E27FC236}">
+                <a16:creationId xmlns:a16="http://schemas.microsoft.com/office/drawing/2014/main" id="{6D572C7D-B5F1-1E48-B389-5EF3158A52B8}"/>
+              </a:ext>
+            </a:extLst>
+          </p:cNvPr>
+          <p:cNvPicPr>
+            <a:picLocks noChangeAspect="1"/>
+          </p:cNvPicPr>
+          <p:nvPr/>
+        </p:nvPicPr>
+        <p:blipFill>
+          <a:blip r:embed="rId2"/>
+          <a:stretch>
+            <a:fillRect/>
+          </a:stretch>
+        </p:blipFill>
+        <p:spPr>
+          <a:xfrm>
+            <a:off x="838200" y="1539908"/>
+            <a:ext cx="6019800" cy="5232400"/>
+          </a:xfrm>
+          <a:prstGeom prst="rect">
+            <a:avLst/>
+          </a:prstGeom>
+        </p:spPr>
+      </p:pic>
+      <p:pic>
+        <p:nvPicPr>
+          <p:cNvPr id="11" name="Content Placeholder 10" descr="Diagram&#10;&#10;Description automatically generated">
+            <a:extLst>
+              <a:ext uri="{FF2B5EF4-FFF2-40B4-BE49-F238E27FC236}">
+                <a16:creationId xmlns:a16="http://schemas.microsoft.com/office/drawing/2014/main" id="{38678652-E44C-8848-BAAC-25AEE7E58D05}"/>
+              </a:ext>
+            </a:extLst>
+          </p:cNvPr>
+          <p:cNvPicPr>
+            <a:picLocks noGrp="1" noChangeAspect="1"/>
+          </p:cNvPicPr>
           <p:nvPr>
             <p:ph idx="1"/>
           </p:nvPr>
-        </p:nvSpPr>
-        <p:spPr/>
-        <p:txBody>
-          <a:bodyPr/>
-          <a:lstStyle/>
-          <a:p>
-            <a:r>
-              <a:rPr lang="en-US" dirty="0"/>
-              <a:t>The hash function does not directly give the bucket index: it converts values to integers, then we make sure that the hash value fits into the table by doing modulo the number of buckets</a:t>
-            </a:r>
-          </a:p>
-          <a:p>
-            <a:r>
-              <a:rPr lang="en-US" dirty="0"/>
-              <a:t>For our int sets, the hash(x) is just x; the modulo 10 just puts it in one of 10 buckets</a:t>
-            </a:r>
-          </a:p>
-          <a:p>
-            <a:r>
-              <a:rPr lang="en-US" dirty="0"/>
-              <a:t>Same for strings; the hash(x) is in 0..25 but we could stick it into 10 buckets by taking modulo 10</a:t>
-            </a:r>
+        </p:nvPicPr>
+        <p:blipFill>
+          <a:blip r:embed="rId3"/>
+          <a:stretch>
+            <a:fillRect/>
+          </a:stretch>
+        </p:blipFill>
+        <p:spPr>
+          <a:xfrm>
+            <a:off x="10338816" y="51085"/>
+            <a:ext cx="1854583" cy="6721223"/>
+          </a:xfrm>
+        </p:spPr>
+      </p:pic>
+      <p:sp>
+        <p:nvSpPr>
+          <p:cNvPr id="12" name="Rectangle 11">
+            <a:extLst>
+              <a:ext uri="{FF2B5EF4-FFF2-40B4-BE49-F238E27FC236}">
+                <a16:creationId xmlns:a16="http://schemas.microsoft.com/office/drawing/2014/main" id="{1C9A1997-C430-764B-9589-08A3FC49AB16}"/>
+              </a:ext>
+            </a:extLst>
+          </p:cNvPr>
+          <p:cNvSpPr/>
+          <p:nvPr/>
+        </p:nvSpPr>
+        <p:spPr>
+          <a:xfrm>
+            <a:off x="4519219" y="1895804"/>
+            <a:ext cx="1186637" cy="364151"/>
+          </a:xfrm>
+          <a:prstGeom prst="rect">
+            <a:avLst/>
+          </a:prstGeom>
+          <a:noFill/>
+          <a:ln>
+            <a:solidFill>
+              <a:srgbClr val="E4754F"/>
+            </a:solidFill>
+          </a:ln>
+        </p:spPr>
+        <p:style>
+          <a:lnRef idx="2">
+            <a:schemeClr val="accent1">
+              <a:shade val="50000"/>
+            </a:schemeClr>
+          </a:lnRef>
+          <a:fillRef idx="1">
+            <a:schemeClr val="accent1"/>
+          </a:fillRef>
+          <a:effectRef idx="0">
+            <a:schemeClr val="accent1"/>
+          </a:effectRef>
+          <a:fontRef idx="minor">
+            <a:schemeClr val="lt1"/>
+          </a:fontRef>
+        </p:style>
+        <p:txBody>
+          <a:bodyPr rtlCol="0" anchor="ctr"/>
+          <a:lstStyle/>
+          <a:p>
+            <a:pPr algn="ctr"/>
+            <a:endParaRPr lang="en-US"/>
           </a:p>
         </p:txBody>
       </p:sp>
     </p:spTree>
     <p:extLst>
       <p:ext uri="{BB962C8B-B14F-4D97-AF65-F5344CB8AC3E}">
-        <p14:creationId xmlns:p14="http://schemas.microsoft.com/office/powerpoint/2010/main" val="1617867891"/>
+        <p14:creationId xmlns:p14="http://schemas.microsoft.com/office/powerpoint/2010/main" val="2202882803"/>
       </p:ext>
     </p:extLst>
   </p:cSld>
@@ -5701,7 +5841,7 @@
           <p:cNvPr id="2" name="Title 1">
             <a:extLst>
               <a:ext uri="{FF2B5EF4-FFF2-40B4-BE49-F238E27FC236}">
-                <a16:creationId xmlns:a16="http://schemas.microsoft.com/office/drawing/2014/main" id="{B1CD8883-F763-AF48-9A54-5ECC8959551C}"/>
+                <a16:creationId xmlns:a16="http://schemas.microsoft.com/office/drawing/2014/main" id="{BB35A892-9501-BA48-8E97-06EAD944CFB7}"/>
               </a:ext>
             </a:extLst>
           </p:cNvPr>
@@ -5719,7 +5859,7 @@
           <a:p>
             <a:r>
               <a:rPr lang="en-US" dirty="0"/>
-              <a:t>Hash vs bucket index</a:t>
+              <a:t>An important implementation detail</a:t>
             </a:r>
           </a:p>
         </p:txBody>
@@ -5729,7 +5869,7 @@
           <p:cNvPr id="3" name="Content Placeholder 2">
             <a:extLst>
               <a:ext uri="{FF2B5EF4-FFF2-40B4-BE49-F238E27FC236}">
-                <a16:creationId xmlns:a16="http://schemas.microsoft.com/office/drawing/2014/main" id="{5E4951AD-7579-D549-BDB4-09344205DA0D}"/>
+                <a16:creationId xmlns:a16="http://schemas.microsoft.com/office/drawing/2014/main" id="{78F12B98-08DA-1745-A384-7154C66B8289}"/>
               </a:ext>
             </a:extLst>
           </p:cNvPr>
@@ -5740,144 +5880,26 @@
             <p:ph idx="1"/>
           </p:nvPr>
         </p:nvSpPr>
-        <p:spPr>
-          <a:xfrm>
-            <a:off x="838200" y="1690688"/>
-            <a:ext cx="5701758" cy="4486275"/>
-          </a:xfrm>
-        </p:spPr>
+        <p:spPr/>
         <p:txBody>
           <a:bodyPr/>
           <a:lstStyle/>
           <a:p>
             <a:r>
               <a:rPr lang="en-US" dirty="0"/>
-              <a:t>Compute the hash and mod with the number of buckets we have</a:t>
-            </a:r>
-          </a:p>
-        </p:txBody>
-      </p:sp>
-      <p:pic>
-        <p:nvPicPr>
-          <p:cNvPr id="4" name="Picture 3" descr="Diagram&#10;&#10;Description automatically generated">
-            <a:extLst>
-              <a:ext uri="{FF2B5EF4-FFF2-40B4-BE49-F238E27FC236}">
-                <a16:creationId xmlns:a16="http://schemas.microsoft.com/office/drawing/2014/main" id="{39EEE41D-6B4A-D545-AF91-12E40F69474E}"/>
-              </a:ext>
-            </a:extLst>
-          </p:cNvPr>
-          <p:cNvPicPr>
-            <a:picLocks noChangeAspect="1"/>
-          </p:cNvPicPr>
-          <p:nvPr/>
-        </p:nvPicPr>
-        <p:blipFill>
-          <a:blip r:embed="rId2"/>
-          <a:stretch>
-            <a:fillRect/>
-          </a:stretch>
-        </p:blipFill>
-        <p:spPr>
-          <a:xfrm>
-            <a:off x="7270502" y="0"/>
-            <a:ext cx="4921498" cy="6858000"/>
-          </a:xfrm>
-          <a:prstGeom prst="rect">
-            <a:avLst/>
-          </a:prstGeom>
-        </p:spPr>
-      </p:pic>
-      <p:pic>
-        <p:nvPicPr>
-          <p:cNvPr id="6" name="Picture 5" descr="Text&#10;&#10;Description automatically generated">
-            <a:extLst>
-              <a:ext uri="{FF2B5EF4-FFF2-40B4-BE49-F238E27FC236}">
-                <a16:creationId xmlns:a16="http://schemas.microsoft.com/office/drawing/2014/main" id="{F8B5E3B4-1E97-AD49-88D8-B2DCC1CE263B}"/>
-              </a:ext>
-            </a:extLst>
-          </p:cNvPr>
-          <p:cNvPicPr>
-            <a:picLocks noChangeAspect="1"/>
-          </p:cNvPicPr>
-          <p:nvPr/>
-        </p:nvPicPr>
-        <p:blipFill>
-          <a:blip r:embed="rId3"/>
-          <a:stretch>
-            <a:fillRect/>
-          </a:stretch>
-        </p:blipFill>
-        <p:spPr>
-          <a:xfrm>
-            <a:off x="765555" y="2685765"/>
-            <a:ext cx="5847047" cy="3491198"/>
-          </a:xfrm>
-          <a:prstGeom prst="rect">
-            <a:avLst/>
-          </a:prstGeom>
-        </p:spPr>
-      </p:pic>
-      <p:pic>
-        <p:nvPicPr>
-          <p:cNvPr id="8" name="Picture 7">
-            <a:extLst>
-              <a:ext uri="{FF2B5EF4-FFF2-40B4-BE49-F238E27FC236}">
-                <a16:creationId xmlns:a16="http://schemas.microsoft.com/office/drawing/2014/main" id="{DFD5B87C-664B-E644-A0B5-6E4FF26915DB}"/>
-              </a:ext>
-            </a:extLst>
-          </p:cNvPr>
-          <p:cNvPicPr>
-            <a:picLocks noChangeAspect="1"/>
-          </p:cNvPicPr>
-          <p:nvPr/>
-        </p:nvPicPr>
-        <p:blipFill>
-          <a:blip r:embed="rId4"/>
-          <a:stretch>
-            <a:fillRect/>
-          </a:stretch>
-        </p:blipFill>
-        <p:spPr>
-          <a:xfrm>
-            <a:off x="2361183" y="6488668"/>
-            <a:ext cx="3939541" cy="369332"/>
-          </a:xfrm>
-          <a:prstGeom prst="rect">
-            <a:avLst/>
-          </a:prstGeom>
-        </p:spPr>
-      </p:pic>
-      <p:sp>
-        <p:nvSpPr>
-          <p:cNvPr id="9" name="TextBox 8">
-            <a:extLst>
-              <a:ext uri="{FF2B5EF4-FFF2-40B4-BE49-F238E27FC236}">
-                <a16:creationId xmlns:a16="http://schemas.microsoft.com/office/drawing/2014/main" id="{77B9345D-9215-B248-88A4-226F9EC38BF8}"/>
-              </a:ext>
-            </a:extLst>
-          </p:cNvPr>
-          <p:cNvSpPr txBox="1"/>
-          <p:nvPr/>
-        </p:nvSpPr>
-        <p:spPr>
-          <a:xfrm>
-            <a:off x="678682" y="6411206"/>
-            <a:ext cx="1691489" cy="461665"/>
-          </a:xfrm>
-          <a:prstGeom prst="rect">
-            <a:avLst/>
-          </a:prstGeom>
-          <a:noFill/>
-        </p:spPr>
-        <p:txBody>
-          <a:bodyPr wrap="none" rtlCol="0">
-            <a:spAutoFit/>
-          </a:bodyPr>
-          <a:lstStyle/>
-          <a:p>
-            <a:r>
-              <a:rPr lang="en-US" sz="2400" dirty="0"/>
-              <a:t>Previously:</a:t>
+              <a:t>The hash function does not directly give the bucket index: it converts values to integers, then we make sure that the hash value fits into the table by doing modulo the number of buckets</a:t>
+            </a:r>
+          </a:p>
+          <a:p>
+            <a:r>
+              <a:rPr lang="en-US" dirty="0"/>
+              <a:t>For our int sets, the hash(x) is just x; the modulo 10 just puts it in one of 10 buckets</a:t>
+            </a:r>
+          </a:p>
+          <a:p>
+            <a:r>
+              <a:rPr lang="en-US" dirty="0"/>
+              <a:t>Same for strings; the hash(x) is in 0..25 but we could stick it into 10 buckets by taking modulo 10</a:t>
             </a:r>
           </a:p>
         </p:txBody>
@@ -5885,7 +5907,7 @@
     </p:spTree>
     <p:extLst>
       <p:ext uri="{BB962C8B-B14F-4D97-AF65-F5344CB8AC3E}">
-        <p14:creationId xmlns:p14="http://schemas.microsoft.com/office/powerpoint/2010/main" val="3550157166"/>
+        <p14:creationId xmlns:p14="http://schemas.microsoft.com/office/powerpoint/2010/main" val="1617867891"/>
       </p:ext>
     </p:extLst>
   </p:cSld>
@@ -5917,7 +5939,7 @@
           <p:cNvPr id="2" name="Title 1">
             <a:extLst>
               <a:ext uri="{FF2B5EF4-FFF2-40B4-BE49-F238E27FC236}">
-                <a16:creationId xmlns:a16="http://schemas.microsoft.com/office/drawing/2014/main" id="{B464B41D-85F5-324B-83D1-D4CEB4F27FAA}"/>
+                <a16:creationId xmlns:a16="http://schemas.microsoft.com/office/drawing/2014/main" id="{B1CD8883-F763-AF48-9A54-5ECC8959551C}"/>
               </a:ext>
             </a:extLst>
           </p:cNvPr>
@@ -5935,7 +5957,7 @@
           <a:p>
             <a:r>
               <a:rPr lang="en-US" dirty="0"/>
-              <a:t>How much faster are hash tables?</a:t>
+              <a:t>Hash vs bucket index</a:t>
             </a:r>
           </a:p>
         </p:txBody>
@@ -5945,7 +5967,7 @@
           <p:cNvPr id="3" name="Content Placeholder 2">
             <a:extLst>
               <a:ext uri="{FF2B5EF4-FFF2-40B4-BE49-F238E27FC236}">
-                <a16:creationId xmlns:a16="http://schemas.microsoft.com/office/drawing/2014/main" id="{5434B85F-F81D-FA4B-9305-D67B49BFCD46}"/>
+                <a16:creationId xmlns:a16="http://schemas.microsoft.com/office/drawing/2014/main" id="{5E4951AD-7579-D549-BDB4-09344205DA0D}"/>
               </a:ext>
             </a:extLst>
           </p:cNvPr>
@@ -5956,129 +5978,152 @@
             <p:ph idx="1"/>
           </p:nvPr>
         </p:nvSpPr>
-        <p:spPr/>
+        <p:spPr>
+          <a:xfrm>
+            <a:off x="838200" y="1690688"/>
+            <a:ext cx="5701758" cy="4486275"/>
+          </a:xfrm>
+        </p:spPr>
         <p:txBody>
           <a:bodyPr/>
           <a:lstStyle/>
           <a:p>
             <a:r>
               <a:rPr lang="en-US" dirty="0"/>
-              <a:t>With a uniform distribution, we would expect roughly </a:t>
-            </a:r>
-            <a:r>
-              <a:rPr lang="en-US" i="1" dirty="0"/>
-              <a:t>N</a:t>
-            </a:r>
-            <a:r>
-              <a:rPr lang="en-US" dirty="0"/>
-              <a:t>/</a:t>
-            </a:r>
-            <a:r>
-              <a:rPr lang="en-US" i="1" dirty="0"/>
-              <a:t>B</a:t>
-            </a:r>
-            <a:r>
-              <a:rPr lang="en-US" dirty="0"/>
-              <a:t> associations in each bucket for </a:t>
-            </a:r>
-            <a:r>
-              <a:rPr lang="en-US" i="1" dirty="0"/>
-              <a:t>B</a:t>
-            </a:r>
-            <a:r>
-              <a:rPr lang="en-US" dirty="0"/>
-              <a:t> buckets and </a:t>
-            </a:r>
-            <a:r>
-              <a:rPr lang="en-US" i="1" dirty="0"/>
-              <a:t>N</a:t>
-            </a:r>
-            <a:r>
-              <a:rPr lang="en-US" dirty="0"/>
-              <a:t> total elements in the dictionary</a:t>
-            </a:r>
-          </a:p>
-          <a:p>
-            <a:r>
-              <a:rPr lang="en-US"/>
-              <a:t>A </a:t>
-            </a:r>
-            <a:r>
-              <a:rPr lang="en-US" dirty="0"/>
-              <a:t>complexity of </a:t>
-            </a:r>
-            <a:r>
-              <a:rPr lang="en-US" i="1" dirty="0"/>
-              <a:t>N</a:t>
-            </a:r>
-            <a:r>
-              <a:rPr lang="en-US" dirty="0"/>
-              <a:t>/</a:t>
-            </a:r>
-            <a:r>
-              <a:rPr lang="en-US" i="1" dirty="0"/>
-              <a:t>B</a:t>
-            </a:r>
-            <a:r>
-              <a:rPr lang="en-US" dirty="0"/>
-              <a:t> is much better than </a:t>
-            </a:r>
-            <a:r>
-              <a:rPr lang="en-US" i="1" dirty="0"/>
-              <a:t>N</a:t>
-            </a:r>
-            <a:r>
-              <a:rPr lang="en-US" dirty="0"/>
-              <a:t> and, with sufficiently large </a:t>
-            </a:r>
-            <a:r>
-              <a:rPr lang="en-US" i="1" dirty="0"/>
-              <a:t>B</a:t>
-            </a:r>
-            <a:r>
-              <a:rPr lang="en-US" dirty="0"/>
-              <a:t>, we would say that </a:t>
-            </a:r>
-            <a:r>
-              <a:rPr lang="en-US" i="1" dirty="0"/>
-              <a:t>N</a:t>
-            </a:r>
-            <a:r>
-              <a:rPr lang="en-US" dirty="0"/>
-              <a:t>/</a:t>
-            </a:r>
-            <a:r>
-              <a:rPr lang="en-US" i="1" dirty="0"/>
-              <a:t>B</a:t>
-            </a:r>
-            <a:r>
-              <a:rPr lang="en-US" dirty="0"/>
-              <a:t> approaches 1, giving complexity </a:t>
-            </a:r>
-            <a:r>
-              <a:rPr lang="en-US" i="1" dirty="0"/>
-              <a:t>O(1)</a:t>
-            </a:r>
-            <a:r>
-              <a:rPr lang="en-US" dirty="0"/>
-              <a:t> versus </a:t>
-            </a:r>
-            <a:r>
-              <a:rPr lang="en-US" i="1" dirty="0"/>
-              <a:t>O(</a:t>
-            </a:r>
-            <a:r>
-              <a:rPr lang="en-US" i="1"/>
-              <a:t>n)</a:t>
-            </a:r>
-            <a:endParaRPr lang="en-US" dirty="0"/>
+              <a:t>Compute the hash and mod with the number of buckets we have</a:t>
+            </a:r>
+          </a:p>
+        </p:txBody>
+      </p:sp>
+      <p:pic>
+        <p:nvPicPr>
+          <p:cNvPr id="4" name="Picture 3" descr="Diagram&#10;&#10;Description automatically generated">
+            <a:extLst>
+              <a:ext uri="{FF2B5EF4-FFF2-40B4-BE49-F238E27FC236}">
+                <a16:creationId xmlns:a16="http://schemas.microsoft.com/office/drawing/2014/main" id="{39EEE41D-6B4A-D545-AF91-12E40F69474E}"/>
+              </a:ext>
+            </a:extLst>
+          </p:cNvPr>
+          <p:cNvPicPr>
+            <a:picLocks noChangeAspect="1"/>
+          </p:cNvPicPr>
+          <p:nvPr/>
+        </p:nvPicPr>
+        <p:blipFill>
+          <a:blip r:embed="rId2"/>
+          <a:stretch>
+            <a:fillRect/>
+          </a:stretch>
+        </p:blipFill>
+        <p:spPr>
+          <a:xfrm>
+            <a:off x="7270502" y="0"/>
+            <a:ext cx="4921498" cy="6858000"/>
+          </a:xfrm>
+          <a:prstGeom prst="rect">
+            <a:avLst/>
+          </a:prstGeom>
+        </p:spPr>
+      </p:pic>
+      <p:pic>
+        <p:nvPicPr>
+          <p:cNvPr id="6" name="Picture 5" descr="Text&#10;&#10;Description automatically generated">
+            <a:extLst>
+              <a:ext uri="{FF2B5EF4-FFF2-40B4-BE49-F238E27FC236}">
+                <a16:creationId xmlns:a16="http://schemas.microsoft.com/office/drawing/2014/main" id="{F8B5E3B4-1E97-AD49-88D8-B2DCC1CE263B}"/>
+              </a:ext>
+            </a:extLst>
+          </p:cNvPr>
+          <p:cNvPicPr>
+            <a:picLocks noChangeAspect="1"/>
+          </p:cNvPicPr>
+          <p:nvPr/>
+        </p:nvPicPr>
+        <p:blipFill>
+          <a:blip r:embed="rId3"/>
+          <a:stretch>
+            <a:fillRect/>
+          </a:stretch>
+        </p:blipFill>
+        <p:spPr>
+          <a:xfrm>
+            <a:off x="765555" y="2685765"/>
+            <a:ext cx="5847047" cy="3491198"/>
+          </a:xfrm>
+          <a:prstGeom prst="rect">
+            <a:avLst/>
+          </a:prstGeom>
+        </p:spPr>
+      </p:pic>
+      <p:pic>
+        <p:nvPicPr>
+          <p:cNvPr id="8" name="Picture 7">
+            <a:extLst>
+              <a:ext uri="{FF2B5EF4-FFF2-40B4-BE49-F238E27FC236}">
+                <a16:creationId xmlns:a16="http://schemas.microsoft.com/office/drawing/2014/main" id="{DFD5B87C-664B-E644-A0B5-6E4FF26915DB}"/>
+              </a:ext>
+            </a:extLst>
+          </p:cNvPr>
+          <p:cNvPicPr>
+            <a:picLocks noChangeAspect="1"/>
+          </p:cNvPicPr>
+          <p:nvPr/>
+        </p:nvPicPr>
+        <p:blipFill>
+          <a:blip r:embed="rId4"/>
+          <a:stretch>
+            <a:fillRect/>
+          </a:stretch>
+        </p:blipFill>
+        <p:spPr>
+          <a:xfrm>
+            <a:off x="2361183" y="6488668"/>
+            <a:ext cx="3939541" cy="369332"/>
+          </a:xfrm>
+          <a:prstGeom prst="rect">
+            <a:avLst/>
+          </a:prstGeom>
+        </p:spPr>
+      </p:pic>
+      <p:sp>
+        <p:nvSpPr>
+          <p:cNvPr id="9" name="TextBox 8">
+            <a:extLst>
+              <a:ext uri="{FF2B5EF4-FFF2-40B4-BE49-F238E27FC236}">
+                <a16:creationId xmlns:a16="http://schemas.microsoft.com/office/drawing/2014/main" id="{77B9345D-9215-B248-88A4-226F9EC38BF8}"/>
+              </a:ext>
+            </a:extLst>
+          </p:cNvPr>
+          <p:cNvSpPr txBox="1"/>
+          <p:nvPr/>
+        </p:nvSpPr>
+        <p:spPr>
+          <a:xfrm>
+            <a:off x="678682" y="6411206"/>
+            <a:ext cx="1691489" cy="461665"/>
+          </a:xfrm>
+          <a:prstGeom prst="rect">
+            <a:avLst/>
+          </a:prstGeom>
+          <a:noFill/>
+        </p:spPr>
+        <p:txBody>
+          <a:bodyPr wrap="none" rtlCol="0">
+            <a:spAutoFit/>
+          </a:bodyPr>
+          <a:lstStyle/>
+          <a:p>
+            <a:r>
+              <a:rPr lang="en-US" sz="2400" dirty="0"/>
+              <a:t>Previously:</a:t>
+            </a:r>
           </a:p>
         </p:txBody>
       </p:sp>
     </p:spTree>
     <p:extLst>
       <p:ext uri="{BB962C8B-B14F-4D97-AF65-F5344CB8AC3E}">
-        <p14:creationId xmlns:p14="http://schemas.microsoft.com/office/powerpoint/2010/main" val="1528358259"/>
+        <p14:creationId xmlns:p14="http://schemas.microsoft.com/office/powerpoint/2010/main" val="3550157166"/>
       </p:ext>
     </p:extLst>
   </p:cSld>
@@ -6110,7 +6155,7 @@
           <p:cNvPr id="2" name="Title 1">
             <a:extLst>
               <a:ext uri="{FF2B5EF4-FFF2-40B4-BE49-F238E27FC236}">
-                <a16:creationId xmlns:a16="http://schemas.microsoft.com/office/drawing/2014/main" id="{5C9B75B0-25FB-8B47-A57D-09838D520D69}"/>
+                <a16:creationId xmlns:a16="http://schemas.microsoft.com/office/drawing/2014/main" id="{B464B41D-85F5-324B-83D1-D4CEB4F27FAA}"/>
               </a:ext>
             </a:extLst>
           </p:cNvPr>
@@ -6128,25 +6173,25 @@
           <a:p>
             <a:r>
               <a:rPr lang="en-US" dirty="0"/>
-              <a:t>Dictionary implementations</a:t>
-            </a:r>
-          </a:p>
-        </p:txBody>
-      </p:sp>
-      <p:sp>
-        <p:nvSpPr>
-          <p:cNvPr id="3" name="Text Placeholder 2">
-            <a:extLst>
-              <a:ext uri="{FF2B5EF4-FFF2-40B4-BE49-F238E27FC236}">
-                <a16:creationId xmlns:a16="http://schemas.microsoft.com/office/drawing/2014/main" id="{B44393FA-9501-4D4F-AD7F-4E2BF7D671CD}"/>
-              </a:ext>
-            </a:extLst>
-          </p:cNvPr>
-          <p:cNvSpPr>
-            <a:spLocks noGrp="1"/>
-          </p:cNvSpPr>
-          <p:nvPr>
-            <p:ph type="body" idx="1"/>
+              <a:t>How much faster are hash tables?</a:t>
+            </a:r>
+          </a:p>
+        </p:txBody>
+      </p:sp>
+      <p:sp>
+        <p:nvSpPr>
+          <p:cNvPr id="3" name="Content Placeholder 2">
+            <a:extLst>
+              <a:ext uri="{FF2B5EF4-FFF2-40B4-BE49-F238E27FC236}">
+                <a16:creationId xmlns:a16="http://schemas.microsoft.com/office/drawing/2014/main" id="{5434B85F-F81D-FA4B-9305-D67B49BFCD46}"/>
+              </a:ext>
+            </a:extLst>
+          </p:cNvPr>
+          <p:cNvSpPr>
+            <a:spLocks noGrp="1"/>
+          </p:cNvSpPr>
+          <p:nvPr>
+            <p:ph idx="1"/>
           </p:nvPr>
         </p:nvSpPr>
         <p:spPr/>
@@ -6154,14 +6199,124 @@
           <a:bodyPr/>
           <a:lstStyle/>
           <a:p>
-            <a:endParaRPr lang="en-US"/>
+            <a:r>
+              <a:rPr lang="en-US" dirty="0"/>
+              <a:t>With a uniform distribution, we would expect roughly </a:t>
+            </a:r>
+            <a:r>
+              <a:rPr lang="en-US" i="1" dirty="0"/>
+              <a:t>N</a:t>
+            </a:r>
+            <a:r>
+              <a:rPr lang="en-US" dirty="0"/>
+              <a:t>/</a:t>
+            </a:r>
+            <a:r>
+              <a:rPr lang="en-US" i="1" dirty="0"/>
+              <a:t>B</a:t>
+            </a:r>
+            <a:r>
+              <a:rPr lang="en-US" dirty="0"/>
+              <a:t> associations in each bucket for </a:t>
+            </a:r>
+            <a:r>
+              <a:rPr lang="en-US" i="1" dirty="0"/>
+              <a:t>B</a:t>
+            </a:r>
+            <a:r>
+              <a:rPr lang="en-US" dirty="0"/>
+              <a:t> buckets and </a:t>
+            </a:r>
+            <a:r>
+              <a:rPr lang="en-US" i="1" dirty="0"/>
+              <a:t>N</a:t>
+            </a:r>
+            <a:r>
+              <a:rPr lang="en-US" dirty="0"/>
+              <a:t> total elements in the dictionary</a:t>
+            </a:r>
+          </a:p>
+          <a:p>
+            <a:r>
+              <a:rPr lang="en-US"/>
+              <a:t>A </a:t>
+            </a:r>
+            <a:r>
+              <a:rPr lang="en-US" dirty="0"/>
+              <a:t>complexity of </a:t>
+            </a:r>
+            <a:r>
+              <a:rPr lang="en-US" i="1" dirty="0"/>
+              <a:t>N</a:t>
+            </a:r>
+            <a:r>
+              <a:rPr lang="en-US" dirty="0"/>
+              <a:t>/</a:t>
+            </a:r>
+            <a:r>
+              <a:rPr lang="en-US" i="1" dirty="0"/>
+              <a:t>B</a:t>
+            </a:r>
+            <a:r>
+              <a:rPr lang="en-US" dirty="0"/>
+              <a:t> is much better than </a:t>
+            </a:r>
+            <a:r>
+              <a:rPr lang="en-US" i="1" dirty="0"/>
+              <a:t>N</a:t>
+            </a:r>
+            <a:r>
+              <a:rPr lang="en-US" dirty="0"/>
+              <a:t> and, with sufficiently large </a:t>
+            </a:r>
+            <a:r>
+              <a:rPr lang="en-US" i="1" dirty="0"/>
+              <a:t>B</a:t>
+            </a:r>
+            <a:r>
+              <a:rPr lang="en-US" dirty="0"/>
+              <a:t>, we would say that </a:t>
+            </a:r>
+            <a:r>
+              <a:rPr lang="en-US" i="1" dirty="0"/>
+              <a:t>N</a:t>
+            </a:r>
+            <a:r>
+              <a:rPr lang="en-US" dirty="0"/>
+              <a:t>/</a:t>
+            </a:r>
+            <a:r>
+              <a:rPr lang="en-US" i="1" dirty="0"/>
+              <a:t>B</a:t>
+            </a:r>
+            <a:r>
+              <a:rPr lang="en-US" dirty="0"/>
+              <a:t> approaches 1, giving complexity </a:t>
+            </a:r>
+            <a:r>
+              <a:rPr lang="en-US" i="1" dirty="0"/>
+              <a:t>O(1)</a:t>
+            </a:r>
+            <a:r>
+              <a:rPr lang="en-US" dirty="0"/>
+              <a:t> versus </a:t>
+            </a:r>
+            <a:r>
+              <a:rPr lang="en-US" i="1" dirty="0"/>
+              <a:t>O(</a:t>
+            </a:r>
+            <a:r>
+              <a:rPr lang="en-US" i="1"/>
+              <a:t>n)</a:t>
+            </a:r>
+            <a:endParaRPr lang="en-US" dirty="0"/>
           </a:p>
         </p:txBody>
       </p:sp>
     </p:spTree>
     <p:extLst>
       <p:ext uri="{BB962C8B-B14F-4D97-AF65-F5344CB8AC3E}">
-        <p14:creationId xmlns:p14="http://schemas.microsoft.com/office/powerpoint/2010/main" val="532260446"/>
+        <p14:creationId xmlns:p14="http://schemas.microsoft.com/office/powerpoint/2010/main" val="1528358259"/>
       </p:ext>
     </p:extLst>
   </p:cSld>
@@ -6193,7 +6348,7 @@
           <p:cNvPr id="2" name="Title 1">
             <a:extLst>
               <a:ext uri="{FF2B5EF4-FFF2-40B4-BE49-F238E27FC236}">
-                <a16:creationId xmlns:a16="http://schemas.microsoft.com/office/drawing/2014/main" id="{221D08A9-AE0C-E84A-AEC4-0385B0C3EC50}"/>
+                <a16:creationId xmlns:a16="http://schemas.microsoft.com/office/drawing/2014/main" id="{5376ED65-3CC2-7C44-8CF0-2C2C8A595F1E}"/>
               </a:ext>
             </a:extLst>
           </p:cNvPr>
@@ -6211,7 +6366,7 @@
           <a:p>
             <a:r>
               <a:rPr lang="en-US" dirty="0"/>
-              <a:t>How to search big collections quickly</a:t>
+              <a:t>Speed matters</a:t>
             </a:r>
           </a:p>
         </p:txBody>
@@ -6221,7 +6376,7 @@
           <p:cNvPr id="3" name="Content Placeholder 2">
             <a:extLst>
               <a:ext uri="{FF2B5EF4-FFF2-40B4-BE49-F238E27FC236}">
-                <a16:creationId xmlns:a16="http://schemas.microsoft.com/office/drawing/2014/main" id="{7CD78354-1156-E142-A724-EABF531052BD}"/>
+                <a16:creationId xmlns:a16="http://schemas.microsoft.com/office/drawing/2014/main" id="{F69920CA-2E07-744B-A111-4EDB455303DB}"/>
               </a:ext>
             </a:extLst>
           </p:cNvPr>
@@ -6238,56 +6393,27 @@
           <a:lstStyle/>
           <a:p>
             <a:r>
-              <a:rPr lang="en-US" i="1" dirty="0" err="1"/>
-              <a:t>Hashtables</a:t>
-            </a:r>
-            <a:r>
-              <a:rPr lang="en-US" dirty="0"/>
-              <a:t> are data structures that efficiently implement search/lookup operations for sets and dictionaries</a:t>
-            </a:r>
-          </a:p>
-          <a:p>
-            <a:r>
-              <a:rPr lang="en-US" dirty="0"/>
-              <a:t>Sets and dictionaries are abstract data structures, </a:t>
-            </a:r>
-            <a:r>
-              <a:rPr lang="en-US" dirty="0" err="1"/>
-              <a:t>hashtables</a:t>
-            </a:r>
-            <a:r>
-              <a:rPr lang="en-US" dirty="0"/>
-              <a:t> are concrete implementations of those structures</a:t>
-            </a:r>
-          </a:p>
-          <a:p>
-            <a:r>
-              <a:rPr lang="en-US" dirty="0"/>
-              <a:t>Simple lists of elements and lists of tuples work but are slow</a:t>
-            </a:r>
-          </a:p>
-          <a:p>
-            <a:r>
-              <a:rPr lang="en-US" dirty="0" err="1"/>
-              <a:t>Hashtable’s</a:t>
-            </a:r>
-            <a:r>
-              <a:rPr lang="en-US" dirty="0"/>
-              <a:t> </a:t>
-            </a:r>
-            <a:r>
-              <a:rPr lang="en-US" b="1" dirty="0"/>
-              <a:t>key idea</a:t>
-            </a:r>
-            <a:r>
-              <a:rPr lang="en-US" dirty="0"/>
-              <a:t>: partition the search space into well-defined regions so we don’t have to search linearly through the entire collection to find an element</a:t>
-            </a:r>
-          </a:p>
-          <a:p>
-            <a:r>
-              <a:rPr lang="en-US" dirty="0"/>
-              <a:t>We use a (hash) function of the values to partition into buckets</a:t>
+              <a:rPr lang="en-US" dirty="0"/>
+              <a:t>In data science, data sets are often very large</a:t>
+            </a:r>
+          </a:p>
+          <a:p>
+            <a:r>
+              <a:rPr lang="en-US" dirty="0"/>
+              <a:t>Being able to find elements of interest quickly is more challenging in this environment</a:t>
+            </a:r>
+          </a:p>
+          <a:p>
+            <a:r>
+              <a:rPr lang="en-US"/>
+              <a:t>Searching through all elements can be prohibitively slow</a:t>
+            </a:r>
+            <a:endParaRPr lang="en-US" dirty="0"/>
+          </a:p>
+          <a:p>
+            <a:r>
+              <a:rPr lang="en-US" dirty="0"/>
+              <a:t>We will need to trade some increased complexity and data structure set up time for increased look up speed</a:t>
             </a:r>
           </a:p>
         </p:txBody>
@@ -6295,7 +6421,7 @@
     </p:spTree>
     <p:extLst>
       <p:ext uri="{BB962C8B-B14F-4D97-AF65-F5344CB8AC3E}">
-        <p14:creationId xmlns:p14="http://schemas.microsoft.com/office/powerpoint/2010/main" val="107017084"/>
+        <p14:creationId xmlns:p14="http://schemas.microsoft.com/office/powerpoint/2010/main" val="2917087420"/>
       </p:ext>
     </p:extLst>
   </p:cSld>
@@ -6306,6 +6432,89 @@
 </file>
 
 <file path=ppt/slides/slide20.xml><?xml version="1.0" encoding="utf-8"?>
+<p:sld xmlns:a="http://schemas.openxmlformats.org/drawingml/2006/main" xmlns:r="http://schemas.openxmlformats.org/officeDocument/2006/relationships" xmlns:p="http://schemas.openxmlformats.org/presentationml/2006/main">
+  <p:cSld>
+    <p:spTree>
+      <p:nvGrpSpPr>
+        <p:cNvPr id="1" name=""/>
+        <p:cNvGrpSpPr/>
+        <p:nvPr/>
+      </p:nvGrpSpPr>
+      <p:grpSpPr>
+        <a:xfrm>
+          <a:off x="0" y="0"/>
+          <a:ext cx="0" cy="0"/>
+          <a:chOff x="0" y="0"/>
+          <a:chExt cx="0" cy="0"/>
+        </a:xfrm>
+      </p:grpSpPr>
+      <p:sp>
+        <p:nvSpPr>
+          <p:cNvPr id="2" name="Title 1">
+            <a:extLst>
+              <a:ext uri="{FF2B5EF4-FFF2-40B4-BE49-F238E27FC236}">
+                <a16:creationId xmlns:a16="http://schemas.microsoft.com/office/drawing/2014/main" id="{5C9B75B0-25FB-8B47-A57D-09838D520D69}"/>
+              </a:ext>
+            </a:extLst>
+          </p:cNvPr>
+          <p:cNvSpPr>
+            <a:spLocks noGrp="1"/>
+          </p:cNvSpPr>
+          <p:nvPr>
+            <p:ph type="title"/>
+          </p:nvPr>
+        </p:nvSpPr>
+        <p:spPr/>
+        <p:txBody>
+          <a:bodyPr/>
+          <a:lstStyle/>
+          <a:p>
+            <a:r>
+              <a:rPr lang="en-US" dirty="0"/>
+              <a:t>Dictionary implementations</a:t>
+            </a:r>
+          </a:p>
+        </p:txBody>
+      </p:sp>
+      <p:sp>
+        <p:nvSpPr>
+          <p:cNvPr id="3" name="Text Placeholder 2">
+            <a:extLst>
+              <a:ext uri="{FF2B5EF4-FFF2-40B4-BE49-F238E27FC236}">
+                <a16:creationId xmlns:a16="http://schemas.microsoft.com/office/drawing/2014/main" id="{B44393FA-9501-4D4F-AD7F-4E2BF7D671CD}"/>
+              </a:ext>
+            </a:extLst>
+          </p:cNvPr>
+          <p:cNvSpPr>
+            <a:spLocks noGrp="1"/>
+          </p:cNvSpPr>
+          <p:nvPr>
+            <p:ph type="body" idx="1"/>
+          </p:nvPr>
+        </p:nvSpPr>
+        <p:spPr/>
+        <p:txBody>
+          <a:bodyPr/>
+          <a:lstStyle/>
+          <a:p>
+            <a:endParaRPr lang="en-US"/>
+          </a:p>
+        </p:txBody>
+      </p:sp>
+    </p:spTree>
+    <p:extLst>
+      <p:ext uri="{BB962C8B-B14F-4D97-AF65-F5344CB8AC3E}">
+        <p14:creationId xmlns:p14="http://schemas.microsoft.com/office/powerpoint/2010/main" val="532260446"/>
+      </p:ext>
+    </p:extLst>
+  </p:cSld>
+  <p:clrMapOvr>
+    <a:masterClrMapping/>
+  </p:clrMapOvr>
+</p:sld>
+</file>
+
+<file path=ppt/slides/slide21.xml><?xml version="1.0" encoding="utf-8"?>
 <p:sld xmlns:a="http://schemas.openxmlformats.org/drawingml/2006/main" xmlns:r="http://schemas.openxmlformats.org/officeDocument/2006/relationships" xmlns:p="http://schemas.openxmlformats.org/presentationml/2006/main">
   <p:cSld>
     <p:spTree>
@@ -6606,7 +6815,7 @@
 </p:sld>
 </file>
 
-<file path=ppt/slides/slide21.xml><?xml version="1.0" encoding="utf-8"?>
+<file path=ppt/slides/slide22.xml><?xml version="1.0" encoding="utf-8"?>
 <p:sld xmlns:a="http://schemas.openxmlformats.org/drawingml/2006/main" xmlns:r="http://schemas.openxmlformats.org/officeDocument/2006/relationships" xmlns:p="http://schemas.openxmlformats.org/presentationml/2006/main">
   <p:cSld>
     <p:spTree>
@@ -6733,7 +6942,7 @@
 </p:sld>
 </file>
 
-<file path=ppt/slides/slide22.xml><?xml version="1.0" encoding="utf-8"?>
+<file path=ppt/slides/slide23.xml><?xml version="1.0" encoding="utf-8"?>
 <p:sld xmlns:a="http://schemas.openxmlformats.org/drawingml/2006/main" xmlns:r="http://schemas.openxmlformats.org/officeDocument/2006/relationships" xmlns:p="http://schemas.openxmlformats.org/presentationml/2006/main">
   <p:cSld>
     <p:spTree>
@@ -6966,7 +7175,7 @@
 </p:sld>
 </file>
 
-<file path=ppt/slides/slide23.xml><?xml version="1.0" encoding="utf-8"?>
+<file path=ppt/slides/slide24.xml><?xml version="1.0" encoding="utf-8"?>
 <p:sld xmlns:a="http://schemas.openxmlformats.org/drawingml/2006/main" xmlns:r="http://schemas.openxmlformats.org/officeDocument/2006/relationships" xmlns:p="http://schemas.openxmlformats.org/presentationml/2006/main">
   <p:cSld>
     <p:spTree>
@@ -7109,7 +7318,7 @@
 </p:sld>
 </file>
 
-<file path=ppt/slides/slide24.xml><?xml version="1.0" encoding="utf-8"?>
+<file path=ppt/slides/slide25.xml><?xml version="1.0" encoding="utf-8"?>
 <p:sld xmlns:a="http://schemas.openxmlformats.org/drawingml/2006/main" xmlns:r="http://schemas.openxmlformats.org/officeDocument/2006/relationships" xmlns:p="http://schemas.openxmlformats.org/presentationml/2006/main">
   <p:cSld>
     <p:spTree>
@@ -7337,89 +7546,6 @@
 </p:sld>
 </file>
 
-<file path=ppt/slides/slide25.xml><?xml version="1.0" encoding="utf-8"?>
-<p:sld xmlns:a="http://schemas.openxmlformats.org/drawingml/2006/main" xmlns:r="http://schemas.openxmlformats.org/officeDocument/2006/relationships" xmlns:p="http://schemas.openxmlformats.org/presentationml/2006/main">
-  <p:cSld>
-    <p:spTree>
-      <p:nvGrpSpPr>
-        <p:cNvPr id="1" name=""/>
-        <p:cNvGrpSpPr/>
-        <p:nvPr/>
-      </p:nvGrpSpPr>
-      <p:grpSpPr>
-        <a:xfrm>
-          <a:off x="0" y="0"/>
-          <a:ext cx="0" cy="0"/>
-          <a:chOff x="0" y="0"/>
-          <a:chExt cx="0" cy="0"/>
-        </a:xfrm>
-      </p:grpSpPr>
-      <p:sp>
-        <p:nvSpPr>
-          <p:cNvPr id="2" name="Title 1">
-            <a:extLst>
-              <a:ext uri="{FF2B5EF4-FFF2-40B4-BE49-F238E27FC236}">
-                <a16:creationId xmlns:a16="http://schemas.microsoft.com/office/drawing/2014/main" id="{BE871CBD-6821-D94E-BA30-4EE20461F19B}"/>
-              </a:ext>
-            </a:extLst>
-          </p:cNvPr>
-          <p:cNvSpPr>
-            <a:spLocks noGrp="1"/>
-          </p:cNvSpPr>
-          <p:nvPr>
-            <p:ph type="title"/>
-          </p:nvPr>
-        </p:nvSpPr>
-        <p:spPr/>
-        <p:txBody>
-          <a:bodyPr/>
-          <a:lstStyle/>
-          <a:p>
-            <a:r>
-              <a:rPr lang="en-US" dirty="0"/>
-              <a:t>Some details relevant to the search project</a:t>
-            </a:r>
-          </a:p>
-        </p:txBody>
-      </p:sp>
-      <p:sp>
-        <p:nvSpPr>
-          <p:cNvPr id="3" name="Text Placeholder 2">
-            <a:extLst>
-              <a:ext uri="{FF2B5EF4-FFF2-40B4-BE49-F238E27FC236}">
-                <a16:creationId xmlns:a16="http://schemas.microsoft.com/office/drawing/2014/main" id="{7E0D2C47-D3F9-4140-8910-A2A49FAE3D5F}"/>
-              </a:ext>
-            </a:extLst>
-          </p:cNvPr>
-          <p:cNvSpPr>
-            <a:spLocks noGrp="1"/>
-          </p:cNvSpPr>
-          <p:nvPr>
-            <p:ph type="body" idx="1"/>
-          </p:nvPr>
-        </p:nvSpPr>
-        <p:spPr/>
-        <p:txBody>
-          <a:bodyPr/>
-          <a:lstStyle/>
-          <a:p>
-            <a:endParaRPr lang="en-US"/>
-          </a:p>
-        </p:txBody>
-      </p:sp>
-    </p:spTree>
-    <p:extLst>
-      <p:ext uri="{BB962C8B-B14F-4D97-AF65-F5344CB8AC3E}">
-        <p14:creationId xmlns:p14="http://schemas.microsoft.com/office/powerpoint/2010/main" val="2915452464"/>
-      </p:ext>
-    </p:extLst>
-  </p:cSld>
-  <p:clrMapOvr>
-    <a:masterClrMapping/>
-  </p:clrMapOvr>
-</p:sld>
-</file>
-
 <file path=ppt/slides/slide26.xml><?xml version="1.0" encoding="utf-8"?>
 <p:sld xmlns:a="http://schemas.openxmlformats.org/drawingml/2006/main" xmlns:r="http://schemas.openxmlformats.org/officeDocument/2006/relationships" xmlns:p="http://schemas.openxmlformats.org/presentationml/2006/main">
   <p:cSld>
@@ -7442,7 +7568,7 @@
           <p:cNvPr id="2" name="Title 1">
             <a:extLst>
               <a:ext uri="{FF2B5EF4-FFF2-40B4-BE49-F238E27FC236}">
-                <a16:creationId xmlns:a16="http://schemas.microsoft.com/office/drawing/2014/main" id="{3EB62973-3556-0E46-88DA-7DE099DCF64B}"/>
+                <a16:creationId xmlns:a16="http://schemas.microsoft.com/office/drawing/2014/main" id="{BE871CBD-6821-D94E-BA30-4EE20461F19B}"/>
               </a:ext>
             </a:extLst>
           </p:cNvPr>
@@ -7460,125 +7586,40 @@
           <a:p>
             <a:r>
               <a:rPr lang="en-US" dirty="0"/>
-              <a:t>Review: tuples</a:t>
-            </a:r>
-          </a:p>
-        </p:txBody>
-      </p:sp>
-      <p:sp>
-        <p:nvSpPr>
-          <p:cNvPr id="3" name="Content Placeholder 2">
-            <a:extLst>
-              <a:ext uri="{FF2B5EF4-FFF2-40B4-BE49-F238E27FC236}">
-                <a16:creationId xmlns:a16="http://schemas.microsoft.com/office/drawing/2014/main" id="{C69807BC-8F3C-064E-9422-53AB1DB5D359}"/>
-              </a:ext>
-            </a:extLst>
-          </p:cNvPr>
-          <p:cNvSpPr>
-            <a:spLocks noGrp="1"/>
-          </p:cNvSpPr>
-          <p:nvPr>
-            <p:ph idx="1"/>
-          </p:nvPr>
-        </p:nvSpPr>
-        <p:spPr>
-          <a:xfrm>
-            <a:off x="838200" y="1550504"/>
-            <a:ext cx="10515600" cy="4626459"/>
-          </a:xfrm>
-        </p:spPr>
+              <a:t>Some details relevant to the search project</a:t>
+            </a:r>
+          </a:p>
+        </p:txBody>
+      </p:sp>
+      <p:sp>
+        <p:nvSpPr>
+          <p:cNvPr id="3" name="Text Placeholder 2">
+            <a:extLst>
+              <a:ext uri="{FF2B5EF4-FFF2-40B4-BE49-F238E27FC236}">
+                <a16:creationId xmlns:a16="http://schemas.microsoft.com/office/drawing/2014/main" id="{7E0D2C47-D3F9-4140-8910-A2A49FAE3D5F}"/>
+              </a:ext>
+            </a:extLst>
+          </p:cNvPr>
+          <p:cNvSpPr>
+            <a:spLocks noGrp="1"/>
+          </p:cNvSpPr>
+          <p:nvPr>
+            <p:ph type="body" idx="1"/>
+          </p:nvPr>
+        </p:nvSpPr>
+        <p:spPr/>
         <p:txBody>
           <a:bodyPr/>
           <a:lstStyle/>
           <a:p>
-            <a:r>
-              <a:rPr lang="en-US" dirty="0"/>
-              <a:t>A tuple is an </a:t>
-            </a:r>
-            <a:r>
-              <a:rPr lang="en-US" i="1" dirty="0"/>
-              <a:t>immutable</a:t>
-            </a:r>
-            <a:r>
-              <a:rPr lang="en-US" dirty="0"/>
-              <a:t> list and uses parentheses rather than square brackets for notation</a:t>
-            </a:r>
-          </a:p>
-          <a:p>
-            <a:r>
-              <a:rPr lang="en-US" dirty="0"/>
-              <a:t>Tuples are often used to group related elements:</a:t>
-            </a:r>
-          </a:p>
-          <a:p>
-            <a:endParaRPr lang="en-US" dirty="0"/>
-          </a:p>
-        </p:txBody>
-      </p:sp>
-      <p:pic>
-        <p:nvPicPr>
-          <p:cNvPr id="7" name="Picture 6" descr="Text&#10;&#10;Description automatically generated">
-            <a:extLst>
-              <a:ext uri="{FF2B5EF4-FFF2-40B4-BE49-F238E27FC236}">
-                <a16:creationId xmlns:a16="http://schemas.microsoft.com/office/drawing/2014/main" id="{F352FAA3-3B4B-0A46-9E6C-1ECC4432EBB5}"/>
-              </a:ext>
-            </a:extLst>
-          </p:cNvPr>
-          <p:cNvPicPr>
-            <a:picLocks noChangeAspect="1"/>
-          </p:cNvPicPr>
-          <p:nvPr/>
-        </p:nvPicPr>
-        <p:blipFill>
-          <a:blip r:embed="rId2"/>
-          <a:stretch>
-            <a:fillRect/>
-          </a:stretch>
-        </p:blipFill>
-        <p:spPr>
-          <a:xfrm>
-            <a:off x="1181374" y="3062235"/>
-            <a:ext cx="3228286" cy="3114728"/>
-          </a:xfrm>
-          <a:prstGeom prst="rect">
-            <a:avLst/>
-          </a:prstGeom>
-        </p:spPr>
-      </p:pic>
-      <p:pic>
-        <p:nvPicPr>
-          <p:cNvPr id="5" name="Picture 4" descr="Graphical user interface, text&#10;&#10;Description automatically generated">
-            <a:extLst>
-              <a:ext uri="{FF2B5EF4-FFF2-40B4-BE49-F238E27FC236}">
-                <a16:creationId xmlns:a16="http://schemas.microsoft.com/office/drawing/2014/main" id="{A1C5FB3B-3EE7-8240-B86B-88A7DA6DDB1C}"/>
-              </a:ext>
-            </a:extLst>
-          </p:cNvPr>
-          <p:cNvPicPr>
-            <a:picLocks noChangeAspect="1"/>
-          </p:cNvPicPr>
-          <p:nvPr/>
-        </p:nvPicPr>
-        <p:blipFill>
-          <a:blip r:embed="rId3"/>
-          <a:stretch>
-            <a:fillRect/>
-          </a:stretch>
-        </p:blipFill>
-        <p:spPr>
-          <a:xfrm>
-            <a:off x="4752834" y="3032418"/>
-            <a:ext cx="7322273" cy="2205504"/>
-          </a:xfrm>
-          <a:prstGeom prst="rect">
-            <a:avLst/>
-          </a:prstGeom>
-        </p:spPr>
-      </p:pic>
+            <a:endParaRPr lang="en-US"/>
+          </a:p>
+        </p:txBody>
+      </p:sp>
     </p:spTree>
     <p:extLst>
       <p:ext uri="{BB962C8B-B14F-4D97-AF65-F5344CB8AC3E}">
-        <p14:creationId xmlns:p14="http://schemas.microsoft.com/office/powerpoint/2010/main" val="4205717042"/>
+        <p14:creationId xmlns:p14="http://schemas.microsoft.com/office/powerpoint/2010/main" val="2915452464"/>
       </p:ext>
     </p:extLst>
   </p:cSld>
@@ -7610,7 +7651,7 @@
           <p:cNvPr id="2" name="Title 1">
             <a:extLst>
               <a:ext uri="{FF2B5EF4-FFF2-40B4-BE49-F238E27FC236}">
-                <a16:creationId xmlns:a16="http://schemas.microsoft.com/office/drawing/2014/main" id="{8408865A-9DA4-5242-94A1-38A7304C7B14}"/>
+                <a16:creationId xmlns:a16="http://schemas.microsoft.com/office/drawing/2014/main" id="{3EB62973-3556-0E46-88DA-7DE099DCF64B}"/>
               </a:ext>
             </a:extLst>
           </p:cNvPr>
@@ -7628,7 +7669,7 @@
           <a:p>
             <a:r>
               <a:rPr lang="en-US" dirty="0"/>
-              <a:t>Values can be anything including sets</a:t>
+              <a:t>Review: tuples</a:t>
             </a:r>
           </a:p>
         </p:txBody>
@@ -7638,7 +7679,7 @@
           <p:cNvPr id="3" name="Content Placeholder 2">
             <a:extLst>
               <a:ext uri="{FF2B5EF4-FFF2-40B4-BE49-F238E27FC236}">
-                <a16:creationId xmlns:a16="http://schemas.microsoft.com/office/drawing/2014/main" id="{D1F88D8E-1C70-794E-9475-C935916A58EC}"/>
+                <a16:creationId xmlns:a16="http://schemas.microsoft.com/office/drawing/2014/main" id="{C69807BC-8F3C-064E-9422-53AB1DB5D359}"/>
               </a:ext>
             </a:extLst>
           </p:cNvPr>
@@ -7651,8 +7692,8 @@
         </p:nvSpPr>
         <p:spPr>
           <a:xfrm>
-            <a:off x="838200" y="1825625"/>
-            <a:ext cx="8233162" cy="4351338"/>
+            <a:off x="838200" y="1550504"/>
+            <a:ext cx="10515600" cy="4626459"/>
           </a:xfrm>
         </p:spPr>
         <p:txBody>
@@ -7661,23 +7702,34 @@
           <a:p>
             <a:r>
               <a:rPr lang="en-US" dirty="0"/>
-              <a:t>The tuples used to represent key and value pairs are immutable, but the pair’s value can point at a mutable data structures such as a set</a:t>
-            </a:r>
-          </a:p>
-          <a:p>
-            <a:r>
-              <a:rPr lang="en-US" dirty="0"/>
-              <a:t>Consider a simple list of tuples implementation that maps words to sets of integers</a:t>
-            </a:r>
+              <a:t>A tuple is an </a:t>
+            </a:r>
+            <a:r>
+              <a:rPr lang="en-US" i="1" dirty="0"/>
+              <a:t>immutable</a:t>
+            </a:r>
+            <a:r>
+              <a:rPr lang="en-US" dirty="0"/>
+              <a:t> list and uses parentheses rather than square brackets for notation</a:t>
+            </a:r>
+          </a:p>
+          <a:p>
+            <a:r>
+              <a:rPr lang="en-US" dirty="0"/>
+              <a:t>Tuples are often used to group related elements:</a:t>
+            </a:r>
+          </a:p>
+          <a:p>
+            <a:endParaRPr lang="en-US" dirty="0"/>
           </a:p>
         </p:txBody>
       </p:sp>
       <p:pic>
         <p:nvPicPr>
-          <p:cNvPr id="5" name="Picture 4">
-            <a:extLst>
-              <a:ext uri="{FF2B5EF4-FFF2-40B4-BE49-F238E27FC236}">
-                <a16:creationId xmlns:a16="http://schemas.microsoft.com/office/drawing/2014/main" id="{022E1820-1FE7-6149-8A3D-388878460DCC}"/>
+          <p:cNvPr id="7" name="Picture 6" descr="Text&#10;&#10;Description automatically generated">
+            <a:extLst>
+              <a:ext uri="{FF2B5EF4-FFF2-40B4-BE49-F238E27FC236}">
+                <a16:creationId xmlns:a16="http://schemas.microsoft.com/office/drawing/2014/main" id="{F352FAA3-3B4B-0A46-9E6C-1ECC4432EBB5}"/>
               </a:ext>
             </a:extLst>
           </p:cNvPr>
@@ -7694,8 +7746,8 @@
         </p:blipFill>
         <p:spPr>
           <a:xfrm>
-            <a:off x="1164452" y="4189025"/>
-            <a:ext cx="6832600" cy="546100"/>
+            <a:off x="1181374" y="3062235"/>
+            <a:ext cx="3228286" cy="3114728"/>
           </a:xfrm>
           <a:prstGeom prst="rect">
             <a:avLst/>
@@ -7704,10 +7756,10 @@
       </p:pic>
       <p:pic>
         <p:nvPicPr>
-          <p:cNvPr id="7" name="Picture 6" descr="Diagram&#10;&#10;Description automatically generated">
-            <a:extLst>
-              <a:ext uri="{FF2B5EF4-FFF2-40B4-BE49-F238E27FC236}">
-                <a16:creationId xmlns:a16="http://schemas.microsoft.com/office/drawing/2014/main" id="{A840A4C0-7449-E24E-92F1-0E920C22C610}"/>
+          <p:cNvPr id="5" name="Picture 4" descr="Graphical user interface, text&#10;&#10;Description automatically generated">
+            <a:extLst>
+              <a:ext uri="{FF2B5EF4-FFF2-40B4-BE49-F238E27FC236}">
+                <a16:creationId xmlns:a16="http://schemas.microsoft.com/office/drawing/2014/main" id="{A1C5FB3B-3EE7-8240-B86B-88A7DA6DDB1C}"/>
               </a:ext>
             </a:extLst>
           </p:cNvPr>
@@ -7724,8 +7776,8 @@
         </p:blipFill>
         <p:spPr>
           <a:xfrm>
-            <a:off x="9071362" y="3092469"/>
-            <a:ext cx="2501900" cy="2286000"/>
+            <a:off x="4752834" y="3032418"/>
+            <a:ext cx="7322273" cy="2205504"/>
           </a:xfrm>
           <a:prstGeom prst="rect">
             <a:avLst/>
@@ -7735,7 +7787,7 @@
     </p:spTree>
     <p:extLst>
       <p:ext uri="{BB962C8B-B14F-4D97-AF65-F5344CB8AC3E}">
-        <p14:creationId xmlns:p14="http://schemas.microsoft.com/office/powerpoint/2010/main" val="524294227"/>
+        <p14:creationId xmlns:p14="http://schemas.microsoft.com/office/powerpoint/2010/main" val="4205717042"/>
       </p:ext>
     </p:extLst>
   </p:cSld>
@@ -7767,7 +7819,7 @@
           <p:cNvPr id="2" name="Title 1">
             <a:extLst>
               <a:ext uri="{FF2B5EF4-FFF2-40B4-BE49-F238E27FC236}">
-                <a16:creationId xmlns:a16="http://schemas.microsoft.com/office/drawing/2014/main" id="{867175FB-B23E-264F-A7A0-2289FF6D2013}"/>
+                <a16:creationId xmlns:a16="http://schemas.microsoft.com/office/drawing/2014/main" id="{8408865A-9DA4-5242-94A1-38A7304C7B14}"/>
               </a:ext>
             </a:extLst>
           </p:cNvPr>
@@ -7785,7 +7837,7 @@
           <a:p>
             <a:r>
               <a:rPr lang="en-US" dirty="0"/>
-              <a:t>Modifying dictionary set values</a:t>
+              <a:t>Values can be anything including sets</a:t>
             </a:r>
           </a:p>
         </p:txBody>
@@ -7795,7 +7847,7 @@
           <p:cNvPr id="3" name="Content Placeholder 2">
             <a:extLst>
               <a:ext uri="{FF2B5EF4-FFF2-40B4-BE49-F238E27FC236}">
-                <a16:creationId xmlns:a16="http://schemas.microsoft.com/office/drawing/2014/main" id="{B1CEC23F-7DB3-914F-B531-822124B650D0}"/>
+                <a16:creationId xmlns:a16="http://schemas.microsoft.com/office/drawing/2014/main" id="{D1F88D8E-1C70-794E-9475-C935916A58EC}"/>
               </a:ext>
             </a:extLst>
           </p:cNvPr>
@@ -7806,24 +7858,35 @@
             <p:ph idx="1"/>
           </p:nvPr>
         </p:nvSpPr>
-        <p:spPr/>
+        <p:spPr>
+          <a:xfrm>
+            <a:off x="838200" y="1825625"/>
+            <a:ext cx="8233162" cy="4351338"/>
+          </a:xfrm>
+        </p:spPr>
         <p:txBody>
           <a:bodyPr/>
           <a:lstStyle/>
           <a:p>
             <a:r>
               <a:rPr lang="en-US" dirty="0"/>
-              <a:t>If you extract a mutable value from a data structure, you can modify it without having to delete and add an updated version</a:t>
+              <a:t>The tuples used to represent key and value pairs are immutable, but the pair’s value can point at a mutable data structures such as a set</a:t>
+            </a:r>
+          </a:p>
+          <a:p>
+            <a:r>
+              <a:rPr lang="en-US" dirty="0"/>
+              <a:t>Consider a simple list of tuples implementation that maps words to sets of integers</a:t>
             </a:r>
           </a:p>
         </p:txBody>
       </p:sp>
       <p:pic>
         <p:nvPicPr>
-          <p:cNvPr id="5" name="Picture 4" descr="Graphical user interface, text, application, chat or text message&#10;&#10;Description automatically generated">
-            <a:extLst>
-              <a:ext uri="{FF2B5EF4-FFF2-40B4-BE49-F238E27FC236}">
-                <a16:creationId xmlns:a16="http://schemas.microsoft.com/office/drawing/2014/main" id="{B76B1B64-B8A2-1A40-ACEF-1970F99F5AAB}"/>
+          <p:cNvPr id="5" name="Picture 4">
+            <a:extLst>
+              <a:ext uri="{FF2B5EF4-FFF2-40B4-BE49-F238E27FC236}">
+                <a16:creationId xmlns:a16="http://schemas.microsoft.com/office/drawing/2014/main" id="{022E1820-1FE7-6149-8A3D-388878460DCC}"/>
               </a:ext>
             </a:extLst>
           </p:cNvPr>
@@ -7840,8 +7903,8 @@
         </p:blipFill>
         <p:spPr>
           <a:xfrm>
-            <a:off x="4029387" y="3122830"/>
-            <a:ext cx="3556000" cy="1981200"/>
+            <a:off x="1164452" y="4189025"/>
+            <a:ext cx="6832600" cy="546100"/>
           </a:xfrm>
           <a:prstGeom prst="rect">
             <a:avLst/>
@@ -7850,10 +7913,10 @@
       </p:pic>
       <p:pic>
         <p:nvPicPr>
-          <p:cNvPr id="6" name="Picture 5" descr="Diagram&#10;&#10;Description automatically generated">
-            <a:extLst>
-              <a:ext uri="{FF2B5EF4-FFF2-40B4-BE49-F238E27FC236}">
-                <a16:creationId xmlns:a16="http://schemas.microsoft.com/office/drawing/2014/main" id="{B88A2A9B-CA7B-FF4E-9E34-57A295F9CB90}"/>
+          <p:cNvPr id="7" name="Picture 6" descr="Diagram&#10;&#10;Description automatically generated">
+            <a:extLst>
+              <a:ext uri="{FF2B5EF4-FFF2-40B4-BE49-F238E27FC236}">
+                <a16:creationId xmlns:a16="http://schemas.microsoft.com/office/drawing/2014/main" id="{A840A4C0-7449-E24E-92F1-0E920C22C610}"/>
               </a:ext>
             </a:extLst>
           </p:cNvPr>
@@ -7870,68 +7933,8 @@
         </p:blipFill>
         <p:spPr>
           <a:xfrm>
-            <a:off x="777955" y="3137695"/>
+            <a:off x="9071362" y="3092469"/>
             <a:ext cx="2501900" cy="2286000"/>
-          </a:xfrm>
-          <a:prstGeom prst="rect">
-            <a:avLst/>
-          </a:prstGeom>
-        </p:spPr>
-      </p:pic>
-      <p:pic>
-        <p:nvPicPr>
-          <p:cNvPr id="8" name="Picture 7" descr="Diagram&#10;&#10;Description automatically generated">
-            <a:extLst>
-              <a:ext uri="{FF2B5EF4-FFF2-40B4-BE49-F238E27FC236}">
-                <a16:creationId xmlns:a16="http://schemas.microsoft.com/office/drawing/2014/main" id="{DFDBFC81-9E67-1444-B802-95C907257C6E}"/>
-              </a:ext>
-            </a:extLst>
-          </p:cNvPr>
-          <p:cNvPicPr>
-            <a:picLocks noChangeAspect="1"/>
-          </p:cNvPicPr>
-          <p:nvPr/>
-        </p:nvPicPr>
-        <p:blipFill>
-          <a:blip r:embed="rId4"/>
-          <a:stretch>
-            <a:fillRect/>
-          </a:stretch>
-        </p:blipFill>
-        <p:spPr>
-          <a:xfrm>
-            <a:off x="8334919" y="3137695"/>
-            <a:ext cx="3124200" cy="2336800"/>
-          </a:xfrm>
-          <a:prstGeom prst="rect">
-            <a:avLst/>
-          </a:prstGeom>
-        </p:spPr>
-      </p:pic>
-      <p:pic>
-        <p:nvPicPr>
-          <p:cNvPr id="10" name="Picture 9" descr="Graphical user interface, text, application, chat or text message&#10;&#10;Description automatically generated">
-            <a:extLst>
-              <a:ext uri="{FF2B5EF4-FFF2-40B4-BE49-F238E27FC236}">
-                <a16:creationId xmlns:a16="http://schemas.microsoft.com/office/drawing/2014/main" id="{D26CC8F3-983F-044E-9209-AD9E210F2215}"/>
-              </a:ext>
-            </a:extLst>
-          </p:cNvPr>
-          <p:cNvPicPr>
-            <a:picLocks noChangeAspect="1"/>
-          </p:cNvPicPr>
-          <p:nvPr/>
-        </p:nvPicPr>
-        <p:blipFill>
-          <a:blip r:embed="rId5"/>
-          <a:stretch>
-            <a:fillRect/>
-          </a:stretch>
-        </p:blipFill>
-        <p:spPr>
-          <a:xfrm>
-            <a:off x="4029387" y="5249481"/>
-            <a:ext cx="2743200" cy="1028700"/>
           </a:xfrm>
           <a:prstGeom prst="rect">
             <a:avLst/>
@@ -7941,7 +7944,7 @@
     </p:spTree>
     <p:extLst>
       <p:ext uri="{BB962C8B-B14F-4D97-AF65-F5344CB8AC3E}">
-        <p14:creationId xmlns:p14="http://schemas.microsoft.com/office/powerpoint/2010/main" val="1906689198"/>
+        <p14:creationId xmlns:p14="http://schemas.microsoft.com/office/powerpoint/2010/main" val="524294227"/>
       </p:ext>
     </p:extLst>
   </p:cSld>
@@ -7973,7 +7976,7 @@
           <p:cNvPr id="2" name="Title 1">
             <a:extLst>
               <a:ext uri="{FF2B5EF4-FFF2-40B4-BE49-F238E27FC236}">
-                <a16:creationId xmlns:a16="http://schemas.microsoft.com/office/drawing/2014/main" id="{583A80DD-8A14-3B44-AFCB-A655D3F6200B}"/>
+                <a16:creationId xmlns:a16="http://schemas.microsoft.com/office/drawing/2014/main" id="{867175FB-B23E-264F-A7A0-2289FF6D2013}"/>
               </a:ext>
             </a:extLst>
           </p:cNvPr>
@@ -7991,7 +7994,7 @@
           <a:p>
             <a:r>
               <a:rPr lang="en-US" dirty="0"/>
-              <a:t>Summary</a:t>
+              <a:t>Modifying dictionary set values</a:t>
             </a:r>
           </a:p>
         </p:txBody>
@@ -8001,7 +8004,7 @@
           <p:cNvPr id="3" name="Content Placeholder 2">
             <a:extLst>
               <a:ext uri="{FF2B5EF4-FFF2-40B4-BE49-F238E27FC236}">
-                <a16:creationId xmlns:a16="http://schemas.microsoft.com/office/drawing/2014/main" id="{AD0EF75D-BA75-FC4C-9FA5-9ED72046EDAD}"/>
+                <a16:creationId xmlns:a16="http://schemas.microsoft.com/office/drawing/2014/main" id="{B1CEC23F-7DB3-914F-B531-822124B650D0}"/>
               </a:ext>
             </a:extLst>
           </p:cNvPr>
@@ -8019,35 +8022,135 @@
           <a:p>
             <a:r>
               <a:rPr lang="en-US" dirty="0"/>
-              <a:t>Dictionaries and sets are typically implemented with a form of </a:t>
-            </a:r>
-            <a:r>
-              <a:rPr lang="en-US" dirty="0" err="1"/>
-              <a:t>hashtable</a:t>
-            </a:r>
-            <a:r>
-              <a:rPr lang="en-US" dirty="0"/>
-              <a:t> because the key lookup operation is so much faster</a:t>
-            </a:r>
-          </a:p>
-          <a:p>
-            <a:r>
-              <a:rPr lang="en-US" dirty="0"/>
-              <a:t>The speed comes from a partitioning of the search space into a large number of small regions, which are searched linearly</a:t>
-            </a:r>
-          </a:p>
-          <a:p>
-            <a:r>
-              <a:rPr lang="en-US" dirty="0"/>
-              <a:t>If we make enough buckets so that at most there are three keys in each bucket, lookup takes three operations no matter how many keys have been added to the dictionary</a:t>
-            </a:r>
-          </a:p>
-        </p:txBody>
-      </p:sp>
+              <a:t>If you extract a mutable value from a data structure, you can modify it without having to delete and add an updated version</a:t>
+            </a:r>
+          </a:p>
+        </p:txBody>
+      </p:sp>
+      <p:pic>
+        <p:nvPicPr>
+          <p:cNvPr id="5" name="Picture 4" descr="Graphical user interface, text, application, chat or text message&#10;&#10;Description automatically generated">
+            <a:extLst>
+              <a:ext uri="{FF2B5EF4-FFF2-40B4-BE49-F238E27FC236}">
+                <a16:creationId xmlns:a16="http://schemas.microsoft.com/office/drawing/2014/main" id="{B76B1B64-B8A2-1A40-ACEF-1970F99F5AAB}"/>
+              </a:ext>
+            </a:extLst>
+          </p:cNvPr>
+          <p:cNvPicPr>
+            <a:picLocks noChangeAspect="1"/>
+          </p:cNvPicPr>
+          <p:nvPr/>
+        </p:nvPicPr>
+        <p:blipFill>
+          <a:blip r:embed="rId2"/>
+          <a:stretch>
+            <a:fillRect/>
+          </a:stretch>
+        </p:blipFill>
+        <p:spPr>
+          <a:xfrm>
+            <a:off x="4029387" y="3122830"/>
+            <a:ext cx="3556000" cy="1981200"/>
+          </a:xfrm>
+          <a:prstGeom prst="rect">
+            <a:avLst/>
+          </a:prstGeom>
+        </p:spPr>
+      </p:pic>
+      <p:pic>
+        <p:nvPicPr>
+          <p:cNvPr id="6" name="Picture 5" descr="Diagram&#10;&#10;Description automatically generated">
+            <a:extLst>
+              <a:ext uri="{FF2B5EF4-FFF2-40B4-BE49-F238E27FC236}">
+                <a16:creationId xmlns:a16="http://schemas.microsoft.com/office/drawing/2014/main" id="{B88A2A9B-CA7B-FF4E-9E34-57A295F9CB90}"/>
+              </a:ext>
+            </a:extLst>
+          </p:cNvPr>
+          <p:cNvPicPr>
+            <a:picLocks noChangeAspect="1"/>
+          </p:cNvPicPr>
+          <p:nvPr/>
+        </p:nvPicPr>
+        <p:blipFill>
+          <a:blip r:embed="rId3"/>
+          <a:stretch>
+            <a:fillRect/>
+          </a:stretch>
+        </p:blipFill>
+        <p:spPr>
+          <a:xfrm>
+            <a:off x="777955" y="3137695"/>
+            <a:ext cx="2501900" cy="2286000"/>
+          </a:xfrm>
+          <a:prstGeom prst="rect">
+            <a:avLst/>
+          </a:prstGeom>
+        </p:spPr>
+      </p:pic>
+      <p:pic>
+        <p:nvPicPr>
+          <p:cNvPr id="8" name="Picture 7" descr="Diagram&#10;&#10;Description automatically generated">
+            <a:extLst>
+              <a:ext uri="{FF2B5EF4-FFF2-40B4-BE49-F238E27FC236}">
+                <a16:creationId xmlns:a16="http://schemas.microsoft.com/office/drawing/2014/main" id="{DFDBFC81-9E67-1444-B802-95C907257C6E}"/>
+              </a:ext>
+            </a:extLst>
+          </p:cNvPr>
+          <p:cNvPicPr>
+            <a:picLocks noChangeAspect="1"/>
+          </p:cNvPicPr>
+          <p:nvPr/>
+        </p:nvPicPr>
+        <p:blipFill>
+          <a:blip r:embed="rId4"/>
+          <a:stretch>
+            <a:fillRect/>
+          </a:stretch>
+        </p:blipFill>
+        <p:spPr>
+          <a:xfrm>
+            <a:off x="8334919" y="3137695"/>
+            <a:ext cx="3124200" cy="2336800"/>
+          </a:xfrm>
+          <a:prstGeom prst="rect">
+            <a:avLst/>
+          </a:prstGeom>
+        </p:spPr>
+      </p:pic>
+      <p:pic>
+        <p:nvPicPr>
+          <p:cNvPr id="10" name="Picture 9" descr="Graphical user interface, text, application, chat or text message&#10;&#10;Description automatically generated">
+            <a:extLst>
+              <a:ext uri="{FF2B5EF4-FFF2-40B4-BE49-F238E27FC236}">
+                <a16:creationId xmlns:a16="http://schemas.microsoft.com/office/drawing/2014/main" id="{D26CC8F3-983F-044E-9209-AD9E210F2215}"/>
+              </a:ext>
+            </a:extLst>
+          </p:cNvPr>
+          <p:cNvPicPr>
+            <a:picLocks noChangeAspect="1"/>
+          </p:cNvPicPr>
+          <p:nvPr/>
+        </p:nvPicPr>
+        <p:blipFill>
+          <a:blip r:embed="rId5"/>
+          <a:stretch>
+            <a:fillRect/>
+          </a:stretch>
+        </p:blipFill>
+        <p:spPr>
+          <a:xfrm>
+            <a:off x="4029387" y="5249481"/>
+            <a:ext cx="2743200" cy="1028700"/>
+          </a:xfrm>
+          <a:prstGeom prst="rect">
+            <a:avLst/>
+          </a:prstGeom>
+        </p:spPr>
+      </p:pic>
     </p:spTree>
     <p:extLst>
       <p:ext uri="{BB962C8B-B14F-4D97-AF65-F5344CB8AC3E}">
-        <p14:creationId xmlns:p14="http://schemas.microsoft.com/office/powerpoint/2010/main" val="1811907074"/>
+        <p14:creationId xmlns:p14="http://schemas.microsoft.com/office/powerpoint/2010/main" val="1906689198"/>
       </p:ext>
     </p:extLst>
   </p:cSld>
@@ -8079,7 +8182,7 @@
           <p:cNvPr id="2" name="Title 1">
             <a:extLst>
               <a:ext uri="{FF2B5EF4-FFF2-40B4-BE49-F238E27FC236}">
-                <a16:creationId xmlns:a16="http://schemas.microsoft.com/office/drawing/2014/main" id="{BCE15E06-688B-9E42-AE2E-9F228B010A6C}"/>
+                <a16:creationId xmlns:a16="http://schemas.microsoft.com/office/drawing/2014/main" id="{221D08A9-AE0C-E84A-AEC4-0385B0C3EC50}"/>
               </a:ext>
             </a:extLst>
           </p:cNvPr>
@@ -8090,21 +8193,14 @@
             <p:ph type="title"/>
           </p:nvPr>
         </p:nvSpPr>
-        <p:spPr>
-          <a:xfrm>
-            <a:off x="838200" y="365125"/>
-            <a:ext cx="10681252" cy="678485"/>
-          </a:xfrm>
-        </p:spPr>
-        <p:txBody>
-          <a:bodyPr>
-            <a:normAutofit fontScale="90000"/>
-          </a:bodyPr>
-          <a:lstStyle/>
-          <a:p>
-            <a:r>
-              <a:rPr lang="en-US" dirty="0"/>
-              <a:t>Review: Sets</a:t>
+        <p:spPr/>
+        <p:txBody>
+          <a:bodyPr/>
+          <a:lstStyle/>
+          <a:p>
+            <a:r>
+              <a:rPr lang="en-US" dirty="0"/>
+              <a:t>How to search big collections quickly</a:t>
             </a:r>
           </a:p>
         </p:txBody>
@@ -8114,7 +8210,7 @@
           <p:cNvPr id="3" name="Content Placeholder 2">
             <a:extLst>
               <a:ext uri="{FF2B5EF4-FFF2-40B4-BE49-F238E27FC236}">
-                <a16:creationId xmlns:a16="http://schemas.microsoft.com/office/drawing/2014/main" id="{2BF23959-8B94-3D4C-A71E-128E04EDE483}"/>
+                <a16:creationId xmlns:a16="http://schemas.microsoft.com/office/drawing/2014/main" id="{7CD78354-1156-E142-A724-EABF531052BD}"/>
               </a:ext>
             </a:extLst>
           </p:cNvPr>
@@ -8125,134 +8221,62 @@
             <p:ph idx="1"/>
           </p:nvPr>
         </p:nvSpPr>
-        <p:spPr>
-          <a:xfrm>
-            <a:off x="838200" y="1043610"/>
-            <a:ext cx="10515600" cy="5133354"/>
-          </a:xfrm>
-        </p:spPr>
+        <p:spPr/>
         <p:txBody>
           <a:bodyPr/>
           <a:lstStyle/>
           <a:p>
             <a:r>
-              <a:rPr lang="en-US" dirty="0"/>
-              <a:t>A set is just an unordered, unique collection of elements; here is an example using integers:</a:t>
-            </a:r>
-            <a:br>
-              <a:rPr lang="en-US" dirty="0"/>
-            </a:br>
-            <a:r>
-              <a:rPr lang="en-US" sz="2400" dirty="0">
-                <a:latin typeface="Consolas" panose="020B0609020204030204" pitchFamily="49" charset="0"/>
-                <a:cs typeface="Consolas" panose="020B0609020204030204" pitchFamily="49" charset="0"/>
-              </a:rPr>
-              <a:t>ids = {100, 103, 121, 102, 113, 113, 113, 113}</a:t>
-            </a:r>
-            <a:endParaRPr lang="en-US" dirty="0">
-              <a:latin typeface="Consolas" panose="020B0609020204030204" pitchFamily="49" charset="0"/>
-              <a:cs typeface="Consolas" panose="020B0609020204030204" pitchFamily="49" charset="0"/>
-            </a:endParaRPr>
-          </a:p>
-          <a:p>
-            <a:r>
-              <a:rPr lang="en-US" dirty="0"/>
-              <a:t>We can do lots of fun set arithmetic:</a:t>
-            </a:r>
-          </a:p>
-        </p:txBody>
-      </p:sp>
-      <p:pic>
-        <p:nvPicPr>
-          <p:cNvPr id="5" name="Picture 4" descr="Graphical user interface, text, application, chat or text message&#10;&#10;Description automatically generated">
-            <a:extLst>
-              <a:ext uri="{FF2B5EF4-FFF2-40B4-BE49-F238E27FC236}">
-                <a16:creationId xmlns:a16="http://schemas.microsoft.com/office/drawing/2014/main" id="{127EF093-9DB1-C443-9C23-905206414E52}"/>
-              </a:ext>
-            </a:extLst>
-          </p:cNvPr>
-          <p:cNvPicPr>
-            <a:picLocks noChangeAspect="1"/>
-          </p:cNvPicPr>
-          <p:nvPr/>
-        </p:nvPicPr>
-        <p:blipFill>
-          <a:blip r:embed="rId2"/>
-          <a:stretch>
-            <a:fillRect/>
-          </a:stretch>
-        </p:blipFill>
-        <p:spPr>
-          <a:xfrm>
-            <a:off x="1104346" y="2802836"/>
-            <a:ext cx="5255009" cy="2581137"/>
-          </a:xfrm>
-          <a:prstGeom prst="rect">
-            <a:avLst/>
-          </a:prstGeom>
-        </p:spPr>
-      </p:pic>
-      <p:pic>
-        <p:nvPicPr>
-          <p:cNvPr id="6" name="Picture 5" descr="A picture containing diagram&#10;&#10;Description automatically generated">
-            <a:extLst>
-              <a:ext uri="{FF2B5EF4-FFF2-40B4-BE49-F238E27FC236}">
-                <a16:creationId xmlns:a16="http://schemas.microsoft.com/office/drawing/2014/main" id="{8CB64070-2C78-A545-82A2-B6BB159E99A1}"/>
-              </a:ext>
-            </a:extLst>
-          </p:cNvPr>
-          <p:cNvPicPr>
-            <a:picLocks noChangeAspect="1"/>
-          </p:cNvPicPr>
-          <p:nvPr/>
-        </p:nvPicPr>
-        <p:blipFill>
-          <a:blip r:embed="rId3"/>
-          <a:stretch>
-            <a:fillRect/>
-          </a:stretch>
-        </p:blipFill>
-        <p:spPr>
-          <a:xfrm>
-            <a:off x="7838920" y="2733263"/>
-            <a:ext cx="4229916" cy="4052614"/>
-          </a:xfrm>
-          <a:prstGeom prst="rect">
-            <a:avLst/>
-          </a:prstGeom>
-        </p:spPr>
-      </p:pic>
-      <p:sp>
-        <p:nvSpPr>
-          <p:cNvPr id="7" name="TextBox 6">
-            <a:extLst>
-              <a:ext uri="{FF2B5EF4-FFF2-40B4-BE49-F238E27FC236}">
-                <a16:creationId xmlns:a16="http://schemas.microsoft.com/office/drawing/2014/main" id="{02C5BA62-CF5F-7F49-B88F-288F6AFA2FE3}"/>
-              </a:ext>
-            </a:extLst>
-          </p:cNvPr>
-          <p:cNvSpPr txBox="1"/>
-          <p:nvPr/>
-        </p:nvSpPr>
-        <p:spPr>
-          <a:xfrm>
-            <a:off x="8724503" y="2445028"/>
-            <a:ext cx="2709524" cy="400110"/>
-          </a:xfrm>
-          <a:prstGeom prst="rect">
-            <a:avLst/>
-          </a:prstGeom>
-          <a:noFill/>
-        </p:spPr>
-        <p:txBody>
-          <a:bodyPr wrap="none" rtlCol="0">
-            <a:spAutoFit/>
-          </a:bodyPr>
-          <a:lstStyle/>
-          <a:p>
-            <a:r>
-              <a:rPr lang="en-US" sz="2000" dirty="0"/>
-              <a:t>Watch out for aliasing!</a:t>
+              <a:rPr lang="en-US" i="1" dirty="0" err="1"/>
+              <a:t>Hashtables</a:t>
+            </a:r>
+            <a:r>
+              <a:rPr lang="en-US" dirty="0"/>
+              <a:t> are data structures that efficiently implement search/lookup operations for sets and dictionaries</a:t>
+            </a:r>
+          </a:p>
+          <a:p>
+            <a:r>
+              <a:rPr lang="en-US" dirty="0"/>
+              <a:t>Sets and dictionaries are abstract data structures, </a:t>
+            </a:r>
+            <a:r>
+              <a:rPr lang="en-US" dirty="0" err="1"/>
+              <a:t>hashtables</a:t>
+            </a:r>
+            <a:r>
+              <a:rPr lang="en-US" dirty="0"/>
+              <a:t> are concrete implementations of those structures</a:t>
+            </a:r>
+          </a:p>
+          <a:p>
+            <a:r>
+              <a:rPr lang="en-US" dirty="0"/>
+              <a:t>Simple lists of elements and lists of tuples work but are slow</a:t>
+            </a:r>
+          </a:p>
+          <a:p>
+            <a:r>
+              <a:rPr lang="en-US" dirty="0" err="1"/>
+              <a:t>Hashtable’s</a:t>
+            </a:r>
+            <a:r>
+              <a:rPr lang="en-US" dirty="0"/>
+              <a:t> </a:t>
+            </a:r>
+            <a:r>
+              <a:rPr lang="en-US" b="1" dirty="0"/>
+              <a:t>key idea</a:t>
+            </a:r>
+            <a:r>
+              <a:rPr lang="en-US" dirty="0"/>
+              <a:t>: partition the search space into well-defined regions so we don’t have to search linearly through the entire collection to find an element</a:t>
+            </a:r>
+          </a:p>
+          <a:p>
+            <a:r>
+              <a:rPr lang="en-US" dirty="0"/>
+              <a:t>We use a (hash) function of the values to partition into buckets</a:t>
             </a:r>
           </a:p>
         </p:txBody>
@@ -8260,7 +8284,113 @@
     </p:spTree>
     <p:extLst>
       <p:ext uri="{BB962C8B-B14F-4D97-AF65-F5344CB8AC3E}">
-        <p14:creationId xmlns:p14="http://schemas.microsoft.com/office/powerpoint/2010/main" val="1906983754"/>
+        <p14:creationId xmlns:p14="http://schemas.microsoft.com/office/powerpoint/2010/main" val="107017084"/>
+      </p:ext>
+    </p:extLst>
+  </p:cSld>
+  <p:clrMapOvr>
+    <a:masterClrMapping/>
+  </p:clrMapOvr>
+</p:sld>
+</file>
+
+<file path=ppt/slides/slide30.xml><?xml version="1.0" encoding="utf-8"?>
+<p:sld xmlns:a="http://schemas.openxmlformats.org/drawingml/2006/main" xmlns:r="http://schemas.openxmlformats.org/officeDocument/2006/relationships" xmlns:p="http://schemas.openxmlformats.org/presentationml/2006/main">
+  <p:cSld>
+    <p:spTree>
+      <p:nvGrpSpPr>
+        <p:cNvPr id="1" name=""/>
+        <p:cNvGrpSpPr/>
+        <p:nvPr/>
+      </p:nvGrpSpPr>
+      <p:grpSpPr>
+        <a:xfrm>
+          <a:off x="0" y="0"/>
+          <a:ext cx="0" cy="0"/>
+          <a:chOff x="0" y="0"/>
+          <a:chExt cx="0" cy="0"/>
+        </a:xfrm>
+      </p:grpSpPr>
+      <p:sp>
+        <p:nvSpPr>
+          <p:cNvPr id="2" name="Title 1">
+            <a:extLst>
+              <a:ext uri="{FF2B5EF4-FFF2-40B4-BE49-F238E27FC236}">
+                <a16:creationId xmlns:a16="http://schemas.microsoft.com/office/drawing/2014/main" id="{583A80DD-8A14-3B44-AFCB-A655D3F6200B}"/>
+              </a:ext>
+            </a:extLst>
+          </p:cNvPr>
+          <p:cNvSpPr>
+            <a:spLocks noGrp="1"/>
+          </p:cNvSpPr>
+          <p:nvPr>
+            <p:ph type="title"/>
+          </p:nvPr>
+        </p:nvSpPr>
+        <p:spPr/>
+        <p:txBody>
+          <a:bodyPr/>
+          <a:lstStyle/>
+          <a:p>
+            <a:r>
+              <a:rPr lang="en-US" dirty="0"/>
+              <a:t>Summary</a:t>
+            </a:r>
+          </a:p>
+        </p:txBody>
+      </p:sp>
+      <p:sp>
+        <p:nvSpPr>
+          <p:cNvPr id="3" name="Content Placeholder 2">
+            <a:extLst>
+              <a:ext uri="{FF2B5EF4-FFF2-40B4-BE49-F238E27FC236}">
+                <a16:creationId xmlns:a16="http://schemas.microsoft.com/office/drawing/2014/main" id="{AD0EF75D-BA75-FC4C-9FA5-9ED72046EDAD}"/>
+              </a:ext>
+            </a:extLst>
+          </p:cNvPr>
+          <p:cNvSpPr>
+            <a:spLocks noGrp="1"/>
+          </p:cNvSpPr>
+          <p:nvPr>
+            <p:ph idx="1"/>
+          </p:nvPr>
+        </p:nvSpPr>
+        <p:spPr/>
+        <p:txBody>
+          <a:bodyPr/>
+          <a:lstStyle/>
+          <a:p>
+            <a:r>
+              <a:rPr lang="en-US" dirty="0"/>
+              <a:t>Dictionaries and sets are typically implemented with a form of </a:t>
+            </a:r>
+            <a:r>
+              <a:rPr lang="en-US" dirty="0" err="1"/>
+              <a:t>hashtable</a:t>
+            </a:r>
+            <a:r>
+              <a:rPr lang="en-US" dirty="0"/>
+              <a:t> because the key lookup operation is so much faster</a:t>
+            </a:r>
+          </a:p>
+          <a:p>
+            <a:r>
+              <a:rPr lang="en-US" dirty="0"/>
+              <a:t>The speed comes from a partitioning of the search space into a large number of small regions, which are searched linearly</a:t>
+            </a:r>
+          </a:p>
+          <a:p>
+            <a:r>
+              <a:rPr lang="en-US" dirty="0"/>
+              <a:t>If we make enough buckets so that at most there are three keys in each bucket, lookup takes three operations no matter how many keys have been added to the dictionary</a:t>
+            </a:r>
+          </a:p>
+        </p:txBody>
+      </p:sp>
+    </p:spTree>
+    <p:extLst>
+      <p:ext uri="{BB962C8B-B14F-4D97-AF65-F5344CB8AC3E}">
+        <p14:creationId xmlns:p14="http://schemas.microsoft.com/office/powerpoint/2010/main" val="1811907074"/>
       </p:ext>
     </p:extLst>
   </p:cSld>
@@ -8292,7 +8422,7 @@
           <p:cNvPr id="2" name="Title 1">
             <a:extLst>
               <a:ext uri="{FF2B5EF4-FFF2-40B4-BE49-F238E27FC236}">
-                <a16:creationId xmlns:a16="http://schemas.microsoft.com/office/drawing/2014/main" id="{A5F097E4-274C-6E44-BD46-EB7FF438F860}"/>
+                <a16:creationId xmlns:a16="http://schemas.microsoft.com/office/drawing/2014/main" id="{BCE15E06-688B-9E42-AE2E-9F228B010A6C}"/>
               </a:ext>
             </a:extLst>
           </p:cNvPr>
@@ -8303,147 +8433,84 @@
             <p:ph type="title"/>
           </p:nvPr>
         </p:nvSpPr>
-        <p:spPr/>
+        <p:spPr>
+          <a:xfrm>
+            <a:off x="838200" y="365125"/>
+            <a:ext cx="10681252" cy="678485"/>
+          </a:xfrm>
+        </p:spPr>
+        <p:txBody>
+          <a:bodyPr>
+            <a:normAutofit fontScale="90000"/>
+          </a:bodyPr>
+          <a:lstStyle/>
+          <a:p>
+            <a:r>
+              <a:rPr lang="en-US" dirty="0"/>
+              <a:t>Review: Sets</a:t>
+            </a:r>
+          </a:p>
+        </p:txBody>
+      </p:sp>
+      <p:sp>
+        <p:nvSpPr>
+          <p:cNvPr id="3" name="Content Placeholder 2">
+            <a:extLst>
+              <a:ext uri="{FF2B5EF4-FFF2-40B4-BE49-F238E27FC236}">
+                <a16:creationId xmlns:a16="http://schemas.microsoft.com/office/drawing/2014/main" id="{2BF23959-8B94-3D4C-A71E-128E04EDE483}"/>
+              </a:ext>
+            </a:extLst>
+          </p:cNvPr>
+          <p:cNvSpPr>
+            <a:spLocks noGrp="1"/>
+          </p:cNvSpPr>
+          <p:nvPr>
+            <p:ph idx="1"/>
+          </p:nvPr>
+        </p:nvSpPr>
+        <p:spPr>
+          <a:xfrm>
+            <a:off x="838200" y="1043610"/>
+            <a:ext cx="10515600" cy="5133354"/>
+          </a:xfrm>
+        </p:spPr>
         <p:txBody>
           <a:bodyPr/>
           <a:lstStyle/>
           <a:p>
             <a:r>
               <a:rPr lang="en-US" dirty="0"/>
-              <a:t>Review: Dictionaries map keys to values</a:t>
-            </a:r>
-          </a:p>
-        </p:txBody>
-      </p:sp>
-      <p:sp>
-        <p:nvSpPr>
-          <p:cNvPr id="3" name="Content Placeholder 2">
-            <a:extLst>
-              <a:ext uri="{FF2B5EF4-FFF2-40B4-BE49-F238E27FC236}">
-                <a16:creationId xmlns:a16="http://schemas.microsoft.com/office/drawing/2014/main" id="{01F87068-425F-B74B-85A0-1BB836D7FDC4}"/>
-              </a:ext>
-            </a:extLst>
-          </p:cNvPr>
-          <p:cNvSpPr>
-            <a:spLocks noGrp="1"/>
-          </p:cNvSpPr>
-          <p:nvPr>
-            <p:ph idx="1"/>
-          </p:nvPr>
-        </p:nvSpPr>
-        <p:spPr>
-          <a:xfrm>
-            <a:off x="838200" y="1520687"/>
-            <a:ext cx="10515600" cy="5049078"/>
-          </a:xfrm>
-        </p:spPr>
-        <p:txBody>
-          <a:bodyPr>
-            <a:normAutofit/>
-          </a:bodyPr>
-          <a:lstStyle/>
-          <a:p>
-            <a:r>
-              <a:rPr lang="en-US" dirty="0"/>
-              <a:t>If we arrange two lists side-by-side and kind of glue them together, we get a </a:t>
-            </a:r>
-            <a:r>
-              <a:rPr lang="en-US" i="1" dirty="0"/>
-              <a:t>dictionary</a:t>
-            </a:r>
-            <a:r>
-              <a:rPr lang="en-US" dirty="0"/>
-              <a:t> (type is </a:t>
-            </a:r>
-            <a:r>
-              <a:rPr lang="en-US" b="1" dirty="0" err="1"/>
-              <a:t>dict</a:t>
-            </a:r>
-            <a:r>
-              <a:rPr lang="en-US" dirty="0"/>
-              <a:t>)</a:t>
-            </a:r>
-            <a:endParaRPr lang="en-US" b="1" dirty="0"/>
-          </a:p>
-          <a:p>
-            <a:r>
-              <a:rPr lang="en-US" dirty="0"/>
-              <a:t>Dictionaries map one value to another, just like a dictionary in the real world maps a word to a definition</a:t>
-            </a:r>
-          </a:p>
-          <a:p>
-            <a:r>
-              <a:rPr lang="en-US" dirty="0"/>
-              <a:t>Here is a sample dictionary:</a:t>
-            </a:r>
-          </a:p>
-          <a:p>
-            <a:endParaRPr lang="en-US" dirty="0"/>
-          </a:p>
-          <a:p>
-            <a:endParaRPr lang="en-US" dirty="0"/>
-          </a:p>
-          <a:p>
-            <a:endParaRPr lang="en-US" dirty="0"/>
-          </a:p>
-          <a:p>
-            <a:r>
-              <a:rPr lang="en-US" dirty="0"/>
-              <a:t>Index by key to get the value; e.g., </a:t>
-            </a:r>
-            <a:r>
-              <a:rPr lang="en-US" dirty="0">
+              <a:t>A set is just an unordered, unique collection of elements; here is an example using integers:</a:t>
+            </a:r>
+            <a:br>
+              <a:rPr lang="en-US" dirty="0"/>
+            </a:br>
+            <a:r>
+              <a:rPr lang="en-US" sz="2400" dirty="0">
                 <a:latin typeface="Consolas" panose="020B0609020204030204" pitchFamily="49" charset="0"/>
                 <a:cs typeface="Consolas" panose="020B0609020204030204" pitchFamily="49" charset="0"/>
               </a:rPr>
-              <a:t>movies['Amadeus']</a:t>
-            </a:r>
-          </a:p>
-        </p:txBody>
-      </p:sp>
-      <p:sp>
-        <p:nvSpPr>
-          <p:cNvPr id="6" name="Rectangle 5">
-            <a:extLst>
-              <a:ext uri="{FF2B5EF4-FFF2-40B4-BE49-F238E27FC236}">
-                <a16:creationId xmlns:a16="http://schemas.microsoft.com/office/drawing/2014/main" id="{2DFA525B-7D42-3745-8834-4D494B50CD04}"/>
-              </a:ext>
-            </a:extLst>
-          </p:cNvPr>
-          <p:cNvSpPr/>
-          <p:nvPr/>
-        </p:nvSpPr>
-        <p:spPr>
-          <a:xfrm>
-            <a:off x="1071087" y="3910257"/>
-            <a:ext cx="5968301" cy="400110"/>
-          </a:xfrm>
-          <a:prstGeom prst="rect">
-            <a:avLst/>
-          </a:prstGeom>
-        </p:spPr>
-        <p:txBody>
-          <a:bodyPr wrap="none">
-            <a:spAutoFit/>
-          </a:bodyPr>
-          <a:lstStyle/>
-          <a:p>
-            <a:r>
-              <a:rPr lang="en-US" sz="2000" dirty="0">
-                <a:latin typeface="Consolas" panose="020B0609020204030204" pitchFamily="49" charset="0"/>
-                <a:cs typeface="Consolas" panose="020B0609020204030204" pitchFamily="49" charset="0"/>
-              </a:rPr>
-              <a:t>movies = {'Amadeus':1984, 'Witness':1985}</a:t>
+              <a:t>ids = {100, 103, 121, 102, 113, 113, 113, 113}</a:t>
+            </a:r>
+            <a:endParaRPr lang="en-US" dirty="0">
+              <a:latin typeface="Consolas" panose="020B0609020204030204" pitchFamily="49" charset="0"/>
+              <a:cs typeface="Consolas" panose="020B0609020204030204" pitchFamily="49" charset="0"/>
+            </a:endParaRPr>
+          </a:p>
+          <a:p>
+            <a:r>
+              <a:rPr lang="en-US" dirty="0"/>
+              <a:t>We can do lots of fun set arithmetic:</a:t>
             </a:r>
           </a:p>
         </p:txBody>
       </p:sp>
       <p:pic>
         <p:nvPicPr>
-          <p:cNvPr id="8" name="Picture 7" descr="Text&#10;&#10;Description automatically generated with medium confidence">
-            <a:extLst>
-              <a:ext uri="{FF2B5EF4-FFF2-40B4-BE49-F238E27FC236}">
-                <a16:creationId xmlns:a16="http://schemas.microsoft.com/office/drawing/2014/main" id="{0A8B9B5D-9038-9C4D-965D-72DF349329ED}"/>
+          <p:cNvPr id="5" name="Picture 4" descr="Graphical user interface, text, application, chat or text message&#10;&#10;Description automatically generated">
+            <a:extLst>
+              <a:ext uri="{FF2B5EF4-FFF2-40B4-BE49-F238E27FC236}">
+                <a16:creationId xmlns:a16="http://schemas.microsoft.com/office/drawing/2014/main" id="{127EF093-9DB1-C443-9C23-905206414E52}"/>
               </a:ext>
             </a:extLst>
           </p:cNvPr>
@@ -8460,226 +8527,83 @@
         </p:blipFill>
         <p:spPr>
           <a:xfrm>
-            <a:off x="3001137" y="4386139"/>
-            <a:ext cx="2108200" cy="812800"/>
+            <a:off x="1104346" y="2802836"/>
+            <a:ext cx="5255009" cy="2581137"/>
           </a:xfrm>
           <a:prstGeom prst="rect">
             <a:avLst/>
           </a:prstGeom>
         </p:spPr>
       </p:pic>
-      <p:sp>
-        <p:nvSpPr>
-          <p:cNvPr id="10" name="Rectangle 9">
-            <a:extLst>
-              <a:ext uri="{FF2B5EF4-FFF2-40B4-BE49-F238E27FC236}">
-                <a16:creationId xmlns:a16="http://schemas.microsoft.com/office/drawing/2014/main" id="{4C705128-242B-E44A-872F-871D35EE4239}"/>
-              </a:ext>
-            </a:extLst>
-          </p:cNvPr>
-          <p:cNvSpPr/>
+      <p:pic>
+        <p:nvPicPr>
+          <p:cNvPr id="6" name="Picture 5" descr="A picture containing diagram&#10;&#10;Description automatically generated">
+            <a:extLst>
+              <a:ext uri="{FF2B5EF4-FFF2-40B4-BE49-F238E27FC236}">
+                <a16:creationId xmlns:a16="http://schemas.microsoft.com/office/drawing/2014/main" id="{8CB64070-2C78-A545-82A2-B6BB159E99A1}"/>
+              </a:ext>
+            </a:extLst>
+          </p:cNvPr>
+          <p:cNvPicPr>
+            <a:picLocks noChangeAspect="1"/>
+          </p:cNvPicPr>
           <p:nvPr/>
-        </p:nvSpPr>
-        <p:spPr>
-          <a:xfrm>
-            <a:off x="2399108" y="3948143"/>
-            <a:ext cx="185066" cy="400110"/>
+        </p:nvPicPr>
+        <p:blipFill>
+          <a:blip r:embed="rId3"/>
+          <a:stretch>
+            <a:fillRect/>
+          </a:stretch>
+        </p:blipFill>
+        <p:spPr>
+          <a:xfrm>
+            <a:off x="7838920" y="2733263"/>
+            <a:ext cx="4229916" cy="4052614"/>
+          </a:xfrm>
+          <a:prstGeom prst="rect">
+            <a:avLst/>
+          </a:prstGeom>
+        </p:spPr>
+      </p:pic>
+      <p:sp>
+        <p:nvSpPr>
+          <p:cNvPr id="7" name="TextBox 6">
+            <a:extLst>
+              <a:ext uri="{FF2B5EF4-FFF2-40B4-BE49-F238E27FC236}">
+                <a16:creationId xmlns:a16="http://schemas.microsoft.com/office/drawing/2014/main" id="{02C5BA62-CF5F-7F49-B88F-288F6AFA2FE3}"/>
+              </a:ext>
+            </a:extLst>
+          </p:cNvPr>
+          <p:cNvSpPr txBox="1"/>
+          <p:nvPr/>
+        </p:nvSpPr>
+        <p:spPr>
+          <a:xfrm>
+            <a:off x="8724503" y="2445028"/>
+            <a:ext cx="2709524" cy="400110"/>
           </a:xfrm>
           <a:prstGeom prst="rect">
             <a:avLst/>
           </a:prstGeom>
           <a:noFill/>
-          <a:ln w="9525">
-            <a:solidFill>
-              <a:srgbClr val="E4754F"/>
-            </a:solidFill>
-          </a:ln>
-        </p:spPr>
-        <p:style>
-          <a:lnRef idx="2">
-            <a:schemeClr val="accent1">
-              <a:shade val="50000"/>
-            </a:schemeClr>
-          </a:lnRef>
-          <a:fillRef idx="1">
-            <a:schemeClr val="accent1"/>
-          </a:fillRef>
-          <a:effectRef idx="0">
-            <a:schemeClr val="accent1"/>
-          </a:effectRef>
-          <a:fontRef idx="minor">
-            <a:schemeClr val="lt1"/>
-          </a:fontRef>
-        </p:style>
-        <p:txBody>
-          <a:bodyPr rtlCol="0" anchor="ctr"/>
-          <a:lstStyle/>
-          <a:p>
-            <a:pPr algn="ctr"/>
-            <a:endParaRPr lang="en-US"/>
-          </a:p>
-        </p:txBody>
-      </p:sp>
-      <p:sp>
-        <p:nvSpPr>
-          <p:cNvPr id="11" name="Rectangle 10">
-            <a:extLst>
-              <a:ext uri="{FF2B5EF4-FFF2-40B4-BE49-F238E27FC236}">
-                <a16:creationId xmlns:a16="http://schemas.microsoft.com/office/drawing/2014/main" id="{2CF5C6C6-1F5C-8348-AE8B-5302068848CE}"/>
-              </a:ext>
-            </a:extLst>
-          </p:cNvPr>
-          <p:cNvSpPr/>
-          <p:nvPr/>
-        </p:nvSpPr>
-        <p:spPr>
-          <a:xfrm>
-            <a:off x="3795278" y="3948143"/>
-            <a:ext cx="185066" cy="400110"/>
-          </a:xfrm>
-          <a:prstGeom prst="rect">
-            <a:avLst/>
-          </a:prstGeom>
-          <a:noFill/>
-          <a:ln w="9525">
-            <a:solidFill>
-              <a:srgbClr val="E4754F"/>
-            </a:solidFill>
-          </a:ln>
-        </p:spPr>
-        <p:style>
-          <a:lnRef idx="2">
-            <a:schemeClr val="accent1">
-              <a:shade val="50000"/>
-            </a:schemeClr>
-          </a:lnRef>
-          <a:fillRef idx="1">
-            <a:schemeClr val="accent1"/>
-          </a:fillRef>
-          <a:effectRef idx="0">
-            <a:schemeClr val="accent1"/>
-          </a:effectRef>
-          <a:fontRef idx="minor">
-            <a:schemeClr val="lt1"/>
-          </a:fontRef>
-        </p:style>
-        <p:txBody>
-          <a:bodyPr rtlCol="0" anchor="ctr"/>
-          <a:lstStyle/>
-          <a:p>
-            <a:pPr algn="ctr"/>
-            <a:endParaRPr lang="en-US"/>
-          </a:p>
-        </p:txBody>
-      </p:sp>
-      <p:sp>
-        <p:nvSpPr>
-          <p:cNvPr id="12" name="Rectangle 11">
-            <a:extLst>
-              <a:ext uri="{FF2B5EF4-FFF2-40B4-BE49-F238E27FC236}">
-                <a16:creationId xmlns:a16="http://schemas.microsoft.com/office/drawing/2014/main" id="{43DD2F8B-DC4A-9742-BB66-C83CEA4B8369}"/>
-              </a:ext>
-            </a:extLst>
-          </p:cNvPr>
-          <p:cNvSpPr/>
-          <p:nvPr/>
-        </p:nvSpPr>
-        <p:spPr>
-          <a:xfrm>
-            <a:off x="6745869" y="3948143"/>
-            <a:ext cx="185066" cy="400110"/>
-          </a:xfrm>
-          <a:prstGeom prst="rect">
-            <a:avLst/>
-          </a:prstGeom>
-          <a:noFill/>
-          <a:ln w="9525">
-            <a:solidFill>
-              <a:srgbClr val="E4754F"/>
-            </a:solidFill>
-          </a:ln>
-        </p:spPr>
-        <p:style>
-          <a:lnRef idx="2">
-            <a:schemeClr val="accent1">
-              <a:shade val="50000"/>
-            </a:schemeClr>
-          </a:lnRef>
-          <a:fillRef idx="1">
-            <a:schemeClr val="accent1"/>
-          </a:fillRef>
-          <a:effectRef idx="0">
-            <a:schemeClr val="accent1"/>
-          </a:effectRef>
-          <a:fontRef idx="minor">
-            <a:schemeClr val="lt1"/>
-          </a:fontRef>
-        </p:style>
-        <p:txBody>
-          <a:bodyPr rtlCol="0" anchor="ctr"/>
-          <a:lstStyle/>
-          <a:p>
-            <a:pPr algn="ctr"/>
-            <a:endParaRPr lang="en-US"/>
-          </a:p>
-        </p:txBody>
-      </p:sp>
-      <p:sp>
-        <p:nvSpPr>
-          <p:cNvPr id="13" name="Rectangle 12">
-            <a:extLst>
-              <a:ext uri="{FF2B5EF4-FFF2-40B4-BE49-F238E27FC236}">
-                <a16:creationId xmlns:a16="http://schemas.microsoft.com/office/drawing/2014/main" id="{1CB1F828-A667-A24C-B8EF-9AA1E0E58C8C}"/>
-              </a:ext>
-            </a:extLst>
-          </p:cNvPr>
-          <p:cNvSpPr/>
-          <p:nvPr/>
-        </p:nvSpPr>
-        <p:spPr>
-          <a:xfrm>
-            <a:off x="6025981" y="3948143"/>
-            <a:ext cx="185066" cy="400110"/>
-          </a:xfrm>
-          <a:prstGeom prst="rect">
-            <a:avLst/>
-          </a:prstGeom>
-          <a:noFill/>
-          <a:ln w="9525">
-            <a:solidFill>
-              <a:srgbClr val="E4754F"/>
-            </a:solidFill>
-          </a:ln>
-        </p:spPr>
-        <p:style>
-          <a:lnRef idx="2">
-            <a:schemeClr val="accent1">
-              <a:shade val="50000"/>
-            </a:schemeClr>
-          </a:lnRef>
-          <a:fillRef idx="1">
-            <a:schemeClr val="accent1"/>
-          </a:fillRef>
-          <a:effectRef idx="0">
-            <a:schemeClr val="accent1"/>
-          </a:effectRef>
-          <a:fontRef idx="minor">
-            <a:schemeClr val="lt1"/>
-          </a:fontRef>
-        </p:style>
-        <p:txBody>
-          <a:bodyPr rtlCol="0" anchor="ctr"/>
-          <a:lstStyle/>
-          <a:p>
-            <a:pPr algn="ctr"/>
-            <a:endParaRPr lang="en-US"/>
+        </p:spPr>
+        <p:txBody>
+          <a:bodyPr wrap="none" rtlCol="0">
+            <a:spAutoFit/>
+          </a:bodyPr>
+          <a:lstStyle/>
+          <a:p>
+            <a:r>
+              <a:rPr lang="en-US" sz="2000" dirty="0"/>
+              <a:t>Watch out for aliasing!</a:t>
+            </a:r>
           </a:p>
         </p:txBody>
       </p:sp>
     </p:spTree>
     <p:extLst>
       <p:ext uri="{BB962C8B-B14F-4D97-AF65-F5344CB8AC3E}">
-        <p14:creationId xmlns:p14="http://schemas.microsoft.com/office/powerpoint/2010/main" val="1054202971"/>
+        <p14:creationId xmlns:p14="http://schemas.microsoft.com/office/powerpoint/2010/main" val="1906983754"/>
       </p:ext>
     </p:extLst>
   </p:cSld>
@@ -8711,7 +8635,7 @@
           <p:cNvPr id="2" name="Title 1">
             <a:extLst>
               <a:ext uri="{FF2B5EF4-FFF2-40B4-BE49-F238E27FC236}">
-                <a16:creationId xmlns:a16="http://schemas.microsoft.com/office/drawing/2014/main" id="{440014B6-71E7-924A-82AB-0F2E214CF60A}"/>
+                <a16:creationId xmlns:a16="http://schemas.microsoft.com/office/drawing/2014/main" id="{A5F097E4-274C-6E44-BD46-EB7FF438F860}"/>
               </a:ext>
             </a:extLst>
           </p:cNvPr>
@@ -8729,17 +8653,140 @@
           <a:p>
             <a:r>
               <a:rPr lang="en-US" dirty="0"/>
-              <a:t>List implementation for sets</a:t>
+              <a:t>Review: Dictionaries map keys to values</a:t>
+            </a:r>
+          </a:p>
+        </p:txBody>
+      </p:sp>
+      <p:sp>
+        <p:nvSpPr>
+          <p:cNvPr id="3" name="Content Placeholder 2">
+            <a:extLst>
+              <a:ext uri="{FF2B5EF4-FFF2-40B4-BE49-F238E27FC236}">
+                <a16:creationId xmlns:a16="http://schemas.microsoft.com/office/drawing/2014/main" id="{01F87068-425F-B74B-85A0-1BB836D7FDC4}"/>
+              </a:ext>
+            </a:extLst>
+          </p:cNvPr>
+          <p:cNvSpPr>
+            <a:spLocks noGrp="1"/>
+          </p:cNvSpPr>
+          <p:nvPr>
+            <p:ph idx="1"/>
+          </p:nvPr>
+        </p:nvSpPr>
+        <p:spPr>
+          <a:xfrm>
+            <a:off x="838200" y="1520687"/>
+            <a:ext cx="10515600" cy="5049078"/>
+          </a:xfrm>
+        </p:spPr>
+        <p:txBody>
+          <a:bodyPr>
+            <a:normAutofit/>
+          </a:bodyPr>
+          <a:lstStyle/>
+          <a:p>
+            <a:r>
+              <a:rPr lang="en-US" dirty="0"/>
+              <a:t>If we arrange two lists side-by-side and kind of glue them together, we get a </a:t>
+            </a:r>
+            <a:r>
+              <a:rPr lang="en-US" i="1" dirty="0"/>
+              <a:t>dictionary</a:t>
+            </a:r>
+            <a:r>
+              <a:rPr lang="en-US" dirty="0"/>
+              <a:t> (type is </a:t>
+            </a:r>
+            <a:r>
+              <a:rPr lang="en-US" b="1" dirty="0" err="1"/>
+              <a:t>dict</a:t>
+            </a:r>
+            <a:r>
+              <a:rPr lang="en-US" dirty="0"/>
+              <a:t>)</a:t>
+            </a:r>
+            <a:endParaRPr lang="en-US" b="1" dirty="0"/>
+          </a:p>
+          <a:p>
+            <a:r>
+              <a:rPr lang="en-US" dirty="0"/>
+              <a:t>Dictionaries map one value to another, just like a dictionary in the real world maps a word to a definition</a:t>
+            </a:r>
+          </a:p>
+          <a:p>
+            <a:r>
+              <a:rPr lang="en-US" dirty="0"/>
+              <a:t>Here is a sample dictionary:</a:t>
+            </a:r>
+          </a:p>
+          <a:p>
+            <a:endParaRPr lang="en-US" dirty="0"/>
+          </a:p>
+          <a:p>
+            <a:endParaRPr lang="en-US" dirty="0"/>
+          </a:p>
+          <a:p>
+            <a:endParaRPr lang="en-US" dirty="0"/>
+          </a:p>
+          <a:p>
+            <a:r>
+              <a:rPr lang="en-US" dirty="0"/>
+              <a:t>Index by key to get the value; e.g., </a:t>
+            </a:r>
+            <a:r>
+              <a:rPr lang="en-US" dirty="0">
+                <a:latin typeface="Consolas" panose="020B0609020204030204" pitchFamily="49" charset="0"/>
+                <a:cs typeface="Consolas" panose="020B0609020204030204" pitchFamily="49" charset="0"/>
+              </a:rPr>
+              <a:t>movies['Amadeus']</a:t>
+            </a:r>
+          </a:p>
+        </p:txBody>
+      </p:sp>
+      <p:sp>
+        <p:nvSpPr>
+          <p:cNvPr id="6" name="Rectangle 5">
+            <a:extLst>
+              <a:ext uri="{FF2B5EF4-FFF2-40B4-BE49-F238E27FC236}">
+                <a16:creationId xmlns:a16="http://schemas.microsoft.com/office/drawing/2014/main" id="{2DFA525B-7D42-3745-8834-4D494B50CD04}"/>
+              </a:ext>
+            </a:extLst>
+          </p:cNvPr>
+          <p:cNvSpPr/>
+          <p:nvPr/>
+        </p:nvSpPr>
+        <p:spPr>
+          <a:xfrm>
+            <a:off x="1071087" y="3910257"/>
+            <a:ext cx="5968301" cy="400110"/>
+          </a:xfrm>
+          <a:prstGeom prst="rect">
+            <a:avLst/>
+          </a:prstGeom>
+        </p:spPr>
+        <p:txBody>
+          <a:bodyPr wrap="none">
+            <a:spAutoFit/>
+          </a:bodyPr>
+          <a:lstStyle/>
+          <a:p>
+            <a:r>
+              <a:rPr lang="en-US" sz="2000" dirty="0">
+                <a:latin typeface="Consolas" panose="020B0609020204030204" pitchFamily="49" charset="0"/>
+                <a:cs typeface="Consolas" panose="020B0609020204030204" pitchFamily="49" charset="0"/>
+              </a:rPr>
+              <a:t>movies = {'Amadeus':1984, 'Witness':1985}</a:t>
             </a:r>
           </a:p>
         </p:txBody>
       </p:sp>
       <p:pic>
         <p:nvPicPr>
-          <p:cNvPr id="7" name="Picture 6" descr="Text&#10;&#10;Description automatically generated with medium confidence">
-            <a:extLst>
-              <a:ext uri="{FF2B5EF4-FFF2-40B4-BE49-F238E27FC236}">
-                <a16:creationId xmlns:a16="http://schemas.microsoft.com/office/drawing/2014/main" id="{447678FC-733A-EB40-AC0D-C598323DF2C7}"/>
+          <p:cNvPr id="8" name="Picture 7" descr="Text&#10;&#10;Description automatically generated with medium confidence">
+            <a:extLst>
+              <a:ext uri="{FF2B5EF4-FFF2-40B4-BE49-F238E27FC236}">
+                <a16:creationId xmlns:a16="http://schemas.microsoft.com/office/drawing/2014/main" id="{0A8B9B5D-9038-9C4D-965D-72DF349329ED}"/>
               </a:ext>
             </a:extLst>
           </p:cNvPr>
@@ -8756,50 +8803,20 @@
         </p:blipFill>
         <p:spPr>
           <a:xfrm>
-            <a:off x="838199" y="3768811"/>
-            <a:ext cx="3349175" cy="1729946"/>
+            <a:off x="3001137" y="4386139"/>
+            <a:ext cx="2108200" cy="812800"/>
           </a:xfrm>
           <a:prstGeom prst="rect">
             <a:avLst/>
           </a:prstGeom>
         </p:spPr>
       </p:pic>
-      <p:pic>
-        <p:nvPicPr>
-          <p:cNvPr id="9" name="Picture 8" descr="Graphical user interface, text, application&#10;&#10;Description automatically generated">
-            <a:extLst>
-              <a:ext uri="{FF2B5EF4-FFF2-40B4-BE49-F238E27FC236}">
-                <a16:creationId xmlns:a16="http://schemas.microsoft.com/office/drawing/2014/main" id="{8F261558-D260-454F-93CD-D5BCD27624DE}"/>
-              </a:ext>
-            </a:extLst>
-          </p:cNvPr>
-          <p:cNvPicPr>
-            <a:picLocks noChangeAspect="1"/>
-          </p:cNvPicPr>
-          <p:nvPr/>
-        </p:nvPicPr>
-        <p:blipFill>
-          <a:blip r:embed="rId3"/>
-          <a:stretch>
-            <a:fillRect/>
-          </a:stretch>
-        </p:blipFill>
-        <p:spPr>
-          <a:xfrm>
-            <a:off x="4854210" y="3768811"/>
-            <a:ext cx="6971378" cy="2966544"/>
-          </a:xfrm>
-          <a:prstGeom prst="rect">
-            <a:avLst/>
-          </a:prstGeom>
-        </p:spPr>
-      </p:pic>
       <p:sp>
         <p:nvSpPr>
           <p:cNvPr id="10" name="Rectangle 9">
             <a:extLst>
               <a:ext uri="{FF2B5EF4-FFF2-40B4-BE49-F238E27FC236}">
-                <a16:creationId xmlns:a16="http://schemas.microsoft.com/office/drawing/2014/main" id="{44BDC25C-B6B8-754C-AD9A-9CCB7EA134FF}"/>
+                <a16:creationId xmlns:a16="http://schemas.microsoft.com/office/drawing/2014/main" id="{4C705128-242B-E44A-872F-871D35EE4239}"/>
               </a:ext>
             </a:extLst>
           </p:cNvPr>
@@ -8808,14 +8825,14 @@
         </p:nvSpPr>
         <p:spPr>
           <a:xfrm>
-            <a:off x="6413038" y="4610056"/>
-            <a:ext cx="840378" cy="364151"/>
+            <a:off x="2399108" y="3948143"/>
+            <a:ext cx="185066" cy="400110"/>
           </a:xfrm>
           <a:prstGeom prst="rect">
             <a:avLst/>
           </a:prstGeom>
           <a:noFill/>
-          <a:ln>
+          <a:ln w="9525">
             <a:solidFill>
               <a:srgbClr val="E4754F"/>
             </a:solidFill>
@@ -8851,7 +8868,7 @@
           <p:cNvPr id="11" name="Rectangle 10">
             <a:extLst>
               <a:ext uri="{FF2B5EF4-FFF2-40B4-BE49-F238E27FC236}">
-                <a16:creationId xmlns:a16="http://schemas.microsoft.com/office/drawing/2014/main" id="{DAE8EDAA-872E-3D41-BE32-E6EAAF8B0E41}"/>
+                <a16:creationId xmlns:a16="http://schemas.microsoft.com/office/drawing/2014/main" id="{2CF5C6C6-1F5C-8348-AE8B-5302068848CE}"/>
               </a:ext>
             </a:extLst>
           </p:cNvPr>
@@ -8860,14 +8877,14 @@
         </p:nvSpPr>
         <p:spPr>
           <a:xfrm>
-            <a:off x="6413038" y="6401228"/>
-            <a:ext cx="729167" cy="364151"/>
+            <a:off x="3795278" y="3948143"/>
+            <a:ext cx="185066" cy="400110"/>
           </a:xfrm>
           <a:prstGeom prst="rect">
             <a:avLst/>
           </a:prstGeom>
           <a:noFill/>
-          <a:ln>
+          <a:ln w="9525">
             <a:solidFill>
               <a:srgbClr val="E4754F"/>
             </a:solidFill>
@@ -8900,73 +8917,112 @@
       </p:sp>
       <p:sp>
         <p:nvSpPr>
-          <p:cNvPr id="12" name="TextBox 11">
-            <a:extLst>
-              <a:ext uri="{FF2B5EF4-FFF2-40B4-BE49-F238E27FC236}">
-                <a16:creationId xmlns:a16="http://schemas.microsoft.com/office/drawing/2014/main" id="{FA2E8DCD-27AF-2949-95AB-7F21C71E7866}"/>
-              </a:ext>
-            </a:extLst>
-          </p:cNvPr>
-          <p:cNvSpPr txBox="1"/>
+          <p:cNvPr id="12" name="Rectangle 11">
+            <a:extLst>
+              <a:ext uri="{FF2B5EF4-FFF2-40B4-BE49-F238E27FC236}">
+                <a16:creationId xmlns:a16="http://schemas.microsoft.com/office/drawing/2014/main" id="{43DD2F8B-DC4A-9742-BB66-C83CEA4B8369}"/>
+              </a:ext>
+            </a:extLst>
+          </p:cNvPr>
+          <p:cNvSpPr/>
           <p:nvPr/>
         </p:nvSpPr>
         <p:spPr>
           <a:xfrm>
-            <a:off x="838199" y="6031896"/>
-            <a:ext cx="3416320" cy="369332"/>
+            <a:off x="6745869" y="3948143"/>
+            <a:ext cx="185066" cy="400110"/>
           </a:xfrm>
           <a:prstGeom prst="rect">
             <a:avLst/>
           </a:prstGeom>
           <a:noFill/>
-        </p:spPr>
-        <p:txBody>
-          <a:bodyPr wrap="none" rtlCol="0">
-            <a:spAutoFit/>
-          </a:bodyPr>
-          <a:lstStyle/>
-          <a:p>
-            <a:r>
-              <a:rPr lang="en-US" dirty="0"/>
-              <a:t>Searching linearly is pretty slow</a:t>
-            </a:r>
-          </a:p>
-        </p:txBody>
-      </p:sp>
-      <p:pic>
-        <p:nvPicPr>
-          <p:cNvPr id="20" name="Picture 19" descr="A picture containing text&#10;&#10;Description automatically generated">
-            <a:extLst>
-              <a:ext uri="{FF2B5EF4-FFF2-40B4-BE49-F238E27FC236}">
-                <a16:creationId xmlns:a16="http://schemas.microsoft.com/office/drawing/2014/main" id="{7BE6605A-8C79-3B41-85D0-C811F314649B}"/>
-              </a:ext>
-            </a:extLst>
-          </p:cNvPr>
-          <p:cNvPicPr>
-            <a:picLocks noChangeAspect="1"/>
-          </p:cNvPicPr>
+          <a:ln w="9525">
+            <a:solidFill>
+              <a:srgbClr val="E4754F"/>
+            </a:solidFill>
+          </a:ln>
+        </p:spPr>
+        <p:style>
+          <a:lnRef idx="2">
+            <a:schemeClr val="accent1">
+              <a:shade val="50000"/>
+            </a:schemeClr>
+          </a:lnRef>
+          <a:fillRef idx="1">
+            <a:schemeClr val="accent1"/>
+          </a:fillRef>
+          <a:effectRef idx="0">
+            <a:schemeClr val="accent1"/>
+          </a:effectRef>
+          <a:fontRef idx="minor">
+            <a:schemeClr val="lt1"/>
+          </a:fontRef>
+        </p:style>
+        <p:txBody>
+          <a:bodyPr rtlCol="0" anchor="ctr"/>
+          <a:lstStyle/>
+          <a:p>
+            <a:pPr algn="ctr"/>
+            <a:endParaRPr lang="en-US"/>
+          </a:p>
+        </p:txBody>
+      </p:sp>
+      <p:sp>
+        <p:nvSpPr>
+          <p:cNvPr id="13" name="Rectangle 12">
+            <a:extLst>
+              <a:ext uri="{FF2B5EF4-FFF2-40B4-BE49-F238E27FC236}">
+                <a16:creationId xmlns:a16="http://schemas.microsoft.com/office/drawing/2014/main" id="{1CB1F828-A667-A24C-B8EF-9AA1E0E58C8C}"/>
+              </a:ext>
+            </a:extLst>
+          </p:cNvPr>
+          <p:cNvSpPr/>
           <p:nvPr/>
-        </p:nvPicPr>
-        <p:blipFill>
-          <a:blip r:embed="rId4"/>
-          <a:stretch>
-            <a:fillRect/>
-          </a:stretch>
-        </p:blipFill>
-        <p:spPr>
-          <a:xfrm>
-            <a:off x="838198" y="1445741"/>
-            <a:ext cx="10556601" cy="1876429"/>
+        </p:nvSpPr>
+        <p:spPr>
+          <a:xfrm>
+            <a:off x="6025981" y="3948143"/>
+            <a:ext cx="185066" cy="400110"/>
           </a:xfrm>
           <a:prstGeom prst="rect">
             <a:avLst/>
           </a:prstGeom>
-        </p:spPr>
-      </p:pic>
+          <a:noFill/>
+          <a:ln w="9525">
+            <a:solidFill>
+              <a:srgbClr val="E4754F"/>
+            </a:solidFill>
+          </a:ln>
+        </p:spPr>
+        <p:style>
+          <a:lnRef idx="2">
+            <a:schemeClr val="accent1">
+              <a:shade val="50000"/>
+            </a:schemeClr>
+          </a:lnRef>
+          <a:fillRef idx="1">
+            <a:schemeClr val="accent1"/>
+          </a:fillRef>
+          <a:effectRef idx="0">
+            <a:schemeClr val="accent1"/>
+          </a:effectRef>
+          <a:fontRef idx="minor">
+            <a:schemeClr val="lt1"/>
+          </a:fontRef>
+        </p:style>
+        <p:txBody>
+          <a:bodyPr rtlCol="0" anchor="ctr"/>
+          <a:lstStyle/>
+          <a:p>
+            <a:pPr algn="ctr"/>
+            <a:endParaRPr lang="en-US"/>
+          </a:p>
+        </p:txBody>
+      </p:sp>
     </p:spTree>
     <p:extLst>
       <p:ext uri="{BB962C8B-B14F-4D97-AF65-F5344CB8AC3E}">
-        <p14:creationId xmlns:p14="http://schemas.microsoft.com/office/powerpoint/2010/main" val="3906810074"/>
+        <p14:creationId xmlns:p14="http://schemas.microsoft.com/office/powerpoint/2010/main" val="1054202971"/>
       </p:ext>
     </p:extLst>
   </p:cSld>
@@ -8998,7 +9054,7 @@
           <p:cNvPr id="2" name="Title 1">
             <a:extLst>
               <a:ext uri="{FF2B5EF4-FFF2-40B4-BE49-F238E27FC236}">
-                <a16:creationId xmlns:a16="http://schemas.microsoft.com/office/drawing/2014/main" id="{F665FB1A-6B71-4443-8AD5-119B61158BAB}"/>
+                <a16:creationId xmlns:a16="http://schemas.microsoft.com/office/drawing/2014/main" id="{440014B6-71E7-924A-82AB-0F2E214CF60A}"/>
               </a:ext>
             </a:extLst>
           </p:cNvPr>
@@ -9016,80 +9072,244 @@
           <a:p>
             <a:r>
               <a:rPr lang="en-US" dirty="0"/>
-              <a:t>Can we do better than linear search?</a:t>
-            </a:r>
-          </a:p>
-        </p:txBody>
-      </p:sp>
-      <p:sp>
-        <p:nvSpPr>
-          <p:cNvPr id="3" name="Content Placeholder 2">
-            <a:extLst>
-              <a:ext uri="{FF2B5EF4-FFF2-40B4-BE49-F238E27FC236}">
-                <a16:creationId xmlns:a16="http://schemas.microsoft.com/office/drawing/2014/main" id="{1DA73F58-B641-1146-938A-E5B45C7BE2CA}"/>
-              </a:ext>
-            </a:extLst>
-          </p:cNvPr>
-          <p:cNvSpPr>
-            <a:spLocks noGrp="1"/>
-          </p:cNvSpPr>
-          <p:nvPr>
-            <p:ph idx="1"/>
-          </p:nvPr>
-        </p:nvSpPr>
-        <p:spPr>
-          <a:xfrm>
-            <a:off x="838199" y="1825625"/>
-            <a:ext cx="10641227" cy="4351338"/>
-          </a:xfrm>
-        </p:spPr>
-        <p:txBody>
-          <a:bodyPr/>
-          <a:lstStyle/>
-          <a:p>
-            <a:r>
-              <a:rPr lang="en-US" dirty="0"/>
-              <a:t>Rather than search through every element, let’s partition the set of numbers into 10 buckets so that, on average, we only need to search 1/10 of the elements</a:t>
-            </a:r>
-          </a:p>
-          <a:p>
-            <a:r>
-              <a:rPr lang="en-US" dirty="0"/>
-              <a:t>We partition with a </a:t>
-            </a:r>
-            <a:r>
-              <a:rPr lang="en-US" i="1" dirty="0"/>
-              <a:t>hash</a:t>
-            </a:r>
-            <a:r>
-              <a:rPr lang="en-US" dirty="0"/>
-              <a:t> function that operates on set values</a:t>
-            </a:r>
-          </a:p>
-          <a:p>
-            <a:r>
-              <a:rPr lang="en-US" dirty="0"/>
-              <a:t>We are effectively using something about the value to hint at the location</a:t>
-            </a:r>
-          </a:p>
-          <a:p>
-            <a:r>
-              <a:rPr lang="en-US" dirty="0"/>
-              <a:t>E.g., where does Eric Erickson live in US?</a:t>
-            </a:r>
-          </a:p>
-          <a:p>
-            <a:r>
-              <a:rPr lang="en-US" dirty="0"/>
-              <a:t>Imagine a hash function that gave the postal code given a name (set value)</a:t>
-            </a:r>
-          </a:p>
-        </p:txBody>
-      </p:sp>
+              <a:t>List implementation for sets</a:t>
+            </a:r>
+          </a:p>
+        </p:txBody>
+      </p:sp>
+      <p:pic>
+        <p:nvPicPr>
+          <p:cNvPr id="7" name="Picture 6" descr="Text&#10;&#10;Description automatically generated with medium confidence">
+            <a:extLst>
+              <a:ext uri="{FF2B5EF4-FFF2-40B4-BE49-F238E27FC236}">
+                <a16:creationId xmlns:a16="http://schemas.microsoft.com/office/drawing/2014/main" id="{447678FC-733A-EB40-AC0D-C598323DF2C7}"/>
+              </a:ext>
+            </a:extLst>
+          </p:cNvPr>
+          <p:cNvPicPr>
+            <a:picLocks noChangeAspect="1"/>
+          </p:cNvPicPr>
+          <p:nvPr/>
+        </p:nvPicPr>
+        <p:blipFill>
+          <a:blip r:embed="rId2"/>
+          <a:stretch>
+            <a:fillRect/>
+          </a:stretch>
+        </p:blipFill>
+        <p:spPr>
+          <a:xfrm>
+            <a:off x="838199" y="3768811"/>
+            <a:ext cx="3349175" cy="1729946"/>
+          </a:xfrm>
+          <a:prstGeom prst="rect">
+            <a:avLst/>
+          </a:prstGeom>
+        </p:spPr>
+      </p:pic>
+      <p:pic>
+        <p:nvPicPr>
+          <p:cNvPr id="9" name="Picture 8" descr="Graphical user interface, text, application&#10;&#10;Description automatically generated">
+            <a:extLst>
+              <a:ext uri="{FF2B5EF4-FFF2-40B4-BE49-F238E27FC236}">
+                <a16:creationId xmlns:a16="http://schemas.microsoft.com/office/drawing/2014/main" id="{8F261558-D260-454F-93CD-D5BCD27624DE}"/>
+              </a:ext>
+            </a:extLst>
+          </p:cNvPr>
+          <p:cNvPicPr>
+            <a:picLocks noChangeAspect="1"/>
+          </p:cNvPicPr>
+          <p:nvPr/>
+        </p:nvPicPr>
+        <p:blipFill>
+          <a:blip r:embed="rId3"/>
+          <a:stretch>
+            <a:fillRect/>
+          </a:stretch>
+        </p:blipFill>
+        <p:spPr>
+          <a:xfrm>
+            <a:off x="4854210" y="3768811"/>
+            <a:ext cx="6971378" cy="2966544"/>
+          </a:xfrm>
+          <a:prstGeom prst="rect">
+            <a:avLst/>
+          </a:prstGeom>
+        </p:spPr>
+      </p:pic>
+      <p:sp>
+        <p:nvSpPr>
+          <p:cNvPr id="10" name="Rectangle 9">
+            <a:extLst>
+              <a:ext uri="{FF2B5EF4-FFF2-40B4-BE49-F238E27FC236}">
+                <a16:creationId xmlns:a16="http://schemas.microsoft.com/office/drawing/2014/main" id="{44BDC25C-B6B8-754C-AD9A-9CCB7EA134FF}"/>
+              </a:ext>
+            </a:extLst>
+          </p:cNvPr>
+          <p:cNvSpPr/>
+          <p:nvPr/>
+        </p:nvSpPr>
+        <p:spPr>
+          <a:xfrm>
+            <a:off x="6413038" y="4610056"/>
+            <a:ext cx="840378" cy="364151"/>
+          </a:xfrm>
+          <a:prstGeom prst="rect">
+            <a:avLst/>
+          </a:prstGeom>
+          <a:noFill/>
+          <a:ln>
+            <a:solidFill>
+              <a:srgbClr val="E4754F"/>
+            </a:solidFill>
+          </a:ln>
+        </p:spPr>
+        <p:style>
+          <a:lnRef idx="2">
+            <a:schemeClr val="accent1">
+              <a:shade val="50000"/>
+            </a:schemeClr>
+          </a:lnRef>
+          <a:fillRef idx="1">
+            <a:schemeClr val="accent1"/>
+          </a:fillRef>
+          <a:effectRef idx="0">
+            <a:schemeClr val="accent1"/>
+          </a:effectRef>
+          <a:fontRef idx="minor">
+            <a:schemeClr val="lt1"/>
+          </a:fontRef>
+        </p:style>
+        <p:txBody>
+          <a:bodyPr rtlCol="0" anchor="ctr"/>
+          <a:lstStyle/>
+          <a:p>
+            <a:pPr algn="ctr"/>
+            <a:endParaRPr lang="en-US"/>
+          </a:p>
+        </p:txBody>
+      </p:sp>
+      <p:sp>
+        <p:nvSpPr>
+          <p:cNvPr id="11" name="Rectangle 10">
+            <a:extLst>
+              <a:ext uri="{FF2B5EF4-FFF2-40B4-BE49-F238E27FC236}">
+                <a16:creationId xmlns:a16="http://schemas.microsoft.com/office/drawing/2014/main" id="{DAE8EDAA-872E-3D41-BE32-E6EAAF8B0E41}"/>
+              </a:ext>
+            </a:extLst>
+          </p:cNvPr>
+          <p:cNvSpPr/>
+          <p:nvPr/>
+        </p:nvSpPr>
+        <p:spPr>
+          <a:xfrm>
+            <a:off x="6413038" y="6401228"/>
+            <a:ext cx="729167" cy="364151"/>
+          </a:xfrm>
+          <a:prstGeom prst="rect">
+            <a:avLst/>
+          </a:prstGeom>
+          <a:noFill/>
+          <a:ln>
+            <a:solidFill>
+              <a:srgbClr val="E4754F"/>
+            </a:solidFill>
+          </a:ln>
+        </p:spPr>
+        <p:style>
+          <a:lnRef idx="2">
+            <a:schemeClr val="accent1">
+              <a:shade val="50000"/>
+            </a:schemeClr>
+          </a:lnRef>
+          <a:fillRef idx="1">
+            <a:schemeClr val="accent1"/>
+          </a:fillRef>
+          <a:effectRef idx="0">
+            <a:schemeClr val="accent1"/>
+          </a:effectRef>
+          <a:fontRef idx="minor">
+            <a:schemeClr val="lt1"/>
+          </a:fontRef>
+        </p:style>
+        <p:txBody>
+          <a:bodyPr rtlCol="0" anchor="ctr"/>
+          <a:lstStyle/>
+          <a:p>
+            <a:pPr algn="ctr"/>
+            <a:endParaRPr lang="en-US"/>
+          </a:p>
+        </p:txBody>
+      </p:sp>
+      <p:sp>
+        <p:nvSpPr>
+          <p:cNvPr id="12" name="TextBox 11">
+            <a:extLst>
+              <a:ext uri="{FF2B5EF4-FFF2-40B4-BE49-F238E27FC236}">
+                <a16:creationId xmlns:a16="http://schemas.microsoft.com/office/drawing/2014/main" id="{FA2E8DCD-27AF-2949-95AB-7F21C71E7866}"/>
+              </a:ext>
+            </a:extLst>
+          </p:cNvPr>
+          <p:cNvSpPr txBox="1"/>
+          <p:nvPr/>
+        </p:nvSpPr>
+        <p:spPr>
+          <a:xfrm>
+            <a:off x="838199" y="6031896"/>
+            <a:ext cx="3416320" cy="369332"/>
+          </a:xfrm>
+          <a:prstGeom prst="rect">
+            <a:avLst/>
+          </a:prstGeom>
+          <a:noFill/>
+        </p:spPr>
+        <p:txBody>
+          <a:bodyPr wrap="none" rtlCol="0">
+            <a:spAutoFit/>
+          </a:bodyPr>
+          <a:lstStyle/>
+          <a:p>
+            <a:r>
+              <a:rPr lang="en-US" dirty="0"/>
+              <a:t>Searching linearly is pretty slow</a:t>
+            </a:r>
+          </a:p>
+        </p:txBody>
+      </p:sp>
+      <p:pic>
+        <p:nvPicPr>
+          <p:cNvPr id="20" name="Picture 19" descr="A picture containing text&#10;&#10;Description automatically generated">
+            <a:extLst>
+              <a:ext uri="{FF2B5EF4-FFF2-40B4-BE49-F238E27FC236}">
+                <a16:creationId xmlns:a16="http://schemas.microsoft.com/office/drawing/2014/main" id="{7BE6605A-8C79-3B41-85D0-C811F314649B}"/>
+              </a:ext>
+            </a:extLst>
+          </p:cNvPr>
+          <p:cNvPicPr>
+            <a:picLocks noChangeAspect="1"/>
+          </p:cNvPicPr>
+          <p:nvPr/>
+        </p:nvPicPr>
+        <p:blipFill>
+          <a:blip r:embed="rId4"/>
+          <a:stretch>
+            <a:fillRect/>
+          </a:stretch>
+        </p:blipFill>
+        <p:spPr>
+          <a:xfrm>
+            <a:off x="838198" y="1445741"/>
+            <a:ext cx="10556601" cy="1876429"/>
+          </a:xfrm>
+          <a:prstGeom prst="rect">
+            <a:avLst/>
+          </a:prstGeom>
+        </p:spPr>
+      </p:pic>
     </p:spTree>
     <p:extLst>
       <p:ext uri="{BB962C8B-B14F-4D97-AF65-F5344CB8AC3E}">
-        <p14:creationId xmlns:p14="http://schemas.microsoft.com/office/powerpoint/2010/main" val="479238733"/>
+        <p14:creationId xmlns:p14="http://schemas.microsoft.com/office/powerpoint/2010/main" val="3906810074"/>
       </p:ext>
     </p:extLst>
   </p:cSld>
@@ -9121,7 +9341,7 @@
           <p:cNvPr id="2" name="Title 1">
             <a:extLst>
               <a:ext uri="{FF2B5EF4-FFF2-40B4-BE49-F238E27FC236}">
-                <a16:creationId xmlns:a16="http://schemas.microsoft.com/office/drawing/2014/main" id="{B1F70BD5-63BE-874D-A1BB-45A658B6DEBB}"/>
+                <a16:creationId xmlns:a16="http://schemas.microsoft.com/office/drawing/2014/main" id="{F665FB1A-6B71-4443-8AD5-119B61158BAB}"/>
               </a:ext>
             </a:extLst>
           </p:cNvPr>
@@ -9139,7 +9359,7 @@
           <a:p>
             <a:r>
               <a:rPr lang="en-US" dirty="0"/>
-              <a:t>Partitioning requires a new data structure</a:t>
+              <a:t>Can we do better than linear search?</a:t>
             </a:r>
           </a:p>
         </p:txBody>
@@ -9149,7 +9369,7 @@
           <p:cNvPr id="3" name="Content Placeholder 2">
             <a:extLst>
               <a:ext uri="{FF2B5EF4-FFF2-40B4-BE49-F238E27FC236}">
-                <a16:creationId xmlns:a16="http://schemas.microsoft.com/office/drawing/2014/main" id="{1B930871-66E0-FC43-A766-4CB811C7E5EE}"/>
+                <a16:creationId xmlns:a16="http://schemas.microsoft.com/office/drawing/2014/main" id="{1DA73F58-B641-1146-938A-E5B45C7BE2CA}"/>
               </a:ext>
             </a:extLst>
           </p:cNvPr>
@@ -9162,8 +9382,8 @@
         </p:nvSpPr>
         <p:spPr>
           <a:xfrm>
-            <a:off x="838200" y="1825625"/>
-            <a:ext cx="8429368" cy="4351338"/>
+            <a:off x="838199" y="1825625"/>
+            <a:ext cx="10641227" cy="4351338"/>
           </a:xfrm>
         </p:spPr>
         <p:txBody>
@@ -9172,57 +9392,47 @@
           <a:p>
             <a:r>
               <a:rPr lang="en-US" dirty="0"/>
-              <a:t>Rather than a list of set values, we need a list of regions called buckets where each bucket is a list of values</a:t>
-            </a:r>
-          </a:p>
-          <a:p>
-            <a:r>
-              <a:rPr lang="en-US" dirty="0"/>
-              <a:t>The hash of a value leads to the bucket index</a:t>
-            </a:r>
-          </a:p>
-          <a:p>
-            <a:r>
-              <a:rPr lang="en-US" dirty="0"/>
-              <a:t>For sets of integers, let’s use the value modulo 10 to uniquely place values into one of 10 buckets, indexed 0..9</a:t>
-            </a:r>
-          </a:p>
-        </p:txBody>
-      </p:sp>
-      <p:pic>
-        <p:nvPicPr>
-          <p:cNvPr id="5" name="Picture 4" descr="Diagram&#10;&#10;Description automatically generated">
-            <a:extLst>
-              <a:ext uri="{FF2B5EF4-FFF2-40B4-BE49-F238E27FC236}">
-                <a16:creationId xmlns:a16="http://schemas.microsoft.com/office/drawing/2014/main" id="{E508AD8E-260B-4241-8905-98400855951F}"/>
-              </a:ext>
-            </a:extLst>
-          </p:cNvPr>
-          <p:cNvPicPr>
-            <a:picLocks noChangeAspect="1"/>
-          </p:cNvPicPr>
-          <p:nvPr/>
-        </p:nvPicPr>
-        <p:blipFill>
-          <a:blip r:embed="rId2"/>
-          <a:stretch>
-            <a:fillRect/>
-          </a:stretch>
-        </p:blipFill>
-        <p:spPr>
-          <a:xfrm>
-            <a:off x="9947189" y="1486757"/>
-            <a:ext cx="1936407" cy="4833846"/>
-          </a:xfrm>
-          <a:prstGeom prst="rect">
-            <a:avLst/>
-          </a:prstGeom>
-        </p:spPr>
-      </p:pic>
+              <a:t>Rather than search through every element, let’s partition the set of numbers into 10 buckets so that, on average, we only need to search 1/10 of the elements</a:t>
+            </a:r>
+          </a:p>
+          <a:p>
+            <a:r>
+              <a:rPr lang="en-US" dirty="0"/>
+              <a:t>We partition with a </a:t>
+            </a:r>
+            <a:r>
+              <a:rPr lang="en-US" i="1" dirty="0"/>
+              <a:t>hash</a:t>
+            </a:r>
+            <a:r>
+              <a:rPr lang="en-US" dirty="0"/>
+              <a:t> function that operates on set values</a:t>
+            </a:r>
+          </a:p>
+          <a:p>
+            <a:r>
+              <a:rPr lang="en-US" dirty="0"/>
+              <a:t>We are effectively using something about the value to hint at the location</a:t>
+            </a:r>
+          </a:p>
+          <a:p>
+            <a:r>
+              <a:rPr lang="en-US" dirty="0"/>
+              <a:t>E.g., where does Eric Erickson live in US?</a:t>
+            </a:r>
+          </a:p>
+          <a:p>
+            <a:r>
+              <a:rPr lang="en-US" dirty="0"/>
+              <a:t>Imagine a hash function that gave the postal code given a name (set value)</a:t>
+            </a:r>
+          </a:p>
+        </p:txBody>
+      </p:sp>
     </p:spTree>
     <p:extLst>
       <p:ext uri="{BB962C8B-B14F-4D97-AF65-F5344CB8AC3E}">
-        <p14:creationId xmlns:p14="http://schemas.microsoft.com/office/powerpoint/2010/main" val="3950362222"/>
+        <p14:creationId xmlns:p14="http://schemas.microsoft.com/office/powerpoint/2010/main" val="479238733"/>
       </p:ext>
     </p:extLst>
   </p:cSld>
@@ -9254,7 +9464,7 @@
           <p:cNvPr id="2" name="Title 1">
             <a:extLst>
               <a:ext uri="{FF2B5EF4-FFF2-40B4-BE49-F238E27FC236}">
-                <a16:creationId xmlns:a16="http://schemas.microsoft.com/office/drawing/2014/main" id="{4DF7526D-9A78-2D4D-AC91-8371077147C1}"/>
+                <a16:creationId xmlns:a16="http://schemas.microsoft.com/office/drawing/2014/main" id="{B1F70BD5-63BE-874D-A1BB-45A658B6DEBB}"/>
               </a:ext>
             </a:extLst>
           </p:cNvPr>
@@ -9272,17 +9482,62 @@
           <a:p>
             <a:r>
               <a:rPr lang="en-US" dirty="0"/>
-              <a:t>Partitioning with modulo hash</a:t>
+              <a:t>Partitioning requires a new data structure</a:t>
+            </a:r>
+          </a:p>
+        </p:txBody>
+      </p:sp>
+      <p:sp>
+        <p:nvSpPr>
+          <p:cNvPr id="3" name="Content Placeholder 2">
+            <a:extLst>
+              <a:ext uri="{FF2B5EF4-FFF2-40B4-BE49-F238E27FC236}">
+                <a16:creationId xmlns:a16="http://schemas.microsoft.com/office/drawing/2014/main" id="{1B930871-66E0-FC43-A766-4CB811C7E5EE}"/>
+              </a:ext>
+            </a:extLst>
+          </p:cNvPr>
+          <p:cNvSpPr>
+            <a:spLocks noGrp="1"/>
+          </p:cNvSpPr>
+          <p:nvPr>
+            <p:ph idx="1"/>
+          </p:nvPr>
+        </p:nvSpPr>
+        <p:spPr>
+          <a:xfrm>
+            <a:off x="838200" y="1825625"/>
+            <a:ext cx="8429368" cy="4351338"/>
+          </a:xfrm>
+        </p:spPr>
+        <p:txBody>
+          <a:bodyPr/>
+          <a:lstStyle/>
+          <a:p>
+            <a:r>
+              <a:rPr lang="en-US" dirty="0"/>
+              <a:t>Rather than a list of set values, we need a list of regions called buckets where each bucket is a list of values</a:t>
+            </a:r>
+          </a:p>
+          <a:p>
+            <a:r>
+              <a:rPr lang="en-US" dirty="0"/>
+              <a:t>The hash of a value leads to the bucket index</a:t>
+            </a:r>
+          </a:p>
+          <a:p>
+            <a:r>
+              <a:rPr lang="en-US" dirty="0"/>
+              <a:t>For sets of integers, let’s use the value modulo 10 to uniquely place values into one of 10 buckets, indexed 0..9</a:t>
             </a:r>
           </a:p>
         </p:txBody>
       </p:sp>
       <p:pic>
         <p:nvPicPr>
-          <p:cNvPr id="10" name="Picture 9" descr="Diagram&#10;&#10;Description automatically generated">
-            <a:extLst>
-              <a:ext uri="{FF2B5EF4-FFF2-40B4-BE49-F238E27FC236}">
-                <a16:creationId xmlns:a16="http://schemas.microsoft.com/office/drawing/2014/main" id="{ED648B6B-37B7-AB4E-B212-219795B999E6}"/>
+          <p:cNvPr id="5" name="Picture 4" descr="Diagram&#10;&#10;Description automatically generated">
+            <a:extLst>
+              <a:ext uri="{FF2B5EF4-FFF2-40B4-BE49-F238E27FC236}">
+                <a16:creationId xmlns:a16="http://schemas.microsoft.com/office/drawing/2014/main" id="{E508AD8E-260B-4241-8905-98400855951F}"/>
               </a:ext>
             </a:extLst>
           </p:cNvPr>
@@ -9299,38 +9554,8 @@
         </p:blipFill>
         <p:spPr>
           <a:xfrm>
-            <a:off x="8431942" y="94392"/>
-            <a:ext cx="3619500" cy="6273800"/>
-          </a:xfrm>
-          <a:prstGeom prst="rect">
-            <a:avLst/>
-          </a:prstGeom>
-        </p:spPr>
-      </p:pic>
-      <p:pic>
-        <p:nvPicPr>
-          <p:cNvPr id="12" name="Picture 11" descr="Graphical user interface, text, application&#10;&#10;Description automatically generated">
-            <a:extLst>
-              <a:ext uri="{FF2B5EF4-FFF2-40B4-BE49-F238E27FC236}">
-                <a16:creationId xmlns:a16="http://schemas.microsoft.com/office/drawing/2014/main" id="{F2993C4C-C455-E347-B841-CD4408646AF8}"/>
-              </a:ext>
-            </a:extLst>
-          </p:cNvPr>
-          <p:cNvPicPr>
-            <a:picLocks noChangeAspect="1"/>
-          </p:cNvPicPr>
-          <p:nvPr/>
-        </p:nvPicPr>
-        <p:blipFill>
-          <a:blip r:embed="rId3"/>
-          <a:stretch>
-            <a:fillRect/>
-          </a:stretch>
-        </p:blipFill>
-        <p:spPr>
-          <a:xfrm>
-            <a:off x="934136" y="1590845"/>
-            <a:ext cx="4584149" cy="5020019"/>
+            <a:off x="9947189" y="1486757"/>
+            <a:ext cx="1936407" cy="4833846"/>
           </a:xfrm>
           <a:prstGeom prst="rect">
             <a:avLst/>
@@ -9340,7 +9565,7 @@
     </p:spTree>
     <p:extLst>
       <p:ext uri="{BB962C8B-B14F-4D97-AF65-F5344CB8AC3E}">
-        <p14:creationId xmlns:p14="http://schemas.microsoft.com/office/powerpoint/2010/main" val="3872337958"/>
+        <p14:creationId xmlns:p14="http://schemas.microsoft.com/office/powerpoint/2010/main" val="3950362222"/>
       </p:ext>
     </p:extLst>
   </p:cSld>
@@ -9372,7 +9597,7 @@
           <p:cNvPr id="2" name="Title 1">
             <a:extLst>
               <a:ext uri="{FF2B5EF4-FFF2-40B4-BE49-F238E27FC236}">
-                <a16:creationId xmlns:a16="http://schemas.microsoft.com/office/drawing/2014/main" id="{16F910CD-AD12-164F-95B7-22CB2F40709A}"/>
+                <a16:creationId xmlns:a16="http://schemas.microsoft.com/office/drawing/2014/main" id="{4DF7526D-9A78-2D4D-AC91-8371077147C1}"/>
               </a:ext>
             </a:extLst>
           </p:cNvPr>
@@ -9389,70 +9614,18 @@
           <a:lstStyle/>
           <a:p>
             <a:r>
-              <a:rPr lang="en-US" dirty="0" err="1"/>
-              <a:t>Hashtable</a:t>
-            </a:r>
-            <a:r>
-              <a:rPr lang="en-US" dirty="0"/>
-              <a:t> construction</a:t>
-            </a:r>
-          </a:p>
-        </p:txBody>
-      </p:sp>
-      <p:sp>
-        <p:nvSpPr>
-          <p:cNvPr id="3" name="Content Placeholder 2">
-            <a:extLst>
-              <a:ext uri="{FF2B5EF4-FFF2-40B4-BE49-F238E27FC236}">
-                <a16:creationId xmlns:a16="http://schemas.microsoft.com/office/drawing/2014/main" id="{E2FFDA02-8B54-264C-8999-0B81C29585C0}"/>
-              </a:ext>
-            </a:extLst>
-          </p:cNvPr>
-          <p:cNvSpPr>
-            <a:spLocks noGrp="1"/>
-          </p:cNvSpPr>
-          <p:nvPr>
-            <p:ph idx="1"/>
-          </p:nvPr>
-        </p:nvSpPr>
-        <p:spPr>
-          <a:xfrm>
-            <a:off x="838200" y="1825625"/>
-            <a:ext cx="6958914" cy="4351338"/>
-          </a:xfrm>
-        </p:spPr>
-        <p:txBody>
-          <a:bodyPr/>
-          <a:lstStyle/>
-          <a:p>
-            <a:r>
-              <a:rPr lang="en-US" dirty="0"/>
-              <a:t>Make 10 empty buckets (lists)</a:t>
-            </a:r>
-          </a:p>
-          <a:p>
-            <a:r>
-              <a:rPr lang="en-US" dirty="0"/>
-              <a:t>Add each set element to correct bucket</a:t>
-            </a:r>
-          </a:p>
-          <a:p>
-            <a:r>
-              <a:rPr lang="en-US" dirty="0"/>
-              <a:t>Amounts to appending element to one of 10 lists</a:t>
-            </a:r>
-          </a:p>
-          <a:p>
-            <a:endParaRPr lang="en-US" dirty="0"/>
+              <a:rPr lang="en-US" dirty="0"/>
+              <a:t>Partitioning with modulo hash</a:t>
+            </a:r>
           </a:p>
         </p:txBody>
       </p:sp>
       <p:pic>
         <p:nvPicPr>
-          <p:cNvPr id="5" name="Picture 4" descr="Graphical user interface, text, application&#10;&#10;Description automatically generated">
-            <a:extLst>
-              <a:ext uri="{FF2B5EF4-FFF2-40B4-BE49-F238E27FC236}">
-                <a16:creationId xmlns:a16="http://schemas.microsoft.com/office/drawing/2014/main" id="{CAC632FE-E1FE-D64F-BA31-34C34F0DC654}"/>
+          <p:cNvPr id="10" name="Picture 9" descr="Diagram&#10;&#10;Description automatically generated">
+            <a:extLst>
+              <a:ext uri="{FF2B5EF4-FFF2-40B4-BE49-F238E27FC236}">
+                <a16:creationId xmlns:a16="http://schemas.microsoft.com/office/drawing/2014/main" id="{ED648B6B-37B7-AB4E-B212-219795B999E6}"/>
               </a:ext>
             </a:extLst>
           </p:cNvPr>
@@ -9469,8 +9642,8 @@
         </p:blipFill>
         <p:spPr>
           <a:xfrm>
-            <a:off x="1107819" y="4031048"/>
-            <a:ext cx="6173506" cy="2280852"/>
+            <a:off x="8431942" y="94392"/>
+            <a:ext cx="3619500" cy="6273800"/>
           </a:xfrm>
           <a:prstGeom prst="rect">
             <a:avLst/>
@@ -9479,10 +9652,10 @@
       </p:pic>
       <p:pic>
         <p:nvPicPr>
-          <p:cNvPr id="6" name="Picture 5" descr="Diagram&#10;&#10;Description automatically generated">
-            <a:extLst>
-              <a:ext uri="{FF2B5EF4-FFF2-40B4-BE49-F238E27FC236}">
-                <a16:creationId xmlns:a16="http://schemas.microsoft.com/office/drawing/2014/main" id="{6C2EDD53-6A9F-DF42-80AA-242E57136BE2}"/>
+          <p:cNvPr id="12" name="Picture 11" descr="Graphical user interface, text, application&#10;&#10;Description automatically generated">
+            <a:extLst>
+              <a:ext uri="{FF2B5EF4-FFF2-40B4-BE49-F238E27FC236}">
+                <a16:creationId xmlns:a16="http://schemas.microsoft.com/office/drawing/2014/main" id="{F2993C4C-C455-E347-B841-CD4408646AF8}"/>
               </a:ext>
             </a:extLst>
           </p:cNvPr>
@@ -9499,75 +9672,8 @@
         </p:blipFill>
         <p:spPr>
           <a:xfrm>
-            <a:off x="8431943" y="94391"/>
-            <a:ext cx="3619500" cy="6273800"/>
-          </a:xfrm>
-          <a:prstGeom prst="rect">
-            <a:avLst/>
-          </a:prstGeom>
-        </p:spPr>
-      </p:pic>
-      <p:pic>
-        <p:nvPicPr>
-          <p:cNvPr id="8" name="Picture 7" descr="A picture containing text&#10;&#10;Description automatically generated">
-            <a:extLst>
-              <a:ext uri="{FF2B5EF4-FFF2-40B4-BE49-F238E27FC236}">
-                <a16:creationId xmlns:a16="http://schemas.microsoft.com/office/drawing/2014/main" id="{9E6CF9DD-2719-1C45-8E8D-9CA617755B92}"/>
-              </a:ext>
-            </a:extLst>
-          </p:cNvPr>
-          <p:cNvPicPr>
-            <a:picLocks noChangeAspect="1"/>
-          </p:cNvPicPr>
-          <p:nvPr/>
-        </p:nvPicPr>
-        <p:blipFill>
-          <a:blip r:embed="rId4"/>
-          <a:stretch>
-            <a:fillRect/>
-          </a:stretch>
-        </p:blipFill>
-        <p:spPr>
-          <a:xfrm>
-            <a:off x="4966665" y="3630204"/>
-            <a:ext cx="2830449" cy="801688"/>
-          </a:xfrm>
-          <a:prstGeom prst="rect">
-            <a:avLst/>
-          </a:prstGeom>
-          <a:ln>
-            <a:solidFill>
-              <a:schemeClr val="accent1">
-                <a:lumMod val="75000"/>
-              </a:schemeClr>
-            </a:solidFill>
-          </a:ln>
-        </p:spPr>
-      </p:pic>
-      <p:pic>
-        <p:nvPicPr>
-          <p:cNvPr id="10" name="Picture 9" descr="Icon&#10;&#10;Description automatically generated">
-            <a:extLst>
-              <a:ext uri="{FF2B5EF4-FFF2-40B4-BE49-F238E27FC236}">
-                <a16:creationId xmlns:a16="http://schemas.microsoft.com/office/drawing/2014/main" id="{9C7B73B5-7E02-0D43-AAD0-257E93F48047}"/>
-              </a:ext>
-            </a:extLst>
-          </p:cNvPr>
-          <p:cNvPicPr>
-            <a:picLocks noChangeAspect="1"/>
-          </p:cNvPicPr>
-          <p:nvPr/>
-        </p:nvPicPr>
-        <p:blipFill>
-          <a:blip r:embed="rId5"/>
-          <a:stretch>
-            <a:fillRect/>
-          </a:stretch>
-        </p:blipFill>
-        <p:spPr>
-          <a:xfrm>
-            <a:off x="1107819" y="6368191"/>
-            <a:ext cx="2652240" cy="350825"/>
+            <a:off x="934136" y="1590845"/>
+            <a:ext cx="4584149" cy="5020019"/>
           </a:xfrm>
           <a:prstGeom prst="rect">
             <a:avLst/>
@@ -9577,7 +9683,7 @@
     </p:spTree>
     <p:extLst>
       <p:ext uri="{BB962C8B-B14F-4D97-AF65-F5344CB8AC3E}">
-        <p14:creationId xmlns:p14="http://schemas.microsoft.com/office/powerpoint/2010/main" val="2307960667"/>
+        <p14:creationId xmlns:p14="http://schemas.microsoft.com/office/powerpoint/2010/main" val="3872337958"/>
       </p:ext>
     </p:extLst>
   </p:cSld>

--- a/notes/hashtable.pptx
+++ b/notes/hashtable.pptx
@@ -4198,7 +4198,7 @@
           <a:p>
             <a:r>
               <a:rPr lang="en-US" dirty="0"/>
-              <a:t>Amounts to appending element to one of 10 lists</a:t>
+              <a:t>Amounts to appending each element to one of 10 lists</a:t>
             </a:r>
           </a:p>
           <a:p>
@@ -4657,7 +4657,7 @@
         </p:nvSpPr>
         <p:spPr>
           <a:xfrm>
-            <a:off x="2101298" y="2946848"/>
+            <a:off x="2124158" y="2946848"/>
             <a:ext cx="247254" cy="364151"/>
           </a:xfrm>
           <a:prstGeom prst="rect">
@@ -5324,13 +5324,21 @@
             </a:r>
             <a:r>
               <a:rPr lang="en-US" dirty="0"/>
-              <a:t> work for any value for which we can define a good hash function, one that partitions the space evenly</a:t>
-            </a:r>
-          </a:p>
-          <a:p>
-            <a:r>
-              <a:rPr lang="en-US" dirty="0"/>
-              <a:t>What hash function am I using here?</a:t>
+              <a:t> work for any type of value for which we can define a good hash function, one that partitions the space evenly</a:t>
+            </a:r>
+          </a:p>
+          <a:p>
+            <a:r>
+              <a:rPr lang="en-US" dirty="0"/>
+              <a:t>What </a:t>
+            </a:r>
+            <a:r>
+              <a:rPr lang="en-US" dirty="0" err="1"/>
+              <a:t>key→bucket</a:t>
+            </a:r>
+            <a:r>
+              <a:rPr lang="en-US" dirty="0"/>
+              <a:t> mapping am I using here?</a:t>
             </a:r>
           </a:p>
         </p:txBody>
@@ -5410,7 +5418,7 @@
         <p:spPr>
           <a:xfrm>
             <a:off x="1087065" y="3670919"/>
-            <a:ext cx="6220806" cy="461665"/>
+            <a:ext cx="5159618" cy="461665"/>
           </a:xfrm>
           <a:prstGeom prst="rect">
             <a:avLst/>
@@ -5425,7 +5433,7 @@
           <a:p>
             <a:r>
               <a:rPr lang="en-US" sz="2400" dirty="0"/>
-              <a:t>Hash is distance of char code from ‘a’s code</a:t>
+              <a:t>Distance of char code from ‘a’s code</a:t>
             </a:r>
           </a:p>
         </p:txBody>
@@ -5671,18 +5679,21 @@
             <p:ph type="title"/>
           </p:nvPr>
         </p:nvSpPr>
-        <p:spPr/>
-        <p:txBody>
-          <a:bodyPr/>
-          <a:lstStyle/>
-          <a:p>
-            <a:r>
-              <a:rPr lang="en-US" dirty="0" err="1"/>
-              <a:t>Hashtable</a:t>
-            </a:r>
-            <a:r>
-              <a:rPr lang="en-US" dirty="0"/>
-              <a:t> </a:t>
+        <p:spPr>
+          <a:xfrm>
+            <a:off x="838200" y="365125"/>
+            <a:ext cx="9105900" cy="1006475"/>
+          </a:xfrm>
+        </p:spPr>
+        <p:txBody>
+          <a:bodyPr>
+            <a:normAutofit fontScale="90000"/>
+          </a:bodyPr>
+          <a:lstStyle/>
+          <a:p>
+            <a:r>
+              <a:rPr lang="en-US" dirty="0"/>
+              <a:t>This </a:t>
             </a:r>
             <a:r>
               <a:rPr lang="en-US" dirty="0" err="1"/>
@@ -5690,7 +5701,23 @@
             </a:r>
             <a:r>
               <a:rPr lang="en-US" dirty="0"/>
-              <a:t>. differs only in buckets</a:t>
+              <a:t> of </a:t>
+            </a:r>
+            <a:r>
+              <a:rPr lang="en-US" dirty="0" err="1"/>
+              <a:t>hashtable</a:t>
+            </a:r>
+            <a:r>
+              <a:rPr lang="en-US" dirty="0"/>
+              <a:t> for strings vs </a:t>
+            </a:r>
+            <a:r>
+              <a:rPr lang="en-US" dirty="0" err="1"/>
+              <a:t>ints</a:t>
+            </a:r>
+            <a:r>
+              <a:rPr lang="en-US" dirty="0"/>
+              <a:t> differs only in number of buckets</a:t>
             </a:r>
           </a:p>
         </p:txBody>
@@ -5893,13 +5920,13 @@
           <a:p>
             <a:r>
               <a:rPr lang="en-US" dirty="0"/>
-              <a:t>For our int sets, the hash(x) is just x; the modulo 10 just puts it in one of 10 buckets</a:t>
-            </a:r>
-          </a:p>
-          <a:p>
-            <a:r>
-              <a:rPr lang="en-US" dirty="0"/>
-              <a:t>Same for strings; the hash(x) is in 0..25 but we could stick it into 10 buckets by taking modulo 10</a:t>
+              <a:t>For our int sets, the hash(x) is just x; the modulo 10 just puts it in one of 10 buckets, but we can use any number of buckets</a:t>
+            </a:r>
+          </a:p>
+          <a:p>
+            <a:r>
+              <a:rPr lang="en-US" dirty="0"/>
+              <a:t>Same for strings; the hash(x) could be simply the character code for the first character, but we could squeeze all 26 English chars into 10 buckets by taking modulo 10</a:t>
             </a:r>
           </a:p>
         </p:txBody>
@@ -5997,10 +6024,10 @@
       </p:sp>
       <p:pic>
         <p:nvPicPr>
-          <p:cNvPr id="4" name="Picture 3" descr="Diagram&#10;&#10;Description automatically generated">
-            <a:extLst>
-              <a:ext uri="{FF2B5EF4-FFF2-40B4-BE49-F238E27FC236}">
-                <a16:creationId xmlns:a16="http://schemas.microsoft.com/office/drawing/2014/main" id="{39EEE41D-6B4A-D545-AF91-12E40F69474E}"/>
+          <p:cNvPr id="8" name="Picture 7">
+            <a:extLst>
+              <a:ext uri="{FF2B5EF4-FFF2-40B4-BE49-F238E27FC236}">
+                <a16:creationId xmlns:a16="http://schemas.microsoft.com/office/drawing/2014/main" id="{DFD5B87C-664B-E644-A0B5-6E4FF26915DB}"/>
               </a:ext>
             </a:extLst>
           </p:cNvPr>
@@ -6017,20 +6044,55 @@
         </p:blipFill>
         <p:spPr>
           <a:xfrm>
-            <a:off x="7270502" y="0"/>
-            <a:ext cx="4921498" cy="6858000"/>
+            <a:off x="2361183" y="6488668"/>
+            <a:ext cx="3939541" cy="369332"/>
           </a:xfrm>
           <a:prstGeom prst="rect">
             <a:avLst/>
           </a:prstGeom>
         </p:spPr>
       </p:pic>
+      <p:sp>
+        <p:nvSpPr>
+          <p:cNvPr id="9" name="TextBox 8">
+            <a:extLst>
+              <a:ext uri="{FF2B5EF4-FFF2-40B4-BE49-F238E27FC236}">
+                <a16:creationId xmlns:a16="http://schemas.microsoft.com/office/drawing/2014/main" id="{77B9345D-9215-B248-88A4-226F9EC38BF8}"/>
+              </a:ext>
+            </a:extLst>
+          </p:cNvPr>
+          <p:cNvSpPr txBox="1"/>
+          <p:nvPr/>
+        </p:nvSpPr>
+        <p:spPr>
+          <a:xfrm>
+            <a:off x="678682" y="6411206"/>
+            <a:ext cx="1691489" cy="461665"/>
+          </a:xfrm>
+          <a:prstGeom prst="rect">
+            <a:avLst/>
+          </a:prstGeom>
+          <a:noFill/>
+        </p:spPr>
+        <p:txBody>
+          <a:bodyPr wrap="none" rtlCol="0">
+            <a:spAutoFit/>
+          </a:bodyPr>
+          <a:lstStyle/>
+          <a:p>
+            <a:r>
+              <a:rPr lang="en-US" sz="2400" dirty="0"/>
+              <a:t>Previously:</a:t>
+            </a:r>
+          </a:p>
+        </p:txBody>
+      </p:sp>
       <p:pic>
         <p:nvPicPr>
-          <p:cNvPr id="6" name="Picture 5" descr="Text&#10;&#10;Description automatically generated">
-            <a:extLst>
-              <a:ext uri="{FF2B5EF4-FFF2-40B4-BE49-F238E27FC236}">
-                <a16:creationId xmlns:a16="http://schemas.microsoft.com/office/drawing/2014/main" id="{F8B5E3B4-1E97-AD49-88D8-B2DCC1CE263B}"/>
+          <p:cNvPr id="7" name="Picture 6" descr="Diagram&#10;&#10;Description automatically generated">
+            <a:extLst>
+              <a:ext uri="{FF2B5EF4-FFF2-40B4-BE49-F238E27FC236}">
+                <a16:creationId xmlns:a16="http://schemas.microsoft.com/office/drawing/2014/main" id="{00CB2CE4-5E56-5F49-9562-3015E7F389FA}"/>
               </a:ext>
             </a:extLst>
           </p:cNvPr>
@@ -6047,8 +6109,8 @@
         </p:blipFill>
         <p:spPr>
           <a:xfrm>
-            <a:off x="765555" y="2685765"/>
-            <a:ext cx="5847047" cy="3491198"/>
+            <a:off x="7106800" y="0"/>
+            <a:ext cx="4927840" cy="6858000"/>
           </a:xfrm>
           <a:prstGeom prst="rect">
             <a:avLst/>
@@ -6057,10 +6119,10 @@
       </p:pic>
       <p:pic>
         <p:nvPicPr>
-          <p:cNvPr id="8" name="Picture 7">
-            <a:extLst>
-              <a:ext uri="{FF2B5EF4-FFF2-40B4-BE49-F238E27FC236}">
-                <a16:creationId xmlns:a16="http://schemas.microsoft.com/office/drawing/2014/main" id="{DFD5B87C-664B-E644-A0B5-6E4FF26915DB}"/>
+          <p:cNvPr id="11" name="Picture 10" descr="Text&#10;&#10;Description automatically generated">
+            <a:extLst>
+              <a:ext uri="{FF2B5EF4-FFF2-40B4-BE49-F238E27FC236}">
+                <a16:creationId xmlns:a16="http://schemas.microsoft.com/office/drawing/2014/main" id="{5D14CB54-606B-2244-873E-651F13A01D8C}"/>
               </a:ext>
             </a:extLst>
           </p:cNvPr>
@@ -6077,49 +6139,55 @@
         </p:blipFill>
         <p:spPr>
           <a:xfrm>
-            <a:off x="2361183" y="6488668"/>
-            <a:ext cx="3939541" cy="369332"/>
+            <a:off x="1127760" y="2584096"/>
+            <a:ext cx="5483736" cy="3405223"/>
           </a:xfrm>
           <a:prstGeom prst="rect">
             <a:avLst/>
           </a:prstGeom>
         </p:spPr>
       </p:pic>
-      <p:sp>
-        <p:nvSpPr>
-          <p:cNvPr id="9" name="TextBox 8">
-            <a:extLst>
-              <a:ext uri="{FF2B5EF4-FFF2-40B4-BE49-F238E27FC236}">
-                <a16:creationId xmlns:a16="http://schemas.microsoft.com/office/drawing/2014/main" id="{77B9345D-9215-B248-88A4-226F9EC38BF8}"/>
-              </a:ext>
-            </a:extLst>
-          </p:cNvPr>
-          <p:cNvSpPr txBox="1"/>
+      <p:cxnSp>
+        <p:nvCxnSpPr>
+          <p:cNvPr id="13" name="Straight Arrow Connector 12">
+            <a:extLst>
+              <a:ext uri="{FF2B5EF4-FFF2-40B4-BE49-F238E27FC236}">
+                <a16:creationId xmlns:a16="http://schemas.microsoft.com/office/drawing/2014/main" id="{5629B218-D025-7245-9377-81959D4DE625}"/>
+              </a:ext>
+            </a:extLst>
+          </p:cNvPr>
+          <p:cNvCxnSpPr>
+            <a:cxnSpLocks/>
+          </p:cNvCxnSpPr>
           <p:nvPr/>
-        </p:nvSpPr>
-        <p:spPr>
-          <a:xfrm>
-            <a:off x="678682" y="6411206"/>
-            <a:ext cx="1691489" cy="461665"/>
-          </a:xfrm>
-          <a:prstGeom prst="rect">
+        </p:nvCxnSpPr>
+        <p:spPr>
+          <a:xfrm flipH="1">
+            <a:off x="4180715" y="3184663"/>
+            <a:ext cx="1155945" cy="0"/>
+          </a:xfrm>
+          <a:prstGeom prst="straightConnector1">
             <a:avLst/>
           </a:prstGeom>
-          <a:noFill/>
-        </p:spPr>
-        <p:txBody>
-          <a:bodyPr wrap="none" rtlCol="0">
-            <a:spAutoFit/>
-          </a:bodyPr>
-          <a:lstStyle/>
-          <a:p>
-            <a:r>
-              <a:rPr lang="en-US" sz="2400" dirty="0"/>
-              <a:t>Previously:</a:t>
-            </a:r>
-          </a:p>
-        </p:txBody>
-      </p:sp>
+          <a:ln>
+            <a:tailEnd type="triangle"/>
+          </a:ln>
+        </p:spPr>
+        <p:style>
+          <a:lnRef idx="1">
+            <a:schemeClr val="accent1"/>
+          </a:lnRef>
+          <a:fillRef idx="0">
+            <a:schemeClr val="accent1"/>
+          </a:fillRef>
+          <a:effectRef idx="0">
+            <a:schemeClr val="accent1"/>
+          </a:effectRef>
+          <a:fontRef idx="minor">
+            <a:schemeClr val="tx1"/>
+          </a:fontRef>
+        </p:style>
+      </p:cxnSp>
     </p:spTree>
     <p:extLst>
       <p:ext uri="{BB962C8B-B14F-4D97-AF65-F5344CB8AC3E}">
@@ -6387,7 +6455,12 @@
             <p:ph idx="1"/>
           </p:nvPr>
         </p:nvSpPr>
-        <p:spPr/>
+        <p:spPr>
+          <a:xfrm>
+            <a:off x="838200" y="1825625"/>
+            <a:ext cx="9391650" cy="4351338"/>
+          </a:xfrm>
+        </p:spPr>
         <p:txBody>
           <a:bodyPr/>
           <a:lstStyle/>
@@ -6405,15 +6478,14 @@
           </a:p>
           <a:p>
             <a:r>
-              <a:rPr lang="en-US"/>
+              <a:rPr lang="en-US" dirty="0"/>
               <a:t>Searching through all elements can be prohibitively slow</a:t>
             </a:r>
-            <a:endParaRPr lang="en-US" dirty="0"/>
-          </a:p>
-          <a:p>
-            <a:r>
-              <a:rPr lang="en-US" dirty="0"/>
-              <a:t>We will need to trade some increased complexity and data structure set up time for increased look up speed</a:t>
+          </a:p>
+          <a:p>
+            <a:r>
+              <a:rPr lang="en-US" dirty="0"/>
+              <a:t>We will need to trade some increased complexity and set up time for a data structure in exchange for increased look up speed</a:t>
             </a:r>
           </a:p>
         </p:txBody>
@@ -6961,10 +7033,10 @@
       </p:grpSpPr>
       <p:pic>
         <p:nvPicPr>
-          <p:cNvPr id="22" name="Picture 21" descr="Diagram&#10;&#10;Description automatically generated">
-            <a:extLst>
-              <a:ext uri="{FF2B5EF4-FFF2-40B4-BE49-F238E27FC236}">
-                <a16:creationId xmlns:a16="http://schemas.microsoft.com/office/drawing/2014/main" id="{A8B9DD57-1122-E046-B914-7216C24B8474}"/>
+          <p:cNvPr id="6" name="Picture 5" descr="Diagram&#10;&#10;Description automatically generated">
+            <a:extLst>
+              <a:ext uri="{FF2B5EF4-FFF2-40B4-BE49-F238E27FC236}">
+                <a16:creationId xmlns:a16="http://schemas.microsoft.com/office/drawing/2014/main" id="{CDB689C0-DA1F-7D42-AEDB-1D283E181CF7}"/>
               </a:ext>
             </a:extLst>
           </p:cNvPr>
@@ -6981,8 +7053,8 @@
         </p:blipFill>
         <p:spPr>
           <a:xfrm>
-            <a:off x="7844418" y="2319455"/>
-            <a:ext cx="3977396" cy="3599263"/>
+            <a:off x="8067040" y="2240091"/>
+            <a:ext cx="3581400" cy="3289300"/>
           </a:xfrm>
           <a:prstGeom prst="rect">
             <a:avLst/>
@@ -7056,36 +7128,6 @@
           </a:p>
         </p:txBody>
       </p:sp>
-      <p:pic>
-        <p:nvPicPr>
-          <p:cNvPr id="10" name="Picture 9" descr="Graphical user interface, text, application, chat or text message&#10;&#10;Description automatically generated">
-            <a:extLst>
-              <a:ext uri="{FF2B5EF4-FFF2-40B4-BE49-F238E27FC236}">
-                <a16:creationId xmlns:a16="http://schemas.microsoft.com/office/drawing/2014/main" id="{3A3AA9C4-946F-0142-BAEC-8BE46205B54D}"/>
-              </a:ext>
-            </a:extLst>
-          </p:cNvPr>
-          <p:cNvPicPr>
-            <a:picLocks noChangeAspect="1"/>
-          </p:cNvPicPr>
-          <p:nvPr/>
-        </p:nvPicPr>
-        <p:blipFill>
-          <a:blip r:embed="rId3"/>
-          <a:stretch>
-            <a:fillRect/>
-          </a:stretch>
-        </p:blipFill>
-        <p:spPr>
-          <a:xfrm>
-            <a:off x="1162360" y="3000375"/>
-            <a:ext cx="5473700" cy="3492500"/>
-          </a:xfrm>
-          <a:prstGeom prst="rect">
-            <a:avLst/>
-          </a:prstGeom>
-        </p:spPr>
-      </p:pic>
       <p:sp>
         <p:nvSpPr>
           <p:cNvPr id="11" name="TextBox 10">
@@ -7100,8 +7142,8 @@
         </p:nvSpPr>
         <p:spPr>
           <a:xfrm>
-            <a:off x="7330652" y="1593760"/>
-            <a:ext cx="1413726" cy="646331"/>
+            <a:off x="10332932" y="1319058"/>
+            <a:ext cx="1859068" cy="646331"/>
           </a:xfrm>
           <a:prstGeom prst="rect">
             <a:avLst/>
@@ -7116,7 +7158,7 @@
           <a:p>
             <a:r>
               <a:rPr lang="en-US" dirty="0"/>
-              <a:t>First bucket has 3 pairs</a:t>
+              <a:t>Third bucket has 3 pairs</a:t>
             </a:r>
           </a:p>
         </p:txBody>
@@ -7137,8 +7179,8 @@
         </p:nvCxnSpPr>
         <p:spPr>
           <a:xfrm>
-            <a:off x="8576956" y="2093217"/>
-            <a:ext cx="334845" cy="252328"/>
+            <a:off x="11095043" y="1952225"/>
+            <a:ext cx="0" cy="967097"/>
           </a:xfrm>
           <a:prstGeom prst="straightConnector1">
             <a:avLst/>
@@ -7162,6 +7204,36 @@
           </a:fontRef>
         </p:style>
       </p:cxnSp>
+      <p:pic>
+        <p:nvPicPr>
+          <p:cNvPr id="4" name="Picture 3" descr="Graphical user interface, text&#10;&#10;Description automatically generated">
+            <a:extLst>
+              <a:ext uri="{FF2B5EF4-FFF2-40B4-BE49-F238E27FC236}">
+                <a16:creationId xmlns:a16="http://schemas.microsoft.com/office/drawing/2014/main" id="{D9B5F218-E064-4D49-8978-A3258A54702A}"/>
+              </a:ext>
+            </a:extLst>
+          </p:cNvPr>
+          <p:cNvPicPr>
+            <a:picLocks noChangeAspect="1"/>
+          </p:cNvPicPr>
+          <p:nvPr/>
+        </p:nvPicPr>
+        <p:blipFill>
+          <a:blip r:embed="rId3"/>
+          <a:stretch>
+            <a:fillRect/>
+          </a:stretch>
+        </p:blipFill>
+        <p:spPr>
+          <a:xfrm>
+            <a:off x="1132840" y="2760186"/>
+            <a:ext cx="6435140" cy="3158532"/>
+          </a:xfrm>
+          <a:prstGeom prst="rect">
+            <a:avLst/>
+          </a:prstGeom>
+        </p:spPr>
+      </p:pic>
     </p:spTree>
     <p:extLst>
       <p:ext uri="{BB962C8B-B14F-4D97-AF65-F5344CB8AC3E}">
@@ -7252,7 +7324,7 @@
           <a:p>
             <a:r>
               <a:rPr lang="en-US" dirty="0"/>
-              <a:t>Compute the hash, modulo a number of buckets, to get the bucket index</a:t>
+              <a:t>Compute the hash, modulo the number of buckets, to get the bucket index</a:t>
             </a:r>
           </a:p>
           <a:p>
@@ -7746,7 +7818,7 @@
         </p:blipFill>
         <p:spPr>
           <a:xfrm>
-            <a:off x="1181374" y="3062235"/>
+            <a:off x="838200" y="3062235"/>
             <a:ext cx="3228286" cy="3114728"/>
           </a:xfrm>
           <a:prstGeom prst="rect">
@@ -7776,8 +7848,8 @@
         </p:blipFill>
         <p:spPr>
           <a:xfrm>
-            <a:off x="4752834" y="3032418"/>
-            <a:ext cx="7322273" cy="2205504"/>
+            <a:off x="4231468" y="3032418"/>
+            <a:ext cx="7843639" cy="2362542"/>
           </a:xfrm>
           <a:prstGeom prst="rect">
             <a:avLst/>
@@ -9392,7 +9464,7 @@
           <a:p>
             <a:r>
               <a:rPr lang="en-US" dirty="0"/>
-              <a:t>Rather than search through every element, let’s partition the set of numbers into 10 buckets so that, on average, we only need to search 1/10 of the elements</a:t>
+              <a:t>Rather than search through every element, let’s partition the set of integers into 10 buckets so that, on average, we only need to search 1/10 of the elements</a:t>
             </a:r>
           </a:p>
           <a:p>
@@ -9412,19 +9484,13 @@
           <a:p>
             <a:r>
               <a:rPr lang="en-US" dirty="0"/>
-              <a:t>We are effectively using something about the value to hint at the location</a:t>
-            </a:r>
-          </a:p>
-          <a:p>
-            <a:r>
-              <a:rPr lang="en-US" dirty="0"/>
-              <a:t>E.g., where does Eric Erickson live in US?</a:t>
-            </a:r>
-          </a:p>
-          <a:p>
-            <a:r>
-              <a:rPr lang="en-US" dirty="0"/>
-              <a:t>Imagine a hash function that gave the postal code given a name (set value)</a:t>
+              <a:t>We are effectively using something about the value to hint at the location (which bucket)</a:t>
+            </a:r>
+          </a:p>
+          <a:p>
+            <a:r>
+              <a:rPr lang="en-US" dirty="0"/>
+              <a:t>E.g., where does Eric Erickson live in US? Imagine a hash function that gave the postal code given a name (set value). Faster to search a postal code region than entire country</a:t>
             </a:r>
           </a:p>
         </p:txBody>
@@ -9515,13 +9581,20 @@
           <a:p>
             <a:r>
               <a:rPr lang="en-US" dirty="0"/>
-              <a:t>Rather than a list of set values, we need a list of regions called buckets where each bucket is a list of values</a:t>
+              <a:t>Rather than a list of set values, we break the set into smaller groups, buckets, where each bucket is a list of values</a:t>
             </a:r>
           </a:p>
           <a:p>
             <a:r>
               <a:rPr lang="en-US" dirty="0"/>
               <a:t>The hash of a value leads to the bucket index</a:t>
+            </a:r>
+            <a:br>
+              <a:rPr lang="en-US" dirty="0"/>
+            </a:br>
+            <a:r>
+              <a:rPr lang="en-US" dirty="0"/>
+              <a:t>(this is a simplification and not technically correct)</a:t>
             </a:r>
           </a:p>
           <a:p>
@@ -9554,7 +9627,7 @@
         </p:blipFill>
         <p:spPr>
           <a:xfrm>
-            <a:off x="9947189" y="1486757"/>
+            <a:off x="9752879" y="1486757"/>
             <a:ext cx="1936407" cy="4833846"/>
           </a:xfrm>
           <a:prstGeom prst="rect">
@@ -9680,6 +9753,41 @@
           </a:prstGeom>
         </p:spPr>
       </p:pic>
+      <p:sp>
+        <p:nvSpPr>
+          <p:cNvPr id="3" name="TextBox 2">
+            <a:extLst>
+              <a:ext uri="{FF2B5EF4-FFF2-40B4-BE49-F238E27FC236}">
+                <a16:creationId xmlns:a16="http://schemas.microsoft.com/office/drawing/2014/main" id="{BBCCB414-D814-4E44-8DD0-98892A3A337B}"/>
+              </a:ext>
+            </a:extLst>
+          </p:cNvPr>
+          <p:cNvSpPr txBox="1"/>
+          <p:nvPr/>
+        </p:nvSpPr>
+        <p:spPr>
+          <a:xfrm>
+            <a:off x="4638674" y="3635939"/>
+            <a:ext cx="3110865" cy="1631216"/>
+          </a:xfrm>
+          <a:prstGeom prst="rect">
+            <a:avLst/>
+          </a:prstGeom>
+          <a:noFill/>
+        </p:spPr>
+        <p:txBody>
+          <a:bodyPr wrap="square" rtlCol="0">
+            <a:spAutoFit/>
+          </a:bodyPr>
+          <a:lstStyle/>
+          <a:p>
+            <a:r>
+              <a:rPr lang="en-US" sz="2000" dirty="0"/>
+              <a:t>We don’t care about the meaning of the mapping from key to bucket except that it evenly distributes and is reproducible</a:t>
+            </a:r>
+          </a:p>
+        </p:txBody>
+      </p:sp>
     </p:spTree>
     <p:extLst>
       <p:ext uri="{BB962C8B-B14F-4D97-AF65-F5344CB8AC3E}">
